--- a/course_resources/slides/Used/018_regression_review_stats.pptx
+++ b/course_resources/slides/Used/018_regression_review_stats.pptx
@@ -2,10 +2,19 @@
 <file path=ppt/presentation.xml><?xml version="1.0" encoding="utf-8"?>
 <p:presentation xmlns:a="http://schemas.openxmlformats.org/drawingml/2006/main" xmlns:r="http://schemas.openxmlformats.org/officeDocument/2006/relationships" xmlns:p="http://schemas.openxmlformats.org/presentationml/2006/main" saveSubsetFonts="1" autoCompressPictures="0">
   <p:sldMasterIdLst>
-    <p:sldMasterId id="2147483648" r:id="rId1"/>
+    <p:sldMasterId id="2147483660" r:id="rId1"/>
   </p:sldMasterIdLst>
   <p:sldIdLst>
     <p:sldId id="256" r:id="rId2"/>
+    <p:sldId id="257" r:id="rId3"/>
+    <p:sldId id="258" r:id="rId4"/>
+    <p:sldId id="264" r:id="rId5"/>
+    <p:sldId id="265" r:id="rId6"/>
+    <p:sldId id="259" r:id="rId7"/>
+    <p:sldId id="260" r:id="rId8"/>
+    <p:sldId id="261" r:id="rId9"/>
+    <p:sldId id="263" r:id="rId10"/>
+    <p:sldId id="262" r:id="rId11"/>
   </p:sldIdLst>
   <p:sldSz cx="12192000" cy="6858000"/>
   <p:notesSz cx="6858000" cy="9144000"/>
@@ -13,7 +22,7 @@
     <a:defPPr>
       <a:defRPr lang="en-US"/>
     </a:defPPr>
-    <a:lvl1pPr marL="0" algn="l" defTabSz="914400" rtl="0" eaLnBrk="1" latinLnBrk="0" hangingPunct="1">
+    <a:lvl1pPr marL="0" algn="l" defTabSz="457200" rtl="0" eaLnBrk="1" latinLnBrk="0" hangingPunct="1">
       <a:defRPr sz="1800" kern="1200">
         <a:solidFill>
           <a:schemeClr val="tx1"/>
@@ -23,7 +32,7 @@
         <a:cs typeface="+mn-cs"/>
       </a:defRPr>
     </a:lvl1pPr>
-    <a:lvl2pPr marL="457200" algn="l" defTabSz="914400" rtl="0" eaLnBrk="1" latinLnBrk="0" hangingPunct="1">
+    <a:lvl2pPr marL="457200" algn="l" defTabSz="457200" rtl="0" eaLnBrk="1" latinLnBrk="0" hangingPunct="1">
       <a:defRPr sz="1800" kern="1200">
         <a:solidFill>
           <a:schemeClr val="tx1"/>
@@ -33,7 +42,7 @@
         <a:cs typeface="+mn-cs"/>
       </a:defRPr>
     </a:lvl2pPr>
-    <a:lvl3pPr marL="914400" algn="l" defTabSz="914400" rtl="0" eaLnBrk="1" latinLnBrk="0" hangingPunct="1">
+    <a:lvl3pPr marL="914400" algn="l" defTabSz="457200" rtl="0" eaLnBrk="1" latinLnBrk="0" hangingPunct="1">
       <a:defRPr sz="1800" kern="1200">
         <a:solidFill>
           <a:schemeClr val="tx1"/>
@@ -43,7 +52,7 @@
         <a:cs typeface="+mn-cs"/>
       </a:defRPr>
     </a:lvl3pPr>
-    <a:lvl4pPr marL="1371600" algn="l" defTabSz="914400" rtl="0" eaLnBrk="1" latinLnBrk="0" hangingPunct="1">
+    <a:lvl4pPr marL="1371600" algn="l" defTabSz="457200" rtl="0" eaLnBrk="1" latinLnBrk="0" hangingPunct="1">
       <a:defRPr sz="1800" kern="1200">
         <a:solidFill>
           <a:schemeClr val="tx1"/>
@@ -53,7 +62,7 @@
         <a:cs typeface="+mn-cs"/>
       </a:defRPr>
     </a:lvl4pPr>
-    <a:lvl5pPr marL="1828800" algn="l" defTabSz="914400" rtl="0" eaLnBrk="1" latinLnBrk="0" hangingPunct="1">
+    <a:lvl5pPr marL="1828800" algn="l" defTabSz="457200" rtl="0" eaLnBrk="1" latinLnBrk="0" hangingPunct="1">
       <a:defRPr sz="1800" kern="1200">
         <a:solidFill>
           <a:schemeClr val="tx1"/>
@@ -63,7 +72,7 @@
         <a:cs typeface="+mn-cs"/>
       </a:defRPr>
     </a:lvl5pPr>
-    <a:lvl6pPr marL="2286000" algn="l" defTabSz="914400" rtl="0" eaLnBrk="1" latinLnBrk="0" hangingPunct="1">
+    <a:lvl6pPr marL="2286000" algn="l" defTabSz="457200" rtl="0" eaLnBrk="1" latinLnBrk="0" hangingPunct="1">
       <a:defRPr sz="1800" kern="1200">
         <a:solidFill>
           <a:schemeClr val="tx1"/>
@@ -73,7 +82,7 @@
         <a:cs typeface="+mn-cs"/>
       </a:defRPr>
     </a:lvl6pPr>
-    <a:lvl7pPr marL="2743200" algn="l" defTabSz="914400" rtl="0" eaLnBrk="1" latinLnBrk="0" hangingPunct="1">
+    <a:lvl7pPr marL="2743200" algn="l" defTabSz="457200" rtl="0" eaLnBrk="1" latinLnBrk="0" hangingPunct="1">
       <a:defRPr sz="1800" kern="1200">
         <a:solidFill>
           <a:schemeClr val="tx1"/>
@@ -83,7 +92,7 @@
         <a:cs typeface="+mn-cs"/>
       </a:defRPr>
     </a:lvl7pPr>
-    <a:lvl8pPr marL="3200400" algn="l" defTabSz="914400" rtl="0" eaLnBrk="1" latinLnBrk="0" hangingPunct="1">
+    <a:lvl8pPr marL="3200400" algn="l" defTabSz="457200" rtl="0" eaLnBrk="1" latinLnBrk="0" hangingPunct="1">
       <a:defRPr sz="1800" kern="1200">
         <a:solidFill>
           <a:schemeClr val="tx1"/>
@@ -93,7 +102,7 @@
         <a:cs typeface="+mn-cs"/>
       </a:defRPr>
     </a:lvl8pPr>
-    <a:lvl9pPr marL="3657600" algn="l" defTabSz="914400" rtl="0" eaLnBrk="1" latinLnBrk="0" hangingPunct="1">
+    <a:lvl9pPr marL="3657600" algn="l" defTabSz="457200" rtl="0" eaLnBrk="1" latinLnBrk="0" hangingPunct="1">
       <a:defRPr sz="1800" kern="1200">
         <a:solidFill>
           <a:schemeClr val="tx1"/>
@@ -126,13 +135,7 @@
       </p:grpSpPr>
       <p:sp>
         <p:nvSpPr>
-          <p:cNvPr id="2" name="Title 1">
-            <a:extLst>
-              <a:ext uri="{FF2B5EF4-FFF2-40B4-BE49-F238E27FC236}">
-                <a16:creationId xmlns:a16="http://schemas.microsoft.com/office/drawing/2014/main" id="{DD9AC913-D013-E1B2-F57E-61AEFF6339EF}"/>
-              </a:ext>
-            </a:extLst>
-          </p:cNvPr>
+          <p:cNvPr id="2" name="Title 1"/>
           <p:cNvSpPr>
             <a:spLocks noGrp="1"/>
           </p:cNvSpPr>
@@ -142,15 +145,17 @@
         </p:nvSpPr>
         <p:spPr>
           <a:xfrm>
-            <a:off x="1524000" y="1122363"/>
-            <a:ext cx="9144000" cy="2387600"/>
+            <a:off x="2417779" y="802298"/>
+            <a:ext cx="8637073" cy="2541431"/>
           </a:xfrm>
         </p:spPr>
         <p:txBody>
-          <a:bodyPr anchor="b"/>
+          <a:bodyPr bIns="0" anchor="b">
+            <a:normAutofit/>
+          </a:bodyPr>
           <a:lstStyle>
-            <a:lvl1pPr algn="ctr">
-              <a:defRPr sz="6000"/>
+            <a:lvl1pPr algn="l">
+              <a:defRPr sz="6600"/>
             </a:lvl1pPr>
           </a:lstStyle>
           <a:p>
@@ -158,18 +163,13 @@
               <a:rPr lang="en-US"/>
               <a:t>Click to edit Master title style</a:t>
             </a:r>
-          </a:p>
-        </p:txBody>
-      </p:sp>
-      <p:sp>
-        <p:nvSpPr>
-          <p:cNvPr id="3" name="Subtitle 2">
-            <a:extLst>
-              <a:ext uri="{FF2B5EF4-FFF2-40B4-BE49-F238E27FC236}">
-                <a16:creationId xmlns:a16="http://schemas.microsoft.com/office/drawing/2014/main" id="{8631722B-096E-0589-213F-42E5C2502025}"/>
-              </a:ext>
-            </a:extLst>
-          </p:cNvPr>
+            <a:endParaRPr lang="en-US" dirty="0"/>
+          </a:p>
+        </p:txBody>
+      </p:sp>
+      <p:sp>
+        <p:nvSpPr>
+          <p:cNvPr id="3" name="Subtitle 2"/>
           <p:cNvSpPr>
             <a:spLocks noGrp="1"/>
           </p:cNvSpPr>
@@ -179,20 +179,26 @@
         </p:nvSpPr>
         <p:spPr>
           <a:xfrm>
-            <a:off x="1524000" y="3602038"/>
-            <a:ext cx="9144000" cy="1655762"/>
+            <a:off x="2417780" y="3531204"/>
+            <a:ext cx="8637072" cy="977621"/>
           </a:xfrm>
         </p:spPr>
         <p:txBody>
-          <a:bodyPr/>
+          <a:bodyPr tIns="91440" bIns="91440">
+            <a:normAutofit/>
+          </a:bodyPr>
           <a:lstStyle>
-            <a:lvl1pPr marL="0" indent="0" algn="ctr">
-              <a:buNone/>
-              <a:defRPr sz="2400"/>
+            <a:lvl1pPr marL="0" indent="0" algn="l">
+              <a:buNone/>
+              <a:defRPr sz="1800" b="0" cap="all" baseline="0">
+                <a:solidFill>
+                  <a:schemeClr val="tx1"/>
+                </a:solidFill>
+              </a:defRPr>
             </a:lvl1pPr>
             <a:lvl2pPr marL="457200" indent="0" algn="ctr">
               <a:buNone/>
-              <a:defRPr sz="2000"/>
+              <a:defRPr sz="1800"/>
             </a:lvl2pPr>
             <a:lvl3pPr marL="914400" indent="0" algn="ctr">
               <a:buNone/>
@@ -228,18 +234,13 @@
               <a:rPr lang="en-US"/>
               <a:t>Click to edit Master subtitle style</a:t>
             </a:r>
-          </a:p>
-        </p:txBody>
-      </p:sp>
-      <p:sp>
-        <p:nvSpPr>
-          <p:cNvPr id="4" name="Date Placeholder 3">
-            <a:extLst>
-              <a:ext uri="{FF2B5EF4-FFF2-40B4-BE49-F238E27FC236}">
-                <a16:creationId xmlns:a16="http://schemas.microsoft.com/office/drawing/2014/main" id="{1045FF17-CB6F-F439-5654-4A26C2D87CFA}"/>
-              </a:ext>
-            </a:extLst>
-          </p:cNvPr>
+            <a:endParaRPr lang="en-US" dirty="0"/>
+          </a:p>
+        </p:txBody>
+      </p:sp>
+      <p:sp>
+        <p:nvSpPr>
+          <p:cNvPr id="4" name="Date Placeholder 3"/>
           <p:cNvSpPr>
             <a:spLocks noGrp="1"/>
           </p:cNvSpPr>
@@ -262,13 +263,7 @@
       </p:sp>
       <p:sp>
         <p:nvSpPr>
-          <p:cNvPr id="5" name="Footer Placeholder 4">
-            <a:extLst>
-              <a:ext uri="{FF2B5EF4-FFF2-40B4-BE49-F238E27FC236}">
-                <a16:creationId xmlns:a16="http://schemas.microsoft.com/office/drawing/2014/main" id="{DBF3983E-95CD-4698-8819-90ADBF3CED4A}"/>
-              </a:ext>
-            </a:extLst>
-          </p:cNvPr>
+          <p:cNvPr id="5" name="Footer Placeholder 4"/>
           <p:cNvSpPr>
             <a:spLocks noGrp="1"/>
           </p:cNvSpPr>
@@ -276,7 +271,12 @@
             <p:ph type="ftr" sz="quarter" idx="11"/>
           </p:nvPr>
         </p:nvSpPr>
-        <p:spPr/>
+        <p:spPr>
+          <a:xfrm>
+            <a:off x="2416500" y="329307"/>
+            <a:ext cx="4973915" cy="309201"/>
+          </a:xfrm>
+        </p:spPr>
         <p:txBody>
           <a:bodyPr/>
           <a:lstStyle/>
@@ -287,13 +287,7 @@
       </p:sp>
       <p:sp>
         <p:nvSpPr>
-          <p:cNvPr id="6" name="Slide Number Placeholder 5">
-            <a:extLst>
-              <a:ext uri="{FF2B5EF4-FFF2-40B4-BE49-F238E27FC236}">
-                <a16:creationId xmlns:a16="http://schemas.microsoft.com/office/drawing/2014/main" id="{362BAE23-1D4D-FF81-80D7-085C30881127}"/>
-              </a:ext>
-            </a:extLst>
-          </p:cNvPr>
+          <p:cNvPr id="6" name="Slide Number Placeholder 5"/>
           <p:cNvSpPr>
             <a:spLocks noGrp="1"/>
           </p:cNvSpPr>
@@ -301,7 +295,12 @@
             <p:ph type="sldNum" sz="quarter" idx="12"/>
           </p:nvPr>
         </p:nvSpPr>
-        <p:spPr/>
+        <p:spPr>
+          <a:xfrm>
+            <a:off x="1437664" y="798973"/>
+            <a:ext cx="811019" cy="503578"/>
+          </a:xfrm>
+        </p:spPr>
         <p:txBody>
           <a:bodyPr/>
           <a:lstStyle/>
@@ -314,10 +313,41 @@
           </a:p>
         </p:txBody>
       </p:sp>
+      <p:cxnSp>
+        <p:nvCxnSpPr>
+          <p:cNvPr id="15" name="Straight Connector 14"/>
+          <p:cNvCxnSpPr/>
+          <p:nvPr/>
+        </p:nvCxnSpPr>
+        <p:spPr>
+          <a:xfrm>
+            <a:off x="2417780" y="3528542"/>
+            <a:ext cx="8637072" cy="0"/>
+          </a:xfrm>
+          <a:prstGeom prst="line">
+            <a:avLst/>
+          </a:prstGeom>
+          <a:ln w="31750"/>
+        </p:spPr>
+        <p:style>
+          <a:lnRef idx="3">
+            <a:schemeClr val="accent1"/>
+          </a:lnRef>
+          <a:fillRef idx="0">
+            <a:schemeClr val="accent1"/>
+          </a:fillRef>
+          <a:effectRef idx="2">
+            <a:schemeClr val="accent1"/>
+          </a:effectRef>
+          <a:fontRef idx="minor">
+            <a:schemeClr val="tx1"/>
+          </a:fontRef>
+        </p:style>
+      </p:cxnSp>
     </p:spTree>
     <p:extLst>
       <p:ext uri="{BB962C8B-B14F-4D97-AF65-F5344CB8AC3E}">
-        <p14:creationId xmlns:p14="http://schemas.microsoft.com/office/powerpoint/2010/main" val="1570651992"/>
+        <p14:creationId xmlns:p14="http://schemas.microsoft.com/office/powerpoint/2010/main" val="2357215135"/>
       </p:ext>
     </p:extLst>
   </p:cSld>
@@ -346,13 +376,7 @@
       </p:grpSpPr>
       <p:sp>
         <p:nvSpPr>
-          <p:cNvPr id="2" name="Title 1">
-            <a:extLst>
-              <a:ext uri="{FF2B5EF4-FFF2-40B4-BE49-F238E27FC236}">
-                <a16:creationId xmlns:a16="http://schemas.microsoft.com/office/drawing/2014/main" id="{DB1B57DF-73F6-E9D5-C2DF-8E024870809F}"/>
-              </a:ext>
-            </a:extLst>
-          </p:cNvPr>
+          <p:cNvPr id="2" name="Title 1"/>
           <p:cNvSpPr>
             <a:spLocks noGrp="1"/>
           </p:cNvSpPr>
@@ -369,18 +393,13 @@
               <a:rPr lang="en-US"/>
               <a:t>Click to edit Master title style</a:t>
             </a:r>
-          </a:p>
-        </p:txBody>
-      </p:sp>
-      <p:sp>
-        <p:nvSpPr>
-          <p:cNvPr id="3" name="Vertical Text Placeholder 2">
-            <a:extLst>
-              <a:ext uri="{FF2B5EF4-FFF2-40B4-BE49-F238E27FC236}">
-                <a16:creationId xmlns:a16="http://schemas.microsoft.com/office/drawing/2014/main" id="{3DD4DDBE-DD0D-932E-1FDD-86C3FE252AE2}"/>
-              </a:ext>
-            </a:extLst>
-          </p:cNvPr>
+            <a:endParaRPr lang="en-US" dirty="0"/>
+          </a:p>
+        </p:txBody>
+      </p:sp>
+      <p:sp>
+        <p:nvSpPr>
+          <p:cNvPr id="3" name="Vertical Text Placeholder 2"/>
           <p:cNvSpPr>
             <a:spLocks noGrp="1"/>
           </p:cNvSpPr>
@@ -426,18 +445,13 @@
               <a:rPr lang="en-US"/>
               <a:t>Fifth level</a:t>
             </a:r>
-          </a:p>
-        </p:txBody>
-      </p:sp>
-      <p:sp>
-        <p:nvSpPr>
-          <p:cNvPr id="4" name="Date Placeholder 3">
-            <a:extLst>
-              <a:ext uri="{FF2B5EF4-FFF2-40B4-BE49-F238E27FC236}">
-                <a16:creationId xmlns:a16="http://schemas.microsoft.com/office/drawing/2014/main" id="{088B4B89-263A-9763-D837-5B408C030AAB}"/>
-              </a:ext>
-            </a:extLst>
-          </p:cNvPr>
+            <a:endParaRPr lang="en-US" dirty="0"/>
+          </a:p>
+        </p:txBody>
+      </p:sp>
+      <p:sp>
+        <p:nvSpPr>
+          <p:cNvPr id="4" name="Date Placeholder 3"/>
           <p:cNvSpPr>
             <a:spLocks noGrp="1"/>
           </p:cNvSpPr>
@@ -460,13 +474,7 @@
       </p:sp>
       <p:sp>
         <p:nvSpPr>
-          <p:cNvPr id="5" name="Footer Placeholder 4">
-            <a:extLst>
-              <a:ext uri="{FF2B5EF4-FFF2-40B4-BE49-F238E27FC236}">
-                <a16:creationId xmlns:a16="http://schemas.microsoft.com/office/drawing/2014/main" id="{BAC4B924-C97C-0E8F-CECB-D4EF5B69F439}"/>
-              </a:ext>
-            </a:extLst>
-          </p:cNvPr>
+          <p:cNvPr id="5" name="Footer Placeholder 4"/>
           <p:cNvSpPr>
             <a:spLocks noGrp="1"/>
           </p:cNvSpPr>
@@ -485,13 +493,7 @@
       </p:sp>
       <p:sp>
         <p:nvSpPr>
-          <p:cNvPr id="6" name="Slide Number Placeholder 5">
-            <a:extLst>
-              <a:ext uri="{FF2B5EF4-FFF2-40B4-BE49-F238E27FC236}">
-                <a16:creationId xmlns:a16="http://schemas.microsoft.com/office/drawing/2014/main" id="{6873DD55-0BF5-3890-5319-1A0E7F03739D}"/>
-              </a:ext>
-            </a:extLst>
-          </p:cNvPr>
+          <p:cNvPr id="6" name="Slide Number Placeholder 5"/>
           <p:cNvSpPr>
             <a:spLocks noGrp="1"/>
           </p:cNvSpPr>
@@ -512,10 +514,41 @@
           </a:p>
         </p:txBody>
       </p:sp>
+      <p:cxnSp>
+        <p:nvCxnSpPr>
+          <p:cNvPr id="26" name="Straight Connector 25"/>
+          <p:cNvCxnSpPr/>
+          <p:nvPr/>
+        </p:nvCxnSpPr>
+        <p:spPr>
+          <a:xfrm>
+            <a:off x="1453896" y="1847088"/>
+            <a:ext cx="9607522" cy="0"/>
+          </a:xfrm>
+          <a:prstGeom prst="line">
+            <a:avLst/>
+          </a:prstGeom>
+          <a:ln w="31750"/>
+        </p:spPr>
+        <p:style>
+          <a:lnRef idx="3">
+            <a:schemeClr val="accent1"/>
+          </a:lnRef>
+          <a:fillRef idx="0">
+            <a:schemeClr val="accent1"/>
+          </a:fillRef>
+          <a:effectRef idx="2">
+            <a:schemeClr val="accent1"/>
+          </a:effectRef>
+          <a:fontRef idx="minor">
+            <a:schemeClr val="tx1"/>
+          </a:fontRef>
+        </p:style>
+      </p:cxnSp>
     </p:spTree>
     <p:extLst>
       <p:ext uri="{BB962C8B-B14F-4D97-AF65-F5344CB8AC3E}">
-        <p14:creationId xmlns:p14="http://schemas.microsoft.com/office/powerpoint/2010/main" val="3532101050"/>
+        <p14:creationId xmlns:p14="http://schemas.microsoft.com/office/powerpoint/2010/main" val="3438558087"/>
       </p:ext>
     </p:extLst>
   </p:cSld>
@@ -544,13 +577,7 @@
       </p:grpSpPr>
       <p:sp>
         <p:nvSpPr>
-          <p:cNvPr id="2" name="Vertical Title 1">
-            <a:extLst>
-              <a:ext uri="{FF2B5EF4-FFF2-40B4-BE49-F238E27FC236}">
-                <a16:creationId xmlns:a16="http://schemas.microsoft.com/office/drawing/2014/main" id="{20705C29-1574-116C-D86A-9134C7C7E9B9}"/>
-              </a:ext>
-            </a:extLst>
-          </p:cNvPr>
+          <p:cNvPr id="2" name="Vertical Title 1"/>
           <p:cNvSpPr>
             <a:spLocks noGrp="1"/>
           </p:cNvSpPr>
@@ -560,30 +587,29 @@
         </p:nvSpPr>
         <p:spPr>
           <a:xfrm>
-            <a:off x="8724900" y="365125"/>
-            <a:ext cx="2628900" cy="5811838"/>
+            <a:off x="9439111" y="798973"/>
+            <a:ext cx="1615742" cy="4659889"/>
           </a:xfrm>
         </p:spPr>
         <p:txBody>
           <a:bodyPr vert="eaVert"/>
-          <a:lstStyle/>
+          <a:lstStyle>
+            <a:lvl1pPr algn="l">
+              <a:defRPr/>
+            </a:lvl1pPr>
+          </a:lstStyle>
           <a:p>
             <a:r>
               <a:rPr lang="en-US"/>
               <a:t>Click to edit Master title style</a:t>
             </a:r>
-          </a:p>
-        </p:txBody>
-      </p:sp>
-      <p:sp>
-        <p:nvSpPr>
-          <p:cNvPr id="3" name="Vertical Text Placeholder 2">
-            <a:extLst>
-              <a:ext uri="{FF2B5EF4-FFF2-40B4-BE49-F238E27FC236}">
-                <a16:creationId xmlns:a16="http://schemas.microsoft.com/office/drawing/2014/main" id="{16FBD84E-1B92-633F-60E7-4830F99CC904}"/>
-              </a:ext>
-            </a:extLst>
-          </p:cNvPr>
+            <a:endParaRPr lang="en-US" dirty="0"/>
+          </a:p>
+        </p:txBody>
+      </p:sp>
+      <p:sp>
+        <p:nvSpPr>
+          <p:cNvPr id="3" name="Vertical Text Placeholder 2"/>
           <p:cNvSpPr>
             <a:spLocks noGrp="1"/>
           </p:cNvSpPr>
@@ -593,8 +619,8 @@
         </p:nvSpPr>
         <p:spPr>
           <a:xfrm>
-            <a:off x="838200" y="365125"/>
-            <a:ext cx="7734300" cy="5811838"/>
+            <a:off x="1444672" y="798973"/>
+            <a:ext cx="7828830" cy="4659889"/>
           </a:xfrm>
         </p:spPr>
         <p:txBody>
@@ -634,18 +660,13 @@
               <a:rPr lang="en-US"/>
               <a:t>Fifth level</a:t>
             </a:r>
-          </a:p>
-        </p:txBody>
-      </p:sp>
-      <p:sp>
-        <p:nvSpPr>
-          <p:cNvPr id="4" name="Date Placeholder 3">
-            <a:extLst>
-              <a:ext uri="{FF2B5EF4-FFF2-40B4-BE49-F238E27FC236}">
-                <a16:creationId xmlns:a16="http://schemas.microsoft.com/office/drawing/2014/main" id="{EEAAAB98-5227-6952-BF90-C5214FEE3692}"/>
-              </a:ext>
-            </a:extLst>
-          </p:cNvPr>
+            <a:endParaRPr lang="en-US" dirty="0"/>
+          </a:p>
+        </p:txBody>
+      </p:sp>
+      <p:sp>
+        <p:nvSpPr>
+          <p:cNvPr id="4" name="Date Placeholder 3"/>
           <p:cNvSpPr>
             <a:spLocks noGrp="1"/>
           </p:cNvSpPr>
@@ -668,13 +689,7 @@
       </p:sp>
       <p:sp>
         <p:nvSpPr>
-          <p:cNvPr id="5" name="Footer Placeholder 4">
-            <a:extLst>
-              <a:ext uri="{FF2B5EF4-FFF2-40B4-BE49-F238E27FC236}">
-                <a16:creationId xmlns:a16="http://schemas.microsoft.com/office/drawing/2014/main" id="{BAF28DAA-BC40-A888-BB5D-941E7699F171}"/>
-              </a:ext>
-            </a:extLst>
-          </p:cNvPr>
+          <p:cNvPr id="5" name="Footer Placeholder 4"/>
           <p:cNvSpPr>
             <a:spLocks noGrp="1"/>
           </p:cNvSpPr>
@@ -693,13 +708,7 @@
       </p:sp>
       <p:sp>
         <p:nvSpPr>
-          <p:cNvPr id="6" name="Slide Number Placeholder 5">
-            <a:extLst>
-              <a:ext uri="{FF2B5EF4-FFF2-40B4-BE49-F238E27FC236}">
-                <a16:creationId xmlns:a16="http://schemas.microsoft.com/office/drawing/2014/main" id="{A982CAAD-67A6-7BAA-0A79-73CB084E9E75}"/>
-              </a:ext>
-            </a:extLst>
-          </p:cNvPr>
+          <p:cNvPr id="6" name="Slide Number Placeholder 5"/>
           <p:cNvSpPr>
             <a:spLocks noGrp="1"/>
           </p:cNvSpPr>
@@ -720,10 +729,41 @@
           </a:p>
         </p:txBody>
       </p:sp>
+      <p:cxnSp>
+        <p:nvCxnSpPr>
+          <p:cNvPr id="15" name="Straight Connector 14"/>
+          <p:cNvCxnSpPr/>
+          <p:nvPr/>
+        </p:nvCxnSpPr>
+        <p:spPr>
+          <a:xfrm>
+            <a:off x="9439111" y="798973"/>
+            <a:ext cx="0" cy="4659889"/>
+          </a:xfrm>
+          <a:prstGeom prst="line">
+            <a:avLst/>
+          </a:prstGeom>
+          <a:ln w="31750"/>
+        </p:spPr>
+        <p:style>
+          <a:lnRef idx="3">
+            <a:schemeClr val="accent1"/>
+          </a:lnRef>
+          <a:fillRef idx="0">
+            <a:schemeClr val="accent1"/>
+          </a:fillRef>
+          <a:effectRef idx="2">
+            <a:schemeClr val="accent1"/>
+          </a:effectRef>
+          <a:fontRef idx="minor">
+            <a:schemeClr val="tx1"/>
+          </a:fontRef>
+        </p:style>
+      </p:cxnSp>
     </p:spTree>
     <p:extLst>
       <p:ext uri="{BB962C8B-B14F-4D97-AF65-F5344CB8AC3E}">
-        <p14:creationId xmlns:p14="http://schemas.microsoft.com/office/powerpoint/2010/main" val="825927915"/>
+        <p14:creationId xmlns:p14="http://schemas.microsoft.com/office/powerpoint/2010/main" val="1191207489"/>
       </p:ext>
     </p:extLst>
   </p:cSld>
@@ -752,13 +792,7 @@
       </p:grpSpPr>
       <p:sp>
         <p:nvSpPr>
-          <p:cNvPr id="2" name="Title 1">
-            <a:extLst>
-              <a:ext uri="{FF2B5EF4-FFF2-40B4-BE49-F238E27FC236}">
-                <a16:creationId xmlns:a16="http://schemas.microsoft.com/office/drawing/2014/main" id="{275A6623-2370-3CCE-BCE3-46E943F4AF49}"/>
-              </a:ext>
-            </a:extLst>
-          </p:cNvPr>
+          <p:cNvPr id="2" name="Title 1"/>
           <p:cNvSpPr>
             <a:spLocks noGrp="1"/>
           </p:cNvSpPr>
@@ -775,18 +809,13 @@
               <a:rPr lang="en-US"/>
               <a:t>Click to edit Master title style</a:t>
             </a:r>
-          </a:p>
-        </p:txBody>
-      </p:sp>
-      <p:sp>
-        <p:nvSpPr>
-          <p:cNvPr id="3" name="Content Placeholder 2">
-            <a:extLst>
-              <a:ext uri="{FF2B5EF4-FFF2-40B4-BE49-F238E27FC236}">
-                <a16:creationId xmlns:a16="http://schemas.microsoft.com/office/drawing/2014/main" id="{B2C2166D-A6EB-2338-BBE9-7D83CE313304}"/>
-              </a:ext>
-            </a:extLst>
-          </p:cNvPr>
+            <a:endParaRPr lang="en-US" dirty="0"/>
+          </a:p>
+        </p:txBody>
+      </p:sp>
+      <p:sp>
+        <p:nvSpPr>
+          <p:cNvPr id="3" name="Content Placeholder 2"/>
           <p:cNvSpPr>
             <a:spLocks noGrp="1"/>
           </p:cNvSpPr>
@@ -796,7 +825,7 @@
         </p:nvSpPr>
         <p:spPr/>
         <p:txBody>
-          <a:bodyPr/>
+          <a:bodyPr anchor="t"/>
           <a:lstStyle/>
           <a:p>
             <a:pPr lvl="0"/>
@@ -832,18 +861,13 @@
               <a:rPr lang="en-US"/>
               <a:t>Fifth level</a:t>
             </a:r>
-          </a:p>
-        </p:txBody>
-      </p:sp>
-      <p:sp>
-        <p:nvSpPr>
-          <p:cNvPr id="4" name="Date Placeholder 3">
-            <a:extLst>
-              <a:ext uri="{FF2B5EF4-FFF2-40B4-BE49-F238E27FC236}">
-                <a16:creationId xmlns:a16="http://schemas.microsoft.com/office/drawing/2014/main" id="{090BE56F-377F-2A88-DC8E-A58DAE225862}"/>
-              </a:ext>
-            </a:extLst>
-          </p:cNvPr>
+            <a:endParaRPr lang="en-US" dirty="0"/>
+          </a:p>
+        </p:txBody>
+      </p:sp>
+      <p:sp>
+        <p:nvSpPr>
+          <p:cNvPr id="4" name="Date Placeholder 3"/>
           <p:cNvSpPr>
             <a:spLocks noGrp="1"/>
           </p:cNvSpPr>
@@ -866,13 +890,7 @@
       </p:sp>
       <p:sp>
         <p:nvSpPr>
-          <p:cNvPr id="5" name="Footer Placeholder 4">
-            <a:extLst>
-              <a:ext uri="{FF2B5EF4-FFF2-40B4-BE49-F238E27FC236}">
-                <a16:creationId xmlns:a16="http://schemas.microsoft.com/office/drawing/2014/main" id="{B58AD55B-2499-A616-0C0A-E61A834A4B29}"/>
-              </a:ext>
-            </a:extLst>
-          </p:cNvPr>
+          <p:cNvPr id="5" name="Footer Placeholder 4"/>
           <p:cNvSpPr>
             <a:spLocks noGrp="1"/>
           </p:cNvSpPr>
@@ -891,13 +909,7 @@
       </p:sp>
       <p:sp>
         <p:nvSpPr>
-          <p:cNvPr id="6" name="Slide Number Placeholder 5">
-            <a:extLst>
-              <a:ext uri="{FF2B5EF4-FFF2-40B4-BE49-F238E27FC236}">
-                <a16:creationId xmlns:a16="http://schemas.microsoft.com/office/drawing/2014/main" id="{5DD820C7-3046-781B-6EE8-C577ACF9BF9B}"/>
-              </a:ext>
-            </a:extLst>
-          </p:cNvPr>
+          <p:cNvPr id="6" name="Slide Number Placeholder 5"/>
           <p:cNvSpPr>
             <a:spLocks noGrp="1"/>
           </p:cNvSpPr>
@@ -918,10 +930,41 @@
           </a:p>
         </p:txBody>
       </p:sp>
+      <p:cxnSp>
+        <p:nvCxnSpPr>
+          <p:cNvPr id="33" name="Straight Connector 32"/>
+          <p:cNvCxnSpPr/>
+          <p:nvPr/>
+        </p:nvCxnSpPr>
+        <p:spPr>
+          <a:xfrm>
+            <a:off x="1453896" y="1847088"/>
+            <a:ext cx="9607522" cy="0"/>
+          </a:xfrm>
+          <a:prstGeom prst="line">
+            <a:avLst/>
+          </a:prstGeom>
+          <a:ln w="31750"/>
+        </p:spPr>
+        <p:style>
+          <a:lnRef idx="3">
+            <a:schemeClr val="accent1"/>
+          </a:lnRef>
+          <a:fillRef idx="0">
+            <a:schemeClr val="accent1"/>
+          </a:fillRef>
+          <a:effectRef idx="2">
+            <a:schemeClr val="accent1"/>
+          </a:effectRef>
+          <a:fontRef idx="minor">
+            <a:schemeClr val="tx1"/>
+          </a:fontRef>
+        </p:style>
+      </p:cxnSp>
     </p:spTree>
     <p:extLst>
       <p:ext uri="{BB962C8B-B14F-4D97-AF65-F5344CB8AC3E}">
-        <p14:creationId xmlns:p14="http://schemas.microsoft.com/office/powerpoint/2010/main" val="2646781819"/>
+        <p14:creationId xmlns:p14="http://schemas.microsoft.com/office/powerpoint/2010/main" val="3220764164"/>
       </p:ext>
     </p:extLst>
   </p:cSld>
@@ -950,13 +993,7 @@
       </p:grpSpPr>
       <p:sp>
         <p:nvSpPr>
-          <p:cNvPr id="2" name="Title 1">
-            <a:extLst>
-              <a:ext uri="{FF2B5EF4-FFF2-40B4-BE49-F238E27FC236}">
-                <a16:creationId xmlns:a16="http://schemas.microsoft.com/office/drawing/2014/main" id="{DB8E7E66-8DDB-751C-14E2-3F8185A0CB03}"/>
-              </a:ext>
-            </a:extLst>
-          </p:cNvPr>
+          <p:cNvPr id="2" name="Title 1"/>
           <p:cNvSpPr>
             <a:spLocks noGrp="1"/>
           </p:cNvSpPr>
@@ -966,15 +1003,17 @@
         </p:nvSpPr>
         <p:spPr>
           <a:xfrm>
-            <a:off x="831850" y="1709738"/>
-            <a:ext cx="10515600" cy="2852737"/>
+            <a:off x="1454239" y="1756130"/>
+            <a:ext cx="8643154" cy="1887950"/>
           </a:xfrm>
         </p:spPr>
         <p:txBody>
-          <a:bodyPr anchor="b"/>
+          <a:bodyPr anchor="b">
+            <a:normAutofit/>
+          </a:bodyPr>
           <a:lstStyle>
-            <a:lvl1pPr>
-              <a:defRPr sz="6000"/>
+            <a:lvl1pPr algn="l">
+              <a:defRPr sz="3600"/>
             </a:lvl1pPr>
           </a:lstStyle>
           <a:p>
@@ -982,18 +1021,13 @@
               <a:rPr lang="en-US"/>
               <a:t>Click to edit Master title style</a:t>
             </a:r>
-          </a:p>
-        </p:txBody>
-      </p:sp>
-      <p:sp>
-        <p:nvSpPr>
-          <p:cNvPr id="3" name="Text Placeholder 2">
-            <a:extLst>
-              <a:ext uri="{FF2B5EF4-FFF2-40B4-BE49-F238E27FC236}">
-                <a16:creationId xmlns:a16="http://schemas.microsoft.com/office/drawing/2014/main" id="{B638BA1E-5C79-2D42-2B5A-48632807FD04}"/>
-              </a:ext>
-            </a:extLst>
-          </p:cNvPr>
+            <a:endParaRPr lang="en-US" dirty="0"/>
+          </a:p>
+        </p:txBody>
+      </p:sp>
+      <p:sp>
+        <p:nvSpPr>
+          <p:cNvPr id="3" name="Text Placeholder 2"/>
           <p:cNvSpPr>
             <a:spLocks noGrp="1"/>
           </p:cNvSpPr>
@@ -1003,26 +1037,26 @@
         </p:nvSpPr>
         <p:spPr>
           <a:xfrm>
-            <a:off x="831850" y="4589463"/>
-            <a:ext cx="10515600" cy="1500187"/>
+            <a:off x="1454239" y="3806195"/>
+            <a:ext cx="8630446" cy="1012929"/>
           </a:xfrm>
         </p:spPr>
         <p:txBody>
-          <a:bodyPr/>
+          <a:bodyPr tIns="91440">
+            <a:normAutofit/>
+          </a:bodyPr>
           <a:lstStyle>
-            <a:lvl1pPr marL="0" indent="0">
-              <a:buNone/>
-              <a:defRPr sz="2400">
+            <a:lvl1pPr marL="0" indent="0" algn="l">
+              <a:buNone/>
+              <a:defRPr sz="1800">
                 <a:solidFill>
-                  <a:schemeClr val="tx1">
-                    <a:tint val="75000"/>
-                  </a:schemeClr>
+                  <a:schemeClr val="tx1"/>
                 </a:solidFill>
               </a:defRPr>
             </a:lvl1pPr>
             <a:lvl2pPr marL="457200" indent="0">
               <a:buNone/>
-              <a:defRPr sz="2000">
+              <a:defRPr sz="1800">
                 <a:solidFill>
                   <a:schemeClr val="tx1">
                     <a:tint val="75000"/>
@@ -1112,13 +1146,7 @@
       </p:sp>
       <p:sp>
         <p:nvSpPr>
-          <p:cNvPr id="4" name="Date Placeholder 3">
-            <a:extLst>
-              <a:ext uri="{FF2B5EF4-FFF2-40B4-BE49-F238E27FC236}">
-                <a16:creationId xmlns:a16="http://schemas.microsoft.com/office/drawing/2014/main" id="{DF520479-0E83-E8E3-BF5C-8B2C25BA9EAE}"/>
-              </a:ext>
-            </a:extLst>
-          </p:cNvPr>
+          <p:cNvPr id="4" name="Date Placeholder 3"/>
           <p:cNvSpPr>
             <a:spLocks noGrp="1"/>
           </p:cNvSpPr>
@@ -1141,13 +1169,7 @@
       </p:sp>
       <p:sp>
         <p:nvSpPr>
-          <p:cNvPr id="5" name="Footer Placeholder 4">
-            <a:extLst>
-              <a:ext uri="{FF2B5EF4-FFF2-40B4-BE49-F238E27FC236}">
-                <a16:creationId xmlns:a16="http://schemas.microsoft.com/office/drawing/2014/main" id="{3951D6EB-77A1-D659-1085-36FD2D1F896C}"/>
-              </a:ext>
-            </a:extLst>
-          </p:cNvPr>
+          <p:cNvPr id="5" name="Footer Placeholder 4"/>
           <p:cNvSpPr>
             <a:spLocks noGrp="1"/>
           </p:cNvSpPr>
@@ -1166,13 +1188,7 @@
       </p:sp>
       <p:sp>
         <p:nvSpPr>
-          <p:cNvPr id="6" name="Slide Number Placeholder 5">
-            <a:extLst>
-              <a:ext uri="{FF2B5EF4-FFF2-40B4-BE49-F238E27FC236}">
-                <a16:creationId xmlns:a16="http://schemas.microsoft.com/office/drawing/2014/main" id="{68563559-E39C-9307-6F1C-A1DAFE924526}"/>
-              </a:ext>
-            </a:extLst>
-          </p:cNvPr>
+          <p:cNvPr id="6" name="Slide Number Placeholder 5"/>
           <p:cNvSpPr>
             <a:spLocks noGrp="1"/>
           </p:cNvSpPr>
@@ -1193,10 +1209,41 @@
           </a:p>
         </p:txBody>
       </p:sp>
+      <p:cxnSp>
+        <p:nvCxnSpPr>
+          <p:cNvPr id="15" name="Straight Connector 14"/>
+          <p:cNvCxnSpPr/>
+          <p:nvPr/>
+        </p:nvCxnSpPr>
+        <p:spPr>
+          <a:xfrm>
+            <a:off x="1454239" y="3804985"/>
+            <a:ext cx="8630446" cy="0"/>
+          </a:xfrm>
+          <a:prstGeom prst="line">
+            <a:avLst/>
+          </a:prstGeom>
+          <a:ln w="31750"/>
+        </p:spPr>
+        <p:style>
+          <a:lnRef idx="3">
+            <a:schemeClr val="accent1"/>
+          </a:lnRef>
+          <a:fillRef idx="0">
+            <a:schemeClr val="accent1"/>
+          </a:fillRef>
+          <a:effectRef idx="2">
+            <a:schemeClr val="accent1"/>
+          </a:effectRef>
+          <a:fontRef idx="minor">
+            <a:schemeClr val="tx1"/>
+          </a:fontRef>
+        </p:style>
+      </p:cxnSp>
     </p:spTree>
     <p:extLst>
       <p:ext uri="{BB962C8B-B14F-4D97-AF65-F5344CB8AC3E}">
-        <p14:creationId xmlns:p14="http://schemas.microsoft.com/office/powerpoint/2010/main" val="4133445393"/>
+        <p14:creationId xmlns:p14="http://schemas.microsoft.com/office/powerpoint/2010/main" val="1229681575"/>
       </p:ext>
     </p:extLst>
   </p:cSld>
@@ -1225,114 +1272,46 @@
       </p:grpSpPr>
       <p:sp>
         <p:nvSpPr>
-          <p:cNvPr id="2" name="Title 1">
-            <a:extLst>
-              <a:ext uri="{FF2B5EF4-FFF2-40B4-BE49-F238E27FC236}">
-                <a16:creationId xmlns:a16="http://schemas.microsoft.com/office/drawing/2014/main" id="{2A694AA3-C02B-BCF8-8248-A516593ABF8E}"/>
-              </a:ext>
-            </a:extLst>
-          </p:cNvPr>
+          <p:cNvPr id="2" name="Title 1"/>
           <p:cNvSpPr>
             <a:spLocks noGrp="1"/>
           </p:cNvSpPr>
           <p:nvPr>
             <p:ph type="title"/>
-          </p:nvPr>
-        </p:nvSpPr>
-        <p:spPr/>
-        <p:txBody>
-          <a:bodyPr/>
-          <a:lstStyle/>
-          <a:p>
-            <a:r>
-              <a:rPr lang="en-US"/>
-              <a:t>Click to edit Master title style</a:t>
-            </a:r>
-          </a:p>
-        </p:txBody>
-      </p:sp>
-      <p:sp>
-        <p:nvSpPr>
-          <p:cNvPr id="3" name="Content Placeholder 2">
-            <a:extLst>
-              <a:ext uri="{FF2B5EF4-FFF2-40B4-BE49-F238E27FC236}">
-                <a16:creationId xmlns:a16="http://schemas.microsoft.com/office/drawing/2014/main" id="{C10758EC-222E-A43F-F195-BF9DD1E45392}"/>
-              </a:ext>
-            </a:extLst>
-          </p:cNvPr>
-          <p:cNvSpPr>
-            <a:spLocks noGrp="1"/>
-          </p:cNvSpPr>
-          <p:nvPr>
-            <p:ph sz="half" idx="1"/>
           </p:nvPr>
         </p:nvSpPr>
         <p:spPr>
           <a:xfrm>
-            <a:off x="838200" y="1825625"/>
-            <a:ext cx="5181600" cy="4351338"/>
+            <a:off x="1449217" y="804889"/>
+            <a:ext cx="9605635" cy="1059305"/>
           </a:xfrm>
         </p:spPr>
         <p:txBody>
           <a:bodyPr/>
           <a:lstStyle/>
           <a:p>
-            <a:pPr lvl="0"/>
-            <a:r>
-              <a:rPr lang="en-US"/>
-              <a:t>Click to edit Master text styles</a:t>
-            </a:r>
-          </a:p>
-          <a:p>
-            <a:pPr lvl="1"/>
-            <a:r>
-              <a:rPr lang="en-US"/>
-              <a:t>Second level</a:t>
-            </a:r>
-          </a:p>
-          <a:p>
-            <a:pPr lvl="2"/>
-            <a:r>
-              <a:rPr lang="en-US"/>
-              <a:t>Third level</a:t>
-            </a:r>
-          </a:p>
-          <a:p>
-            <a:pPr lvl="3"/>
-            <a:r>
-              <a:rPr lang="en-US"/>
-              <a:t>Fourth level</a:t>
-            </a:r>
-          </a:p>
-          <a:p>
-            <a:pPr lvl="4"/>
-            <a:r>
-              <a:rPr lang="en-US"/>
-              <a:t>Fifth level</a:t>
-            </a:r>
-          </a:p>
-        </p:txBody>
-      </p:sp>
-      <p:sp>
-        <p:nvSpPr>
-          <p:cNvPr id="4" name="Content Placeholder 3">
-            <a:extLst>
-              <a:ext uri="{FF2B5EF4-FFF2-40B4-BE49-F238E27FC236}">
-                <a16:creationId xmlns:a16="http://schemas.microsoft.com/office/drawing/2014/main" id="{EC038CF8-CC2C-06A1-D8E8-30C1D54C8036}"/>
-              </a:ext>
-            </a:extLst>
-          </p:cNvPr>
-          <p:cNvSpPr>
-            <a:spLocks noGrp="1"/>
-          </p:cNvSpPr>
-          <p:nvPr>
-            <p:ph sz="half" idx="2"/>
+            <a:r>
+              <a:rPr lang="en-US"/>
+              <a:t>Click to edit Master title style</a:t>
+            </a:r>
+            <a:endParaRPr lang="en-US" dirty="0"/>
+          </a:p>
+        </p:txBody>
+      </p:sp>
+      <p:sp>
+        <p:nvSpPr>
+          <p:cNvPr id="3" name="Content Placeholder 2"/>
+          <p:cNvSpPr>
+            <a:spLocks noGrp="1"/>
+          </p:cNvSpPr>
+          <p:nvPr>
+            <p:ph sz="half" idx="1"/>
           </p:nvPr>
         </p:nvSpPr>
         <p:spPr>
           <a:xfrm>
-            <a:off x="6172200" y="1825625"/>
-            <a:ext cx="5181600" cy="4351338"/>
+            <a:off x="1447331" y="2010878"/>
+            <a:ext cx="4645152" cy="3448595"/>
           </a:xfrm>
         </p:spPr>
         <p:txBody>
@@ -1372,18 +1351,70 @@
               <a:rPr lang="en-US"/>
               <a:t>Fifth level</a:t>
             </a:r>
-          </a:p>
-        </p:txBody>
-      </p:sp>
-      <p:sp>
-        <p:nvSpPr>
-          <p:cNvPr id="5" name="Date Placeholder 4">
-            <a:extLst>
-              <a:ext uri="{FF2B5EF4-FFF2-40B4-BE49-F238E27FC236}">
-                <a16:creationId xmlns:a16="http://schemas.microsoft.com/office/drawing/2014/main" id="{9CAA9DB3-5A69-1048-4A1D-CC64A9838D2E}"/>
-              </a:ext>
-            </a:extLst>
-          </p:cNvPr>
+            <a:endParaRPr lang="en-US" dirty="0"/>
+          </a:p>
+        </p:txBody>
+      </p:sp>
+      <p:sp>
+        <p:nvSpPr>
+          <p:cNvPr id="4" name="Content Placeholder 3"/>
+          <p:cNvSpPr>
+            <a:spLocks noGrp="1"/>
+          </p:cNvSpPr>
+          <p:nvPr>
+            <p:ph sz="half" idx="2"/>
+          </p:nvPr>
+        </p:nvSpPr>
+        <p:spPr>
+          <a:xfrm>
+            <a:off x="6413771" y="2017343"/>
+            <a:ext cx="4645152" cy="3441520"/>
+          </a:xfrm>
+        </p:spPr>
+        <p:txBody>
+          <a:bodyPr/>
+          <a:lstStyle/>
+          <a:p>
+            <a:pPr lvl="0"/>
+            <a:r>
+              <a:rPr lang="en-US"/>
+              <a:t>Click to edit Master text styles</a:t>
+            </a:r>
+          </a:p>
+          <a:p>
+            <a:pPr lvl="1"/>
+            <a:r>
+              <a:rPr lang="en-US"/>
+              <a:t>Second level</a:t>
+            </a:r>
+          </a:p>
+          <a:p>
+            <a:pPr lvl="2"/>
+            <a:r>
+              <a:rPr lang="en-US"/>
+              <a:t>Third level</a:t>
+            </a:r>
+          </a:p>
+          <a:p>
+            <a:pPr lvl="3"/>
+            <a:r>
+              <a:rPr lang="en-US"/>
+              <a:t>Fourth level</a:t>
+            </a:r>
+          </a:p>
+          <a:p>
+            <a:pPr lvl="4"/>
+            <a:r>
+              <a:rPr lang="en-US"/>
+              <a:t>Fifth level</a:t>
+            </a:r>
+            <a:endParaRPr lang="en-US" dirty="0"/>
+          </a:p>
+        </p:txBody>
+      </p:sp>
+      <p:sp>
+        <p:nvSpPr>
+          <p:cNvPr id="5" name="Date Placeholder 4"/>
           <p:cNvSpPr>
             <a:spLocks noGrp="1"/>
           </p:cNvSpPr>
@@ -1406,13 +1437,7 @@
       </p:sp>
       <p:sp>
         <p:nvSpPr>
-          <p:cNvPr id="6" name="Footer Placeholder 5">
-            <a:extLst>
-              <a:ext uri="{FF2B5EF4-FFF2-40B4-BE49-F238E27FC236}">
-                <a16:creationId xmlns:a16="http://schemas.microsoft.com/office/drawing/2014/main" id="{520988C2-ABF5-CF67-BB6A-82F2418C739B}"/>
-              </a:ext>
-            </a:extLst>
-          </p:cNvPr>
+          <p:cNvPr id="6" name="Footer Placeholder 5"/>
           <p:cNvSpPr>
             <a:spLocks noGrp="1"/>
           </p:cNvSpPr>
@@ -1431,13 +1456,7 @@
       </p:sp>
       <p:sp>
         <p:nvSpPr>
-          <p:cNvPr id="7" name="Slide Number Placeholder 6">
-            <a:extLst>
-              <a:ext uri="{FF2B5EF4-FFF2-40B4-BE49-F238E27FC236}">
-                <a16:creationId xmlns:a16="http://schemas.microsoft.com/office/drawing/2014/main" id="{3A454506-9A15-5388-FBC9-8B792CC35F87}"/>
-              </a:ext>
-            </a:extLst>
-          </p:cNvPr>
+          <p:cNvPr id="7" name="Slide Number Placeholder 6"/>
           <p:cNvSpPr>
             <a:spLocks noGrp="1"/>
           </p:cNvSpPr>
@@ -1458,10 +1477,41 @@
           </a:p>
         </p:txBody>
       </p:sp>
+      <p:cxnSp>
+        <p:nvCxnSpPr>
+          <p:cNvPr id="35" name="Straight Connector 34"/>
+          <p:cNvCxnSpPr/>
+          <p:nvPr/>
+        </p:nvCxnSpPr>
+        <p:spPr>
+          <a:xfrm>
+            <a:off x="1453896" y="1847088"/>
+            <a:ext cx="9607522" cy="0"/>
+          </a:xfrm>
+          <a:prstGeom prst="line">
+            <a:avLst/>
+          </a:prstGeom>
+          <a:ln w="31750"/>
+        </p:spPr>
+        <p:style>
+          <a:lnRef idx="3">
+            <a:schemeClr val="accent1"/>
+          </a:lnRef>
+          <a:fillRef idx="0">
+            <a:schemeClr val="accent1"/>
+          </a:fillRef>
+          <a:effectRef idx="2">
+            <a:schemeClr val="accent1"/>
+          </a:effectRef>
+          <a:fontRef idx="minor">
+            <a:schemeClr val="tx1"/>
+          </a:fontRef>
+        </p:style>
+      </p:cxnSp>
     </p:spTree>
     <p:extLst>
       <p:ext uri="{BB962C8B-B14F-4D97-AF65-F5344CB8AC3E}">
-        <p14:creationId xmlns:p14="http://schemas.microsoft.com/office/powerpoint/2010/main" val="3447531484"/>
+        <p14:creationId xmlns:p14="http://schemas.microsoft.com/office/powerpoint/2010/main" val="2622621933"/>
       </p:ext>
     </p:extLst>
   </p:cSld>
@@ -1490,13 +1540,7 @@
       </p:grpSpPr>
       <p:sp>
         <p:nvSpPr>
-          <p:cNvPr id="2" name="Title 1">
-            <a:extLst>
-              <a:ext uri="{FF2B5EF4-FFF2-40B4-BE49-F238E27FC236}">
-                <a16:creationId xmlns:a16="http://schemas.microsoft.com/office/drawing/2014/main" id="{C10EABFF-1C8F-2F7A-C96A-0F006F41BAF5}"/>
-              </a:ext>
-            </a:extLst>
-          </p:cNvPr>
+          <p:cNvPr id="2" name="Title 1"/>
           <p:cNvSpPr>
             <a:spLocks noGrp="1"/>
           </p:cNvSpPr>
@@ -1506,8 +1550,8 @@
         </p:nvSpPr>
         <p:spPr>
           <a:xfrm>
-            <a:off x="839788" y="365125"/>
-            <a:ext cx="10515600" cy="1325563"/>
+            <a:off x="1447191" y="804163"/>
+            <a:ext cx="9607661" cy="1056319"/>
           </a:xfrm>
         </p:spPr>
         <p:txBody>
@@ -1518,18 +1562,13 @@
               <a:rPr lang="en-US"/>
               <a:t>Click to edit Master title style</a:t>
             </a:r>
-          </a:p>
-        </p:txBody>
-      </p:sp>
-      <p:sp>
-        <p:nvSpPr>
-          <p:cNvPr id="3" name="Text Placeholder 2">
-            <a:extLst>
-              <a:ext uri="{FF2B5EF4-FFF2-40B4-BE49-F238E27FC236}">
-                <a16:creationId xmlns:a16="http://schemas.microsoft.com/office/drawing/2014/main" id="{7B43028D-A696-FFDB-62C3-2BDCB99AEC7C}"/>
-              </a:ext>
-            </a:extLst>
-          </p:cNvPr>
+            <a:endParaRPr lang="en-US" dirty="0"/>
+          </a:p>
+        </p:txBody>
+      </p:sp>
+      <p:sp>
+        <p:nvSpPr>
+          <p:cNvPr id="3" name="Text Placeholder 2"/>
           <p:cNvSpPr>
             <a:spLocks noGrp="1"/>
           </p:cNvSpPr>
@@ -1539,16 +1578,25 @@
         </p:nvSpPr>
         <p:spPr>
           <a:xfrm>
-            <a:off x="839788" y="1681163"/>
-            <a:ext cx="5157787" cy="823912"/>
+            <a:off x="1447191" y="2019549"/>
+            <a:ext cx="4645152" cy="801943"/>
           </a:xfrm>
         </p:spPr>
         <p:txBody>
-          <a:bodyPr anchor="b"/>
+          <a:bodyPr anchor="b">
+            <a:normAutofit/>
+          </a:bodyPr>
           <a:lstStyle>
             <a:lvl1pPr marL="0" indent="0">
-              <a:buNone/>
-              <a:defRPr sz="2400" b="1"/>
+              <a:lnSpc>
+                <a:spcPct val="100000"/>
+              </a:lnSpc>
+              <a:buNone/>
+              <a:defRPr sz="2200" b="0" cap="all" baseline="0">
+                <a:solidFill>
+                  <a:schemeClr val="accent1"/>
+                </a:solidFill>
+              </a:defRPr>
             </a:lvl1pPr>
             <a:lvl2pPr marL="457200" indent="0">
               <a:buNone/>
@@ -1594,13 +1642,7 @@
       </p:sp>
       <p:sp>
         <p:nvSpPr>
-          <p:cNvPr id="4" name="Content Placeholder 3">
-            <a:extLst>
-              <a:ext uri="{FF2B5EF4-FFF2-40B4-BE49-F238E27FC236}">
-                <a16:creationId xmlns:a16="http://schemas.microsoft.com/office/drawing/2014/main" id="{99B6E232-F38B-FEAE-75D1-DE0D587E6E73}"/>
-              </a:ext>
-            </a:extLst>
-          </p:cNvPr>
+          <p:cNvPr id="4" name="Content Placeholder 3"/>
           <p:cNvSpPr>
             <a:spLocks noGrp="1"/>
           </p:cNvSpPr>
@@ -1610,8 +1652,8 @@
         </p:nvSpPr>
         <p:spPr>
           <a:xfrm>
-            <a:off x="839788" y="2505075"/>
-            <a:ext cx="5157787" cy="3684588"/>
+            <a:off x="1447191" y="2824269"/>
+            <a:ext cx="4645152" cy="2644457"/>
           </a:xfrm>
         </p:spPr>
         <p:txBody>
@@ -1651,18 +1693,13 @@
               <a:rPr lang="en-US"/>
               <a:t>Fifth level</a:t>
             </a:r>
-          </a:p>
-        </p:txBody>
-      </p:sp>
-      <p:sp>
-        <p:nvSpPr>
-          <p:cNvPr id="5" name="Text Placeholder 4">
-            <a:extLst>
-              <a:ext uri="{FF2B5EF4-FFF2-40B4-BE49-F238E27FC236}">
-                <a16:creationId xmlns:a16="http://schemas.microsoft.com/office/drawing/2014/main" id="{8A71FF45-6CEC-50D7-607D-31C6BBB858CE}"/>
-              </a:ext>
-            </a:extLst>
-          </p:cNvPr>
+            <a:endParaRPr lang="en-US" dirty="0"/>
+          </a:p>
+        </p:txBody>
+      </p:sp>
+      <p:sp>
+        <p:nvSpPr>
+          <p:cNvPr id="5" name="Text Placeholder 4"/>
           <p:cNvSpPr>
             <a:spLocks noGrp="1"/>
           </p:cNvSpPr>
@@ -1672,16 +1709,25 @@
         </p:nvSpPr>
         <p:spPr>
           <a:xfrm>
-            <a:off x="6172200" y="1681163"/>
-            <a:ext cx="5183188" cy="823912"/>
+            <a:off x="6412362" y="2023003"/>
+            <a:ext cx="4645152" cy="802237"/>
           </a:xfrm>
         </p:spPr>
         <p:txBody>
-          <a:bodyPr anchor="b"/>
+          <a:bodyPr anchor="b">
+            <a:normAutofit/>
+          </a:bodyPr>
           <a:lstStyle>
             <a:lvl1pPr marL="0" indent="0">
-              <a:buNone/>
-              <a:defRPr sz="2400" b="1"/>
+              <a:lnSpc>
+                <a:spcPct val="100000"/>
+              </a:lnSpc>
+              <a:buNone/>
+              <a:defRPr sz="2200" b="0" cap="all" baseline="0">
+                <a:solidFill>
+                  <a:schemeClr val="accent1"/>
+                </a:solidFill>
+              </a:defRPr>
             </a:lvl1pPr>
             <a:lvl2pPr marL="457200" indent="0">
               <a:buNone/>
@@ -1727,13 +1773,7 @@
       </p:sp>
       <p:sp>
         <p:nvSpPr>
-          <p:cNvPr id="6" name="Content Placeholder 5">
-            <a:extLst>
-              <a:ext uri="{FF2B5EF4-FFF2-40B4-BE49-F238E27FC236}">
-                <a16:creationId xmlns:a16="http://schemas.microsoft.com/office/drawing/2014/main" id="{09CF9B0A-10EF-2491-BF99-5886268D59FC}"/>
-              </a:ext>
-            </a:extLst>
-          </p:cNvPr>
+          <p:cNvPr id="6" name="Content Placeholder 5"/>
           <p:cNvSpPr>
             <a:spLocks noGrp="1"/>
           </p:cNvSpPr>
@@ -1743,8 +1783,8 @@
         </p:nvSpPr>
         <p:spPr>
           <a:xfrm>
-            <a:off x="6172200" y="2505075"/>
-            <a:ext cx="5183188" cy="3684588"/>
+            <a:off x="6412362" y="2821491"/>
+            <a:ext cx="4645152" cy="2637371"/>
           </a:xfrm>
         </p:spPr>
         <p:txBody>
@@ -1784,18 +1824,13 @@
               <a:rPr lang="en-US"/>
               <a:t>Fifth level</a:t>
             </a:r>
-          </a:p>
-        </p:txBody>
-      </p:sp>
-      <p:sp>
-        <p:nvSpPr>
-          <p:cNvPr id="7" name="Date Placeholder 6">
-            <a:extLst>
-              <a:ext uri="{FF2B5EF4-FFF2-40B4-BE49-F238E27FC236}">
-                <a16:creationId xmlns:a16="http://schemas.microsoft.com/office/drawing/2014/main" id="{CAAAE0D8-B2C6-147A-7A5D-9B57B0054E21}"/>
-              </a:ext>
-            </a:extLst>
-          </p:cNvPr>
+            <a:endParaRPr lang="en-US" dirty="0"/>
+          </a:p>
+        </p:txBody>
+      </p:sp>
+      <p:sp>
+        <p:nvSpPr>
+          <p:cNvPr id="7" name="Date Placeholder 6"/>
           <p:cNvSpPr>
             <a:spLocks noGrp="1"/>
           </p:cNvSpPr>
@@ -1818,13 +1853,7 @@
       </p:sp>
       <p:sp>
         <p:nvSpPr>
-          <p:cNvPr id="8" name="Footer Placeholder 7">
-            <a:extLst>
-              <a:ext uri="{FF2B5EF4-FFF2-40B4-BE49-F238E27FC236}">
-                <a16:creationId xmlns:a16="http://schemas.microsoft.com/office/drawing/2014/main" id="{D6AAA302-1EEA-0B41-5182-0E46A8B1304D}"/>
-              </a:ext>
-            </a:extLst>
-          </p:cNvPr>
+          <p:cNvPr id="8" name="Footer Placeholder 7"/>
           <p:cNvSpPr>
             <a:spLocks noGrp="1"/>
           </p:cNvSpPr>
@@ -1843,13 +1872,7 @@
       </p:sp>
       <p:sp>
         <p:nvSpPr>
-          <p:cNvPr id="9" name="Slide Number Placeholder 8">
-            <a:extLst>
-              <a:ext uri="{FF2B5EF4-FFF2-40B4-BE49-F238E27FC236}">
-                <a16:creationId xmlns:a16="http://schemas.microsoft.com/office/drawing/2014/main" id="{C68A098C-41EB-9ECF-B2EE-67F728DD735E}"/>
-              </a:ext>
-            </a:extLst>
-          </p:cNvPr>
+          <p:cNvPr id="9" name="Slide Number Placeholder 8"/>
           <p:cNvSpPr>
             <a:spLocks noGrp="1"/>
           </p:cNvSpPr>
@@ -1870,10 +1893,41 @@
           </a:p>
         </p:txBody>
       </p:sp>
+      <p:cxnSp>
+        <p:nvCxnSpPr>
+          <p:cNvPr id="29" name="Straight Connector 28"/>
+          <p:cNvCxnSpPr/>
+          <p:nvPr/>
+        </p:nvCxnSpPr>
+        <p:spPr>
+          <a:xfrm>
+            <a:off x="1453896" y="1847088"/>
+            <a:ext cx="9607522" cy="0"/>
+          </a:xfrm>
+          <a:prstGeom prst="line">
+            <a:avLst/>
+          </a:prstGeom>
+          <a:ln w="31750"/>
+        </p:spPr>
+        <p:style>
+          <a:lnRef idx="3">
+            <a:schemeClr val="accent1"/>
+          </a:lnRef>
+          <a:fillRef idx="0">
+            <a:schemeClr val="accent1"/>
+          </a:fillRef>
+          <a:effectRef idx="2">
+            <a:schemeClr val="accent1"/>
+          </a:effectRef>
+          <a:fontRef idx="minor">
+            <a:schemeClr val="tx1"/>
+          </a:fontRef>
+        </p:style>
+      </p:cxnSp>
     </p:spTree>
     <p:extLst>
       <p:ext uri="{BB962C8B-B14F-4D97-AF65-F5344CB8AC3E}">
-        <p14:creationId xmlns:p14="http://schemas.microsoft.com/office/powerpoint/2010/main" val="53930491"/>
+        <p14:creationId xmlns:p14="http://schemas.microsoft.com/office/powerpoint/2010/main" val="1694986867"/>
       </p:ext>
     </p:extLst>
   </p:cSld>
@@ -1902,13 +1956,7 @@
       </p:grpSpPr>
       <p:sp>
         <p:nvSpPr>
-          <p:cNvPr id="2" name="Title 1">
-            <a:extLst>
-              <a:ext uri="{FF2B5EF4-FFF2-40B4-BE49-F238E27FC236}">
-                <a16:creationId xmlns:a16="http://schemas.microsoft.com/office/drawing/2014/main" id="{43AC40B6-440A-BFD0-907B-D5CA8A1B2173}"/>
-              </a:ext>
-            </a:extLst>
-          </p:cNvPr>
+          <p:cNvPr id="2" name="Title 1"/>
           <p:cNvSpPr>
             <a:spLocks noGrp="1"/>
           </p:cNvSpPr>
@@ -1925,18 +1973,13 @@
               <a:rPr lang="en-US"/>
               <a:t>Click to edit Master title style</a:t>
             </a:r>
-          </a:p>
-        </p:txBody>
-      </p:sp>
-      <p:sp>
-        <p:nvSpPr>
-          <p:cNvPr id="3" name="Date Placeholder 2">
-            <a:extLst>
-              <a:ext uri="{FF2B5EF4-FFF2-40B4-BE49-F238E27FC236}">
-                <a16:creationId xmlns:a16="http://schemas.microsoft.com/office/drawing/2014/main" id="{CF8BB13D-5580-494E-DEC4-116C4EF66262}"/>
-              </a:ext>
-            </a:extLst>
-          </p:cNvPr>
+            <a:endParaRPr lang="en-US" dirty="0"/>
+          </a:p>
+        </p:txBody>
+      </p:sp>
+      <p:sp>
+        <p:nvSpPr>
+          <p:cNvPr id="3" name="Date Placeholder 2"/>
           <p:cNvSpPr>
             <a:spLocks noGrp="1"/>
           </p:cNvSpPr>
@@ -1959,13 +2002,7 @@
       </p:sp>
       <p:sp>
         <p:nvSpPr>
-          <p:cNvPr id="4" name="Footer Placeholder 3">
-            <a:extLst>
-              <a:ext uri="{FF2B5EF4-FFF2-40B4-BE49-F238E27FC236}">
-                <a16:creationId xmlns:a16="http://schemas.microsoft.com/office/drawing/2014/main" id="{8DF86EEF-B976-54A6-014E-76E33E951632}"/>
-              </a:ext>
-            </a:extLst>
-          </p:cNvPr>
+          <p:cNvPr id="4" name="Footer Placeholder 3"/>
           <p:cNvSpPr>
             <a:spLocks noGrp="1"/>
           </p:cNvSpPr>
@@ -1984,13 +2021,7 @@
       </p:sp>
       <p:sp>
         <p:nvSpPr>
-          <p:cNvPr id="5" name="Slide Number Placeholder 4">
-            <a:extLst>
-              <a:ext uri="{FF2B5EF4-FFF2-40B4-BE49-F238E27FC236}">
-                <a16:creationId xmlns:a16="http://schemas.microsoft.com/office/drawing/2014/main" id="{4303A2B7-F421-D045-BFD7-272000887EE1}"/>
-              </a:ext>
-            </a:extLst>
-          </p:cNvPr>
+          <p:cNvPr id="5" name="Slide Number Placeholder 4"/>
           <p:cNvSpPr>
             <a:spLocks noGrp="1"/>
           </p:cNvSpPr>
@@ -2011,10 +2042,41 @@
           </a:p>
         </p:txBody>
       </p:sp>
+      <p:cxnSp>
+        <p:nvCxnSpPr>
+          <p:cNvPr id="25" name="Straight Connector 24"/>
+          <p:cNvCxnSpPr/>
+          <p:nvPr/>
+        </p:nvCxnSpPr>
+        <p:spPr>
+          <a:xfrm>
+            <a:off x="1453896" y="1847088"/>
+            <a:ext cx="9607522" cy="0"/>
+          </a:xfrm>
+          <a:prstGeom prst="line">
+            <a:avLst/>
+          </a:prstGeom>
+          <a:ln w="31750"/>
+        </p:spPr>
+        <p:style>
+          <a:lnRef idx="3">
+            <a:schemeClr val="accent1"/>
+          </a:lnRef>
+          <a:fillRef idx="0">
+            <a:schemeClr val="accent1"/>
+          </a:fillRef>
+          <a:effectRef idx="2">
+            <a:schemeClr val="accent1"/>
+          </a:effectRef>
+          <a:fontRef idx="minor">
+            <a:schemeClr val="tx1"/>
+          </a:fontRef>
+        </p:style>
+      </p:cxnSp>
     </p:spTree>
     <p:extLst>
       <p:ext uri="{BB962C8B-B14F-4D97-AF65-F5344CB8AC3E}">
-        <p14:creationId xmlns:p14="http://schemas.microsoft.com/office/powerpoint/2010/main" val="2992995597"/>
+        <p14:creationId xmlns:p14="http://schemas.microsoft.com/office/powerpoint/2010/main" val="3491331587"/>
       </p:ext>
     </p:extLst>
   </p:cSld>
@@ -2043,13 +2105,7 @@
       </p:grpSpPr>
       <p:sp>
         <p:nvSpPr>
-          <p:cNvPr id="2" name="Date Placeholder 1">
-            <a:extLst>
-              <a:ext uri="{FF2B5EF4-FFF2-40B4-BE49-F238E27FC236}">
-                <a16:creationId xmlns:a16="http://schemas.microsoft.com/office/drawing/2014/main" id="{E53F17F6-1288-40E0-815E-2E975E14C240}"/>
-              </a:ext>
-            </a:extLst>
-          </p:cNvPr>
+          <p:cNvPr id="2" name="Date Placeholder 1"/>
           <p:cNvSpPr>
             <a:spLocks noGrp="1"/>
           </p:cNvSpPr>
@@ -2072,13 +2128,7 @@
       </p:sp>
       <p:sp>
         <p:nvSpPr>
-          <p:cNvPr id="3" name="Footer Placeholder 2">
-            <a:extLst>
-              <a:ext uri="{FF2B5EF4-FFF2-40B4-BE49-F238E27FC236}">
-                <a16:creationId xmlns:a16="http://schemas.microsoft.com/office/drawing/2014/main" id="{0D38AC32-1015-3662-A7FC-BB302C5DC5F5}"/>
-              </a:ext>
-            </a:extLst>
-          </p:cNvPr>
+          <p:cNvPr id="3" name="Footer Placeholder 2"/>
           <p:cNvSpPr>
             <a:spLocks noGrp="1"/>
           </p:cNvSpPr>
@@ -2097,13 +2147,7 @@
       </p:sp>
       <p:sp>
         <p:nvSpPr>
-          <p:cNvPr id="4" name="Slide Number Placeholder 3">
-            <a:extLst>
-              <a:ext uri="{FF2B5EF4-FFF2-40B4-BE49-F238E27FC236}">
-                <a16:creationId xmlns:a16="http://schemas.microsoft.com/office/drawing/2014/main" id="{EFED2120-22F8-890A-5668-16F88F38862C}"/>
-              </a:ext>
-            </a:extLst>
-          </p:cNvPr>
+          <p:cNvPr id="4" name="Slide Number Placeholder 3"/>
           <p:cNvSpPr>
             <a:spLocks noGrp="1"/>
           </p:cNvSpPr>
@@ -2127,7 +2171,7 @@
     </p:spTree>
     <p:extLst>
       <p:ext uri="{BB962C8B-B14F-4D97-AF65-F5344CB8AC3E}">
-        <p14:creationId xmlns:p14="http://schemas.microsoft.com/office/powerpoint/2010/main" val="739468064"/>
+        <p14:creationId xmlns:p14="http://schemas.microsoft.com/office/powerpoint/2010/main" val="3320939461"/>
       </p:ext>
     </p:extLst>
   </p:cSld>
@@ -2156,13 +2200,7 @@
       </p:grpSpPr>
       <p:sp>
         <p:nvSpPr>
-          <p:cNvPr id="2" name="Title 1">
-            <a:extLst>
-              <a:ext uri="{FF2B5EF4-FFF2-40B4-BE49-F238E27FC236}">
-                <a16:creationId xmlns:a16="http://schemas.microsoft.com/office/drawing/2014/main" id="{053C3877-1354-738D-9453-9637564B1B39}"/>
-              </a:ext>
-            </a:extLst>
-          </p:cNvPr>
+          <p:cNvPr id="2" name="Title 1"/>
           <p:cNvSpPr>
             <a:spLocks noGrp="1"/>
           </p:cNvSpPr>
@@ -2172,15 +2210,17 @@
         </p:nvSpPr>
         <p:spPr>
           <a:xfrm>
-            <a:off x="839788" y="457200"/>
-            <a:ext cx="3932237" cy="1600200"/>
+            <a:off x="1444671" y="798973"/>
+            <a:ext cx="3273099" cy="2247117"/>
           </a:xfrm>
         </p:spPr>
         <p:txBody>
-          <a:bodyPr anchor="b"/>
+          <a:bodyPr anchor="b">
+            <a:normAutofit/>
+          </a:bodyPr>
           <a:lstStyle>
-            <a:lvl1pPr>
-              <a:defRPr sz="3200"/>
+            <a:lvl1pPr algn="l">
+              <a:defRPr sz="2400"/>
             </a:lvl1pPr>
           </a:lstStyle>
           <a:p>
@@ -2188,18 +2228,13 @@
               <a:rPr lang="en-US"/>
               <a:t>Click to edit Master title style</a:t>
             </a:r>
-          </a:p>
-        </p:txBody>
-      </p:sp>
-      <p:sp>
-        <p:nvSpPr>
-          <p:cNvPr id="3" name="Content Placeholder 2">
-            <a:extLst>
-              <a:ext uri="{FF2B5EF4-FFF2-40B4-BE49-F238E27FC236}">
-                <a16:creationId xmlns:a16="http://schemas.microsoft.com/office/drawing/2014/main" id="{37B9D7B1-DE53-CDBA-C353-6192C33C7FC6}"/>
-              </a:ext>
-            </a:extLst>
-          </p:cNvPr>
+            <a:endParaRPr lang="en-US" dirty="0"/>
+          </a:p>
+        </p:txBody>
+      </p:sp>
+      <p:sp>
+        <p:nvSpPr>
+          <p:cNvPr id="3" name="Content Placeholder 2"/>
           <p:cNvSpPr>
             <a:spLocks noGrp="1"/>
           </p:cNvSpPr>
@@ -2209,41 +2244,13 @@
         </p:nvSpPr>
         <p:spPr>
           <a:xfrm>
-            <a:off x="5183188" y="987425"/>
-            <a:ext cx="6172200" cy="4873625"/>
+            <a:off x="5043714" y="798974"/>
+            <a:ext cx="6012470" cy="4658826"/>
           </a:xfrm>
         </p:spPr>
         <p:txBody>
-          <a:bodyPr/>
-          <a:lstStyle>
-            <a:lvl1pPr>
-              <a:defRPr sz="3200"/>
-            </a:lvl1pPr>
-            <a:lvl2pPr>
-              <a:defRPr sz="2800"/>
-            </a:lvl2pPr>
-            <a:lvl3pPr>
-              <a:defRPr sz="2400"/>
-            </a:lvl3pPr>
-            <a:lvl4pPr>
-              <a:defRPr sz="2000"/>
-            </a:lvl4pPr>
-            <a:lvl5pPr>
-              <a:defRPr sz="2000"/>
-            </a:lvl5pPr>
-            <a:lvl6pPr>
-              <a:defRPr sz="2000"/>
-            </a:lvl6pPr>
-            <a:lvl7pPr>
-              <a:defRPr sz="2000"/>
-            </a:lvl7pPr>
-            <a:lvl8pPr>
-              <a:defRPr sz="2000"/>
-            </a:lvl8pPr>
-            <a:lvl9pPr>
-              <a:defRPr sz="2000"/>
-            </a:lvl9pPr>
-          </a:lstStyle>
+          <a:bodyPr anchor="ctr"/>
+          <a:lstStyle/>
           <a:p>
             <a:pPr lvl="0"/>
             <a:r>
@@ -2278,18 +2285,13 @@
               <a:rPr lang="en-US"/>
               <a:t>Fifth level</a:t>
             </a:r>
-          </a:p>
-        </p:txBody>
-      </p:sp>
-      <p:sp>
-        <p:nvSpPr>
-          <p:cNvPr id="4" name="Text Placeholder 3">
-            <a:extLst>
-              <a:ext uri="{FF2B5EF4-FFF2-40B4-BE49-F238E27FC236}">
-                <a16:creationId xmlns:a16="http://schemas.microsoft.com/office/drawing/2014/main" id="{CDEC200B-8071-822D-18D3-1F95CED3F455}"/>
-              </a:ext>
-            </a:extLst>
-          </p:cNvPr>
+            <a:endParaRPr lang="en-US" dirty="0"/>
+          </a:p>
+        </p:txBody>
+      </p:sp>
+      <p:sp>
+        <p:nvSpPr>
+          <p:cNvPr id="4" name="Text Placeholder 3"/>
           <p:cNvSpPr>
             <a:spLocks noGrp="1"/>
           </p:cNvSpPr>
@@ -2299,14 +2301,14 @@
         </p:nvSpPr>
         <p:spPr>
           <a:xfrm>
-            <a:off x="839788" y="2057400"/>
-            <a:ext cx="3932237" cy="3811588"/>
+            <a:off x="1444671" y="3205491"/>
+            <a:ext cx="3275013" cy="2248181"/>
           </a:xfrm>
         </p:spPr>
         <p:txBody>
           <a:bodyPr/>
           <a:lstStyle>
-            <a:lvl1pPr marL="0" indent="0">
+            <a:lvl1pPr marL="0" indent="0" algn="l">
               <a:buNone/>
               <a:defRPr sz="1600"/>
             </a:lvl1pPr>
@@ -2354,13 +2356,7 @@
       </p:sp>
       <p:sp>
         <p:nvSpPr>
-          <p:cNvPr id="5" name="Date Placeholder 4">
-            <a:extLst>
-              <a:ext uri="{FF2B5EF4-FFF2-40B4-BE49-F238E27FC236}">
-                <a16:creationId xmlns:a16="http://schemas.microsoft.com/office/drawing/2014/main" id="{8DEC3B8F-F4C3-BDE9-39F6-1BC8A2BA3D78}"/>
-              </a:ext>
-            </a:extLst>
-          </p:cNvPr>
+          <p:cNvPr id="5" name="Date Placeholder 4"/>
           <p:cNvSpPr>
             <a:spLocks noGrp="1"/>
           </p:cNvSpPr>
@@ -2383,13 +2379,7 @@
       </p:sp>
       <p:sp>
         <p:nvSpPr>
-          <p:cNvPr id="6" name="Footer Placeholder 5">
-            <a:extLst>
-              <a:ext uri="{FF2B5EF4-FFF2-40B4-BE49-F238E27FC236}">
-                <a16:creationId xmlns:a16="http://schemas.microsoft.com/office/drawing/2014/main" id="{CB85253B-4423-AFF1-2DF9-663BC77130BD}"/>
-              </a:ext>
-            </a:extLst>
-          </p:cNvPr>
+          <p:cNvPr id="6" name="Footer Placeholder 5"/>
           <p:cNvSpPr>
             <a:spLocks noGrp="1"/>
           </p:cNvSpPr>
@@ -2408,13 +2398,7 @@
       </p:sp>
       <p:sp>
         <p:nvSpPr>
-          <p:cNvPr id="7" name="Slide Number Placeholder 6">
-            <a:extLst>
-              <a:ext uri="{FF2B5EF4-FFF2-40B4-BE49-F238E27FC236}">
-                <a16:creationId xmlns:a16="http://schemas.microsoft.com/office/drawing/2014/main" id="{CA992B59-5C68-CE89-E615-54BC2BCD249F}"/>
-              </a:ext>
-            </a:extLst>
-          </p:cNvPr>
+          <p:cNvPr id="7" name="Slide Number Placeholder 6"/>
           <p:cNvSpPr>
             <a:spLocks noGrp="1"/>
           </p:cNvSpPr>
@@ -2435,10 +2419,41 @@
           </a:p>
         </p:txBody>
       </p:sp>
+      <p:cxnSp>
+        <p:nvCxnSpPr>
+          <p:cNvPr id="17" name="Straight Connector 16"/>
+          <p:cNvCxnSpPr/>
+          <p:nvPr/>
+        </p:nvCxnSpPr>
+        <p:spPr>
+          <a:xfrm>
+            <a:off x="1448280" y="3205491"/>
+            <a:ext cx="3269490" cy="0"/>
+          </a:xfrm>
+          <a:prstGeom prst="line">
+            <a:avLst/>
+          </a:prstGeom>
+          <a:ln w="31750"/>
+        </p:spPr>
+        <p:style>
+          <a:lnRef idx="3">
+            <a:schemeClr val="accent1"/>
+          </a:lnRef>
+          <a:fillRef idx="0">
+            <a:schemeClr val="accent1"/>
+          </a:fillRef>
+          <a:effectRef idx="2">
+            <a:schemeClr val="accent1"/>
+          </a:effectRef>
+          <a:fontRef idx="minor">
+            <a:schemeClr val="tx1"/>
+          </a:fontRef>
+        </p:style>
+      </p:cxnSp>
     </p:spTree>
     <p:extLst>
       <p:ext uri="{BB962C8B-B14F-4D97-AF65-F5344CB8AC3E}">
-        <p14:creationId xmlns:p14="http://schemas.microsoft.com/office/powerpoint/2010/main" val="3129857085"/>
+        <p14:creationId xmlns:p14="http://schemas.microsoft.com/office/powerpoint/2010/main" val="4242356899"/>
       </p:ext>
     </p:extLst>
   </p:cSld>
@@ -2465,15 +2480,143 @@
           <a:chExt cx="0" cy="0"/>
         </a:xfrm>
       </p:grpSpPr>
-      <p:sp>
-        <p:nvSpPr>
-          <p:cNvPr id="2" name="Title 1">
-            <a:extLst>
-              <a:ext uri="{FF2B5EF4-FFF2-40B4-BE49-F238E27FC236}">
-                <a16:creationId xmlns:a16="http://schemas.microsoft.com/office/drawing/2014/main" id="{7EB714A5-A1DC-2836-5698-E5B4E0C04DC1}"/>
-              </a:ext>
-            </a:extLst>
-          </p:cNvPr>
+      <p:grpSp>
+        <p:nvGrpSpPr>
+          <p:cNvPr id="8" name="Group 7"/>
+          <p:cNvGrpSpPr/>
+          <p:nvPr/>
+        </p:nvGrpSpPr>
+        <p:grpSpPr>
+          <a:xfrm>
+            <a:off x="7477387" y="482170"/>
+            <a:ext cx="4074533" cy="5149101"/>
+            <a:chOff x="7477387" y="482170"/>
+            <a:chExt cx="4074533" cy="5149101"/>
+          </a:xfrm>
+        </p:grpSpPr>
+        <p:sp>
+          <p:nvSpPr>
+            <p:cNvPr id="18" name="Rectangle 17"/>
+            <p:cNvSpPr/>
+            <p:nvPr/>
+          </p:nvSpPr>
+          <p:spPr bwMode="black">
+            <a:xfrm>
+              <a:off x="7477387" y="482170"/>
+              <a:ext cx="4074533" cy="5149101"/>
+            </a:xfrm>
+            <a:prstGeom prst="rect">
+              <a:avLst/>
+            </a:prstGeom>
+            <a:gradFill>
+              <a:gsLst>
+                <a:gs pos="0">
+                  <a:srgbClr val="000001"/>
+                </a:gs>
+                <a:gs pos="100000">
+                  <a:srgbClr val="191919"/>
+                </a:gs>
+              </a:gsLst>
+            </a:gradFill>
+            <a:ln w="76200" cmpd="sng">
+              <a:noFill/>
+              <a:miter lim="800000"/>
+            </a:ln>
+            <a:effectLst>
+              <a:outerShdw blurRad="127000" dist="228600" dir="4740000" sx="98000" sy="98000" algn="tl" rotWithShape="0">
+                <a:srgbClr val="000000">
+                  <a:alpha val="34000"/>
+                </a:srgbClr>
+              </a:outerShdw>
+            </a:effectLst>
+            <a:scene3d>
+              <a:camera prst="orthographicFront"/>
+              <a:lightRig rig="threePt" dir="t"/>
+            </a:scene3d>
+            <a:sp3d>
+              <a:bevelT w="152400" h="50800" prst="softRound"/>
+            </a:sp3d>
+          </p:spPr>
+          <p:style>
+            <a:lnRef idx="1">
+              <a:schemeClr val="accent1"/>
+            </a:lnRef>
+            <a:fillRef idx="3">
+              <a:schemeClr val="accent1"/>
+            </a:fillRef>
+            <a:effectRef idx="2">
+              <a:schemeClr val="accent1"/>
+            </a:effectRef>
+            <a:fontRef idx="minor">
+              <a:schemeClr val="lt1"/>
+            </a:fontRef>
+          </p:style>
+        </p:sp>
+        <p:sp>
+          <p:nvSpPr>
+            <p:cNvPr id="19" name="Rectangle 18"/>
+            <p:cNvSpPr/>
+            <p:nvPr/>
+          </p:nvSpPr>
+          <p:spPr bwMode="blackWhite">
+            <a:xfrm>
+              <a:off x="7790446" y="812506"/>
+              <a:ext cx="3450289" cy="4466452"/>
+            </a:xfrm>
+            <a:prstGeom prst="rect">
+              <a:avLst/>
+            </a:prstGeom>
+            <a:gradFill>
+              <a:gsLst>
+                <a:gs pos="0">
+                  <a:srgbClr val="DADADA"/>
+                </a:gs>
+                <a:gs pos="100000">
+                  <a:srgbClr val="FFFFFE"/>
+                </a:gs>
+              </a:gsLst>
+              <a:lin ang="16200000" scaled="0"/>
+            </a:gradFill>
+            <a:ln w="50800" cmpd="sng">
+              <a:solidFill>
+                <a:srgbClr val="191919"/>
+              </a:solidFill>
+              <a:miter lim="800000"/>
+            </a:ln>
+            <a:effectLst>
+              <a:innerShdw blurRad="63500" dist="88900" dir="14100000">
+                <a:srgbClr val="000000">
+                  <a:alpha val="30000"/>
+                </a:srgbClr>
+              </a:innerShdw>
+            </a:effectLst>
+            <a:scene3d>
+              <a:camera prst="orthographicFront"/>
+              <a:lightRig rig="threePt" dir="t"/>
+            </a:scene3d>
+            <a:sp3d>
+              <a:bevelT prst="relaxedInset"/>
+            </a:sp3d>
+          </p:spPr>
+          <p:style>
+            <a:lnRef idx="1">
+              <a:schemeClr val="accent1"/>
+            </a:lnRef>
+            <a:fillRef idx="3">
+              <a:schemeClr val="accent1"/>
+            </a:fillRef>
+            <a:effectRef idx="2">
+              <a:schemeClr val="accent1"/>
+            </a:effectRef>
+            <a:fontRef idx="minor">
+              <a:schemeClr val="lt1"/>
+            </a:fontRef>
+          </p:style>
+        </p:sp>
+      </p:grpSp>
+      <p:sp>
+        <p:nvSpPr>
+          <p:cNvPr id="2" name="Title 1"/>
           <p:cNvSpPr>
             <a:spLocks noGrp="1"/>
           </p:cNvSpPr>
@@ -2483,12 +2626,14 @@
         </p:nvSpPr>
         <p:spPr>
           <a:xfrm>
-            <a:off x="839788" y="457200"/>
-            <a:ext cx="3932237" cy="1600200"/>
+            <a:off x="1451206" y="1129513"/>
+            <a:ext cx="5532328" cy="1830584"/>
           </a:xfrm>
         </p:spPr>
         <p:txBody>
-          <a:bodyPr anchor="b"/>
+          <a:bodyPr anchor="b">
+            <a:normAutofit/>
+          </a:bodyPr>
           <a:lstStyle>
             <a:lvl1pPr>
               <a:defRPr sz="3200"/>
@@ -2499,20 +2644,15 @@
               <a:rPr lang="en-US"/>
               <a:t>Click to edit Master title style</a:t>
             </a:r>
-          </a:p>
-        </p:txBody>
-      </p:sp>
-      <p:sp>
-        <p:nvSpPr>
-          <p:cNvPr id="3" name="Picture Placeholder 2">
-            <a:extLst>
-              <a:ext uri="{FF2B5EF4-FFF2-40B4-BE49-F238E27FC236}">
-                <a16:creationId xmlns:a16="http://schemas.microsoft.com/office/drawing/2014/main" id="{4D0D152A-946C-8390-4AF8-29B50F96A00B}"/>
-              </a:ext>
-            </a:extLst>
-          </p:cNvPr>
-          <p:cNvSpPr>
-            <a:spLocks noGrp="1"/>
+            <a:endParaRPr lang="en-US" dirty="0"/>
+          </a:p>
+        </p:txBody>
+      </p:sp>
+      <p:sp>
+        <p:nvSpPr>
+          <p:cNvPr id="3" name="Picture Placeholder 2"/>
+          <p:cNvSpPr>
+            <a:spLocks noGrp="1" noChangeAspect="1"/>
           </p:cNvSpPr>
           <p:nvPr>
             <p:ph type="pic" idx="1"/>
@@ -2520,14 +2660,24 @@
         </p:nvSpPr>
         <p:spPr>
           <a:xfrm>
-            <a:off x="5183188" y="987425"/>
-            <a:ext cx="6172200" cy="4873625"/>
+            <a:off x="8124389" y="1122542"/>
+            <a:ext cx="2791171" cy="3866327"/>
           </a:xfrm>
+          <a:solidFill>
+            <a:schemeClr val="bg1">
+              <a:lumMod val="85000"/>
+            </a:schemeClr>
+          </a:solidFill>
+          <a:ln w="9525" cap="sq">
+            <a:noFill/>
+            <a:miter lim="800000"/>
+          </a:ln>
+          <a:effectLst/>
         </p:spPr>
         <p:txBody>
-          <a:bodyPr/>
+          <a:bodyPr anchor="t"/>
           <a:lstStyle>
-            <a:lvl1pPr marL="0" indent="0">
+            <a:lvl1pPr marL="0" indent="0" algn="ctr">
               <a:buNone/>
               <a:defRPr sz="3200"/>
             </a:lvl1pPr>
@@ -2565,19 +2715,17 @@
             </a:lvl9pPr>
           </a:lstStyle>
           <a:p>
-            <a:endParaRPr lang="en-US"/>
-          </a:p>
-        </p:txBody>
-      </p:sp>
-      <p:sp>
-        <p:nvSpPr>
-          <p:cNvPr id="4" name="Text Placeholder 3">
-            <a:extLst>
-              <a:ext uri="{FF2B5EF4-FFF2-40B4-BE49-F238E27FC236}">
-                <a16:creationId xmlns:a16="http://schemas.microsoft.com/office/drawing/2014/main" id="{353F984A-685C-1915-C918-9E80B4528837}"/>
-              </a:ext>
-            </a:extLst>
-          </p:cNvPr>
+            <a:r>
+              <a:rPr lang="en-US"/>
+              <a:t>Click icon to add picture</a:t>
+            </a:r>
+            <a:endParaRPr lang="en-US" dirty="0"/>
+          </a:p>
+        </p:txBody>
+      </p:sp>
+      <p:sp>
+        <p:nvSpPr>
+          <p:cNvPr id="4" name="Text Placeholder 3"/>
           <p:cNvSpPr>
             <a:spLocks noGrp="1"/>
           </p:cNvSpPr>
@@ -2587,16 +2735,18 @@
         </p:nvSpPr>
         <p:spPr>
           <a:xfrm>
-            <a:off x="839788" y="2057400"/>
-            <a:ext cx="3932237" cy="3811588"/>
+            <a:off x="1450329" y="3145992"/>
+            <a:ext cx="5524404" cy="2003742"/>
           </a:xfrm>
         </p:spPr>
         <p:txBody>
-          <a:bodyPr/>
+          <a:bodyPr>
+            <a:normAutofit/>
+          </a:bodyPr>
           <a:lstStyle>
-            <a:lvl1pPr marL="0" indent="0">
-              <a:buNone/>
-              <a:defRPr sz="1600"/>
+            <a:lvl1pPr marL="0" indent="0" algn="l">
+              <a:buNone/>
+              <a:defRPr sz="1800"/>
             </a:lvl1pPr>
             <a:lvl2pPr marL="457200" indent="0">
               <a:buNone/>
@@ -2642,13 +2792,7 @@
       </p:sp>
       <p:sp>
         <p:nvSpPr>
-          <p:cNvPr id="5" name="Date Placeholder 4">
-            <a:extLst>
-              <a:ext uri="{FF2B5EF4-FFF2-40B4-BE49-F238E27FC236}">
-                <a16:creationId xmlns:a16="http://schemas.microsoft.com/office/drawing/2014/main" id="{610D8DE1-11B1-8518-78B5-0C33FE22BA53}"/>
-              </a:ext>
-            </a:extLst>
-          </p:cNvPr>
+          <p:cNvPr id="5" name="Date Placeholder 4"/>
           <p:cNvSpPr>
             <a:spLocks noGrp="1"/>
           </p:cNvSpPr>
@@ -2656,10 +2800,19 @@
             <p:ph type="dt" sz="half" idx="10"/>
           </p:nvPr>
         </p:nvSpPr>
-        <p:spPr/>
-        <p:txBody>
-          <a:bodyPr/>
-          <a:lstStyle/>
+        <p:spPr>
+          <a:xfrm>
+            <a:off x="1447382" y="5469856"/>
+            <a:ext cx="5527351" cy="320123"/>
+          </a:xfrm>
+        </p:spPr>
+        <p:txBody>
+          <a:bodyPr/>
+          <a:lstStyle>
+            <a:lvl1pPr algn="l">
+              <a:defRPr/>
+            </a:lvl1pPr>
+          </a:lstStyle>
           <a:p>
             <a:fld id="{BE9E5148-ACAE-BA4E-A29B-2ED4B7AFEFAB}" type="datetimeFigureOut">
               <a:rPr lang="en-US" smtClean="0"/>
@@ -2671,13 +2824,7 @@
       </p:sp>
       <p:sp>
         <p:nvSpPr>
-          <p:cNvPr id="6" name="Footer Placeholder 5">
-            <a:extLst>
-              <a:ext uri="{FF2B5EF4-FFF2-40B4-BE49-F238E27FC236}">
-                <a16:creationId xmlns:a16="http://schemas.microsoft.com/office/drawing/2014/main" id="{DC300B55-B239-C148-823B-A76815B5D2FA}"/>
-              </a:ext>
-            </a:extLst>
-          </p:cNvPr>
+          <p:cNvPr id="6" name="Footer Placeholder 5"/>
           <p:cNvSpPr>
             <a:spLocks noGrp="1"/>
           </p:cNvSpPr>
@@ -2685,7 +2832,12 @@
             <p:ph type="ftr" sz="quarter" idx="11"/>
           </p:nvPr>
         </p:nvSpPr>
-        <p:spPr/>
+        <p:spPr>
+          <a:xfrm>
+            <a:off x="1447382" y="318640"/>
+            <a:ext cx="5541004" cy="320931"/>
+          </a:xfrm>
+        </p:spPr>
         <p:txBody>
           <a:bodyPr/>
           <a:lstStyle/>
@@ -2696,13 +2848,7 @@
       </p:sp>
       <p:sp>
         <p:nvSpPr>
-          <p:cNvPr id="7" name="Slide Number Placeholder 6">
-            <a:extLst>
-              <a:ext uri="{FF2B5EF4-FFF2-40B4-BE49-F238E27FC236}">
-                <a16:creationId xmlns:a16="http://schemas.microsoft.com/office/drawing/2014/main" id="{139F8327-706B-13BA-1E57-DC06276C93EB}"/>
-              </a:ext>
-            </a:extLst>
-          </p:cNvPr>
+          <p:cNvPr id="7" name="Slide Number Placeholder 6"/>
           <p:cNvSpPr>
             <a:spLocks noGrp="1"/>
           </p:cNvSpPr>
@@ -2723,10 +2869,41 @@
           </a:p>
         </p:txBody>
       </p:sp>
+      <p:cxnSp>
+        <p:nvCxnSpPr>
+          <p:cNvPr id="31" name="Straight Connector 30"/>
+          <p:cNvCxnSpPr/>
+          <p:nvPr/>
+        </p:nvCxnSpPr>
+        <p:spPr>
+          <a:xfrm>
+            <a:off x="1447382" y="3143605"/>
+            <a:ext cx="5527351" cy="0"/>
+          </a:xfrm>
+          <a:prstGeom prst="line">
+            <a:avLst/>
+          </a:prstGeom>
+          <a:ln w="31750"/>
+        </p:spPr>
+        <p:style>
+          <a:lnRef idx="3">
+            <a:schemeClr val="accent1"/>
+          </a:lnRef>
+          <a:fillRef idx="0">
+            <a:schemeClr val="accent1"/>
+          </a:fillRef>
+          <a:effectRef idx="2">
+            <a:schemeClr val="accent1"/>
+          </a:effectRef>
+          <a:fontRef idx="minor">
+            <a:schemeClr val="tx1"/>
+          </a:fontRef>
+        </p:style>
+      </p:cxnSp>
     </p:spTree>
     <p:extLst>
       <p:ext uri="{BB962C8B-B14F-4D97-AF65-F5344CB8AC3E}">
-        <p14:creationId xmlns:p14="http://schemas.microsoft.com/office/powerpoint/2010/main" val="2669917359"/>
+        <p14:creationId xmlns:p14="http://schemas.microsoft.com/office/powerpoint/2010/main" val="843166925"/>
       </p:ext>
     </p:extLst>
   </p:cSld>
@@ -2740,8 +2917,8 @@
 <p:sldMaster xmlns:a="http://schemas.openxmlformats.org/drawingml/2006/main" xmlns:r="http://schemas.openxmlformats.org/officeDocument/2006/relationships" xmlns:p="http://schemas.openxmlformats.org/presentationml/2006/main">
   <p:cSld>
     <p:bg>
-      <p:bgRef idx="1001">
-        <a:schemeClr val="bg1"/>
+      <p:bgRef idx="1003">
+        <a:schemeClr val="bg2"/>
       </p:bgRef>
     </p:bg>
     <p:spTree>
@@ -2760,139 +2937,201 @@
       </p:grpSpPr>
       <p:sp>
         <p:nvSpPr>
-          <p:cNvPr id="2" name="Title Placeholder 1">
+          <p:cNvPr id="8" name="Rectangle 7"/>
+          <p:cNvSpPr/>
+          <p:nvPr/>
+        </p:nvSpPr>
+        <p:spPr>
+          <a:xfrm>
+            <a:off x="0" y="2019476"/>
+            <a:ext cx="12192000" cy="4105941"/>
+          </a:xfrm>
+          <a:prstGeom prst="rect">
+            <a:avLst/>
+          </a:prstGeom>
+          <a:gradFill flip="none" rotWithShape="1">
+            <a:gsLst>
+              <a:gs pos="0">
+                <a:schemeClr val="bg2">
+                  <a:alpha val="0"/>
+                </a:schemeClr>
+              </a:gs>
+              <a:gs pos="100000">
+                <a:schemeClr val="bg2"/>
+              </a:gs>
+            </a:gsLst>
+            <a:lin ang="5400000" scaled="0"/>
+            <a:tileRect/>
+          </a:gradFill>
+          <a:ln>
+            <a:noFill/>
+          </a:ln>
+        </p:spPr>
+        <p:style>
+          <a:lnRef idx="2">
+            <a:schemeClr val="accent1">
+              <a:shade val="50000"/>
+            </a:schemeClr>
+          </a:lnRef>
+          <a:fillRef idx="1">
+            <a:schemeClr val="accent1"/>
+          </a:fillRef>
+          <a:effectRef idx="0">
+            <a:schemeClr val="accent1"/>
+          </a:effectRef>
+          <a:fontRef idx="minor">
+            <a:schemeClr val="lt1"/>
+          </a:fontRef>
+        </p:style>
+      </p:sp>
+      <p:pic>
+        <p:nvPicPr>
+          <p:cNvPr id="7" name="Picture 6"/>
+          <p:cNvPicPr>
+            <a:picLocks noChangeAspect="1"/>
+          </p:cNvPicPr>
+          <p:nvPr/>
+        </p:nvPicPr>
+        <p:blipFill rotWithShape="1">
+          <a:blip r:embed="rId13">
             <a:extLst>
-              <a:ext uri="{FF2B5EF4-FFF2-40B4-BE49-F238E27FC236}">
-                <a16:creationId xmlns:a16="http://schemas.microsoft.com/office/drawing/2014/main" id="{6F8C44F2-CC0D-A4BB-2E3D-8610570A60CF}"/>
+              <a:ext uri="{28A0092B-C50C-407E-A947-70E740481C1C}">
+                <a14:useLocalDpi xmlns:a14="http://schemas.microsoft.com/office/drawing/2010/main" val="0"/>
               </a:ext>
             </a:extLst>
-          </p:cNvPr>
-          <p:cNvSpPr>
-            <a:spLocks noGrp="1"/>
-          </p:cNvSpPr>
-          <p:nvPr>
-            <p:ph type="title"/>
-          </p:nvPr>
-        </p:nvSpPr>
-        <p:spPr>
+          </a:blip>
+          <a:srcRect t="1538" b="-1538"/>
+          <a:stretch/>
+        </p:blipFill>
+        <p:spPr bwMode="black">
           <a:xfrm>
-            <a:off x="838200" y="365125"/>
-            <a:ext cx="10515600" cy="1325563"/>
+            <a:off x="0" y="6126480"/>
+            <a:ext cx="12192000" cy="742950"/>
           </a:xfrm>
           <a:prstGeom prst="rect">
             <a:avLst/>
           </a:prstGeom>
         </p:spPr>
-        <p:txBody>
-          <a:bodyPr vert="horz" lIns="91440" tIns="45720" rIns="91440" bIns="45720" rtlCol="0" anchor="ctr">
-            <a:normAutofit/>
-          </a:bodyPr>
-          <a:lstStyle/>
-          <a:p>
-            <a:r>
-              <a:rPr lang="en-US"/>
-              <a:t>Click to edit Master title style</a:t>
-            </a:r>
-          </a:p>
-        </p:txBody>
-      </p:sp>
-      <p:sp>
-        <p:nvSpPr>
-          <p:cNvPr id="3" name="Text Placeholder 2">
-            <a:extLst>
-              <a:ext uri="{FF2B5EF4-FFF2-40B4-BE49-F238E27FC236}">
-                <a16:creationId xmlns:a16="http://schemas.microsoft.com/office/drawing/2014/main" id="{606545F3-BB74-4786-F7BA-085224EF283C}"/>
-              </a:ext>
-            </a:extLst>
-          </p:cNvPr>
-          <p:cNvSpPr>
-            <a:spLocks noGrp="1"/>
-          </p:cNvSpPr>
-          <p:nvPr>
-            <p:ph type="body" idx="1"/>
+      </p:pic>
+      <p:sp>
+        <p:nvSpPr>
+          <p:cNvPr id="2" name="Title Placeholder 1"/>
+          <p:cNvSpPr>
+            <a:spLocks noGrp="1"/>
+          </p:cNvSpPr>
+          <p:nvPr>
+            <p:ph type="title"/>
           </p:nvPr>
         </p:nvSpPr>
         <p:spPr>
           <a:xfrm>
-            <a:off x="838200" y="1825625"/>
-            <a:ext cx="10515600" cy="4351338"/>
+            <a:off x="1451579" y="804519"/>
+            <a:ext cx="9603275" cy="1049235"/>
           </a:xfrm>
           <a:prstGeom prst="rect">
             <a:avLst/>
           </a:prstGeom>
         </p:spPr>
         <p:txBody>
-          <a:bodyPr vert="horz" lIns="91440" tIns="45720" rIns="91440" bIns="45720" rtlCol="0">
+          <a:bodyPr vert="horz" lIns="91440" tIns="45720" rIns="91440" bIns="45720" rtlCol="0" anchor="t">
             <a:normAutofit/>
           </a:bodyPr>
           <a:lstStyle/>
           <a:p>
-            <a:pPr lvl="0"/>
-            <a:r>
-              <a:rPr lang="en-US"/>
-              <a:t>Click to edit Master text styles</a:t>
-            </a:r>
-          </a:p>
-          <a:p>
-            <a:pPr lvl="1"/>
-            <a:r>
-              <a:rPr lang="en-US"/>
-              <a:t>Second level</a:t>
-            </a:r>
-          </a:p>
-          <a:p>
-            <a:pPr lvl="2"/>
-            <a:r>
-              <a:rPr lang="en-US"/>
-              <a:t>Third level</a:t>
-            </a:r>
-          </a:p>
-          <a:p>
-            <a:pPr lvl="3"/>
-            <a:r>
-              <a:rPr lang="en-US"/>
-              <a:t>Fourth level</a:t>
-            </a:r>
-          </a:p>
-          <a:p>
-            <a:pPr lvl="4"/>
-            <a:r>
-              <a:rPr lang="en-US"/>
-              <a:t>Fifth level</a:t>
-            </a:r>
-          </a:p>
-        </p:txBody>
-      </p:sp>
-      <p:sp>
-        <p:nvSpPr>
-          <p:cNvPr id="4" name="Date Placeholder 3">
-            <a:extLst>
-              <a:ext uri="{FF2B5EF4-FFF2-40B4-BE49-F238E27FC236}">
-                <a16:creationId xmlns:a16="http://schemas.microsoft.com/office/drawing/2014/main" id="{E37BAC96-F5A5-16FA-22EB-2A8E83A49639}"/>
-              </a:ext>
-            </a:extLst>
-          </p:cNvPr>
-          <p:cNvSpPr>
-            <a:spLocks noGrp="1"/>
-          </p:cNvSpPr>
-          <p:nvPr>
-            <p:ph type="dt" sz="half" idx="2"/>
+            <a:r>
+              <a:rPr lang="en-US"/>
+              <a:t>Click to edit Master title style</a:t>
+            </a:r>
+            <a:endParaRPr lang="en-US" dirty="0"/>
+          </a:p>
+        </p:txBody>
+      </p:sp>
+      <p:sp>
+        <p:nvSpPr>
+          <p:cNvPr id="3" name="Text Placeholder 2"/>
+          <p:cNvSpPr>
+            <a:spLocks noGrp="1"/>
+          </p:cNvSpPr>
+          <p:nvPr>
+            <p:ph type="body" idx="1"/>
           </p:nvPr>
         </p:nvSpPr>
         <p:spPr>
           <a:xfrm>
-            <a:off x="838200" y="6356350"/>
-            <a:ext cx="2743200" cy="365125"/>
+            <a:off x="1451579" y="2015732"/>
+            <a:ext cx="9603275" cy="3450613"/>
           </a:xfrm>
           <a:prstGeom prst="rect">
             <a:avLst/>
           </a:prstGeom>
         </p:spPr>
         <p:txBody>
+          <a:bodyPr vert="horz" lIns="91440" tIns="45720" rIns="91440" bIns="45720" rtlCol="0">
+            <a:normAutofit/>
+          </a:bodyPr>
+          <a:lstStyle/>
+          <a:p>
+            <a:pPr lvl="0"/>
+            <a:r>
+              <a:rPr lang="en-US"/>
+              <a:t>Click to edit Master text styles</a:t>
+            </a:r>
+          </a:p>
+          <a:p>
+            <a:pPr lvl="1"/>
+            <a:r>
+              <a:rPr lang="en-US"/>
+              <a:t>Second level</a:t>
+            </a:r>
+          </a:p>
+          <a:p>
+            <a:pPr lvl="2"/>
+            <a:r>
+              <a:rPr lang="en-US"/>
+              <a:t>Third level</a:t>
+            </a:r>
+          </a:p>
+          <a:p>
+            <a:pPr lvl="3"/>
+            <a:r>
+              <a:rPr lang="en-US"/>
+              <a:t>Fourth level</a:t>
+            </a:r>
+          </a:p>
+          <a:p>
+            <a:pPr lvl="4"/>
+            <a:r>
+              <a:rPr lang="en-US"/>
+              <a:t>Fifth level</a:t>
+            </a:r>
+            <a:endParaRPr lang="en-US" dirty="0"/>
+          </a:p>
+        </p:txBody>
+      </p:sp>
+      <p:sp>
+        <p:nvSpPr>
+          <p:cNvPr id="4" name="Date Placeholder 3"/>
+          <p:cNvSpPr>
+            <a:spLocks noGrp="1"/>
+          </p:cNvSpPr>
+          <p:nvPr>
+            <p:ph type="dt" sz="half" idx="2"/>
+          </p:nvPr>
+        </p:nvSpPr>
+        <p:spPr>
+          <a:xfrm>
+            <a:off x="7554138" y="330370"/>
+            <a:ext cx="3500715" cy="309201"/>
+          </a:xfrm>
+          <a:prstGeom prst="rect">
+            <a:avLst/>
+          </a:prstGeom>
+        </p:spPr>
+        <p:txBody>
           <a:bodyPr vert="horz" lIns="91440" tIns="45720" rIns="91440" bIns="45720" rtlCol="0" anchor="ctr"/>
           <a:lstStyle>
-            <a:lvl1pPr algn="l">
-              <a:defRPr sz="1200">
+            <a:lvl1pPr algn="r">
+              <a:defRPr sz="1000">
                 <a:solidFill>
                   <a:schemeClr val="tx1">
                     <a:tint val="75000"/>
@@ -2912,13 +3151,7 @@
       </p:sp>
       <p:sp>
         <p:nvSpPr>
-          <p:cNvPr id="5" name="Footer Placeholder 4">
-            <a:extLst>
-              <a:ext uri="{FF2B5EF4-FFF2-40B4-BE49-F238E27FC236}">
-                <a16:creationId xmlns:a16="http://schemas.microsoft.com/office/drawing/2014/main" id="{7F0AF52E-D37C-D7EA-071C-AFDD70277B70}"/>
-              </a:ext>
-            </a:extLst>
-          </p:cNvPr>
+          <p:cNvPr id="5" name="Footer Placeholder 4"/>
           <p:cNvSpPr>
             <a:spLocks noGrp="1"/>
           </p:cNvSpPr>
@@ -2928,8 +3161,8 @@
         </p:nvSpPr>
         <p:spPr>
           <a:xfrm>
-            <a:off x="4038600" y="6356350"/>
-            <a:ext cx="4114800" cy="365125"/>
+            <a:off x="1451579" y="329307"/>
+            <a:ext cx="5938836" cy="309201"/>
           </a:xfrm>
           <a:prstGeom prst="rect">
             <a:avLst/>
@@ -2938,8 +3171,8 @@
         <p:txBody>
           <a:bodyPr vert="horz" lIns="91440" tIns="45720" rIns="91440" bIns="45720" rtlCol="0" anchor="ctr"/>
           <a:lstStyle>
-            <a:lvl1pPr algn="ctr">
-              <a:defRPr sz="1200">
+            <a:lvl1pPr algn="l">
+              <a:defRPr sz="1000">
                 <a:solidFill>
                   <a:schemeClr val="tx1">
                     <a:tint val="75000"/>
@@ -2955,13 +3188,7 @@
       </p:sp>
       <p:sp>
         <p:nvSpPr>
-          <p:cNvPr id="6" name="Slide Number Placeholder 5">
-            <a:extLst>
-              <a:ext uri="{FF2B5EF4-FFF2-40B4-BE49-F238E27FC236}">
-                <a16:creationId xmlns:a16="http://schemas.microsoft.com/office/drawing/2014/main" id="{1518D878-F355-ACE3-F8FD-1C6C0CFF479C}"/>
-              </a:ext>
-            </a:extLst>
-          </p:cNvPr>
+          <p:cNvPr id="6" name="Slide Number Placeholder 5"/>
           <p:cNvSpPr>
             <a:spLocks noGrp="1"/>
           </p:cNvSpPr>
@@ -2971,22 +3198,20 @@
         </p:nvSpPr>
         <p:spPr>
           <a:xfrm>
-            <a:off x="8610600" y="6356350"/>
-            <a:ext cx="2743200" cy="365125"/>
+            <a:off x="480060" y="798973"/>
+            <a:ext cx="811019" cy="503578"/>
           </a:xfrm>
           <a:prstGeom prst="rect">
             <a:avLst/>
           </a:prstGeom>
         </p:spPr>
         <p:txBody>
-          <a:bodyPr vert="horz" lIns="91440" tIns="45720" rIns="91440" bIns="45720" rtlCol="0" anchor="ctr"/>
+          <a:bodyPr vert="horz" lIns="91440" tIns="45720" rIns="91440" bIns="45720" rtlCol="0" anchor="t"/>
           <a:lstStyle>
             <a:lvl1pPr algn="r">
-              <a:defRPr sz="1200">
+              <a:defRPr sz="2800">
                 <a:solidFill>
-                  <a:schemeClr val="tx1">
-                    <a:tint val="75000"/>
-                  </a:schemeClr>
+                  <a:schemeClr val="accent1"/>
                 </a:solidFill>
               </a:defRPr>
             </a:lvl1pPr>
@@ -3000,26 +3225,63 @@
           </a:p>
         </p:txBody>
       </p:sp>
+      <p:cxnSp>
+        <p:nvCxnSpPr>
+          <p:cNvPr id="10" name="Straight Connector 9"/>
+          <p:cNvCxnSpPr/>
+          <p:nvPr/>
+        </p:nvCxnSpPr>
+        <p:spPr>
+          <a:xfrm>
+            <a:off x="0" y="6128413"/>
+            <a:ext cx="12192000" cy="0"/>
+          </a:xfrm>
+          <a:prstGeom prst="line">
+            <a:avLst/>
+          </a:prstGeom>
+          <a:ln w="12700">
+            <a:solidFill>
+              <a:srgbClr val="000001">
+                <a:alpha val="20000"/>
+              </a:srgbClr>
+            </a:solidFill>
+          </a:ln>
+        </p:spPr>
+        <p:style>
+          <a:lnRef idx="1">
+            <a:schemeClr val="accent1"/>
+          </a:lnRef>
+          <a:fillRef idx="0">
+            <a:schemeClr val="accent1"/>
+          </a:fillRef>
+          <a:effectRef idx="0">
+            <a:schemeClr val="accent1"/>
+          </a:effectRef>
+          <a:fontRef idx="minor">
+            <a:schemeClr val="tx1"/>
+          </a:fontRef>
+        </p:style>
+      </p:cxnSp>
     </p:spTree>
     <p:extLst>
       <p:ext uri="{BB962C8B-B14F-4D97-AF65-F5344CB8AC3E}">
-        <p14:creationId xmlns:p14="http://schemas.microsoft.com/office/powerpoint/2010/main" val="3914881336"/>
+        <p14:creationId xmlns:p14="http://schemas.microsoft.com/office/powerpoint/2010/main" val="410435399"/>
       </p:ext>
     </p:extLst>
   </p:cSld>
   <p:clrMap bg1="lt1" tx1="dk1" bg2="lt2" tx2="dk2" accent1="accent1" accent2="accent2" accent3="accent3" accent4="accent4" accent5="accent5" accent6="accent6" hlink="hlink" folHlink="folHlink"/>
   <p:sldLayoutIdLst>
-    <p:sldLayoutId id="2147483649" r:id="rId1"/>
-    <p:sldLayoutId id="2147483650" r:id="rId2"/>
-    <p:sldLayoutId id="2147483651" r:id="rId3"/>
-    <p:sldLayoutId id="2147483652" r:id="rId4"/>
-    <p:sldLayoutId id="2147483653" r:id="rId5"/>
-    <p:sldLayoutId id="2147483654" r:id="rId6"/>
-    <p:sldLayoutId id="2147483655" r:id="rId7"/>
-    <p:sldLayoutId id="2147483656" r:id="rId8"/>
-    <p:sldLayoutId id="2147483657" r:id="rId9"/>
-    <p:sldLayoutId id="2147483658" r:id="rId10"/>
-    <p:sldLayoutId id="2147483659" r:id="rId11"/>
+    <p:sldLayoutId id="2147483661" r:id="rId1"/>
+    <p:sldLayoutId id="2147483662" r:id="rId2"/>
+    <p:sldLayoutId id="2147483663" r:id="rId3"/>
+    <p:sldLayoutId id="2147483664" r:id="rId4"/>
+    <p:sldLayoutId id="2147483665" r:id="rId5"/>
+    <p:sldLayoutId id="2147483666" r:id="rId6"/>
+    <p:sldLayoutId id="2147483667" r:id="rId7"/>
+    <p:sldLayoutId id="2147483668" r:id="rId8"/>
+    <p:sldLayoutId id="2147483669" r:id="rId9"/>
+    <p:sldLayoutId id="2147483670" r:id="rId10"/>
+    <p:sldLayoutId id="2147483671" r:id="rId11"/>
   </p:sldLayoutIdLst>
   <p:txStyles>
     <p:titleStyle>
@@ -3031,10 +3293,11 @@
           <a:spcPct val="0"/>
         </a:spcBef>
         <a:buNone/>
-        <a:defRPr sz="4400" kern="1200">
+        <a:defRPr sz="3200" b="0" i="0" kern="1200" cap="all">
           <a:solidFill>
             <a:schemeClr val="tx1"/>
           </a:solidFill>
+          <a:effectLst/>
           <a:latin typeface="+mj-lt"/>
           <a:ea typeface="+mj-ea"/>
           <a:cs typeface="+mj-cs"/>
@@ -3044,17 +3307,22 @@
     <p:bodyStyle>
       <a:lvl1pPr marL="228600" indent="-228600" algn="l" defTabSz="914400" rtl="0" eaLnBrk="1" latinLnBrk="0" hangingPunct="1">
         <a:lnSpc>
-          <a:spcPct val="90000"/>
+          <a:spcPct val="120000"/>
         </a:lnSpc>
         <a:spcBef>
           <a:spcPts val="1000"/>
         </a:spcBef>
+        <a:buClr>
+          <a:schemeClr val="accent1"/>
+        </a:buClr>
+        <a:buSzPct val="100000"/>
         <a:buFont typeface="Arial" panose="020B0604020202020204" pitchFamily="34" charset="0"/>
         <a:buChar char="•"/>
-        <a:defRPr sz="2800" kern="1200">
+        <a:defRPr sz="2000" kern="1200">
           <a:solidFill>
             <a:schemeClr val="tx1"/>
           </a:solidFill>
+          <a:effectLst/>
           <a:latin typeface="+mn-lt"/>
           <a:ea typeface="+mn-ea"/>
           <a:cs typeface="+mn-cs"/>
@@ -3062,17 +3330,22 @@
       </a:lvl1pPr>
       <a:lvl2pPr marL="685800" indent="-228600" algn="l" defTabSz="914400" rtl="0" eaLnBrk="1" latinLnBrk="0" hangingPunct="1">
         <a:lnSpc>
-          <a:spcPct val="90000"/>
+          <a:spcPct val="120000"/>
         </a:lnSpc>
         <a:spcBef>
           <a:spcPts val="500"/>
         </a:spcBef>
+        <a:buClr>
+          <a:schemeClr val="accent1"/>
+        </a:buClr>
+        <a:buSzPct val="100000"/>
         <a:buFont typeface="Arial" panose="020B0604020202020204" pitchFamily="34" charset="0"/>
         <a:buChar char="•"/>
-        <a:defRPr sz="2400" kern="1200">
+        <a:defRPr sz="1800" kern="1200" cap="none" baseline="0">
           <a:solidFill>
             <a:schemeClr val="tx1"/>
           </a:solidFill>
+          <a:effectLst/>
           <a:latin typeface="+mn-lt"/>
           <a:ea typeface="+mn-ea"/>
           <a:cs typeface="+mn-cs"/>
@@ -3080,17 +3353,22 @@
       </a:lvl2pPr>
       <a:lvl3pPr marL="1143000" indent="-228600" algn="l" defTabSz="914400" rtl="0" eaLnBrk="1" latinLnBrk="0" hangingPunct="1">
         <a:lnSpc>
-          <a:spcPct val="90000"/>
+          <a:spcPct val="120000"/>
         </a:lnSpc>
         <a:spcBef>
           <a:spcPts val="500"/>
         </a:spcBef>
+        <a:buClr>
+          <a:schemeClr val="accent1"/>
+        </a:buClr>
+        <a:buSzPct val="100000"/>
         <a:buFont typeface="Arial" panose="020B0604020202020204" pitchFamily="34" charset="0"/>
         <a:buChar char="•"/>
-        <a:defRPr sz="2000" kern="1200">
+        <a:defRPr sz="1600" kern="1200">
           <a:solidFill>
             <a:schemeClr val="tx1"/>
           </a:solidFill>
+          <a:effectLst/>
           <a:latin typeface="+mn-lt"/>
           <a:ea typeface="+mn-ea"/>
           <a:cs typeface="+mn-cs"/>
@@ -3098,17 +3376,22 @@
       </a:lvl3pPr>
       <a:lvl4pPr marL="1600200" indent="-228600" algn="l" defTabSz="914400" rtl="0" eaLnBrk="1" latinLnBrk="0" hangingPunct="1">
         <a:lnSpc>
-          <a:spcPct val="90000"/>
+          <a:spcPct val="120000"/>
         </a:lnSpc>
         <a:spcBef>
           <a:spcPts val="500"/>
         </a:spcBef>
+        <a:buClr>
+          <a:schemeClr val="accent1"/>
+        </a:buClr>
+        <a:buSzPct val="100000"/>
         <a:buFont typeface="Arial" panose="020B0604020202020204" pitchFamily="34" charset="0"/>
         <a:buChar char="•"/>
-        <a:defRPr sz="1800" kern="1200">
+        <a:defRPr sz="1400" kern="1200" cap="none" baseline="0">
           <a:solidFill>
             <a:schemeClr val="tx1"/>
           </a:solidFill>
+          <a:effectLst/>
           <a:latin typeface="+mn-lt"/>
           <a:ea typeface="+mn-ea"/>
           <a:cs typeface="+mn-cs"/>
@@ -3116,17 +3399,22 @@
       </a:lvl4pPr>
       <a:lvl5pPr marL="2057400" indent="-228600" algn="l" defTabSz="914400" rtl="0" eaLnBrk="1" latinLnBrk="0" hangingPunct="1">
         <a:lnSpc>
-          <a:spcPct val="90000"/>
+          <a:spcPct val="120000"/>
         </a:lnSpc>
         <a:spcBef>
           <a:spcPts val="500"/>
         </a:spcBef>
+        <a:buClr>
+          <a:schemeClr val="accent1"/>
+        </a:buClr>
+        <a:buSzPct val="100000"/>
         <a:buFont typeface="Arial" panose="020B0604020202020204" pitchFamily="34" charset="0"/>
         <a:buChar char="•"/>
-        <a:defRPr sz="1800" kern="1200">
+        <a:defRPr sz="1200" kern="1200">
           <a:solidFill>
             <a:schemeClr val="tx1"/>
           </a:solidFill>
+          <a:effectLst/>
           <a:latin typeface="+mn-lt"/>
           <a:ea typeface="+mn-ea"/>
           <a:cs typeface="+mn-cs"/>
@@ -3134,17 +3422,22 @@
       </a:lvl5pPr>
       <a:lvl6pPr marL="2514600" indent="-228600" algn="l" defTabSz="914400" rtl="0" eaLnBrk="1" latinLnBrk="0" hangingPunct="1">
         <a:lnSpc>
-          <a:spcPct val="90000"/>
+          <a:spcPct val="120000"/>
         </a:lnSpc>
         <a:spcBef>
           <a:spcPts val="500"/>
         </a:spcBef>
+        <a:buClr>
+          <a:schemeClr val="accent1"/>
+        </a:buClr>
+        <a:buSzPct val="100000"/>
         <a:buFont typeface="Arial" panose="020B0604020202020204" pitchFamily="34" charset="0"/>
         <a:buChar char="•"/>
-        <a:defRPr sz="1800" kern="1200">
+        <a:defRPr sz="1200" kern="1200">
           <a:solidFill>
             <a:schemeClr val="tx1"/>
           </a:solidFill>
+          <a:effectLst/>
           <a:latin typeface="+mn-lt"/>
           <a:ea typeface="+mn-ea"/>
           <a:cs typeface="+mn-cs"/>
@@ -3152,17 +3445,22 @@
       </a:lvl6pPr>
       <a:lvl7pPr marL="2971800" indent="-228600" algn="l" defTabSz="914400" rtl="0" eaLnBrk="1" latinLnBrk="0" hangingPunct="1">
         <a:lnSpc>
-          <a:spcPct val="90000"/>
+          <a:spcPct val="120000"/>
         </a:lnSpc>
         <a:spcBef>
           <a:spcPts val="500"/>
         </a:spcBef>
+        <a:buClr>
+          <a:schemeClr val="accent1"/>
+        </a:buClr>
+        <a:buSzPct val="100000"/>
         <a:buFont typeface="Arial" panose="020B0604020202020204" pitchFamily="34" charset="0"/>
         <a:buChar char="•"/>
-        <a:defRPr sz="1800" kern="1200">
+        <a:defRPr sz="1200" kern="1200">
           <a:solidFill>
             <a:schemeClr val="tx1"/>
           </a:solidFill>
+          <a:effectLst/>
           <a:latin typeface="+mn-lt"/>
           <a:ea typeface="+mn-ea"/>
           <a:cs typeface="+mn-cs"/>
@@ -3170,17 +3468,22 @@
       </a:lvl7pPr>
       <a:lvl8pPr marL="3429000" indent="-228600" algn="l" defTabSz="914400" rtl="0" eaLnBrk="1" latinLnBrk="0" hangingPunct="1">
         <a:lnSpc>
-          <a:spcPct val="90000"/>
+          <a:spcPct val="120000"/>
         </a:lnSpc>
         <a:spcBef>
           <a:spcPts val="500"/>
         </a:spcBef>
+        <a:buClr>
+          <a:schemeClr val="accent1"/>
+        </a:buClr>
+        <a:buSzPct val="100000"/>
         <a:buFont typeface="Arial" panose="020B0604020202020204" pitchFamily="34" charset="0"/>
         <a:buChar char="•"/>
-        <a:defRPr sz="1800" kern="1200">
+        <a:defRPr sz="1200" kern="1200" baseline="0">
           <a:solidFill>
             <a:schemeClr val="tx1"/>
           </a:solidFill>
+          <a:effectLst/>
           <a:latin typeface="+mn-lt"/>
           <a:ea typeface="+mn-ea"/>
           <a:cs typeface="+mn-cs"/>
@@ -3188,17 +3491,22 @@
       </a:lvl8pPr>
       <a:lvl9pPr marL="3886200" indent="-228600" algn="l" defTabSz="914400" rtl="0" eaLnBrk="1" latinLnBrk="0" hangingPunct="1">
         <a:lnSpc>
-          <a:spcPct val="90000"/>
+          <a:spcPct val="120000"/>
         </a:lnSpc>
         <a:spcBef>
           <a:spcPts val="500"/>
         </a:spcBef>
+        <a:buClr>
+          <a:schemeClr val="accent1"/>
+        </a:buClr>
+        <a:buSzPct val="100000"/>
         <a:buFont typeface="Arial" panose="020B0604020202020204" pitchFamily="34" charset="0"/>
         <a:buChar char="•"/>
-        <a:defRPr sz="1800" kern="1200">
+        <a:defRPr sz="1200" kern="1200" baseline="0">
           <a:solidFill>
             <a:schemeClr val="tx1"/>
           </a:solidFill>
+          <a:effectLst/>
           <a:latin typeface="+mn-lt"/>
           <a:ea typeface="+mn-ea"/>
           <a:cs typeface="+mn-cs"/>
@@ -3342,7 +3650,10 @@
           <a:bodyPr/>
           <a:lstStyle/>
           <a:p>
-            <a:endParaRPr lang="en-US"/>
+            <a:r>
+              <a:rPr lang="en-US" dirty="0"/>
+              <a:t>Regression Review – With bonus Stats</a:t>
+            </a:r>
           </a:p>
         </p:txBody>
       </p:sp>
@@ -3384,10 +3695,1104 @@
 </p:sld>
 </file>
 
+<file path=ppt/slides/slide10.xml><?xml version="1.0" encoding="utf-8"?>
+<p:sld xmlns:a="http://schemas.openxmlformats.org/drawingml/2006/main" xmlns:r="http://schemas.openxmlformats.org/officeDocument/2006/relationships" xmlns:p="http://schemas.openxmlformats.org/presentationml/2006/main">
+  <p:cSld>
+    <p:spTree>
+      <p:nvGrpSpPr>
+        <p:cNvPr id="1" name=""/>
+        <p:cNvGrpSpPr/>
+        <p:nvPr/>
+      </p:nvGrpSpPr>
+      <p:grpSpPr>
+        <a:xfrm>
+          <a:off x="0" y="0"/>
+          <a:ext cx="0" cy="0"/>
+          <a:chOff x="0" y="0"/>
+          <a:chExt cx="0" cy="0"/>
+        </a:xfrm>
+      </p:grpSpPr>
+      <p:sp>
+        <p:nvSpPr>
+          <p:cNvPr id="2" name="Title 1">
+            <a:extLst>
+              <a:ext uri="{FF2B5EF4-FFF2-40B4-BE49-F238E27FC236}">
+                <a16:creationId xmlns:a16="http://schemas.microsoft.com/office/drawing/2014/main" id="{7A7AF28C-6BCF-1C9F-16DC-4B3E47839B2E}"/>
+              </a:ext>
+            </a:extLst>
+          </p:cNvPr>
+          <p:cNvSpPr>
+            <a:spLocks noGrp="1"/>
+          </p:cNvSpPr>
+          <p:nvPr>
+            <p:ph type="title"/>
+          </p:nvPr>
+        </p:nvSpPr>
+        <p:spPr/>
+        <p:txBody>
+          <a:bodyPr/>
+          <a:lstStyle/>
+          <a:p>
+            <a:r>
+              <a:rPr lang="en-US" dirty="0"/>
+              <a:t>Goals</a:t>
+            </a:r>
+          </a:p>
+        </p:txBody>
+      </p:sp>
+      <p:sp>
+        <p:nvSpPr>
+          <p:cNvPr id="3" name="Content Placeholder 2">
+            <a:extLst>
+              <a:ext uri="{FF2B5EF4-FFF2-40B4-BE49-F238E27FC236}">
+                <a16:creationId xmlns:a16="http://schemas.microsoft.com/office/drawing/2014/main" id="{8D84030F-8D6D-9674-AE56-9A6EF2BB0A47}"/>
+              </a:ext>
+            </a:extLst>
+          </p:cNvPr>
+          <p:cNvSpPr>
+            <a:spLocks noGrp="1"/>
+          </p:cNvSpPr>
+          <p:nvPr>
+            <p:ph idx="1"/>
+          </p:nvPr>
+        </p:nvSpPr>
+        <p:spPr>
+          <a:xfrm>
+            <a:off x="1451579" y="1967948"/>
+            <a:ext cx="9603275" cy="4005469"/>
+          </a:xfrm>
+        </p:spPr>
+        <p:txBody>
+          <a:bodyPr/>
+          <a:lstStyle/>
+          <a:p>
+            <a:r>
+              <a:rPr lang="en-US" dirty="0"/>
+              <a:t>Removing features from a model will usually not result in a climb in raw accuracy. </a:t>
+            </a:r>
+          </a:p>
+          <a:p>
+            <a:pPr lvl="1"/>
+            <a:r>
+              <a:rPr lang="en-US" dirty="0"/>
+              <a:t>The worse the feature was, and the worse the model was, the more likely an increase is. </a:t>
+            </a:r>
+          </a:p>
+          <a:p>
+            <a:pPr lvl="1"/>
+            <a:r>
+              <a:rPr lang="en-US" dirty="0"/>
+              <a:t>We may get less variability – we will get a model that is more stable. </a:t>
+            </a:r>
+          </a:p>
+          <a:p>
+            <a:r>
+              <a:rPr lang="en-US" dirty="0"/>
+              <a:t>A smaller model is usually a better model. </a:t>
+            </a:r>
+          </a:p>
+          <a:p>
+            <a:pPr lvl="1"/>
+            <a:r>
+              <a:rPr lang="en-US" dirty="0"/>
+              <a:t>Easier to explain and understand, faster to make and use, cheaper to gather/store data for. </a:t>
+            </a:r>
+          </a:p>
+          <a:p>
+            <a:pPr lvl="1"/>
+            <a:r>
+              <a:rPr lang="en-US" dirty="0"/>
+              <a:t>If we can get similar performance with a smaller model, that’s usually better. </a:t>
+            </a:r>
+          </a:p>
+          <a:p>
+            <a:r>
+              <a:rPr lang="en-US" dirty="0"/>
+              <a:t>We need to use judgement to evaluate a reasonable balance. </a:t>
+            </a:r>
+          </a:p>
+        </p:txBody>
+      </p:sp>
+    </p:spTree>
+    <p:extLst>
+      <p:ext uri="{BB962C8B-B14F-4D97-AF65-F5344CB8AC3E}">
+        <p14:creationId xmlns:p14="http://schemas.microsoft.com/office/powerpoint/2010/main" val="2031310435"/>
+      </p:ext>
+    </p:extLst>
+  </p:cSld>
+  <p:clrMapOvr>
+    <a:masterClrMapping/>
+  </p:clrMapOvr>
+</p:sld>
+</file>
+
+<file path=ppt/slides/slide2.xml><?xml version="1.0" encoding="utf-8"?>
+<p:sld xmlns:a="http://schemas.openxmlformats.org/drawingml/2006/main" xmlns:r="http://schemas.openxmlformats.org/officeDocument/2006/relationships" xmlns:p="http://schemas.openxmlformats.org/presentationml/2006/main">
+  <p:cSld>
+    <p:spTree>
+      <p:nvGrpSpPr>
+        <p:cNvPr id="1" name=""/>
+        <p:cNvGrpSpPr/>
+        <p:nvPr/>
+      </p:nvGrpSpPr>
+      <p:grpSpPr>
+        <a:xfrm>
+          <a:off x="0" y="0"/>
+          <a:ext cx="0" cy="0"/>
+          <a:chOff x="0" y="0"/>
+          <a:chExt cx="0" cy="0"/>
+        </a:xfrm>
+      </p:grpSpPr>
+      <p:sp>
+        <p:nvSpPr>
+          <p:cNvPr id="2" name="Title 1">
+            <a:extLst>
+              <a:ext uri="{FF2B5EF4-FFF2-40B4-BE49-F238E27FC236}">
+                <a16:creationId xmlns:a16="http://schemas.microsoft.com/office/drawing/2014/main" id="{E62FE83D-8844-3562-8B17-8BB4CEE027C9}"/>
+              </a:ext>
+            </a:extLst>
+          </p:cNvPr>
+          <p:cNvSpPr>
+            <a:spLocks noGrp="1"/>
+          </p:cNvSpPr>
+          <p:nvPr>
+            <p:ph type="title"/>
+          </p:nvPr>
+        </p:nvSpPr>
+        <p:spPr/>
+        <p:txBody>
+          <a:bodyPr/>
+          <a:lstStyle/>
+          <a:p>
+            <a:r>
+              <a:rPr lang="en-US" dirty="0"/>
+              <a:t>Data Exploration</a:t>
+            </a:r>
+          </a:p>
+        </p:txBody>
+      </p:sp>
+      <p:sp>
+        <p:nvSpPr>
+          <p:cNvPr id="3" name="Content Placeholder 2">
+            <a:extLst>
+              <a:ext uri="{FF2B5EF4-FFF2-40B4-BE49-F238E27FC236}">
+                <a16:creationId xmlns:a16="http://schemas.microsoft.com/office/drawing/2014/main" id="{56C0D916-FF74-5AF6-B326-676D6DD1F26F}"/>
+              </a:ext>
+            </a:extLst>
+          </p:cNvPr>
+          <p:cNvSpPr>
+            <a:spLocks noGrp="1"/>
+          </p:cNvSpPr>
+          <p:nvPr>
+            <p:ph idx="1"/>
+          </p:nvPr>
+        </p:nvSpPr>
+        <p:spPr/>
+        <p:txBody>
+          <a:bodyPr/>
+          <a:lstStyle/>
+          <a:p>
+            <a:r>
+              <a:rPr lang="en-US" dirty="0"/>
+              <a:t>We always do at least some exploration of data prior to making models. </a:t>
+            </a:r>
+          </a:p>
+          <a:p>
+            <a:pPr lvl="1"/>
+            <a:r>
+              <a:rPr lang="en-US" dirty="0"/>
+              <a:t>Numeric exploration via info, describe, </a:t>
+            </a:r>
+            <a:r>
+              <a:rPr lang="en-US" dirty="0" err="1"/>
+              <a:t>etc</a:t>
+            </a:r>
+            <a:r>
+              <a:rPr lang="en-US" dirty="0"/>
+              <a:t>…</a:t>
+            </a:r>
+          </a:p>
+          <a:p>
+            <a:pPr lvl="1"/>
+            <a:r>
+              <a:rPr lang="en-US" dirty="0"/>
+              <a:t>Visual exploration via </a:t>
+            </a:r>
+            <a:r>
+              <a:rPr lang="en-US" dirty="0" err="1"/>
+              <a:t>pairplots</a:t>
+            </a:r>
+            <a:r>
+              <a:rPr lang="en-US" dirty="0"/>
+              <a:t>, </a:t>
+            </a:r>
+            <a:r>
+              <a:rPr lang="en-US" dirty="0" err="1"/>
+              <a:t>countplots</a:t>
+            </a:r>
+            <a:r>
+              <a:rPr lang="en-US" dirty="0"/>
+              <a:t>, boxplots, etc...</a:t>
+            </a:r>
+          </a:p>
+          <a:p>
+            <a:pPr lvl="1"/>
+            <a:endParaRPr lang="en-US" dirty="0"/>
+          </a:p>
+        </p:txBody>
+      </p:sp>
+    </p:spTree>
+    <p:extLst>
+      <p:ext uri="{BB962C8B-B14F-4D97-AF65-F5344CB8AC3E}">
+        <p14:creationId xmlns:p14="http://schemas.microsoft.com/office/powerpoint/2010/main" val="2761624728"/>
+      </p:ext>
+    </p:extLst>
+  </p:cSld>
+  <p:clrMapOvr>
+    <a:masterClrMapping/>
+  </p:clrMapOvr>
+</p:sld>
+</file>
+
+<file path=ppt/slides/slide3.xml><?xml version="1.0" encoding="utf-8"?>
+<p:sld xmlns:a="http://schemas.openxmlformats.org/drawingml/2006/main" xmlns:r="http://schemas.openxmlformats.org/officeDocument/2006/relationships" xmlns:p="http://schemas.openxmlformats.org/presentationml/2006/main">
+  <p:cSld>
+    <p:spTree>
+      <p:nvGrpSpPr>
+        <p:cNvPr id="1" name=""/>
+        <p:cNvGrpSpPr/>
+        <p:nvPr/>
+      </p:nvGrpSpPr>
+      <p:grpSpPr>
+        <a:xfrm>
+          <a:off x="0" y="0"/>
+          <a:ext cx="0" cy="0"/>
+          <a:chOff x="0" y="0"/>
+          <a:chExt cx="0" cy="0"/>
+        </a:xfrm>
+      </p:grpSpPr>
+      <p:sp>
+        <p:nvSpPr>
+          <p:cNvPr id="2" name="Title 1">
+            <a:extLst>
+              <a:ext uri="{FF2B5EF4-FFF2-40B4-BE49-F238E27FC236}">
+                <a16:creationId xmlns:a16="http://schemas.microsoft.com/office/drawing/2014/main" id="{6FB7459E-1FB4-BFEE-8BD1-3CB12A311158}"/>
+              </a:ext>
+            </a:extLst>
+          </p:cNvPr>
+          <p:cNvSpPr>
+            <a:spLocks noGrp="1"/>
+          </p:cNvSpPr>
+          <p:nvPr>
+            <p:ph type="title"/>
+          </p:nvPr>
+        </p:nvSpPr>
+        <p:spPr/>
+        <p:txBody>
+          <a:bodyPr/>
+          <a:lstStyle/>
+          <a:p>
+            <a:r>
+              <a:rPr lang="en-US" dirty="0"/>
+              <a:t>Preparing Data With Stats</a:t>
+            </a:r>
+          </a:p>
+        </p:txBody>
+      </p:sp>
+      <p:sp>
+        <p:nvSpPr>
+          <p:cNvPr id="3" name="Content Placeholder 2">
+            <a:extLst>
+              <a:ext uri="{FF2B5EF4-FFF2-40B4-BE49-F238E27FC236}">
+                <a16:creationId xmlns:a16="http://schemas.microsoft.com/office/drawing/2014/main" id="{0EB358F1-8B59-B470-B8D4-C2D28D3EE971}"/>
+              </a:ext>
+            </a:extLst>
+          </p:cNvPr>
+          <p:cNvSpPr>
+            <a:spLocks noGrp="1"/>
+          </p:cNvSpPr>
+          <p:nvPr>
+            <p:ph idx="1"/>
+          </p:nvPr>
+        </p:nvSpPr>
+        <p:spPr/>
+        <p:txBody>
+          <a:bodyPr/>
+          <a:lstStyle/>
+          <a:p>
+            <a:r>
+              <a:rPr lang="en-US" dirty="0"/>
+              <a:t>We can use what we see in our data to help us think of changes we can make to prep it for modelling. </a:t>
+            </a:r>
+          </a:p>
+          <a:p>
+            <a:r>
+              <a:rPr lang="en-US" dirty="0"/>
+              <a:t>We can use our knowledge of what may have predictive value to make some judgments. </a:t>
+            </a:r>
+          </a:p>
+          <a:p>
+            <a:r>
+              <a:rPr lang="en-US" dirty="0"/>
+              <a:t>None of these things are definitive improvements, we need to check. </a:t>
+            </a:r>
+          </a:p>
+          <a:p>
+            <a:pPr lvl="1"/>
+            <a:r>
+              <a:rPr lang="en-US" dirty="0"/>
+              <a:t>There is random variation, especially with small data. </a:t>
+            </a:r>
+          </a:p>
+          <a:p>
+            <a:pPr lvl="1"/>
+            <a:r>
+              <a:rPr lang="en-US" dirty="0"/>
+              <a:t>Other model types of hyperparameter combos may perform differently. </a:t>
+            </a:r>
+          </a:p>
+          <a:p>
+            <a:pPr lvl="1"/>
+            <a:endParaRPr lang="en-US" dirty="0"/>
+          </a:p>
+        </p:txBody>
+      </p:sp>
+    </p:spTree>
+    <p:extLst>
+      <p:ext uri="{BB962C8B-B14F-4D97-AF65-F5344CB8AC3E}">
+        <p14:creationId xmlns:p14="http://schemas.microsoft.com/office/powerpoint/2010/main" val="3734327390"/>
+      </p:ext>
+    </p:extLst>
+  </p:cSld>
+  <p:clrMapOvr>
+    <a:masterClrMapping/>
+  </p:clrMapOvr>
+</p:sld>
+</file>
+
+<file path=ppt/slides/slide4.xml><?xml version="1.0" encoding="utf-8"?>
+<p:sld xmlns:a="http://schemas.openxmlformats.org/drawingml/2006/main" xmlns:r="http://schemas.openxmlformats.org/officeDocument/2006/relationships" xmlns:p="http://schemas.openxmlformats.org/presentationml/2006/main">
+  <p:cSld>
+    <p:spTree>
+      <p:nvGrpSpPr>
+        <p:cNvPr id="1" name=""/>
+        <p:cNvGrpSpPr/>
+        <p:nvPr/>
+      </p:nvGrpSpPr>
+      <p:grpSpPr>
+        <a:xfrm>
+          <a:off x="0" y="0"/>
+          <a:ext cx="0" cy="0"/>
+          <a:chOff x="0" y="0"/>
+          <a:chExt cx="0" cy="0"/>
+        </a:xfrm>
+      </p:grpSpPr>
+      <p:sp>
+        <p:nvSpPr>
+          <p:cNvPr id="2" name="Title 1">
+            <a:extLst>
+              <a:ext uri="{FF2B5EF4-FFF2-40B4-BE49-F238E27FC236}">
+                <a16:creationId xmlns:a16="http://schemas.microsoft.com/office/drawing/2014/main" id="{EFC99641-DACB-9D63-51E4-5613B687F7D3}"/>
+              </a:ext>
+            </a:extLst>
+          </p:cNvPr>
+          <p:cNvSpPr>
+            <a:spLocks noGrp="1"/>
+          </p:cNvSpPr>
+          <p:nvPr>
+            <p:ph type="title"/>
+          </p:nvPr>
+        </p:nvSpPr>
+        <p:spPr/>
+        <p:txBody>
+          <a:bodyPr/>
+          <a:lstStyle/>
+          <a:p>
+            <a:r>
+              <a:rPr lang="en-US" dirty="0"/>
+              <a:t>Predictive Value</a:t>
+            </a:r>
+          </a:p>
+        </p:txBody>
+      </p:sp>
+      <p:sp>
+        <p:nvSpPr>
+          <p:cNvPr id="3" name="Content Placeholder 2">
+            <a:extLst>
+              <a:ext uri="{FF2B5EF4-FFF2-40B4-BE49-F238E27FC236}">
+                <a16:creationId xmlns:a16="http://schemas.microsoft.com/office/drawing/2014/main" id="{E0073F9B-B2B6-5207-252D-4D7EE93AC50E}"/>
+              </a:ext>
+            </a:extLst>
+          </p:cNvPr>
+          <p:cNvSpPr>
+            <a:spLocks noGrp="1"/>
+          </p:cNvSpPr>
+          <p:nvPr>
+            <p:ph idx="1"/>
+          </p:nvPr>
+        </p:nvSpPr>
+        <p:spPr/>
+        <p:txBody>
+          <a:bodyPr/>
+          <a:lstStyle/>
+          <a:p>
+            <a:r>
+              <a:rPr lang="en-US" dirty="0"/>
+              <a:t>We want to have features that have predictive value. </a:t>
+            </a:r>
+          </a:p>
+          <a:p>
+            <a:pPr lvl="1"/>
+            <a:r>
+              <a:rPr lang="en-US" dirty="0"/>
+              <a:t>I.e. knowing the feature helps us predict the target. </a:t>
+            </a:r>
+          </a:p>
+          <a:p>
+            <a:pPr lvl="1"/>
+            <a:r>
+              <a:rPr lang="en-US" dirty="0"/>
+              <a:t>This is most simply seen in correlation – categorical have chi2 which is ~equivalent. </a:t>
+            </a:r>
+          </a:p>
+          <a:p>
+            <a:r>
+              <a:rPr lang="en-US" dirty="0"/>
+              <a:t>Features that have some ‘correlation’ with the target are good, those that don’t aren’t.*</a:t>
+            </a:r>
+          </a:p>
+          <a:p>
+            <a:r>
+              <a:rPr lang="en-US" dirty="0"/>
+              <a:t>We can see this correlation in our exploration. </a:t>
+            </a:r>
+          </a:p>
+          <a:p>
+            <a:endParaRPr lang="en-US" dirty="0"/>
+          </a:p>
+        </p:txBody>
+      </p:sp>
+    </p:spTree>
+    <p:extLst>
+      <p:ext uri="{BB962C8B-B14F-4D97-AF65-F5344CB8AC3E}">
+        <p14:creationId xmlns:p14="http://schemas.microsoft.com/office/powerpoint/2010/main" val="796216772"/>
+      </p:ext>
+    </p:extLst>
+  </p:cSld>
+  <p:clrMapOvr>
+    <a:masterClrMapping/>
+  </p:clrMapOvr>
+</p:sld>
+</file>
+
+<file path=ppt/slides/slide5.xml><?xml version="1.0" encoding="utf-8"?>
+<p:sld xmlns:a="http://schemas.openxmlformats.org/drawingml/2006/main" xmlns:r="http://schemas.openxmlformats.org/officeDocument/2006/relationships" xmlns:p="http://schemas.openxmlformats.org/presentationml/2006/main">
+  <p:cSld>
+    <p:spTree>
+      <p:nvGrpSpPr>
+        <p:cNvPr id="1" name=""/>
+        <p:cNvGrpSpPr/>
+        <p:nvPr/>
+      </p:nvGrpSpPr>
+      <p:grpSpPr>
+        <a:xfrm>
+          <a:off x="0" y="0"/>
+          <a:ext cx="0" cy="0"/>
+          <a:chOff x="0" y="0"/>
+          <a:chExt cx="0" cy="0"/>
+        </a:xfrm>
+      </p:grpSpPr>
+      <p:sp>
+        <p:nvSpPr>
+          <p:cNvPr id="2" name="Title 1">
+            <a:extLst>
+              <a:ext uri="{FF2B5EF4-FFF2-40B4-BE49-F238E27FC236}">
+                <a16:creationId xmlns:a16="http://schemas.microsoft.com/office/drawing/2014/main" id="{42344F9A-BDD0-5847-79C8-15A670736EC2}"/>
+              </a:ext>
+            </a:extLst>
+          </p:cNvPr>
+          <p:cNvSpPr>
+            <a:spLocks noGrp="1"/>
+          </p:cNvSpPr>
+          <p:nvPr>
+            <p:ph type="title"/>
+          </p:nvPr>
+        </p:nvSpPr>
+        <p:spPr>
+          <a:xfrm>
+            <a:off x="1451578" y="867037"/>
+            <a:ext cx="9603275" cy="1049235"/>
+          </a:xfrm>
+        </p:spPr>
+        <p:txBody>
+          <a:bodyPr/>
+          <a:lstStyle/>
+          <a:p>
+            <a:r>
+              <a:rPr lang="en-US" dirty="0"/>
+              <a:t>But…</a:t>
+            </a:r>
+          </a:p>
+        </p:txBody>
+      </p:sp>
+      <p:sp>
+        <p:nvSpPr>
+          <p:cNvPr id="3" name="Content Placeholder 2">
+            <a:extLst>
+              <a:ext uri="{FF2B5EF4-FFF2-40B4-BE49-F238E27FC236}">
+                <a16:creationId xmlns:a16="http://schemas.microsoft.com/office/drawing/2014/main" id="{2D82B407-EF18-FDC0-F896-897788C4A70F}"/>
+              </a:ext>
+            </a:extLst>
+          </p:cNvPr>
+          <p:cNvSpPr>
+            <a:spLocks noGrp="1"/>
+          </p:cNvSpPr>
+          <p:nvPr>
+            <p:ph idx="1"/>
+          </p:nvPr>
+        </p:nvSpPr>
+        <p:spPr>
+          <a:xfrm>
+            <a:off x="1451579" y="1916272"/>
+            <a:ext cx="9603275" cy="4148098"/>
+          </a:xfrm>
+        </p:spPr>
+        <p:txBody>
+          <a:bodyPr/>
+          <a:lstStyle/>
+          <a:p>
+            <a:r>
+              <a:rPr lang="en-US" dirty="0"/>
+              <a:t>Features being correlated with the target is good, but a simplification. </a:t>
+            </a:r>
+          </a:p>
+          <a:p>
+            <a:r>
+              <a:rPr lang="en-US" dirty="0"/>
+              <a:t>The magic of ML is the models can capture more complex, invisible, relationships. </a:t>
+            </a:r>
+          </a:p>
+          <a:p>
+            <a:pPr lvl="1"/>
+            <a:r>
+              <a:rPr lang="en-US" dirty="0"/>
+              <a:t>E.g. a combination of 397 features can be highly correlated with the target. </a:t>
+            </a:r>
+          </a:p>
+          <a:p>
+            <a:r>
+              <a:rPr lang="en-US" dirty="0"/>
+              <a:t>Our inspection in 1-3 dimensions can help, but isn’t everything. </a:t>
+            </a:r>
+          </a:p>
+          <a:p>
+            <a:pPr lvl="1"/>
+            <a:r>
+              <a:rPr lang="en-US" dirty="0"/>
+              <a:t>We won’t find a deterministic set of actions to take that will give the best model. </a:t>
+            </a:r>
+          </a:p>
+          <a:p>
+            <a:pPr lvl="1"/>
+            <a:r>
+              <a:rPr lang="en-US" dirty="0"/>
+              <a:t>Our brains’ “r-squared” in this scenario can be pretty low. </a:t>
+            </a:r>
+          </a:p>
+          <a:p>
+            <a:r>
+              <a:rPr lang="en-US" dirty="0"/>
+              <a:t>We can do a pass here to help, but we aren’t calculating the answer. </a:t>
+            </a:r>
+          </a:p>
+        </p:txBody>
+      </p:sp>
+    </p:spTree>
+    <p:extLst>
+      <p:ext uri="{BB962C8B-B14F-4D97-AF65-F5344CB8AC3E}">
+        <p14:creationId xmlns:p14="http://schemas.microsoft.com/office/powerpoint/2010/main" val="4049128149"/>
+      </p:ext>
+    </p:extLst>
+  </p:cSld>
+  <p:clrMapOvr>
+    <a:masterClrMapping/>
+  </p:clrMapOvr>
+</p:sld>
+</file>
+
+<file path=ppt/slides/slide6.xml><?xml version="1.0" encoding="utf-8"?>
+<p:sld xmlns:a="http://schemas.openxmlformats.org/drawingml/2006/main" xmlns:r="http://schemas.openxmlformats.org/officeDocument/2006/relationships" xmlns:p="http://schemas.openxmlformats.org/presentationml/2006/main">
+  <p:cSld>
+    <p:spTree>
+      <p:nvGrpSpPr>
+        <p:cNvPr id="1" name=""/>
+        <p:cNvGrpSpPr/>
+        <p:nvPr/>
+      </p:nvGrpSpPr>
+      <p:grpSpPr>
+        <a:xfrm>
+          <a:off x="0" y="0"/>
+          <a:ext cx="0" cy="0"/>
+          <a:chOff x="0" y="0"/>
+          <a:chExt cx="0" cy="0"/>
+        </a:xfrm>
+      </p:grpSpPr>
+      <p:sp>
+        <p:nvSpPr>
+          <p:cNvPr id="2" name="Title 1">
+            <a:extLst>
+              <a:ext uri="{FF2B5EF4-FFF2-40B4-BE49-F238E27FC236}">
+                <a16:creationId xmlns:a16="http://schemas.microsoft.com/office/drawing/2014/main" id="{D98049F1-0A3C-996F-CF9A-4F21DFA9C434}"/>
+              </a:ext>
+            </a:extLst>
+          </p:cNvPr>
+          <p:cNvSpPr>
+            <a:spLocks noGrp="1"/>
+          </p:cNvSpPr>
+          <p:nvPr>
+            <p:ph type="title"/>
+          </p:nvPr>
+        </p:nvSpPr>
+        <p:spPr/>
+        <p:txBody>
+          <a:bodyPr/>
+          <a:lstStyle/>
+          <a:p>
+            <a:r>
+              <a:rPr lang="en-US" dirty="0"/>
+              <a:t>Some things that may not be useful…</a:t>
+            </a:r>
+          </a:p>
+        </p:txBody>
+      </p:sp>
+      <p:sp>
+        <p:nvSpPr>
+          <p:cNvPr id="3" name="Content Placeholder 2">
+            <a:extLst>
+              <a:ext uri="{FF2B5EF4-FFF2-40B4-BE49-F238E27FC236}">
+                <a16:creationId xmlns:a16="http://schemas.microsoft.com/office/drawing/2014/main" id="{58E3E28F-3D4A-B7C7-2491-1B8C2C318DB2}"/>
+              </a:ext>
+            </a:extLst>
+          </p:cNvPr>
+          <p:cNvSpPr>
+            <a:spLocks noGrp="1"/>
+          </p:cNvSpPr>
+          <p:nvPr>
+            <p:ph idx="1"/>
+          </p:nvPr>
+        </p:nvSpPr>
+        <p:spPr/>
+        <p:txBody>
+          <a:bodyPr/>
+          <a:lstStyle/>
+          <a:p>
+            <a:r>
+              <a:rPr lang="en-US" dirty="0"/>
+              <a:t>Some patterns indicate that variables may not be that helpful:</a:t>
+            </a:r>
+          </a:p>
+          <a:p>
+            <a:pPr lvl="1"/>
+            <a:r>
+              <a:rPr lang="en-US" dirty="0"/>
+              <a:t>Little to no correlation with the target. </a:t>
+            </a:r>
+          </a:p>
+          <a:p>
+            <a:pPr lvl="1"/>
+            <a:r>
+              <a:rPr lang="en-US" dirty="0"/>
+              <a:t>Little variance (i.e. almost everything has the same value). </a:t>
+            </a:r>
+          </a:p>
+          <a:p>
+            <a:pPr lvl="1"/>
+            <a:r>
+              <a:rPr lang="en-US" dirty="0"/>
+              <a:t>Seeming randomness with no correlation to anything. (I.e. ‘sum of phone number digits’ as a feature – the value has no connection with anything meaningful). </a:t>
+            </a:r>
+          </a:p>
+          <a:p>
+            <a:pPr lvl="1"/>
+            <a:r>
+              <a:rPr lang="en-US" dirty="0"/>
+              <a:t>Huge number of classes with very small numbers in each. </a:t>
+            </a:r>
+          </a:p>
+        </p:txBody>
+      </p:sp>
+    </p:spTree>
+    <p:extLst>
+      <p:ext uri="{BB962C8B-B14F-4D97-AF65-F5344CB8AC3E}">
+        <p14:creationId xmlns:p14="http://schemas.microsoft.com/office/powerpoint/2010/main" val="1875795947"/>
+      </p:ext>
+    </p:extLst>
+  </p:cSld>
+  <p:clrMapOvr>
+    <a:masterClrMapping/>
+  </p:clrMapOvr>
+</p:sld>
+</file>
+
+<file path=ppt/slides/slide7.xml><?xml version="1.0" encoding="utf-8"?>
+<p:sld xmlns:a="http://schemas.openxmlformats.org/drawingml/2006/main" xmlns:r="http://schemas.openxmlformats.org/officeDocument/2006/relationships" xmlns:p="http://schemas.openxmlformats.org/presentationml/2006/main">
+  <p:cSld>
+    <p:spTree>
+      <p:nvGrpSpPr>
+        <p:cNvPr id="1" name=""/>
+        <p:cNvGrpSpPr/>
+        <p:nvPr/>
+      </p:nvGrpSpPr>
+      <p:grpSpPr>
+        <a:xfrm>
+          <a:off x="0" y="0"/>
+          <a:ext cx="0" cy="0"/>
+          <a:chOff x="0" y="0"/>
+          <a:chExt cx="0" cy="0"/>
+        </a:xfrm>
+      </p:grpSpPr>
+      <p:sp>
+        <p:nvSpPr>
+          <p:cNvPr id="2" name="Title 1">
+            <a:extLst>
+              <a:ext uri="{FF2B5EF4-FFF2-40B4-BE49-F238E27FC236}">
+                <a16:creationId xmlns:a16="http://schemas.microsoft.com/office/drawing/2014/main" id="{A95CDB97-3652-C7F8-ECA9-CE3F06CCCF26}"/>
+              </a:ext>
+            </a:extLst>
+          </p:cNvPr>
+          <p:cNvSpPr>
+            <a:spLocks noGrp="1"/>
+          </p:cNvSpPr>
+          <p:nvPr>
+            <p:ph type="title"/>
+          </p:nvPr>
+        </p:nvSpPr>
+        <p:spPr/>
+        <p:txBody>
+          <a:bodyPr/>
+          <a:lstStyle/>
+          <a:p>
+            <a:r>
+              <a:rPr lang="en-US" dirty="0"/>
+              <a:t>Some Categorical Things that May Be Changed…</a:t>
+            </a:r>
+          </a:p>
+        </p:txBody>
+      </p:sp>
+      <p:sp>
+        <p:nvSpPr>
+          <p:cNvPr id="3" name="Content Placeholder 2">
+            <a:extLst>
+              <a:ext uri="{FF2B5EF4-FFF2-40B4-BE49-F238E27FC236}">
+                <a16:creationId xmlns:a16="http://schemas.microsoft.com/office/drawing/2014/main" id="{3743249C-4343-A903-E756-77C140FD01E4}"/>
+              </a:ext>
+            </a:extLst>
+          </p:cNvPr>
+          <p:cNvSpPr>
+            <a:spLocks noGrp="1"/>
+          </p:cNvSpPr>
+          <p:nvPr>
+            <p:ph idx="1"/>
+          </p:nvPr>
+        </p:nvSpPr>
+        <p:spPr/>
+        <p:txBody>
+          <a:bodyPr/>
+          <a:lstStyle/>
+          <a:p>
+            <a:r>
+              <a:rPr lang="en-US" dirty="0"/>
+              <a:t>If one class is very different from the others, maybe this could be grouped into T/F.</a:t>
+            </a:r>
+          </a:p>
+          <a:p>
+            <a:r>
+              <a:rPr lang="en-US" dirty="0"/>
+              <a:t>If there are small classes with similar distributions, they may be better grouped as “other” (or something). </a:t>
+            </a:r>
+          </a:p>
+        </p:txBody>
+      </p:sp>
+    </p:spTree>
+    <p:extLst>
+      <p:ext uri="{BB962C8B-B14F-4D97-AF65-F5344CB8AC3E}">
+        <p14:creationId xmlns:p14="http://schemas.microsoft.com/office/powerpoint/2010/main" val="2694756622"/>
+      </p:ext>
+    </p:extLst>
+  </p:cSld>
+  <p:clrMapOvr>
+    <a:masterClrMapping/>
+  </p:clrMapOvr>
+</p:sld>
+</file>
+
+<file path=ppt/slides/slide8.xml><?xml version="1.0" encoding="utf-8"?>
+<p:sld xmlns:a="http://schemas.openxmlformats.org/drawingml/2006/main" xmlns:r="http://schemas.openxmlformats.org/officeDocument/2006/relationships" xmlns:p="http://schemas.openxmlformats.org/presentationml/2006/main">
+  <p:cSld>
+    <p:spTree>
+      <p:nvGrpSpPr>
+        <p:cNvPr id="1" name=""/>
+        <p:cNvGrpSpPr/>
+        <p:nvPr/>
+      </p:nvGrpSpPr>
+      <p:grpSpPr>
+        <a:xfrm>
+          <a:off x="0" y="0"/>
+          <a:ext cx="0" cy="0"/>
+          <a:chOff x="0" y="0"/>
+          <a:chExt cx="0" cy="0"/>
+        </a:xfrm>
+      </p:grpSpPr>
+      <p:sp>
+        <p:nvSpPr>
+          <p:cNvPr id="2" name="Title 1">
+            <a:extLst>
+              <a:ext uri="{FF2B5EF4-FFF2-40B4-BE49-F238E27FC236}">
+                <a16:creationId xmlns:a16="http://schemas.microsoft.com/office/drawing/2014/main" id="{9F362DFF-DA7E-BFD8-9B66-23DE1F98E944}"/>
+              </a:ext>
+            </a:extLst>
+          </p:cNvPr>
+          <p:cNvSpPr>
+            <a:spLocks noGrp="1"/>
+          </p:cNvSpPr>
+          <p:nvPr>
+            <p:ph type="title"/>
+          </p:nvPr>
+        </p:nvSpPr>
+        <p:spPr/>
+        <p:txBody>
+          <a:bodyPr/>
+          <a:lstStyle/>
+          <a:p>
+            <a:r>
+              <a:rPr lang="en-US" dirty="0"/>
+              <a:t>Some Numerical Things that Could be Changed…</a:t>
+            </a:r>
+          </a:p>
+        </p:txBody>
+      </p:sp>
+      <p:sp>
+        <p:nvSpPr>
+          <p:cNvPr id="3" name="Content Placeholder 2">
+            <a:extLst>
+              <a:ext uri="{FF2B5EF4-FFF2-40B4-BE49-F238E27FC236}">
+                <a16:creationId xmlns:a16="http://schemas.microsoft.com/office/drawing/2014/main" id="{2A7F7255-FF5A-3E07-070B-5076798E71B1}"/>
+              </a:ext>
+            </a:extLst>
+          </p:cNvPr>
+          <p:cNvSpPr>
+            <a:spLocks noGrp="1"/>
+          </p:cNvSpPr>
+          <p:nvPr>
+            <p:ph idx="1"/>
+          </p:nvPr>
+        </p:nvSpPr>
+        <p:spPr>
+          <a:xfrm>
+            <a:off x="1451579" y="1938130"/>
+            <a:ext cx="9603275" cy="3975653"/>
+          </a:xfrm>
+        </p:spPr>
+        <p:txBody>
+          <a:bodyPr/>
+          <a:lstStyle/>
+          <a:p>
+            <a:r>
+              <a:rPr lang="en-US" dirty="0"/>
+              <a:t>If there are clear groups in the distribution with a separation between them, maybe that would be better as a categorical. </a:t>
+            </a:r>
+          </a:p>
+          <a:p>
+            <a:r>
+              <a:rPr lang="en-US" dirty="0"/>
+              <a:t>If there is a value that could be converted to a normal distribution (i.e. using a log() function on a log-normal distribution), it may yield better results after. </a:t>
+            </a:r>
+          </a:p>
+          <a:p>
+            <a:pPr lvl="1"/>
+            <a:r>
+              <a:rPr lang="en-US" dirty="0"/>
+              <a:t>Many models (including regression) will usually give better results if inputs are normal-</a:t>
+            </a:r>
+            <a:r>
+              <a:rPr lang="en-US" dirty="0" err="1"/>
+              <a:t>ish</a:t>
+            </a:r>
+            <a:r>
+              <a:rPr lang="en-US" dirty="0"/>
+              <a:t>. </a:t>
+            </a:r>
+          </a:p>
+          <a:p>
+            <a:pPr lvl="1"/>
+            <a:r>
+              <a:rPr lang="en-US" dirty="0"/>
+              <a:t>Other transformations to make things normal are common in stats work. </a:t>
+            </a:r>
+          </a:p>
+          <a:p>
+            <a:pPr marL="0" indent="0">
+              <a:buNone/>
+            </a:pPr>
+            <a:endParaRPr lang="en-US" dirty="0"/>
+          </a:p>
+        </p:txBody>
+      </p:sp>
+    </p:spTree>
+    <p:extLst>
+      <p:ext uri="{BB962C8B-B14F-4D97-AF65-F5344CB8AC3E}">
+        <p14:creationId xmlns:p14="http://schemas.microsoft.com/office/powerpoint/2010/main" val="2575253689"/>
+      </p:ext>
+    </p:extLst>
+  </p:cSld>
+  <p:clrMapOvr>
+    <a:masterClrMapping/>
+  </p:clrMapOvr>
+</p:sld>
+</file>
+
+<file path=ppt/slides/slide9.xml><?xml version="1.0" encoding="utf-8"?>
+<p:sld xmlns:a="http://schemas.openxmlformats.org/drawingml/2006/main" xmlns:r="http://schemas.openxmlformats.org/officeDocument/2006/relationships" xmlns:p="http://schemas.openxmlformats.org/presentationml/2006/main">
+  <p:cSld>
+    <p:spTree>
+      <p:nvGrpSpPr>
+        <p:cNvPr id="1" name=""/>
+        <p:cNvGrpSpPr/>
+        <p:nvPr/>
+      </p:nvGrpSpPr>
+      <p:grpSpPr>
+        <a:xfrm>
+          <a:off x="0" y="0"/>
+          <a:ext cx="0" cy="0"/>
+          <a:chOff x="0" y="0"/>
+          <a:chExt cx="0" cy="0"/>
+        </a:xfrm>
+      </p:grpSpPr>
+      <p:sp>
+        <p:nvSpPr>
+          <p:cNvPr id="2" name="Title 1">
+            <a:extLst>
+              <a:ext uri="{FF2B5EF4-FFF2-40B4-BE49-F238E27FC236}">
+                <a16:creationId xmlns:a16="http://schemas.microsoft.com/office/drawing/2014/main" id="{5890B87F-9DCD-3CA8-CEE5-63A20554D620}"/>
+              </a:ext>
+            </a:extLst>
+          </p:cNvPr>
+          <p:cNvSpPr>
+            <a:spLocks noGrp="1"/>
+          </p:cNvSpPr>
+          <p:nvPr>
+            <p:ph type="title"/>
+          </p:nvPr>
+        </p:nvSpPr>
+        <p:spPr/>
+        <p:txBody>
+          <a:bodyPr/>
+          <a:lstStyle/>
+          <a:p>
+            <a:r>
+              <a:rPr lang="en-US" dirty="0"/>
+              <a:t>Process</a:t>
+            </a:r>
+          </a:p>
+        </p:txBody>
+      </p:sp>
+      <p:sp>
+        <p:nvSpPr>
+          <p:cNvPr id="3" name="Content Placeholder 2">
+            <a:extLst>
+              <a:ext uri="{FF2B5EF4-FFF2-40B4-BE49-F238E27FC236}">
+                <a16:creationId xmlns:a16="http://schemas.microsoft.com/office/drawing/2014/main" id="{D059408A-5663-6562-1668-0145AD12857B}"/>
+              </a:ext>
+            </a:extLst>
+          </p:cNvPr>
+          <p:cNvSpPr>
+            <a:spLocks noGrp="1"/>
+          </p:cNvSpPr>
+          <p:nvPr>
+            <p:ph idx="1"/>
+          </p:nvPr>
+        </p:nvSpPr>
+        <p:spPr>
+          <a:xfrm>
+            <a:off x="1451579" y="1949570"/>
+            <a:ext cx="9603275" cy="4103911"/>
+          </a:xfrm>
+        </p:spPr>
+        <p:txBody>
+          <a:bodyPr/>
+          <a:lstStyle/>
+          <a:p>
+            <a:r>
+              <a:rPr lang="en-US" dirty="0"/>
+              <a:t>During data exploration, we note if anything looks like it may need to be changed. </a:t>
+            </a:r>
+          </a:p>
+          <a:p>
+            <a:pPr lvl="1"/>
+            <a:r>
+              <a:rPr lang="en-US" dirty="0"/>
+              <a:t>If something is clear, we can just do it right off the top. </a:t>
+            </a:r>
+          </a:p>
+          <a:p>
+            <a:pPr lvl="1"/>
+            <a:r>
+              <a:rPr lang="en-US" dirty="0"/>
+              <a:t>If something is more of a maybe, then we can hang on to the ideas. </a:t>
+            </a:r>
+          </a:p>
+          <a:p>
+            <a:r>
+              <a:rPr lang="en-US" dirty="0"/>
+              <a:t>Create a model as you would normally and check the performance. </a:t>
+            </a:r>
+          </a:p>
+          <a:p>
+            <a:pPr lvl="1"/>
+            <a:r>
+              <a:rPr lang="en-US" dirty="0"/>
+              <a:t>In particular, check if there is wide variance on the cross-validation results from the grid. </a:t>
+            </a:r>
+          </a:p>
+          <a:p>
+            <a:r>
+              <a:rPr lang="en-US" dirty="0"/>
+              <a:t>Create a copy of the data, make the changes you want to try, and model again. </a:t>
+            </a:r>
+          </a:p>
+          <a:p>
+            <a:pPr lvl="1"/>
+            <a:r>
+              <a:rPr lang="en-US" dirty="0"/>
+              <a:t>If the results are the same or better, then your data changes are definitely good.*</a:t>
+            </a:r>
+          </a:p>
+          <a:p>
+            <a:pPr lvl="1"/>
+            <a:r>
+              <a:rPr lang="en-US" dirty="0"/>
+              <a:t>If the results are a bit worse, then its still debatable. Make some tweaks, then make a judgment depending on the real scenario. </a:t>
+            </a:r>
+          </a:p>
+        </p:txBody>
+      </p:sp>
+    </p:spTree>
+    <p:extLst>
+      <p:ext uri="{BB962C8B-B14F-4D97-AF65-F5344CB8AC3E}">
+        <p14:creationId xmlns:p14="http://schemas.microsoft.com/office/powerpoint/2010/main" val="1269819477"/>
+      </p:ext>
+    </p:extLst>
+  </p:cSld>
+  <p:clrMapOvr>
+    <a:masterClrMapping/>
+  </p:clrMapOvr>
+</p:sld>
+</file>
+
 <file path=ppt/theme/theme1.xml><?xml version="1.0" encoding="utf-8"?>
-<a:theme xmlns:a="http://schemas.openxmlformats.org/drawingml/2006/main" name="Office Theme">
+<a:theme xmlns:a="http://schemas.openxmlformats.org/drawingml/2006/main" name="Gallery">
   <a:themeElements>
-    <a:clrScheme name="Office">
+    <a:clrScheme name="Gallery">
       <a:dk1>
         <a:sysClr val="windowText" lastClr="000000"/>
       </a:dk1>
@@ -3395,39 +4800,39 @@
         <a:sysClr val="window" lastClr="FFFFFF"/>
       </a:lt1>
       <a:dk2>
-        <a:srgbClr val="44546A"/>
+        <a:srgbClr val="454545"/>
       </a:dk2>
       <a:lt2>
-        <a:srgbClr val="E7E6E6"/>
+        <a:srgbClr val="DFDBD5"/>
       </a:lt2>
       <a:accent1>
-        <a:srgbClr val="4472C4"/>
+        <a:srgbClr val="B71E42"/>
       </a:accent1>
       <a:accent2>
-        <a:srgbClr val="ED7D31"/>
+        <a:srgbClr val="DE478E"/>
       </a:accent2>
       <a:accent3>
-        <a:srgbClr val="A5A5A5"/>
+        <a:srgbClr val="BC72F0"/>
       </a:accent3>
       <a:accent4>
-        <a:srgbClr val="FFC000"/>
+        <a:srgbClr val="795FAF"/>
       </a:accent4>
       <a:accent5>
-        <a:srgbClr val="5B9BD5"/>
+        <a:srgbClr val="586EA6"/>
       </a:accent5>
       <a:accent6>
-        <a:srgbClr val="70AD47"/>
+        <a:srgbClr val="6892A0"/>
       </a:accent6>
       <a:hlink>
-        <a:srgbClr val="0563C1"/>
+        <a:srgbClr val="FA2B5C"/>
       </a:hlink>
       <a:folHlink>
-        <a:srgbClr val="954F72"/>
+        <a:srgbClr val="BC658E"/>
       </a:folHlink>
     </a:clrScheme>
-    <a:fontScheme name="Office">
+    <a:fontScheme name="Gallery">
       <a:majorFont>
-        <a:latin typeface="Calibri Light" panose="020F0302020204030204"/>
+        <a:latin typeface="Gill Sans MT" panose="020B0502020104020203"/>
         <a:ea typeface=""/>
         <a:cs typeface=""/>
         <a:font script="Jpan" typeface="游ゴシック Light"/>
@@ -3460,26 +4865,9 @@
         <a:font script="Viet" typeface="Times New Roman"/>
         <a:font script="Uigh" typeface="Microsoft Uighur"/>
         <a:font script="Geor" typeface="Sylfaen"/>
-        <a:font script="Armn" typeface="Arial"/>
-        <a:font script="Bugi" typeface="Leelawadee UI"/>
-        <a:font script="Bopo" typeface="Microsoft JhengHei"/>
-        <a:font script="Java" typeface="Javanese Text"/>
-        <a:font script="Lisu" typeface="Segoe UI"/>
-        <a:font script="Mymr" typeface="Myanmar Text"/>
-        <a:font script="Nkoo" typeface="Ebrima"/>
-        <a:font script="Olck" typeface="Nirmala UI"/>
-        <a:font script="Osma" typeface="Ebrima"/>
-        <a:font script="Phag" typeface="Phagspa"/>
-        <a:font script="Syrn" typeface="Estrangelo Edessa"/>
-        <a:font script="Syrj" typeface="Estrangelo Edessa"/>
-        <a:font script="Syre" typeface="Estrangelo Edessa"/>
-        <a:font script="Sora" typeface="Nirmala UI"/>
-        <a:font script="Tale" typeface="Microsoft Tai Le"/>
-        <a:font script="Talu" typeface="Microsoft New Tai Lue"/>
-        <a:font script="Tfng" typeface="Ebrima"/>
       </a:majorFont>
       <a:minorFont>
-        <a:latin typeface="Calibri" panose="020F0502020204030204"/>
+        <a:latin typeface="Gill Sans MT" panose="020B0502020104020203"/>
         <a:ea typeface=""/>
         <a:cs typeface=""/>
         <a:font script="Jpan" typeface="游ゴシック"/>
@@ -3512,26 +4900,9 @@
         <a:font script="Viet" typeface="Arial"/>
         <a:font script="Uigh" typeface="Microsoft Uighur"/>
         <a:font script="Geor" typeface="Sylfaen"/>
-        <a:font script="Armn" typeface="Arial"/>
-        <a:font script="Bugi" typeface="Leelawadee UI"/>
-        <a:font script="Bopo" typeface="Microsoft JhengHei"/>
-        <a:font script="Java" typeface="Javanese Text"/>
-        <a:font script="Lisu" typeface="Segoe UI"/>
-        <a:font script="Mymr" typeface="Myanmar Text"/>
-        <a:font script="Nkoo" typeface="Ebrima"/>
-        <a:font script="Olck" typeface="Nirmala UI"/>
-        <a:font script="Osma" typeface="Ebrima"/>
-        <a:font script="Phag" typeface="Phagspa"/>
-        <a:font script="Syrn" typeface="Estrangelo Edessa"/>
-        <a:font script="Syrj" typeface="Estrangelo Edessa"/>
-        <a:font script="Syre" typeface="Estrangelo Edessa"/>
-        <a:font script="Sora" typeface="Nirmala UI"/>
-        <a:font script="Tale" typeface="Microsoft Tai Le"/>
-        <a:font script="Talu" typeface="Microsoft New Tai Lue"/>
-        <a:font script="Tfng" typeface="Ebrima"/>
       </a:minorFont>
     </a:fontScheme>
-    <a:fmtScheme name="Office">
+    <a:fmtScheme name="Gallery">
       <a:fillStyleLst>
         <a:solidFill>
           <a:schemeClr val="phClr"/>
@@ -3540,23 +4911,18 @@
           <a:gsLst>
             <a:gs pos="0">
               <a:schemeClr val="phClr">
+                <a:tint val="54000"/>
+                <a:alpha val="100000"/>
+                <a:satMod val="105000"/>
                 <a:lumMod val="110000"/>
-                <a:satMod val="105000"/>
-                <a:tint val="67000"/>
-              </a:schemeClr>
-            </a:gs>
-            <a:gs pos="50000">
-              <a:schemeClr val="phClr">
-                <a:lumMod val="105000"/>
-                <a:satMod val="103000"/>
-                <a:tint val="73000"/>
               </a:schemeClr>
             </a:gs>
             <a:gs pos="100000">
               <a:schemeClr val="phClr">
-                <a:lumMod val="105000"/>
+                <a:tint val="78000"/>
+                <a:alpha val="92000"/>
                 <a:satMod val="109000"/>
-                <a:tint val="81000"/>
+                <a:lumMod val="100000"/>
               </a:schemeClr>
             </a:gs>
           </a:gsLst>
@@ -3566,23 +4932,23 @@
           <a:gsLst>
             <a:gs pos="0">
               <a:schemeClr val="phClr">
-                <a:satMod val="103000"/>
-                <a:lumMod val="102000"/>
-                <a:tint val="94000"/>
+                <a:tint val="98000"/>
+                <a:satMod val="110000"/>
+                <a:lumMod val="104000"/>
               </a:schemeClr>
             </a:gs>
-            <a:gs pos="50000">
+            <a:gs pos="69000">
               <a:schemeClr val="phClr">
-                <a:satMod val="110000"/>
-                <a:lumMod val="100000"/>
-                <a:shade val="100000"/>
+                <a:shade val="88000"/>
+                <a:satMod val="130000"/>
+                <a:lumMod val="92000"/>
               </a:schemeClr>
             </a:gs>
             <a:gs pos="100000">
               <a:schemeClr val="phClr">
-                <a:lumMod val="99000"/>
-                <a:satMod val="120000"/>
                 <a:shade val="78000"/>
+                <a:satMod val="130000"/>
+                <a:lumMod val="92000"/>
               </a:schemeClr>
             </a:gs>
           </a:gsLst>
@@ -3590,26 +4956,23 @@
         </a:gradFill>
       </a:fillStyleLst>
       <a:lnStyleLst>
-        <a:ln w="6350" cap="flat" cmpd="sng" algn="ctr">
+        <a:ln w="9525" cap="flat" cmpd="sng" algn="ctr">
           <a:solidFill>
             <a:schemeClr val="phClr"/>
           </a:solidFill>
           <a:prstDash val="solid"/>
-          <a:miter lim="800000"/>
         </a:ln>
-        <a:ln w="12700" cap="flat" cmpd="sng" algn="ctr">
+        <a:ln w="15875" cap="flat" cmpd="sng" algn="ctr">
           <a:solidFill>
             <a:schemeClr val="phClr"/>
           </a:solidFill>
           <a:prstDash val="solid"/>
-          <a:miter lim="800000"/>
         </a:ln>
-        <a:ln w="19050" cap="flat" cmpd="sng" algn="ctr">
+        <a:ln w="22225" cap="flat" cmpd="sng" algn="ctr">
           <a:solidFill>
             <a:schemeClr val="phClr"/>
           </a:solidFill>
           <a:prstDash val="solid"/>
-          <a:miter lim="800000"/>
         </a:ln>
       </a:lnStyleLst>
       <a:effectStyleLst>
@@ -3621,12 +4984,23 @@
         </a:effectStyle>
         <a:effectStyle>
           <a:effectLst>
-            <a:outerShdw blurRad="57150" dist="19050" dir="5400000" algn="ctr" rotWithShape="0">
+            <a:outerShdw blurRad="50800" dist="50800" dir="5400000" sx="96000" sy="96000" rotWithShape="0">
               <a:srgbClr val="000000">
-                <a:alpha val="63000"/>
+                <a:alpha val="48000"/>
               </a:srgbClr>
             </a:outerShdw>
           </a:effectLst>
+          <a:scene3d>
+            <a:camera prst="orthographicFront">
+              <a:rot lat="0" lon="0" rev="0"/>
+            </a:camera>
+            <a:lightRig rig="balanced" dir="t">
+              <a:rot lat="0" lon="0" rev="1080000"/>
+            </a:lightRig>
+          </a:scene3d>
+          <a:sp3d>
+            <a:bevelT w="38100" h="12700" prst="softRound"/>
+          </a:sp3d>
         </a:effectStyle>
       </a:effectStyleLst>
       <a:bgFillStyleLst>
@@ -3634,37 +5008,26 @@
           <a:schemeClr val="phClr"/>
         </a:solidFill>
         <a:solidFill>
-          <a:schemeClr val="phClr">
-            <a:tint val="95000"/>
-            <a:satMod val="170000"/>
-          </a:schemeClr>
+          <a:schemeClr val="phClr"/>
         </a:solidFill>
         <a:gradFill rotWithShape="1">
           <a:gsLst>
             <a:gs pos="0">
               <a:schemeClr val="phClr">
-                <a:tint val="93000"/>
-                <a:satMod val="150000"/>
-                <a:shade val="98000"/>
-                <a:lumMod val="102000"/>
-              </a:schemeClr>
-            </a:gs>
-            <a:gs pos="50000">
-              <a:schemeClr val="phClr">
-                <a:tint val="98000"/>
-                <a:satMod val="130000"/>
-                <a:shade val="90000"/>
-                <a:lumMod val="103000"/>
+                <a:tint val="94000"/>
+                <a:satMod val="80000"/>
+                <a:lumMod val="106000"/>
               </a:schemeClr>
             </a:gs>
             <a:gs pos="100000">
               <a:schemeClr val="phClr">
-                <a:shade val="63000"/>
-                <a:satMod val="120000"/>
+                <a:shade val="80000"/>
               </a:schemeClr>
             </a:gs>
           </a:gsLst>
-          <a:lin ang="5400000" scaled="0"/>
+          <a:path path="circle">
+            <a:fillToRect l="50000" t="50000" r="50000" b="50000"/>
+          </a:path>
         </a:gradFill>
       </a:bgFillStyleLst>
     </a:fmtScheme>
@@ -3673,7 +5036,7 @@
   <a:extraClrSchemeLst/>
   <a:extLst>
     <a:ext uri="{05A4C25C-085E-4340-85A3-A5531E510DB2}">
-      <thm15:themeFamily xmlns:thm15="http://schemas.microsoft.com/office/thememl/2012/main" name="Office Theme" id="{62F939B6-93AF-4DB8-9C6B-D6C7DFDC589F}" vid="{4A3C46E8-61CC-4603-A589-7422A47A8E4A}"/>
+      <thm15:themeFamily xmlns:thm15="http://schemas.microsoft.com/office/thememl/2012/main" name="Gallery" id="{BBFCD31E-59A1-489D-B089-A3EAD7CAE12E}" vid="{F5E91637-A7B6-4E27-B710-77DA7014EE1E}"/>
     </a:ext>
   </a:extLst>
 </a:theme>

--- a/course_resources/slides/Used/018_regression_review_stats.pptx
+++ b/course_resources/slides/Used/018_regression_review_stats.pptx
@@ -4131,7 +4131,12 @@
             <p:ph idx="1"/>
           </p:nvPr>
         </p:nvSpPr>
-        <p:spPr/>
+        <p:spPr>
+          <a:xfrm>
+            <a:off x="1451579" y="2015732"/>
+            <a:ext cx="9603275" cy="4037749"/>
+          </a:xfrm>
+        </p:spPr>
         <p:txBody>
           <a:bodyPr/>
           <a:lstStyle/>
@@ -4162,9 +4167,16 @@
             </a:r>
           </a:p>
           <a:p>
-            <a:r>
-              <a:rPr lang="en-US" dirty="0"/>
-              <a:t>We can see this correlation in our exploration. </a:t>
+            <a:pPr lvl="1"/>
+            <a:r>
+              <a:rPr lang="en-US" dirty="0"/>
+              <a:t>Think – “if I know what this feature value is, does that tell me about the target?”</a:t>
+            </a:r>
+          </a:p>
+          <a:p>
+            <a:r>
+              <a:rPr lang="en-US" dirty="0"/>
+              <a:t>We can see this correlation in our exploration, to a degree. </a:t>
             </a:r>
           </a:p>
           <a:p>
@@ -4296,7 +4308,14 @@
             <a:pPr lvl="1"/>
             <a:r>
               <a:rPr lang="en-US" dirty="0"/>
-              <a:t>Our brains’ “r-squared” in this scenario can be pretty low. </a:t>
+              <a:t>Our brains’ “r-squared” in this scenario can be pretty low.</a:t>
+            </a:r>
+          </a:p>
+          <a:p>
+            <a:pPr lvl="1"/>
+            <a:r>
+              <a:rPr lang="en-US" dirty="0"/>
+              <a:t>We can get rid of things that are useless, and take attempts at improvements, but we need to test and check the results to know if changes are actually good.  </a:t>
             </a:r>
           </a:p>
           <a:p>

--- a/course_resources/slides/Used/018_regression_review_stats.pptx
+++ b/course_resources/slides/Used/018_regression_review_stats.pptx
@@ -10,11 +10,12 @@
     <p:sldId id="258" r:id="rId4"/>
     <p:sldId id="264" r:id="rId5"/>
     <p:sldId id="265" r:id="rId6"/>
-    <p:sldId id="259" r:id="rId7"/>
-    <p:sldId id="260" r:id="rId8"/>
-    <p:sldId id="261" r:id="rId9"/>
-    <p:sldId id="263" r:id="rId10"/>
-    <p:sldId id="262" r:id="rId11"/>
+    <p:sldId id="266" r:id="rId7"/>
+    <p:sldId id="259" r:id="rId8"/>
+    <p:sldId id="260" r:id="rId9"/>
+    <p:sldId id="261" r:id="rId10"/>
+    <p:sldId id="263" r:id="rId11"/>
+    <p:sldId id="262" r:id="rId12"/>
   </p:sldIdLst>
   <p:sldSz cx="12192000" cy="6858000"/>
   <p:notesSz cx="6858000" cy="9144000"/>
@@ -3717,6 +3718,144 @@
           <p:cNvPr id="2" name="Title 1">
             <a:extLst>
               <a:ext uri="{FF2B5EF4-FFF2-40B4-BE49-F238E27FC236}">
+                <a16:creationId xmlns:a16="http://schemas.microsoft.com/office/drawing/2014/main" id="{5890B87F-9DCD-3CA8-CEE5-63A20554D620}"/>
+              </a:ext>
+            </a:extLst>
+          </p:cNvPr>
+          <p:cNvSpPr>
+            <a:spLocks noGrp="1"/>
+          </p:cNvSpPr>
+          <p:nvPr>
+            <p:ph type="title"/>
+          </p:nvPr>
+        </p:nvSpPr>
+        <p:spPr/>
+        <p:txBody>
+          <a:bodyPr/>
+          <a:lstStyle/>
+          <a:p>
+            <a:r>
+              <a:rPr lang="en-US" dirty="0"/>
+              <a:t>Process</a:t>
+            </a:r>
+          </a:p>
+        </p:txBody>
+      </p:sp>
+      <p:sp>
+        <p:nvSpPr>
+          <p:cNvPr id="3" name="Content Placeholder 2">
+            <a:extLst>
+              <a:ext uri="{FF2B5EF4-FFF2-40B4-BE49-F238E27FC236}">
+                <a16:creationId xmlns:a16="http://schemas.microsoft.com/office/drawing/2014/main" id="{D059408A-5663-6562-1668-0145AD12857B}"/>
+              </a:ext>
+            </a:extLst>
+          </p:cNvPr>
+          <p:cNvSpPr>
+            <a:spLocks noGrp="1"/>
+          </p:cNvSpPr>
+          <p:nvPr>
+            <p:ph idx="1"/>
+          </p:nvPr>
+        </p:nvSpPr>
+        <p:spPr>
+          <a:xfrm>
+            <a:off x="1451579" y="1949570"/>
+            <a:ext cx="9603275" cy="4103911"/>
+          </a:xfrm>
+        </p:spPr>
+        <p:txBody>
+          <a:bodyPr/>
+          <a:lstStyle/>
+          <a:p>
+            <a:r>
+              <a:rPr lang="en-US" dirty="0"/>
+              <a:t>During data exploration, we note if anything looks like it may need to be changed. </a:t>
+            </a:r>
+          </a:p>
+          <a:p>
+            <a:pPr lvl="1"/>
+            <a:r>
+              <a:rPr lang="en-US" dirty="0"/>
+              <a:t>If something is clear, we can just do it right off the top. </a:t>
+            </a:r>
+          </a:p>
+          <a:p>
+            <a:pPr lvl="1"/>
+            <a:r>
+              <a:rPr lang="en-US" dirty="0"/>
+              <a:t>If something is more of a maybe, then we can hang on to the ideas. </a:t>
+            </a:r>
+          </a:p>
+          <a:p>
+            <a:r>
+              <a:rPr lang="en-US" dirty="0"/>
+              <a:t>Create a model as you would normally and check the performance. </a:t>
+            </a:r>
+          </a:p>
+          <a:p>
+            <a:pPr lvl="1"/>
+            <a:r>
+              <a:rPr lang="en-US" dirty="0"/>
+              <a:t>In particular, check if there is wide variance on the cross-validation results from the grid. </a:t>
+            </a:r>
+          </a:p>
+          <a:p>
+            <a:r>
+              <a:rPr lang="en-US" dirty="0"/>
+              <a:t>Create a copy of the data, make the changes you want to try, and model again. </a:t>
+            </a:r>
+          </a:p>
+          <a:p>
+            <a:pPr lvl="1"/>
+            <a:r>
+              <a:rPr lang="en-US" dirty="0"/>
+              <a:t>If the results are the same or better, then your data changes are definitely good.*</a:t>
+            </a:r>
+          </a:p>
+          <a:p>
+            <a:pPr lvl="1"/>
+            <a:r>
+              <a:rPr lang="en-US" dirty="0"/>
+              <a:t>If the results are a bit worse, then its still debatable. Make some tweaks, then make a judgment depending on the real scenario. </a:t>
+            </a:r>
+          </a:p>
+        </p:txBody>
+      </p:sp>
+    </p:spTree>
+    <p:extLst>
+      <p:ext uri="{BB962C8B-B14F-4D97-AF65-F5344CB8AC3E}">
+        <p14:creationId xmlns:p14="http://schemas.microsoft.com/office/powerpoint/2010/main" val="1269819477"/>
+      </p:ext>
+    </p:extLst>
+  </p:cSld>
+  <p:clrMapOvr>
+    <a:masterClrMapping/>
+  </p:clrMapOvr>
+</p:sld>
+</file>
+
+<file path=ppt/slides/slide11.xml><?xml version="1.0" encoding="utf-8"?>
+<p:sld xmlns:a="http://schemas.openxmlformats.org/drawingml/2006/main" xmlns:r="http://schemas.openxmlformats.org/officeDocument/2006/relationships" xmlns:p="http://schemas.openxmlformats.org/presentationml/2006/main">
+  <p:cSld>
+    <p:spTree>
+      <p:nvGrpSpPr>
+        <p:cNvPr id="1" name=""/>
+        <p:cNvGrpSpPr/>
+        <p:nvPr/>
+      </p:nvGrpSpPr>
+      <p:grpSpPr>
+        <a:xfrm>
+          <a:off x="0" y="0"/>
+          <a:ext cx="0" cy="0"/>
+          <a:chOff x="0" y="0"/>
+          <a:chExt cx="0" cy="0"/>
+        </a:xfrm>
+      </p:grpSpPr>
+      <p:sp>
+        <p:nvSpPr>
+          <p:cNvPr id="2" name="Title 1">
+            <a:extLst>
+              <a:ext uri="{FF2B5EF4-FFF2-40B4-BE49-F238E27FC236}">
                 <a16:creationId xmlns:a16="http://schemas.microsoft.com/office/drawing/2014/main" id="{7A7AF28C-6BCF-1C9F-16DC-4B3E47839B2E}"/>
               </a:ext>
             </a:extLst>
@@ -4133,8 +4272,8 @@
         </p:nvSpPr>
         <p:spPr>
           <a:xfrm>
-            <a:off x="1451579" y="2015732"/>
-            <a:ext cx="9603275" cy="4037749"/>
+            <a:off x="1451579" y="1853754"/>
+            <a:ext cx="9603275" cy="2636303"/>
           </a:xfrm>
         </p:spPr>
         <p:txBody>
@@ -4184,6 +4323,53 @@
           </a:p>
         </p:txBody>
       </p:sp>
+      <p:pic>
+        <p:nvPicPr>
+          <p:cNvPr id="1026" name="Picture 2" descr="What is a Correlation Coefficient? The r Value in Statistics Explained">
+            <a:extLst>
+              <a:ext uri="{FF2B5EF4-FFF2-40B4-BE49-F238E27FC236}">
+                <a16:creationId xmlns:a16="http://schemas.microsoft.com/office/drawing/2014/main" id="{05F4889E-2418-1473-0CB2-A5A4C780AEEA}"/>
+              </a:ext>
+            </a:extLst>
+          </p:cNvPr>
+          <p:cNvPicPr>
+            <a:picLocks noChangeAspect="1" noChangeArrowheads="1"/>
+          </p:cNvPicPr>
+          <p:nvPr/>
+        </p:nvPicPr>
+        <p:blipFill>
+          <a:blip r:embed="rId2">
+            <a:extLst>
+              <a:ext uri="{28A0092B-C50C-407E-A947-70E740481C1C}">
+                <a14:useLocalDpi xmlns:a14="http://schemas.microsoft.com/office/drawing/2010/main" val="0"/>
+              </a:ext>
+            </a:extLst>
+          </a:blip>
+          <a:srcRect/>
+          <a:stretch>
+            <a:fillRect/>
+          </a:stretch>
+        </p:blipFill>
+        <p:spPr bwMode="auto">
+          <a:xfrm>
+            <a:off x="2701301" y="4490057"/>
+            <a:ext cx="7103829" cy="2367943"/>
+          </a:xfrm>
+          <a:prstGeom prst="rect">
+            <a:avLst/>
+          </a:prstGeom>
+          <a:noFill/>
+          <a:extLst>
+            <a:ext uri="{909E8E84-426E-40DD-AFC4-6F175D3DCCD1}">
+              <a14:hiddenFill xmlns:a14="http://schemas.microsoft.com/office/drawing/2010/main">
+                <a:solidFill>
+                  <a:srgbClr val="FFFFFF"/>
+                </a:solidFill>
+              </a14:hiddenFill>
+            </a:ext>
+          </a:extLst>
+        </p:spPr>
+      </p:pic>
     </p:spTree>
     <p:extLst>
       <p:ext uri="{BB962C8B-B14F-4D97-AF65-F5344CB8AC3E}">
@@ -4361,7 +4547,7 @@
           <p:cNvPr id="2" name="Title 1">
             <a:extLst>
               <a:ext uri="{FF2B5EF4-FFF2-40B4-BE49-F238E27FC236}">
-                <a16:creationId xmlns:a16="http://schemas.microsoft.com/office/drawing/2014/main" id="{D98049F1-0A3C-996F-CF9A-4F21DFA9C434}"/>
+                <a16:creationId xmlns:a16="http://schemas.microsoft.com/office/drawing/2014/main" id="{86B89E55-5EF9-334E-2151-0826FA9FA2EB}"/>
               </a:ext>
             </a:extLst>
           </p:cNvPr>
@@ -4379,7 +4565,7 @@
           <a:p>
             <a:r>
               <a:rPr lang="en-US" dirty="0"/>
-              <a:t>Some things that may not be useful…</a:t>
+              <a:t>Nothing is Real</a:t>
             </a:r>
           </a:p>
         </p:txBody>
@@ -4389,7 +4575,7 @@
           <p:cNvPr id="3" name="Content Placeholder 2">
             <a:extLst>
               <a:ext uri="{FF2B5EF4-FFF2-40B4-BE49-F238E27FC236}">
-                <a16:creationId xmlns:a16="http://schemas.microsoft.com/office/drawing/2014/main" id="{58E3E28F-3D4A-B7C7-2491-1B8C2C318DB2}"/>
+                <a16:creationId xmlns:a16="http://schemas.microsoft.com/office/drawing/2014/main" id="{2371F27D-DCA8-A096-DF13-A40D6AEB5C67}"/>
               </a:ext>
             </a:extLst>
           </p:cNvPr>
@@ -4400,50 +4586,70 @@
             <p:ph idx="1"/>
           </p:nvPr>
         </p:nvSpPr>
-        <p:spPr/>
-        <p:txBody>
-          <a:bodyPr/>
-          <a:lstStyle/>
-          <a:p>
-            <a:r>
-              <a:rPr lang="en-US" dirty="0"/>
-              <a:t>Some patterns indicate that variables may not be that helpful:</a:t>
+        <p:spPr>
+          <a:xfrm>
+            <a:off x="1451579" y="1853754"/>
+            <a:ext cx="9603275" cy="4122976"/>
+          </a:xfrm>
+        </p:spPr>
+        <p:txBody>
+          <a:bodyPr/>
+          <a:lstStyle/>
+          <a:p>
+            <a:r>
+              <a:rPr lang="en-US" dirty="0"/>
+              <a:t>When we are trying things like this, it is weird and often not intuitive. </a:t>
+            </a:r>
+          </a:p>
+          <a:p>
+            <a:r>
+              <a:rPr lang="en-US" dirty="0"/>
+              <a:t>The goal is to create a dataset that represents some real-world thing, in a way that allows a ML model to predict the target accurately. </a:t>
             </a:r>
           </a:p>
           <a:p>
             <a:pPr lvl="1"/>
             <a:r>
               <a:rPr lang="en-US" dirty="0"/>
-              <a:t>Little to no correlation with the target. </a:t>
+              <a:t>This is not the same as doing manipulations of our original data. </a:t>
             </a:r>
           </a:p>
           <a:p>
             <a:pPr lvl="1"/>
             <a:r>
               <a:rPr lang="en-US" dirty="0"/>
-              <a:t>Little variance (i.e. almost everything has the same value). </a:t>
+              <a:t>The representation is not a defined, real thing, we are creating it from our data. </a:t>
             </a:r>
           </a:p>
           <a:p>
             <a:pPr lvl="1"/>
             <a:r>
               <a:rPr lang="en-US" dirty="0"/>
-              <a:t>Seeming randomness with no correlation to anything. (I.e. ‘sum of phone number digits’ as a feature – the value has no connection with anything meaningful). </a:t>
+              <a:t>Our dataset isn’t reality, it is one snapshot of some metrics, from reality. </a:t>
+            </a:r>
+          </a:p>
+          <a:p>
+            <a:r>
+              <a:rPr lang="en-US" dirty="0"/>
+              <a:t>Changing the data to make it “more legible” to the model, is ok. Like phonetic spelling. </a:t>
+            </a:r>
+          </a:p>
+          <a:p>
+            <a:r>
+              <a:rPr lang="en-US" dirty="0"/>
+              <a:t>Simple things here are required, the more elaborate things are more of an art. </a:t>
             </a:r>
           </a:p>
           <a:p>
             <a:pPr lvl="1"/>
-            <a:r>
-              <a:rPr lang="en-US" dirty="0"/>
-              <a:t>Huge number of classes with very small numbers in each. </a:t>
-            </a:r>
+            <a:endParaRPr lang="en-US" dirty="0"/>
           </a:p>
         </p:txBody>
       </p:sp>
     </p:spTree>
     <p:extLst>
       <p:ext uri="{BB962C8B-B14F-4D97-AF65-F5344CB8AC3E}">
-        <p14:creationId xmlns:p14="http://schemas.microsoft.com/office/powerpoint/2010/main" val="1875795947"/>
+        <p14:creationId xmlns:p14="http://schemas.microsoft.com/office/powerpoint/2010/main" val="2511495206"/>
       </p:ext>
     </p:extLst>
   </p:cSld>
@@ -4475,7 +4681,7 @@
           <p:cNvPr id="2" name="Title 1">
             <a:extLst>
               <a:ext uri="{FF2B5EF4-FFF2-40B4-BE49-F238E27FC236}">
-                <a16:creationId xmlns:a16="http://schemas.microsoft.com/office/drawing/2014/main" id="{A95CDB97-3652-C7F8-ECA9-CE3F06CCCF26}"/>
+                <a16:creationId xmlns:a16="http://schemas.microsoft.com/office/drawing/2014/main" id="{D98049F1-0A3C-996F-CF9A-4F21DFA9C434}"/>
               </a:ext>
             </a:extLst>
           </p:cNvPr>
@@ -4493,7 +4699,7 @@
           <a:p>
             <a:r>
               <a:rPr lang="en-US" dirty="0"/>
-              <a:t>Some Categorical Things that May Be Changed…</a:t>
+              <a:t>Some things that may not be useful…</a:t>
             </a:r>
           </a:p>
         </p:txBody>
@@ -4503,7 +4709,7 @@
           <p:cNvPr id="3" name="Content Placeholder 2">
             <a:extLst>
               <a:ext uri="{FF2B5EF4-FFF2-40B4-BE49-F238E27FC236}">
-                <a16:creationId xmlns:a16="http://schemas.microsoft.com/office/drawing/2014/main" id="{3743249C-4343-A903-E756-77C140FD01E4}"/>
+                <a16:creationId xmlns:a16="http://schemas.microsoft.com/office/drawing/2014/main" id="{58E3E28F-3D4A-B7C7-2491-1B8C2C318DB2}"/>
               </a:ext>
             </a:extLst>
           </p:cNvPr>
@@ -4514,20 +4720,69 @@
             <p:ph idx="1"/>
           </p:nvPr>
         </p:nvSpPr>
-        <p:spPr/>
-        <p:txBody>
-          <a:bodyPr/>
-          <a:lstStyle/>
-          <a:p>
-            <a:r>
-              <a:rPr lang="en-US" dirty="0"/>
-              <a:t>If one class is very different from the others, maybe this could be grouped into T/F.</a:t>
-            </a:r>
-          </a:p>
-          <a:p>
-            <a:r>
-              <a:rPr lang="en-US" dirty="0"/>
-              <a:t>If there are small classes with similar distributions, they may be better grouped as “other” (or something). </a:t>
+        <p:spPr>
+          <a:xfrm>
+            <a:off x="1451579" y="1941444"/>
+            <a:ext cx="9603275" cy="3995530"/>
+          </a:xfrm>
+        </p:spPr>
+        <p:txBody>
+          <a:bodyPr/>
+          <a:lstStyle/>
+          <a:p>
+            <a:r>
+              <a:rPr lang="en-US" dirty="0"/>
+              <a:t>Some patterns indicate that variables may not be that helpful:</a:t>
+            </a:r>
+          </a:p>
+          <a:p>
+            <a:pPr lvl="1"/>
+            <a:r>
+              <a:rPr lang="en-US" dirty="0"/>
+              <a:t>Little to no correlation with the target. </a:t>
+            </a:r>
+          </a:p>
+          <a:p>
+            <a:pPr lvl="1"/>
+            <a:r>
+              <a:rPr lang="en-US" dirty="0"/>
+              <a:t>Little variance (i.e. almost everything has the same value). </a:t>
+            </a:r>
+          </a:p>
+          <a:p>
+            <a:pPr lvl="1"/>
+            <a:r>
+              <a:rPr lang="en-US" dirty="0"/>
+              <a:t>Seeming randomness with no correlation to anything. (I.e. ‘sum of phone number digits’ as a feature – the value has no connection with anything meaningful). </a:t>
+            </a:r>
+          </a:p>
+          <a:p>
+            <a:pPr lvl="1"/>
+            <a:r>
+              <a:rPr lang="en-US" dirty="0"/>
+              <a:t>Huge number of classes with very small numbers in each/most.</a:t>
+            </a:r>
+          </a:p>
+          <a:p>
+            <a:pPr lvl="1"/>
+            <a:r>
+              <a:rPr lang="en-US" dirty="0"/>
+              <a:t>Fully or mostly redundant features. I.e. ‘Province’=‘Alberta’ and ‘</a:t>
+            </a:r>
+            <a:r>
+              <a:rPr lang="en-US" dirty="0" err="1"/>
+              <a:t>Province_short</a:t>
+            </a:r>
+            <a:r>
+              <a:rPr lang="en-US" dirty="0"/>
+              <a:t>’=‘AB’.*</a:t>
+            </a:r>
+          </a:p>
+          <a:p>
+            <a:pPr lvl="2"/>
+            <a:r>
+              <a:rPr lang="en-US" dirty="0"/>
+              <a:t>Having multiple features that all have the same information is called multicollinearity. </a:t>
             </a:r>
           </a:p>
         </p:txBody>
@@ -4535,7 +4790,7 @@
     </p:spTree>
     <p:extLst>
       <p:ext uri="{BB962C8B-B14F-4D97-AF65-F5344CB8AC3E}">
-        <p14:creationId xmlns:p14="http://schemas.microsoft.com/office/powerpoint/2010/main" val="2694756622"/>
+        <p14:creationId xmlns:p14="http://schemas.microsoft.com/office/powerpoint/2010/main" val="1875795947"/>
       </p:ext>
     </p:extLst>
   </p:cSld>
@@ -4567,7 +4822,7 @@
           <p:cNvPr id="2" name="Title 1">
             <a:extLst>
               <a:ext uri="{FF2B5EF4-FFF2-40B4-BE49-F238E27FC236}">
-                <a16:creationId xmlns:a16="http://schemas.microsoft.com/office/drawing/2014/main" id="{9F362DFF-DA7E-BFD8-9B66-23DE1F98E944}"/>
+                <a16:creationId xmlns:a16="http://schemas.microsoft.com/office/drawing/2014/main" id="{A95CDB97-3652-C7F8-ECA9-CE3F06CCCF26}"/>
               </a:ext>
             </a:extLst>
           </p:cNvPr>
@@ -4585,7 +4840,7 @@
           <a:p>
             <a:r>
               <a:rPr lang="en-US" dirty="0"/>
-              <a:t>Some Numerical Things that Could be Changed…</a:t>
+              <a:t>Some Categorical Things that May Be Changed…</a:t>
             </a:r>
           </a:p>
         </p:txBody>
@@ -4595,7 +4850,7 @@
           <p:cNvPr id="3" name="Content Placeholder 2">
             <a:extLst>
               <a:ext uri="{FF2B5EF4-FFF2-40B4-BE49-F238E27FC236}">
-                <a16:creationId xmlns:a16="http://schemas.microsoft.com/office/drawing/2014/main" id="{2A7F7255-FF5A-3E07-070B-5076798E71B1}"/>
+                <a16:creationId xmlns:a16="http://schemas.microsoft.com/office/drawing/2014/main" id="{3743249C-4343-A903-E756-77C140FD01E4}"/>
               </a:ext>
             </a:extLst>
           </p:cNvPr>
@@ -4606,61 +4861,88 @@
             <p:ph idx="1"/>
           </p:nvPr>
         </p:nvSpPr>
+        <p:spPr/>
+        <p:txBody>
+          <a:bodyPr/>
+          <a:lstStyle/>
+          <a:p>
+            <a:r>
+              <a:rPr lang="en-US" dirty="0"/>
+              <a:t>If one class is very different from the others, maybe this could be grouped into T/F.</a:t>
+            </a:r>
+          </a:p>
+          <a:p>
+            <a:r>
+              <a:rPr lang="en-US" dirty="0"/>
+              <a:t>If there are small classes with similar distributions, they may be better grouped as “other” (or something). </a:t>
+            </a:r>
+          </a:p>
+        </p:txBody>
+      </p:sp>
+      <p:pic>
+        <p:nvPicPr>
+          <p:cNvPr id="4" name="Picture 3">
+            <a:extLst>
+              <a:ext uri="{FF2B5EF4-FFF2-40B4-BE49-F238E27FC236}">
+                <a16:creationId xmlns:a16="http://schemas.microsoft.com/office/drawing/2014/main" id="{44140DBB-9F8A-CC71-179E-D7AB4CA74DB1}"/>
+              </a:ext>
+            </a:extLst>
+          </p:cNvPr>
+          <p:cNvPicPr>
+            <a:picLocks noChangeAspect="1"/>
+          </p:cNvPicPr>
+          <p:nvPr/>
+        </p:nvPicPr>
+        <p:blipFill>
+          <a:blip r:embed="rId2"/>
+          <a:stretch>
+            <a:fillRect/>
+          </a:stretch>
+        </p:blipFill>
         <p:spPr>
           <a:xfrm>
-            <a:off x="1451579" y="1938130"/>
-            <a:ext cx="9603275" cy="3975653"/>
-          </a:xfrm>
+            <a:off x="123134" y="4117118"/>
+            <a:ext cx="7561917" cy="2554025"/>
+          </a:xfrm>
+          <a:prstGeom prst="rect">
+            <a:avLst/>
+          </a:prstGeom>
         </p:spPr>
-        <p:txBody>
-          <a:bodyPr/>
-          <a:lstStyle/>
-          <a:p>
-            <a:r>
-              <a:rPr lang="en-US" dirty="0"/>
-              <a:t>If there are clear groups in the distribution with a separation between them, maybe that would be better as a categorical. </a:t>
-            </a:r>
-          </a:p>
-          <a:p>
-            <a:r>
-              <a:rPr lang="en-US" dirty="0"/>
-              <a:t>If there is a value that could be converted to a normal distribution (i.e. using a log() function on a log-normal distribution), it may yield better results after. </a:t>
-            </a:r>
-          </a:p>
-          <a:p>
-            <a:pPr lvl="1"/>
-            <a:r>
-              <a:rPr lang="en-US" dirty="0"/>
-              <a:t>Many models (including regression) will usually give better results if inputs are normal-</a:t>
-            </a:r>
-            <a:r>
-              <a:rPr lang="en-US" dirty="0" err="1"/>
-              <a:t>ish</a:t>
-            </a:r>
-            <a:r>
-              <a:rPr lang="en-US" dirty="0"/>
-              <a:t>. </a:t>
-            </a:r>
-          </a:p>
-          <a:p>
-            <a:pPr lvl="1"/>
-            <a:r>
-              <a:rPr lang="en-US" dirty="0"/>
-              <a:t>Other transformations to make things normal are common in stats work. </a:t>
-            </a:r>
-          </a:p>
-          <a:p>
-            <a:pPr marL="0" indent="0">
-              <a:buNone/>
-            </a:pPr>
-            <a:endParaRPr lang="en-US" dirty="0"/>
-          </a:p>
-        </p:txBody>
-      </p:sp>
+      </p:pic>
+      <p:pic>
+        <p:nvPicPr>
+          <p:cNvPr id="5" name="Picture 4">
+            <a:extLst>
+              <a:ext uri="{FF2B5EF4-FFF2-40B4-BE49-F238E27FC236}">
+                <a16:creationId xmlns:a16="http://schemas.microsoft.com/office/drawing/2014/main" id="{D7F6F682-4090-E583-51B6-BE76B9387B9A}"/>
+              </a:ext>
+            </a:extLst>
+          </p:cNvPr>
+          <p:cNvPicPr>
+            <a:picLocks noChangeAspect="1"/>
+          </p:cNvPicPr>
+          <p:nvPr/>
+        </p:nvPicPr>
+        <p:blipFill>
+          <a:blip r:embed="rId3"/>
+          <a:stretch>
+            <a:fillRect/>
+          </a:stretch>
+        </p:blipFill>
+        <p:spPr>
+          <a:xfrm>
+            <a:off x="8656155" y="3343600"/>
+            <a:ext cx="3309180" cy="3514400"/>
+          </a:xfrm>
+          <a:prstGeom prst="rect">
+            <a:avLst/>
+          </a:prstGeom>
+        </p:spPr>
+      </p:pic>
     </p:spTree>
     <p:extLst>
       <p:ext uri="{BB962C8B-B14F-4D97-AF65-F5344CB8AC3E}">
-        <p14:creationId xmlns:p14="http://schemas.microsoft.com/office/powerpoint/2010/main" val="2575253689"/>
+        <p14:creationId xmlns:p14="http://schemas.microsoft.com/office/powerpoint/2010/main" val="2694756622"/>
       </p:ext>
     </p:extLst>
   </p:cSld>
@@ -4692,7 +4974,7 @@
           <p:cNvPr id="2" name="Title 1">
             <a:extLst>
               <a:ext uri="{FF2B5EF4-FFF2-40B4-BE49-F238E27FC236}">
-                <a16:creationId xmlns:a16="http://schemas.microsoft.com/office/drawing/2014/main" id="{5890B87F-9DCD-3CA8-CEE5-63A20554D620}"/>
+                <a16:creationId xmlns:a16="http://schemas.microsoft.com/office/drawing/2014/main" id="{9F362DFF-DA7E-BFD8-9B66-23DE1F98E944}"/>
               </a:ext>
             </a:extLst>
           </p:cNvPr>
@@ -4710,7 +4992,7 @@
           <a:p>
             <a:r>
               <a:rPr lang="en-US" dirty="0"/>
-              <a:t>Process</a:t>
+              <a:t>Some Numerical Things that Could be Changed…</a:t>
             </a:r>
           </a:p>
         </p:txBody>
@@ -4720,7 +5002,7 @@
           <p:cNvPr id="3" name="Content Placeholder 2">
             <a:extLst>
               <a:ext uri="{FF2B5EF4-FFF2-40B4-BE49-F238E27FC236}">
-                <a16:creationId xmlns:a16="http://schemas.microsoft.com/office/drawing/2014/main" id="{D059408A-5663-6562-1668-0145AD12857B}"/>
+                <a16:creationId xmlns:a16="http://schemas.microsoft.com/office/drawing/2014/main" id="{2A7F7255-FF5A-3E07-070B-5076798E71B1}"/>
               </a:ext>
             </a:extLst>
           </p:cNvPr>
@@ -4733,8 +5015,8 @@
         </p:nvSpPr>
         <p:spPr>
           <a:xfrm>
-            <a:off x="1451579" y="1949570"/>
-            <a:ext cx="9603275" cy="4103911"/>
+            <a:off x="1451579" y="1938130"/>
+            <a:ext cx="9603275" cy="3975653"/>
           </a:xfrm>
         </p:spPr>
         <p:txBody>
@@ -4743,62 +5025,96 @@
           <a:p>
             <a:r>
               <a:rPr lang="en-US" dirty="0"/>
-              <a:t>During data exploration, we note if anything looks like it may need to be changed. </a:t>
+              <a:t>If there are clear groups in the distribution with a separation between them, maybe that would be better as a categorical. </a:t>
+            </a:r>
+          </a:p>
+          <a:p>
+            <a:r>
+              <a:rPr lang="en-US" dirty="0"/>
+              <a:t>If there is a value that could be converted to a normal distribution (i.e. using a log() function on a log-normal distribution), it may yield better results after. </a:t>
             </a:r>
           </a:p>
           <a:p>
             <a:pPr lvl="1"/>
             <a:r>
               <a:rPr lang="en-US" dirty="0"/>
-              <a:t>If something is clear, we can just do it right off the top. </a:t>
+              <a:t>Many models (including regression) will usually give better results if inputs are normal-</a:t>
+            </a:r>
+            <a:r>
+              <a:rPr lang="en-US" dirty="0" err="1"/>
+              <a:t>ish</a:t>
+            </a:r>
+            <a:r>
+              <a:rPr lang="en-US" dirty="0"/>
+              <a:t>. </a:t>
             </a:r>
           </a:p>
           <a:p>
             <a:pPr lvl="1"/>
             <a:r>
               <a:rPr lang="en-US" dirty="0"/>
-              <a:t>If something is more of a maybe, then we can hang on to the ideas. </a:t>
-            </a:r>
-          </a:p>
-          <a:p>
-            <a:r>
-              <a:rPr lang="en-US" dirty="0"/>
-              <a:t>Create a model as you would normally and check the performance. </a:t>
-            </a:r>
-          </a:p>
-          <a:p>
-            <a:pPr lvl="1"/>
-            <a:r>
-              <a:rPr lang="en-US" dirty="0"/>
-              <a:t>In particular, check if there is wide variance on the cross-validation results from the grid. </a:t>
-            </a:r>
-          </a:p>
-          <a:p>
-            <a:r>
-              <a:rPr lang="en-US" dirty="0"/>
-              <a:t>Create a copy of the data, make the changes you want to try, and model again. </a:t>
-            </a:r>
-          </a:p>
-          <a:p>
-            <a:pPr lvl="1"/>
-            <a:r>
-              <a:rPr lang="en-US" dirty="0"/>
-              <a:t>If the results are the same or better, then your data changes are definitely good.*</a:t>
-            </a:r>
-          </a:p>
-          <a:p>
-            <a:pPr lvl="1"/>
-            <a:r>
-              <a:rPr lang="en-US" dirty="0"/>
-              <a:t>If the results are a bit worse, then its still debatable. Make some tweaks, then make a judgment depending on the real scenario. </a:t>
-            </a:r>
-          </a:p>
-        </p:txBody>
-      </p:sp>
+              <a:t>Other transformations to make things normal are common in stats work. </a:t>
+            </a:r>
+          </a:p>
+          <a:p>
+            <a:r>
+              <a:rPr lang="en-US" dirty="0"/>
+              <a:t>If there are lots of rows with one value, is that plausible? Is it a placeholder, default, actually a missing value, or something? </a:t>
+            </a:r>
+          </a:p>
+        </p:txBody>
+      </p:sp>
+      <p:pic>
+        <p:nvPicPr>
+          <p:cNvPr id="2050" name="Picture 2" descr="cart - How to engineer a bimodal continuous feature for use in Decision  Tree? - Cross Validated">
+            <a:extLst>
+              <a:ext uri="{FF2B5EF4-FFF2-40B4-BE49-F238E27FC236}">
+                <a16:creationId xmlns:a16="http://schemas.microsoft.com/office/drawing/2014/main" id="{FD0EA725-F732-1175-2BF3-17B112659CA9}"/>
+              </a:ext>
+            </a:extLst>
+          </p:cNvPr>
+          <p:cNvPicPr>
+            <a:picLocks noChangeAspect="1" noChangeArrowheads="1"/>
+          </p:cNvPicPr>
+          <p:nvPr/>
+        </p:nvPicPr>
+        <p:blipFill>
+          <a:blip r:embed="rId2">
+            <a:extLst>
+              <a:ext uri="{28A0092B-C50C-407E-A947-70E740481C1C}">
+                <a14:useLocalDpi xmlns:a14="http://schemas.microsoft.com/office/drawing/2010/main" val="0"/>
+              </a:ext>
+            </a:extLst>
+          </a:blip>
+          <a:srcRect/>
+          <a:stretch>
+            <a:fillRect/>
+          </a:stretch>
+        </p:blipFill>
+        <p:spPr bwMode="auto">
+          <a:xfrm>
+            <a:off x="8897510" y="4853766"/>
+            <a:ext cx="3294490" cy="2004233"/>
+          </a:xfrm>
+          <a:prstGeom prst="rect">
+            <a:avLst/>
+          </a:prstGeom>
+          <a:noFill/>
+          <a:extLst>
+            <a:ext uri="{909E8E84-426E-40DD-AFC4-6F175D3DCCD1}">
+              <a14:hiddenFill xmlns:a14="http://schemas.microsoft.com/office/drawing/2010/main">
+                <a:solidFill>
+                  <a:srgbClr val="FFFFFF"/>
+                </a:solidFill>
+              </a14:hiddenFill>
+            </a:ext>
+          </a:extLst>
+        </p:spPr>
+      </p:pic>
     </p:spTree>
     <p:extLst>
       <p:ext uri="{BB962C8B-B14F-4D97-AF65-F5344CB8AC3E}">
-        <p14:creationId xmlns:p14="http://schemas.microsoft.com/office/powerpoint/2010/main" val="1269819477"/>
+        <p14:creationId xmlns:p14="http://schemas.microsoft.com/office/powerpoint/2010/main" val="2575253689"/>
       </p:ext>
     </p:extLst>
   </p:cSld>

--- a/course_resources/slides/Used/018_regression_review_stats.pptx
+++ b/course_resources/slides/Used/018_regression_review_stats.pptx
@@ -5,17 +5,20 @@
     <p:sldMasterId id="2147483660" r:id="rId1"/>
   </p:sldMasterIdLst>
   <p:sldIdLst>
-    <p:sldId id="256" r:id="rId2"/>
-    <p:sldId id="257" r:id="rId3"/>
-    <p:sldId id="258" r:id="rId4"/>
-    <p:sldId id="264" r:id="rId5"/>
-    <p:sldId id="265" r:id="rId6"/>
-    <p:sldId id="266" r:id="rId7"/>
-    <p:sldId id="259" r:id="rId8"/>
-    <p:sldId id="260" r:id="rId9"/>
-    <p:sldId id="261" r:id="rId10"/>
-    <p:sldId id="263" r:id="rId11"/>
-    <p:sldId id="262" r:id="rId12"/>
+    <p:sldId id="267" r:id="rId2"/>
+    <p:sldId id="268" r:id="rId3"/>
+    <p:sldId id="256" r:id="rId4"/>
+    <p:sldId id="257" r:id="rId5"/>
+    <p:sldId id="258" r:id="rId6"/>
+    <p:sldId id="264" r:id="rId7"/>
+    <p:sldId id="265" r:id="rId8"/>
+    <p:sldId id="266" r:id="rId9"/>
+    <p:sldId id="269" r:id="rId10"/>
+    <p:sldId id="259" r:id="rId11"/>
+    <p:sldId id="260" r:id="rId12"/>
+    <p:sldId id="261" r:id="rId13"/>
+    <p:sldId id="263" r:id="rId14"/>
+    <p:sldId id="262" r:id="rId15"/>
   </p:sldIdLst>
   <p:sldSz cx="12192000" cy="6858000"/>
   <p:notesSz cx="6858000" cy="9144000"/>
@@ -115,6 +118,678 @@
     </a:lvl9pPr>
   </p:defaultTextStyle>
 </p:presentation>
+</file>
+
+<file path=ppt/ink/ink1.xml><?xml version="1.0" encoding="utf-8"?>
+<inkml:ink xmlns:inkml="http://www.w3.org/2003/InkML">
+  <inkml:definitions>
+    <inkml:context xml:id="ctx0">
+      <inkml:inkSource xml:id="inkSrc0">
+        <inkml:traceFormat>
+          <inkml:channel name="X" type="integer" min="-2.14748E9" max="2.14748E9" units="cm"/>
+          <inkml:channel name="Y" type="integer" min="-2.14748E9" max="2.14748E9" units="cm"/>
+          <inkml:channel name="F" type="integer" max="32767" units="dev"/>
+        </inkml:traceFormat>
+        <inkml:channelProperties>
+          <inkml:channelProperty channel="X" name="resolution" value="1000" units="1/cm"/>
+          <inkml:channelProperty channel="Y" name="resolution" value="1000" units="1/cm"/>
+          <inkml:channelProperty channel="F" name="resolution" value="0" units="1/dev"/>
+        </inkml:channelProperties>
+      </inkml:inkSource>
+      <inkml:timestamp xml:id="ts0" timeString="2024-03-21T16:15:50.366"/>
+    </inkml:context>
+    <inkml:brush xml:id="br0">
+      <inkml:brushProperty name="width" value="0.1" units="cm"/>
+      <inkml:brushProperty name="height" value="0.1" units="cm"/>
+      <inkml:brushProperty name="color" value="#E71224"/>
+    </inkml:brush>
+  </inkml:definitions>
+  <inkml:trace contextRef="#ctx0" brushRef="#br0">0 9 24575,'19'0'0,"-5"0"0,-1 0 0,-4 0 0,16-4 0,16 3 0,-9-3 0,6 4 0,-21 0 0,-6 0 0,22 4 0,-20-3 0,16 7 0,-19-7 0,8 3 0,-8-4 0,3 0 0,-4 0 0,0 0 0,0 0 0,-4 0 0,-1 0 0</inkml:trace>
+</inkml:ink>
+</file>
+
+<file path=ppt/ink/ink10.xml><?xml version="1.0" encoding="utf-8"?>
+<inkml:ink xmlns:inkml="http://www.w3.org/2003/InkML">
+  <inkml:definitions>
+    <inkml:context xml:id="ctx0">
+      <inkml:inkSource xml:id="inkSrc0">
+        <inkml:traceFormat>
+          <inkml:channel name="X" type="integer" min="-2.14748E9" max="2.14748E9" units="cm"/>
+          <inkml:channel name="Y" type="integer" min="-2.14748E9" max="2.14748E9" units="cm"/>
+          <inkml:channel name="F" type="integer" max="32767" units="dev"/>
+        </inkml:traceFormat>
+        <inkml:channelProperties>
+          <inkml:channelProperty channel="X" name="resolution" value="1000" units="1/cm"/>
+          <inkml:channelProperty channel="Y" name="resolution" value="1000" units="1/cm"/>
+          <inkml:channelProperty channel="F" name="resolution" value="0" units="1/dev"/>
+        </inkml:channelProperties>
+      </inkml:inkSource>
+      <inkml:timestamp xml:id="ts0" timeString="2024-03-21T16:21:51.151"/>
+    </inkml:context>
+    <inkml:brush xml:id="br0">
+      <inkml:brushProperty name="width" value="0.1" units="cm"/>
+      <inkml:brushProperty name="height" value="0.1" units="cm"/>
+      <inkml:brushProperty name="color" value="#E71224"/>
+    </inkml:brush>
+  </inkml:definitions>
+  <inkml:trace contextRef="#ctx0" brushRef="#br0">180 1 24575,'-4'26'0,"3"-10"0,-7 5 0,-17 43 0,11-37 0,-11 39 0,9-13 0,9-30-3392,-9 27 0,-1 2 3392,8-27 0,-19 64 0,26-65 0,-6 11 0,8-23 0</inkml:trace>
+</inkml:ink>
+</file>
+
+<file path=ppt/ink/ink11.xml><?xml version="1.0" encoding="utf-8"?>
+<inkml:ink xmlns:inkml="http://www.w3.org/2003/InkML">
+  <inkml:definitions>
+    <inkml:context xml:id="ctx0">
+      <inkml:inkSource xml:id="inkSrc0">
+        <inkml:traceFormat>
+          <inkml:channel name="X" type="integer" min="-2.14748E9" max="2.14748E9" units="cm"/>
+          <inkml:channel name="Y" type="integer" min="-2.14748E9" max="2.14748E9" units="cm"/>
+          <inkml:channel name="F" type="integer" max="32767" units="dev"/>
+        </inkml:traceFormat>
+        <inkml:channelProperties>
+          <inkml:channelProperty channel="X" name="resolution" value="1000" units="1/cm"/>
+          <inkml:channelProperty channel="Y" name="resolution" value="1000" units="1/cm"/>
+          <inkml:channelProperty channel="F" name="resolution" value="0" units="1/dev"/>
+        </inkml:channelProperties>
+      </inkml:inkSource>
+      <inkml:timestamp xml:id="ts0" timeString="2024-03-21T16:21:51.950"/>
+    </inkml:context>
+    <inkml:brush xml:id="br0">
+      <inkml:brushProperty name="width" value="0.1" units="cm"/>
+      <inkml:brushProperty name="height" value="0.1" units="cm"/>
+      <inkml:brushProperty name="color" value="#E71224"/>
+    </inkml:brush>
+  </inkml:definitions>
+  <inkml:trace contextRef="#ctx0" brushRef="#br0">1 1 24575,'18'0'0,"-4"0"0,-1 0 0,-4 0 0,0 0 0,0 0 0,-4 4 0,11-3 0,-9 3 0,10-4 0,-12 4 0,32 5 0,-25 1 0,33 3 0,-22-4 0,-3 0 0,30 4 0,-38-3 0,52 2 0,-52-7 0,42 3 0,-41-7 0,20 3 0,-22-4 0,18 0 0,-5-4 0,0 3 0,-2-7 0,-13 7 0,0-7 0,-4 7 0,-1-3 0</inkml:trace>
+</inkml:ink>
+</file>
+
+<file path=ppt/ink/ink12.xml><?xml version="1.0" encoding="utf-8"?>
+<inkml:ink xmlns:inkml="http://www.w3.org/2003/InkML">
+  <inkml:definitions>
+    <inkml:context xml:id="ctx0">
+      <inkml:inkSource xml:id="inkSrc0">
+        <inkml:traceFormat>
+          <inkml:channel name="X" type="integer" min="-2.14748E9" max="2.14748E9" units="cm"/>
+          <inkml:channel name="Y" type="integer" min="-2.14748E9" max="2.14748E9" units="cm"/>
+          <inkml:channel name="F" type="integer" max="32767" units="dev"/>
+        </inkml:traceFormat>
+        <inkml:channelProperties>
+          <inkml:channelProperty channel="X" name="resolution" value="1000" units="1/cm"/>
+          <inkml:channelProperty channel="Y" name="resolution" value="1000" units="1/cm"/>
+          <inkml:channelProperty channel="F" name="resolution" value="0" units="1/dev"/>
+        </inkml:channelProperties>
+      </inkml:inkSource>
+      <inkml:timestamp xml:id="ts0" timeString="2024-03-21T16:21:52.954"/>
+    </inkml:context>
+    <inkml:brush xml:id="br0">
+      <inkml:brushProperty name="width" value="0.1" units="cm"/>
+      <inkml:brushProperty name="height" value="0.1" units="cm"/>
+      <inkml:brushProperty name="color" value="#E71224"/>
+    </inkml:brush>
+  </inkml:definitions>
+  <inkml:trace contextRef="#ctx0" brushRef="#br0">1 1 24575,'13'9'0,"-3"-4"0,31 11 0,-25-13 0,22 9 0,-9-4 0,-15-6 0,43 14 0,-41-14 0,38 10 0,-41-11 0,12 3 0,-16-4 0,-4 0 0,-1 0 0</inkml:trace>
+</inkml:ink>
+</file>
+
+<file path=ppt/ink/ink13.xml><?xml version="1.0" encoding="utf-8"?>
+<inkml:ink xmlns:inkml="http://www.w3.org/2003/InkML">
+  <inkml:definitions>
+    <inkml:context xml:id="ctx0">
+      <inkml:inkSource xml:id="inkSrc0">
+        <inkml:traceFormat>
+          <inkml:channel name="X" type="integer" min="-2.14748E9" max="2.14748E9" units="cm"/>
+          <inkml:channel name="Y" type="integer" min="-2.14748E9" max="2.14748E9" units="cm"/>
+          <inkml:channel name="F" type="integer" max="32767" units="dev"/>
+        </inkml:traceFormat>
+        <inkml:channelProperties>
+          <inkml:channelProperty channel="X" name="resolution" value="1000" units="1/cm"/>
+          <inkml:channelProperty channel="Y" name="resolution" value="1000" units="1/cm"/>
+          <inkml:channelProperty channel="F" name="resolution" value="0" units="1/dev"/>
+        </inkml:channelProperties>
+      </inkml:inkSource>
+      <inkml:timestamp xml:id="ts0" timeString="2024-03-21T16:21:53.641"/>
+    </inkml:context>
+    <inkml:brush xml:id="br0">
+      <inkml:brushProperty name="width" value="0.1" units="cm"/>
+      <inkml:brushProperty name="height" value="0.1" units="cm"/>
+      <inkml:brushProperty name="color" value="#E71224"/>
+    </inkml:brush>
+  </inkml:definitions>
+  <inkml:trace contextRef="#ctx0" brushRef="#br0">0 10 24575,'14'0'0,"-1"0"0,-4 0 0,1 0 0,-1 0 0,-4-4 0,23 3 0,-18-3 0,31 4 0,-29 0 0,17 0 0,-13 0 0,2 0 0,-5 0 0,-4 0 0,-4 4 0,3-3 0,1 3 0,1-4 0,3 0 0,0 0 0,-3 0 0,3 0 0,-8 4 0,3-3 0,-7 3 0,3-4 0</inkml:trace>
+</inkml:ink>
+</file>
+
+<file path=ppt/ink/ink14.xml><?xml version="1.0" encoding="utf-8"?>
+<inkml:ink xmlns:inkml="http://www.w3.org/2003/InkML">
+  <inkml:definitions>
+    <inkml:context xml:id="ctx0">
+      <inkml:inkSource xml:id="inkSrc0">
+        <inkml:traceFormat>
+          <inkml:channel name="X" type="integer" min="-2.14748E9" max="2.14748E9" units="cm"/>
+          <inkml:channel name="Y" type="integer" min="-2.14748E9" max="2.14748E9" units="cm"/>
+          <inkml:channel name="F" type="integer" max="32767" units="dev"/>
+        </inkml:traceFormat>
+        <inkml:channelProperties>
+          <inkml:channelProperty channel="X" name="resolution" value="1000" units="1/cm"/>
+          <inkml:channelProperty channel="Y" name="resolution" value="1000" units="1/cm"/>
+          <inkml:channelProperty channel="F" name="resolution" value="0" units="1/dev"/>
+        </inkml:channelProperties>
+      </inkml:inkSource>
+      <inkml:timestamp xml:id="ts0" timeString="2024-03-21T16:21:54.301"/>
+    </inkml:context>
+    <inkml:brush xml:id="br0">
+      <inkml:brushProperty name="width" value="0.1" units="cm"/>
+      <inkml:brushProperty name="height" value="0.1" units="cm"/>
+      <inkml:brushProperty name="color" value="#E71224"/>
+    </inkml:brush>
+  </inkml:definitions>
+  <inkml:trace contextRef="#ctx0" brushRef="#br0">153 1 24575,'0'14'0,"0"-1"0,0-4 0,0 4 0,0-3 0,0 3 0,0-4 0,-8 24 0,-2-11 0,0 17 0,-2-25 0,7 10 0,-8-4 0,-13 44 0,13-33 0,-19 50 0,29-60 0,-13 36 0,15-40 0,-3 8 0,4-16 0,0-4 0,0-1 0</inkml:trace>
+</inkml:ink>
+</file>
+
+<file path=ppt/ink/ink15.xml><?xml version="1.0" encoding="utf-8"?>
+<inkml:ink xmlns:inkml="http://www.w3.org/2003/InkML">
+  <inkml:definitions>
+    <inkml:context xml:id="ctx0">
+      <inkml:inkSource xml:id="inkSrc0">
+        <inkml:traceFormat>
+          <inkml:channel name="X" type="integer" min="-2.14748E9" max="2.14748E9" units="cm"/>
+          <inkml:channel name="Y" type="integer" min="-2.14748E9" max="2.14748E9" units="cm"/>
+          <inkml:channel name="F" type="integer" max="32767" units="dev"/>
+        </inkml:traceFormat>
+        <inkml:channelProperties>
+          <inkml:channelProperty channel="X" name="resolution" value="1000" units="1/cm"/>
+          <inkml:channelProperty channel="Y" name="resolution" value="1000" units="1/cm"/>
+          <inkml:channelProperty channel="F" name="resolution" value="0" units="1/dev"/>
+        </inkml:channelProperties>
+      </inkml:inkSource>
+      <inkml:timestamp xml:id="ts0" timeString="2024-03-21T16:21:55.453"/>
+    </inkml:context>
+    <inkml:brush xml:id="br0">
+      <inkml:brushProperty name="width" value="0.1" units="cm"/>
+      <inkml:brushProperty name="height" value="0.1" units="cm"/>
+      <inkml:brushProperty name="color" value="#E71224"/>
+    </inkml:brush>
+  </inkml:definitions>
+  <inkml:trace contextRef="#ctx0" brushRef="#br0">1 1 24575,'14'28'0,"-5"-7"0,-5-8 0,-4-4 0,12 24 0,-9-14-8503,21 43 8503,-17-42-193,18 49 193,-18-52-748,13 44 748,-14-51 0,8 37 0,-9-37 0,7 35 0,-10-32 5466,10 20-5466,-11-22 2676,3 6-2676,-4-8 1302,0 4-1302,0-3 0,0 3 0,4 0 0,-3-3 0,3 7 0,0-11 0,-3 6 0,3-7 0,0 0 0,1-5 0,0-5 0,15-33 0,-12 18-6784,33-58 6784,-26 55-1256,11-25 0,1 2 1256,-12 26-1680,30-62 1680,-33 66 0,18-37 0,-19 40 0,14-32 0,-18 30 4707,13-18-4707,-18 23 0,10 1 3192,-7-3-3192,4 6 0,-4-3 0,-1 5 0</inkml:trace>
+</inkml:ink>
+</file>
+
+<file path=ppt/ink/ink16.xml><?xml version="1.0" encoding="utf-8"?>
+<inkml:ink xmlns:inkml="http://www.w3.org/2003/InkML">
+  <inkml:definitions>
+    <inkml:context xml:id="ctx0">
+      <inkml:inkSource xml:id="inkSrc0">
+        <inkml:traceFormat>
+          <inkml:channel name="X" type="integer" min="-2.14748E9" max="2.14748E9" units="cm"/>
+          <inkml:channel name="Y" type="integer" min="-2.14748E9" max="2.14748E9" units="cm"/>
+          <inkml:channel name="F" type="integer" max="32767" units="dev"/>
+        </inkml:traceFormat>
+        <inkml:channelProperties>
+          <inkml:channelProperty channel="X" name="resolution" value="1000" units="1/cm"/>
+          <inkml:channelProperty channel="Y" name="resolution" value="1000" units="1/cm"/>
+          <inkml:channelProperty channel="F" name="resolution" value="0" units="1/dev"/>
+        </inkml:channelProperties>
+      </inkml:inkSource>
+      <inkml:timestamp xml:id="ts0" timeString="2024-03-21T16:21:56.128"/>
+    </inkml:context>
+    <inkml:brush xml:id="br0">
+      <inkml:brushProperty name="width" value="0.1" units="cm"/>
+      <inkml:brushProperty name="height" value="0.1" units="cm"/>
+      <inkml:brushProperty name="color" value="#E71224"/>
+    </inkml:brush>
+  </inkml:definitions>
+  <inkml:trace contextRef="#ctx0" brushRef="#br0">9 0 24575,'13'21'0,"-7"-9"0,6 9 0,-7-4 0,0-6 0,-1 6 0,-4-8 0,0 0 0,4 0 0,-3 0 0,7 16 0,-7-12 0,7 39 0,-7-36 0,-1 61 0,-1-58 0,-11 70 0,10-70 0,-18 61 0,17-63 0,-13 40 0,15-44 0,-3 12 0,0-20 0,3 3 0,-3-3 0,4 4 0,0 0 0,-3-4 0,2 7 0,-3-6 0,4 7 0,0-8 0,0-1 0</inkml:trace>
+</inkml:ink>
+</file>
+
+<file path=ppt/ink/ink17.xml><?xml version="1.0" encoding="utf-8"?>
+<inkml:ink xmlns:inkml="http://www.w3.org/2003/InkML">
+  <inkml:definitions>
+    <inkml:context xml:id="ctx0">
+      <inkml:inkSource xml:id="inkSrc0">
+        <inkml:traceFormat>
+          <inkml:channel name="X" type="integer" min="-2.14748E9" max="2.14748E9" units="cm"/>
+          <inkml:channel name="Y" type="integer" min="-2.14748E9" max="2.14748E9" units="cm"/>
+          <inkml:channel name="F" type="integer" max="32767" units="dev"/>
+        </inkml:traceFormat>
+        <inkml:channelProperties>
+          <inkml:channelProperty channel="X" name="resolution" value="1000" units="1/cm"/>
+          <inkml:channelProperty channel="Y" name="resolution" value="1000" units="1/cm"/>
+          <inkml:channelProperty channel="F" name="resolution" value="0" units="1/dev"/>
+        </inkml:channelProperties>
+      </inkml:inkSource>
+      <inkml:timestamp xml:id="ts0" timeString="2024-03-21T16:21:57.472"/>
+    </inkml:context>
+    <inkml:brush xml:id="br0">
+      <inkml:brushProperty name="width" value="0.1" units="cm"/>
+      <inkml:brushProperty name="height" value="0.1" units="cm"/>
+      <inkml:brushProperty name="color" value="#E71224"/>
+    </inkml:brush>
+  </inkml:definitions>
+  <inkml:trace contextRef="#ctx0" brushRef="#br0">0 10 24575,'9'-5'0,"8"1"0,-5 4 0,5 0 0,-8 4 0,8 8 0,-6-5 0,18 21 0,-21-20 0,24 17 0,-28-15 0,29 7 0,-25-11 0,17 6 0,-19-7 0,14 4 0,-17 0 0,13-4 0,-15 3 0,7-7 0,-7 7 0,7-3 0,-3 4 0,8 8 0,1 2 0,-3 0 0,1-2 0,-3 0 0,-3-6 0,2 10 0,-4-3-6784,1 20 6784,0-15-2615,-1 38 2615,-4-45-322,0 45 322,-4-46 0,3 34 0,-3-36 0,-4 28 0,2-32 0,-7 26 0,4-31 5329,4 16-5329,-3-19 3795,7 7-3795,-7-7 597,3 7-597,-4-3 0,0 4 0,0-4 0,4 3 0,-3-3 0,3 0 0,-4 3 0,0-7 0,0 3 0,0 0 0,0-3 0,0 7 0,0-7 0,0 3 0,4 0 0,-3-3 0,3 3 0,-3-4 0,-9 4 0,10 1 0,-9 0 0,11-1 0,-4-4 0,0 0 0,0 0 0,4 4 0,-3-3 0,3 3 0,-4-4 0,4 4 0,-3-3 0,3 3 0,-4-4 0,4 0 0,1 0 0</inkml:trace>
+</inkml:ink>
+</file>
+
+<file path=ppt/ink/ink18.xml><?xml version="1.0" encoding="utf-8"?>
+<inkml:ink xmlns:inkml="http://www.w3.org/2003/InkML">
+  <inkml:definitions>
+    <inkml:context xml:id="ctx0">
+      <inkml:inkSource xml:id="inkSrc0">
+        <inkml:traceFormat>
+          <inkml:channel name="X" type="integer" min="-2.14748E9" max="2.14748E9" units="cm"/>
+          <inkml:channel name="Y" type="integer" min="-2.14748E9" max="2.14748E9" units="cm"/>
+          <inkml:channel name="F" type="integer" max="32767" units="dev"/>
+        </inkml:traceFormat>
+        <inkml:channelProperties>
+          <inkml:channelProperty channel="X" name="resolution" value="1000" units="1/cm"/>
+          <inkml:channelProperty channel="Y" name="resolution" value="1000" units="1/cm"/>
+          <inkml:channelProperty channel="F" name="resolution" value="0" units="1/dev"/>
+        </inkml:channelProperties>
+      </inkml:inkSource>
+      <inkml:timestamp xml:id="ts0" timeString="2024-03-21T16:22:39.261"/>
+    </inkml:context>
+    <inkml:brush xml:id="br0">
+      <inkml:brushProperty name="width" value="0.1" units="cm"/>
+      <inkml:brushProperty name="height" value="0.1" units="cm"/>
+      <inkml:brushProperty name="color" value="#004F8B"/>
+    </inkml:brush>
+  </inkml:definitions>
+  <inkml:trace contextRef="#ctx0" brushRef="#br0">1 45 24575,'14'-5'0,"3"-3"0,-7 7 0,7-7 0,-7 7 0,3-3 0,-4 4 0,-4-4 0,3 3 0,-3-3 0,0 0 0,3 3 0,-7-3 0,3 4 0</inkml:trace>
+</inkml:ink>
+</file>
+
+<file path=ppt/ink/ink19.xml><?xml version="1.0" encoding="utf-8"?>
+<inkml:ink xmlns:inkml="http://www.w3.org/2003/InkML">
+  <inkml:definitions>
+    <inkml:context xml:id="ctx0">
+      <inkml:inkSource xml:id="inkSrc0">
+        <inkml:traceFormat>
+          <inkml:channel name="X" type="integer" min="-2.14748E9" max="2.14748E9" units="cm"/>
+          <inkml:channel name="Y" type="integer" min="-2.14748E9" max="2.14748E9" units="cm"/>
+          <inkml:channel name="F" type="integer" max="32767" units="dev"/>
+        </inkml:traceFormat>
+        <inkml:channelProperties>
+          <inkml:channelProperty channel="X" name="resolution" value="1000" units="1/cm"/>
+          <inkml:channelProperty channel="Y" name="resolution" value="1000" units="1/cm"/>
+          <inkml:channelProperty channel="F" name="resolution" value="0" units="1/dev"/>
+        </inkml:channelProperties>
+      </inkml:inkSource>
+      <inkml:timestamp xml:id="ts0" timeString="2024-03-21T16:22:40"/>
+    </inkml:context>
+    <inkml:brush xml:id="br0">
+      <inkml:brushProperty name="width" value="0.1" units="cm"/>
+      <inkml:brushProperty name="height" value="0.1" units="cm"/>
+      <inkml:brushProperty name="color" value="#004F8B"/>
+    </inkml:brush>
+  </inkml:definitions>
+  <inkml:trace contextRef="#ctx0" brushRef="#br0">1 28 24575,'14'0'0,"-1"-4"0,-4 3 0,0-3 0,0 0 0,0 3 0,0-3 0,-4 0 0,3 3 0,-3-3 0,0 4 0,-1 0 0</inkml:trace>
+</inkml:ink>
+</file>
+
+<file path=ppt/ink/ink2.xml><?xml version="1.0" encoding="utf-8"?>
+<inkml:ink xmlns:inkml="http://www.w3.org/2003/InkML">
+  <inkml:definitions>
+    <inkml:context xml:id="ctx0">
+      <inkml:inkSource xml:id="inkSrc0">
+        <inkml:traceFormat>
+          <inkml:channel name="X" type="integer" min="-2.14748E9" max="2.14748E9" units="cm"/>
+          <inkml:channel name="Y" type="integer" min="-2.14748E9" max="2.14748E9" units="cm"/>
+          <inkml:channel name="F" type="integer" max="32767" units="dev"/>
+        </inkml:traceFormat>
+        <inkml:channelProperties>
+          <inkml:channelProperty channel="X" name="resolution" value="1000" units="1/cm"/>
+          <inkml:channelProperty channel="Y" name="resolution" value="1000" units="1/cm"/>
+          <inkml:channelProperty channel="F" name="resolution" value="0" units="1/dev"/>
+        </inkml:channelProperties>
+      </inkml:inkSource>
+      <inkml:timestamp xml:id="ts0" timeString="2024-03-21T16:15:52.289"/>
+    </inkml:context>
+    <inkml:brush xml:id="br0">
+      <inkml:brushProperty name="width" value="0.1" units="cm"/>
+      <inkml:brushProperty name="height" value="0.1" units="cm"/>
+      <inkml:brushProperty name="color" value="#E71224"/>
+    </inkml:brush>
+  </inkml:definitions>
+  <inkml:trace contextRef="#ctx0" brushRef="#br0">0 36 24575,'10'-4'0,"2"3"0,-3-3 0,-3 0 0,6 3 0,-7-3 0,5 4 0,-1-4 0,0 3 0,4-3 0,-3 0 0,3 3 0,-4-3 0,4 4 0,-3 0 0,3 0 0,-4 0 0,0 0 0,0 0 0,0 0 0,0 0 0,-4 0 0,0 0 0</inkml:trace>
+</inkml:ink>
+</file>
+
+<file path=ppt/ink/ink20.xml><?xml version="1.0" encoding="utf-8"?>
+<inkml:ink xmlns:inkml="http://www.w3.org/2003/InkML">
+  <inkml:definitions>
+    <inkml:context xml:id="ctx0">
+      <inkml:inkSource xml:id="inkSrc0">
+        <inkml:traceFormat>
+          <inkml:channel name="X" type="integer" min="-2.14748E9" max="2.14748E9" units="cm"/>
+          <inkml:channel name="Y" type="integer" min="-2.14748E9" max="2.14748E9" units="cm"/>
+          <inkml:channel name="F" type="integer" max="32767" units="dev"/>
+        </inkml:traceFormat>
+        <inkml:channelProperties>
+          <inkml:channelProperty channel="X" name="resolution" value="1000" units="1/cm"/>
+          <inkml:channelProperty channel="Y" name="resolution" value="1000" units="1/cm"/>
+          <inkml:channelProperty channel="F" name="resolution" value="0" units="1/dev"/>
+        </inkml:channelProperties>
+      </inkml:inkSource>
+      <inkml:timestamp xml:id="ts0" timeString="2024-03-21T16:22:45.924"/>
+    </inkml:context>
+    <inkml:brush xml:id="br0">
+      <inkml:brushProperty name="width" value="0.1" units="cm"/>
+      <inkml:brushProperty name="height" value="0.1" units="cm"/>
+      <inkml:brushProperty name="color" value="#004F8B"/>
+    </inkml:brush>
+  </inkml:definitions>
+  <inkml:trace contextRef="#ctx0" brushRef="#br0">1 1 24575,'18'0'0,"-4"0"0,-1 0 0,-4 0 0,-4 0 0,-1 0 0</inkml:trace>
+</inkml:ink>
+</file>
+
+<file path=ppt/ink/ink21.xml><?xml version="1.0" encoding="utf-8"?>
+<inkml:ink xmlns:inkml="http://www.w3.org/2003/InkML">
+  <inkml:definitions>
+    <inkml:context xml:id="ctx0">
+      <inkml:inkSource xml:id="inkSrc0">
+        <inkml:traceFormat>
+          <inkml:channel name="X" type="integer" min="-2.14748E9" max="2.14748E9" units="cm"/>
+          <inkml:channel name="Y" type="integer" min="-2.14748E9" max="2.14748E9" units="cm"/>
+          <inkml:channel name="F" type="integer" max="32767" units="dev"/>
+        </inkml:traceFormat>
+        <inkml:channelProperties>
+          <inkml:channelProperty channel="X" name="resolution" value="1000" units="1/cm"/>
+          <inkml:channelProperty channel="Y" name="resolution" value="1000" units="1/cm"/>
+          <inkml:channelProperty channel="F" name="resolution" value="0" units="1/dev"/>
+        </inkml:channelProperties>
+      </inkml:inkSource>
+      <inkml:timestamp xml:id="ts0" timeString="2024-03-21T16:22:47.140"/>
+    </inkml:context>
+    <inkml:brush xml:id="br0">
+      <inkml:brushProperty name="width" value="0.1" units="cm"/>
+      <inkml:brushProperty name="height" value="0.1" units="cm"/>
+      <inkml:brushProperty name="color" value="#004F8B"/>
+    </inkml:brush>
+  </inkml:definitions>
+  <inkml:trace contextRef="#ctx0" brushRef="#br0">0 46 24575,'14'0'0,"-5"-4"0,-1 3 0,-3-3 0,5 4 0,-1-4 0,0 3 0,0-3 0,-4 0 0,7 3 0,-10-7 0,10 7 0,-11-8 0,3 8 0,-4-3 0</inkml:trace>
+</inkml:ink>
+</file>
+
+<file path=ppt/ink/ink22.xml><?xml version="1.0" encoding="utf-8"?>
+<inkml:ink xmlns:inkml="http://www.w3.org/2003/InkML">
+  <inkml:definitions>
+    <inkml:context xml:id="ctx0">
+      <inkml:inkSource xml:id="inkSrc0">
+        <inkml:traceFormat>
+          <inkml:channel name="X" type="integer" min="-2.14748E9" max="2.14748E9" units="cm"/>
+          <inkml:channel name="Y" type="integer" min="-2.14748E9" max="2.14748E9" units="cm"/>
+          <inkml:channel name="F" type="integer" max="32767" units="dev"/>
+        </inkml:traceFormat>
+        <inkml:channelProperties>
+          <inkml:channelProperty channel="X" name="resolution" value="1000" units="1/cm"/>
+          <inkml:channelProperty channel="Y" name="resolution" value="1000" units="1/cm"/>
+          <inkml:channelProperty channel="F" name="resolution" value="0" units="1/dev"/>
+        </inkml:channelProperties>
+      </inkml:inkSource>
+      <inkml:timestamp xml:id="ts0" timeString="2024-03-21T16:23:10.726"/>
+    </inkml:context>
+    <inkml:brush xml:id="br0">
+      <inkml:brushProperty name="width" value="0.1" units="cm"/>
+      <inkml:brushProperty name="height" value="0.1" units="cm"/>
+      <inkml:brushProperty name="color" value="#004F8B"/>
+    </inkml:brush>
+  </inkml:definitions>
+  <inkml:trace contextRef="#ctx0" brushRef="#br0">1 54 24575,'11'-4'0,"14"-10"0,-10 12 0,9-8 0,-16 10 0,-4-4 0,3 3 0,-3-2 0,4 3 0,-1-3 0,1 2 0,-1-2 0,1 3 0,-1 0 0,1 0 0,0 0 0,-1-4 0,1 3 0,-4-2 0,-1 3 0</inkml:trace>
+</inkml:ink>
+</file>
+
+<file path=ppt/ink/ink23.xml><?xml version="1.0" encoding="utf-8"?>
+<inkml:ink xmlns:inkml="http://www.w3.org/2003/InkML">
+  <inkml:definitions>
+    <inkml:context xml:id="ctx0">
+      <inkml:inkSource xml:id="inkSrc0">
+        <inkml:traceFormat>
+          <inkml:channel name="X" type="integer" min="-2.14748E9" max="2.14748E9" units="cm"/>
+          <inkml:channel name="Y" type="integer" min="-2.14748E9" max="2.14748E9" units="cm"/>
+          <inkml:channel name="F" type="integer" max="32767" units="dev"/>
+        </inkml:traceFormat>
+        <inkml:channelProperties>
+          <inkml:channelProperty channel="X" name="resolution" value="1000" units="1/cm"/>
+          <inkml:channelProperty channel="Y" name="resolution" value="1000" units="1/cm"/>
+          <inkml:channelProperty channel="F" name="resolution" value="0" units="1/dev"/>
+        </inkml:channelProperties>
+      </inkml:inkSource>
+      <inkml:timestamp xml:id="ts0" timeString="2024-03-21T16:23:12.170"/>
+    </inkml:context>
+    <inkml:brush xml:id="br0">
+      <inkml:brushProperty name="width" value="0.1" units="cm"/>
+      <inkml:brushProperty name="height" value="0.1" units="cm"/>
+      <inkml:brushProperty name="color" value="#004F8B"/>
+    </inkml:brush>
+  </inkml:definitions>
+  <inkml:trace contextRef="#ctx0" brushRef="#br0">0 8 24575,'12'0'0,"-1"0"0,-7-4 0,3 4 0,-3-4 0,4 4 0,3 0 0,-3 0 0,3 0 0,3 0 0,-5 0 0,22 0 0,-19 0 0,16 0 0,-20 0 0,6 0 0,-5 0 0,-2 0 0,-3 0 0</inkml:trace>
+</inkml:ink>
+</file>
+
+<file path=ppt/ink/ink24.xml><?xml version="1.0" encoding="utf-8"?>
+<inkml:ink xmlns:inkml="http://www.w3.org/2003/InkML">
+  <inkml:definitions>
+    <inkml:context xml:id="ctx0">
+      <inkml:inkSource xml:id="inkSrc0">
+        <inkml:traceFormat>
+          <inkml:channel name="X" type="integer" min="-2.14748E9" max="2.14748E9" units="cm"/>
+          <inkml:channel name="Y" type="integer" min="-2.14748E9" max="2.14748E9" units="cm"/>
+          <inkml:channel name="F" type="integer" max="32767" units="dev"/>
+        </inkml:traceFormat>
+        <inkml:channelProperties>
+          <inkml:channelProperty channel="X" name="resolution" value="1000" units="1/cm"/>
+          <inkml:channelProperty channel="Y" name="resolution" value="1000" units="1/cm"/>
+          <inkml:channelProperty channel="F" name="resolution" value="0" units="1/dev"/>
+        </inkml:channelProperties>
+      </inkml:inkSource>
+      <inkml:timestamp xml:id="ts0" timeString="2024-03-21T16:23:29.196"/>
+    </inkml:context>
+    <inkml:brush xml:id="br0">
+      <inkml:brushProperty name="width" value="0.1" units="cm"/>
+      <inkml:brushProperty name="height" value="0.1" units="cm"/>
+      <inkml:brushProperty name="color" value="#004F8B"/>
+    </inkml:brush>
+  </inkml:definitions>
+  <inkml:trace contextRef="#ctx0" brushRef="#br0">1 1 24575,'11'0'0,"0"0"0,-3 0 0,-1 0 0,38 0 0,-28 0 0,37 0 0,-44 0 0,28 0 0,-25 0 0,21 0 0,-25 0 0,15 3 0,-13-2 0,6 2 0,-9-3 0,-1 0 0,-3 4 0,3-4 0,-6 4 0,2-4 0</inkml:trace>
+</inkml:ink>
+</file>
+
+<file path=ppt/ink/ink3.xml><?xml version="1.0" encoding="utf-8"?>
+<inkml:ink xmlns:inkml="http://www.w3.org/2003/InkML">
+  <inkml:definitions>
+    <inkml:context xml:id="ctx0">
+      <inkml:inkSource xml:id="inkSrc0">
+        <inkml:traceFormat>
+          <inkml:channel name="X" type="integer" min="-2.14748E9" max="2.14748E9" units="cm"/>
+          <inkml:channel name="Y" type="integer" min="-2.14748E9" max="2.14748E9" units="cm"/>
+          <inkml:channel name="F" type="integer" max="32767" units="dev"/>
+        </inkml:traceFormat>
+        <inkml:channelProperties>
+          <inkml:channelProperty channel="X" name="resolution" value="1000" units="1/cm"/>
+          <inkml:channelProperty channel="Y" name="resolution" value="1000" units="1/cm"/>
+          <inkml:channelProperty channel="F" name="resolution" value="0" units="1/dev"/>
+        </inkml:channelProperties>
+      </inkml:inkSource>
+      <inkml:timestamp xml:id="ts0" timeString="2024-03-21T16:15:56.109"/>
+    </inkml:context>
+    <inkml:brush xml:id="br0">
+      <inkml:brushProperty name="width" value="0.1" units="cm"/>
+      <inkml:brushProperty name="height" value="0.1" units="cm"/>
+      <inkml:brushProperty name="color" value="#E71224"/>
+    </inkml:brush>
+  </inkml:definitions>
+  <inkml:trace contextRef="#ctx0" brushRef="#br0">0 55 24575,'14'-5'0,"-1"-3"0,-4 7 0,1-3 0,-5 0 0,11-1 0,-9-1 0,6-2 0,-1 7 0,-6-3 0,27 0 0,-19 3 0,27-3 0,-28 4 0,12 0 0,-15 0 0,3 0 0,-8 0 0,-1 0 0</inkml:trace>
+</inkml:ink>
+</file>
+
+<file path=ppt/ink/ink4.xml><?xml version="1.0" encoding="utf-8"?>
+<inkml:ink xmlns:inkml="http://www.w3.org/2003/InkML">
+  <inkml:definitions>
+    <inkml:context xml:id="ctx0">
+      <inkml:inkSource xml:id="inkSrc0">
+        <inkml:traceFormat>
+          <inkml:channel name="X" type="integer" min="-2.14748E9" max="2.14748E9" units="cm"/>
+          <inkml:channel name="Y" type="integer" min="-2.14748E9" max="2.14748E9" units="cm"/>
+          <inkml:channel name="F" type="integer" max="32767" units="dev"/>
+        </inkml:traceFormat>
+        <inkml:channelProperties>
+          <inkml:channelProperty channel="X" name="resolution" value="1000" units="1/cm"/>
+          <inkml:channelProperty channel="Y" name="resolution" value="1000" units="1/cm"/>
+          <inkml:channelProperty channel="F" name="resolution" value="0" units="1/dev"/>
+        </inkml:channelProperties>
+      </inkml:inkSource>
+      <inkml:timestamp xml:id="ts0" timeString="2024-03-21T16:15:57.224"/>
+    </inkml:context>
+    <inkml:brush xml:id="br0">
+      <inkml:brushProperty name="width" value="0.1" units="cm"/>
+      <inkml:brushProperty name="height" value="0.1" units="cm"/>
+      <inkml:brushProperty name="color" value="#E71224"/>
+    </inkml:brush>
+  </inkml:definitions>
+  <inkml:trace contextRef="#ctx0" brushRef="#br0">1 9 24575,'18'0'0,"-4"0"0,-1 0 0,-4 0 0,8 0 0,-6 0 0,6-4 0,-8 3 0,8-3 0,-5 4 0,5 0 0,-8 0 0,0 0 0,0 0 0,0 0 0,0 0 0,0 0 0,0 4 0,0-3 0,8 3 0,-6-4 0,14 0 0,-13 0 0,5 0 0,-12 0 0,-1 0 0</inkml:trace>
+</inkml:ink>
+</file>
+
+<file path=ppt/ink/ink5.xml><?xml version="1.0" encoding="utf-8"?>
+<inkml:ink xmlns:inkml="http://www.w3.org/2003/InkML">
+  <inkml:definitions>
+    <inkml:context xml:id="ctx0">
+      <inkml:inkSource xml:id="inkSrc0">
+        <inkml:traceFormat>
+          <inkml:channel name="X" type="integer" min="-2.14748E9" max="2.14748E9" units="cm"/>
+          <inkml:channel name="Y" type="integer" min="-2.14748E9" max="2.14748E9" units="cm"/>
+          <inkml:channel name="F" type="integer" max="32767" units="dev"/>
+        </inkml:traceFormat>
+        <inkml:channelProperties>
+          <inkml:channelProperty channel="X" name="resolution" value="1000" units="1/cm"/>
+          <inkml:channelProperty channel="Y" name="resolution" value="1000" units="1/cm"/>
+          <inkml:channelProperty channel="F" name="resolution" value="0" units="1/dev"/>
+        </inkml:channelProperties>
+      </inkml:inkSource>
+      <inkml:timestamp xml:id="ts0" timeString="2024-03-21T16:16:12.732"/>
+    </inkml:context>
+    <inkml:brush xml:id="br0">
+      <inkml:brushProperty name="width" value="0.1" units="cm"/>
+      <inkml:brushProperty name="height" value="0.1" units="cm"/>
+      <inkml:brushProperty name="color" value="#E71224"/>
+    </inkml:brush>
+  </inkml:definitions>
+  <inkml:trace contextRef="#ctx0" brushRef="#br0">0 64 24575,'14'-4'0,"0"3"0,7-11 0,-9 9 0,9-5 0,-12 8 0,0 0 0,-4-4 0,3 3 0,-3-7 0,12 3 0,-6 0 0,6 1 0,-8 4 0,-3-4 0,6 3 0,-6-3 0,3 4 0,-5 0 0</inkml:trace>
+</inkml:ink>
+</file>
+
+<file path=ppt/ink/ink6.xml><?xml version="1.0" encoding="utf-8"?>
+<inkml:ink xmlns:inkml="http://www.w3.org/2003/InkML">
+  <inkml:definitions>
+    <inkml:context xml:id="ctx0">
+      <inkml:inkSource xml:id="inkSrc0">
+        <inkml:traceFormat>
+          <inkml:channel name="X" type="integer" min="-2.14748E9" max="2.14748E9" units="cm"/>
+          <inkml:channel name="Y" type="integer" min="-2.14748E9" max="2.14748E9" units="cm"/>
+          <inkml:channel name="F" type="integer" max="32767" units="dev"/>
+        </inkml:traceFormat>
+        <inkml:channelProperties>
+          <inkml:channelProperty channel="X" name="resolution" value="1000" units="1/cm"/>
+          <inkml:channelProperty channel="Y" name="resolution" value="1000" units="1/cm"/>
+          <inkml:channelProperty channel="F" name="resolution" value="0" units="1/dev"/>
+        </inkml:channelProperties>
+      </inkml:inkSource>
+      <inkml:timestamp xml:id="ts0" timeString="2024-03-21T16:16:14.394"/>
+    </inkml:context>
+    <inkml:brush xml:id="br0">
+      <inkml:brushProperty name="width" value="0.1" units="cm"/>
+      <inkml:brushProperty name="height" value="0.1" units="cm"/>
+      <inkml:brushProperty name="color" value="#E71224"/>
+    </inkml:brush>
+  </inkml:definitions>
+  <inkml:trace contextRef="#ctx0" brushRef="#br0">1 46 24575,'9'-5'0,"0"1"0,-4 0 0,3 3 0,-3-3 0,12 0 0,-6-1 0,6 0 0,-7 1 0,-1 4 0,-4-4 0,-1 3 0,-4-3 0</inkml:trace>
+</inkml:ink>
+</file>
+
+<file path=ppt/ink/ink7.xml><?xml version="1.0" encoding="utf-8"?>
+<inkml:ink xmlns:inkml="http://www.w3.org/2003/InkML">
+  <inkml:definitions>
+    <inkml:context xml:id="ctx0">
+      <inkml:inkSource xml:id="inkSrc0">
+        <inkml:traceFormat>
+          <inkml:channel name="X" type="integer" min="-2.14748E9" max="2.14748E9" units="cm"/>
+          <inkml:channel name="Y" type="integer" min="-2.14748E9" max="2.14748E9" units="cm"/>
+          <inkml:channel name="F" type="integer" max="32767" units="dev"/>
+        </inkml:traceFormat>
+        <inkml:channelProperties>
+          <inkml:channelProperty channel="X" name="resolution" value="1000" units="1/cm"/>
+          <inkml:channelProperty channel="Y" name="resolution" value="1000" units="1/cm"/>
+          <inkml:channelProperty channel="F" name="resolution" value="0" units="1/dev"/>
+        </inkml:channelProperties>
+      </inkml:inkSource>
+      <inkml:timestamp xml:id="ts0" timeString="2024-03-21T16:16:51.269"/>
+    </inkml:context>
+    <inkml:brush xml:id="br0">
+      <inkml:brushProperty name="width" value="0.1" units="cm"/>
+      <inkml:brushProperty name="height" value="0.1" units="cm"/>
+      <inkml:brushProperty name="color" value="#E71224"/>
+    </inkml:brush>
+  </inkml:definitions>
+  <inkml:trace contextRef="#ctx0" brushRef="#br0">0 1 24575,'9'5'0,"0"-1"0,0-4 0,0 0 0,1 0 0,-1 4 0,12-3 0,-9 3 0,9-4 0,-12 0 0,0 0 0,4 0 0,-3 0 0,15 0 0,-13 0 0,18 4 0,-19-3 0,18 3 0,-17-4 0,17 0 0,-18 0 0,6 0 0,-8 0 0,-4 0 0,0 0 0</inkml:trace>
+</inkml:ink>
+</file>
+
+<file path=ppt/ink/ink8.xml><?xml version="1.0" encoding="utf-8"?>
+<inkml:ink xmlns:inkml="http://www.w3.org/2003/InkML">
+  <inkml:definitions>
+    <inkml:context xml:id="ctx0">
+      <inkml:inkSource xml:id="inkSrc0">
+        <inkml:traceFormat>
+          <inkml:channel name="X" type="integer" min="-2.14748E9" max="2.14748E9" units="cm"/>
+          <inkml:channel name="Y" type="integer" min="-2.14748E9" max="2.14748E9" units="cm"/>
+          <inkml:channel name="F" type="integer" max="32767" units="dev"/>
+        </inkml:traceFormat>
+        <inkml:channelProperties>
+          <inkml:channelProperty channel="X" name="resolution" value="1000" units="1/cm"/>
+          <inkml:channelProperty channel="Y" name="resolution" value="1000" units="1/cm"/>
+          <inkml:channelProperty channel="F" name="resolution" value="0" units="1/dev"/>
+        </inkml:channelProperties>
+      </inkml:inkSource>
+      <inkml:timestamp xml:id="ts0" timeString="2024-03-21T16:16:34.120"/>
+    </inkml:context>
+    <inkml:brush xml:id="br0">
+      <inkml:brushProperty name="width" value="0.1" units="cm"/>
+      <inkml:brushProperty name="height" value="0.1" units="cm"/>
+      <inkml:brushProperty name="color" value="#E71224"/>
+    </inkml:brush>
+  </inkml:definitions>
+  <inkml:trace contextRef="#ctx0" brushRef="#br0">0 1 24575,'14'13'0,"-1"-3"0,-4 3 0,17 12 0,-13-16 0,20 23 0,6-13 0,-15 0 0,54 22 0,-55-27-3392,33 16 0,2 1 3392,-28-14-2269,47 27 1,1 1 2268,-49-29 0,13 11 0,7 2 0,5-3 0,-6-3 0,-12-3 0,22 8 0,17 8 0,-16-8 4537,-19-9-4537,22 10 0,18 8 0,-17-8 0,-15-9 0,23 10 0,21 9 0,-5-4 0,1-2 0,-3-3 0,-1 2 0,5 0 0,2 1 0,6 1 0,-25-10 0,-30-12 0,32 14 0,23 9 0,-24-7 0,-33-14 0,23 12 0,19 6 0,-18-7 0,-23-12 0,24 15 0,18 9 0,-17-8 6075,-22-12-6075,13 13 0,20 14 0,1 1 0,-18-11-1601,4 0 1601,2 5 0,24 18 0,10 6 0,-7-5 0,-21-15-1228,-22-17 0,1 1 1228,9 9 0,20 13 0,11 9 0,4 2 0,-3-1 0,-11-9 0,-20-12-1238,-7-6 0,1 0 1238,4 5 0,19 13 0,13 8 0,7 4 0,-1 0 0,-5-3 0,-12-8 0,-19-13 0,1-1 0,1 1 0,-8-4 0,16 12 0,11 8 0,8 4 0,1 2 0,-2-2 0,-7-4 0,-11-9 0,-17-10 0,5 1 0,-2-1 0,0 2 0,16 11 0,11 9 0,5 3 0,0 0 0,-6-5 0,-12-7 0,-18-12 0,-5-5 0,-2-1 0,11 9 0,18 14 0,8 6 0,-1-1 0,-11-8 0,-21-16 475,3 2-475,18 17 0,17 14 0,-23-17 1208,-34-27-1208,40 41 0,-4 1 2332,-48-40-2332,25 24 0,-4-2 3227,-30-32-3227,52 50 0,-45-52 0,56 55 0,-55-60-3392,24 27 0,1 2 3392,-23-27 0,38 33-2874,-44-34 2874,0-3-602,-1 6 602,-4-7 0,4 4 0,-3-4 0,3 3-110,-8-3 110,3 0 0,5 7 0,-2-6 0,6 3-1553,57 39 1553,-49-33-1249,47 34 0,2 3 1249,-43-30-655,27 17 1,18 13 0,-14-12 654,-17-14 0,28 20 0,20 14 0,-21-15 0,-31-18 0,28 15 0,20 12 0,-22-14 0,-32-17 0,19 9 0,15 8 0,-17-11 0,-27-15 368,28 16 0,-4 0-368,-37-21 0,40 35 0,-47-30 0,55 63 0,-46-56 0,32 33 0,2 1 0,-27-33 288,26 24 0,17 17 1,-13-12-289,-12-13 762,19 15 1,-1 0-763,-20-17 0,-22-29 3577,19 24-3577,-29-26 5349,3 4-5349,-3 0 4332,4 0-4332,0 0 0,12 12 0,-9-9 0,9 9 0,-12-16 0,8 15 0,-9-12 0,12 21 0,-18-18 0,14 22 0,-10-20 0,3 16 0,-5-19 0,0-1 0,-3-1 0,7 5 0,-7-2 0,7 14 0,-7-15 0,3 15 0,-4-14 0,4 18 0,-3-17 0,3 17 0,0-22 0,-3 13 0,3-14 0,4 11 0,-6-7 0,6-1 0,-8-5 0</inkml:trace>
+</inkml:ink>
+</file>
+
+<file path=ppt/ink/ink9.xml><?xml version="1.0" encoding="utf-8"?>
+<inkml:ink xmlns:inkml="http://www.w3.org/2003/InkML">
+  <inkml:definitions>
+    <inkml:context xml:id="ctx0">
+      <inkml:inkSource xml:id="inkSrc0">
+        <inkml:traceFormat>
+          <inkml:channel name="X" type="integer" min="-2.14748E9" max="2.14748E9" units="cm"/>
+          <inkml:channel name="Y" type="integer" min="-2.14748E9" max="2.14748E9" units="cm"/>
+          <inkml:channel name="F" type="integer" max="32767" units="dev"/>
+        </inkml:traceFormat>
+        <inkml:channelProperties>
+          <inkml:channelProperty channel="X" name="resolution" value="1000" units="1/cm"/>
+          <inkml:channelProperty channel="Y" name="resolution" value="1000" units="1/cm"/>
+          <inkml:channelProperty channel="F" name="resolution" value="0" units="1/dev"/>
+        </inkml:channelProperties>
+      </inkml:inkSource>
+      <inkml:timestamp xml:id="ts0" timeString="2024-03-21T16:16:36.736"/>
+    </inkml:context>
+    <inkml:brush xml:id="br0">
+      <inkml:brushProperty name="width" value="0.1" units="cm"/>
+      <inkml:brushProperty name="height" value="0.1" units="cm"/>
+      <inkml:brushProperty name="color" value="#E71224"/>
+    </inkml:brush>
+  </inkml:definitions>
+  <inkml:trace contextRef="#ctx0" brushRef="#br0">0 6872 24575,'9'-5'0,"1"-3"0,-1 2 0,0-3 0,0 4 0,28-23 0,-17 18 0,22-19 0,-12 12 0,28-14 0,17-12 0,-11 6 0,0 0 0,6-2 0,-3-2 0,11-8 0,-15 9-844,-13 7 844,6-3 0,21-12 0,0-1 0,-22 13 0,-10 3 0,19-11 0,26-19 0,1 1 0,-23 15-1204,-10 6 1204,-1 0 0,23-16 0,8-5 0,-8 6 0,-22 14 0,3-1 0,-5 5 0,21-14 0,7-5 0,-7 5 0,-21 14 0,2-1 0,-1 2 0,21-14 0,7-4 0,-6 4 0,-22 15 0,6-2 0,3-5 0,22-16 0,-2 1 0,-26 15 0,-19 10 0,26-19 0,18-14 0,-20 14-6106,-32 19 6106,26-17 0,-7 7-2741,-42 32 2741,3-2 0,0 4 0,21-24-2114,-15 18 2114,18-18 0,-23 24-451,1-4 451,2 3 2488,-7-3-2488,7 4 0,-7-4 0,15-9 0,-9 6-666,45-44 1,8-5 665,-25 25 0,6-11 0,18-21 0,-1 0 0,-17 17 2364,-4 4-2364,-4-2 0,16-21 0,5-7 0,-5 5 0,-15 21-2548,9-11 2548,-13 14 0,9-14 0,1-2 0,-7 10 0,2-4 0,-7 8 831,17-23-831,-11 10 0,4-10 0,-11 16 4371,-13 19-4371,7-18 0,7-14 0,-7 16 501,-9 20-501,16-47 0,1 0 0,-13 47 0,24-35 0,0 4 6784,-21 43-6784,48-34 0,3 4 0,-48 38 0,27-13 0,18-8 0,-17 12 0,-22 18 0,41-13 0,28-6 0,-22 6-649,-26 9 649,13-2 0,24-6 0,0 0 0,-26 4 0,-13-1 0,31-10 0,23-8 0,-28 7 0,-40 12 0,24-16 0,18-12 0,-23 11 0,-34 15 0,49-34 0,-3 0 0,-55 34 0,32-24 0,1 0 649,-31 25-649,25-21 0,-1 1 0,-29 21 0,35-20 0,1 0 0,-33 20 0,53-19 0,5 1 0,-41 18 0,31-7 0,23-7 0,-19 6 0,-20 5 0,26-3 0,23-4 0,-7 5-3392,-17 9 0,-3 3 3392,9-5 0,0 1 0,-11 5 0,-1 2-2269,-3-3 1,-6 1 2268,5 0-159,-2-1 0,-7-2 159,-35 3 0,-9 3-2928,37-34 2928,-32 32 0,40-61 0,-47 56 987,34-48-987,-39 47-232,36-31 232,-32 35 0,36-30 0,-31 35 0,15-19 0,-20 23 0,-4-7 3303,3 7-3303,-3-3 0,21-8 0,-13 5 0,12-6 0,24-15 0,-30 17 0,67-34 0,-68 32-1427,51-28 1427,-54 28 615,35-25-615,-33 26 0,21-29 0,-26 27 0,12-27 0,-18 29 0,7-13 0,-8 18 0,-1-1 0</inkml:trace>
+</inkml:ink>
 </file>
 
 <file path=ppt/slideLayouts/slideLayout1.xml><?xml version="1.0" encoding="utf-8"?>
@@ -3635,7 +4310,7 @@
           <p:cNvPr id="2" name="Title 1">
             <a:extLst>
               <a:ext uri="{FF2B5EF4-FFF2-40B4-BE49-F238E27FC236}">
-                <a16:creationId xmlns:a16="http://schemas.microsoft.com/office/drawing/2014/main" id="{1CD41C88-E9D1-8839-E900-1DA00E46AB56}"/>
+                <a16:creationId xmlns:a16="http://schemas.microsoft.com/office/drawing/2014/main" id="{D72F6FE5-0395-11BD-DBE4-793A69F27A66}"/>
               </a:ext>
             </a:extLst>
           </p:cNvPr>
@@ -3643,7 +4318,7 @@
             <a:spLocks noGrp="1"/>
           </p:cNvSpPr>
           <p:nvPr>
-            <p:ph type="ctrTitle"/>
+            <p:ph type="title"/>
           </p:nvPr>
         </p:nvSpPr>
         <p:spPr/>
@@ -3653,17 +4328,17 @@
           <a:p>
             <a:r>
               <a:rPr lang="en-US" dirty="0"/>
-              <a:t>Regression Review – With bonus Stats</a:t>
-            </a:r>
-          </a:p>
-        </p:txBody>
-      </p:sp>
-      <p:sp>
-        <p:nvSpPr>
-          <p:cNvPr id="3" name="Subtitle 2">
+              <a:t>Housekeeping</a:t>
+            </a:r>
+          </a:p>
+        </p:txBody>
+      </p:sp>
+      <p:sp>
+        <p:nvSpPr>
+          <p:cNvPr id="3" name="Content Placeholder 2">
             <a:extLst>
               <a:ext uri="{FF2B5EF4-FFF2-40B4-BE49-F238E27FC236}">
-                <a16:creationId xmlns:a16="http://schemas.microsoft.com/office/drawing/2014/main" id="{E2346E16-3617-F706-D3E4-77EC3CBD9A8B}"/>
+                <a16:creationId xmlns:a16="http://schemas.microsoft.com/office/drawing/2014/main" id="{7F4D76AD-2EBC-23FE-5B0C-4716322FCC01}"/>
               </a:ext>
             </a:extLst>
           </p:cNvPr>
@@ -3671,22 +4346,118 @@
             <a:spLocks noGrp="1"/>
           </p:cNvSpPr>
           <p:nvPr>
-            <p:ph type="subTitle" idx="1"/>
-          </p:nvPr>
-        </p:nvSpPr>
-        <p:spPr/>
+            <p:ph idx="1"/>
+          </p:nvPr>
+        </p:nvSpPr>
+        <p:spPr>
+          <a:xfrm>
+            <a:off x="927652" y="1853754"/>
+            <a:ext cx="10595113" cy="4282003"/>
+          </a:xfrm>
+        </p:spPr>
         <p:txBody>
           <a:bodyPr/>
           <a:lstStyle/>
           <a:p>
-            <a:endParaRPr lang="en-US"/>
+            <a:r>
+              <a:rPr lang="en-US" dirty="0"/>
+              <a:t>Today – regression review exercises. </a:t>
+            </a:r>
+          </a:p>
+          <a:p>
+            <a:pPr lvl="1"/>
+            <a:r>
+              <a:rPr lang="en-US" dirty="0"/>
+              <a:t>Practice of both linear and logistic regression. </a:t>
+            </a:r>
+          </a:p>
+          <a:p>
+            <a:pPr lvl="1"/>
+            <a:r>
+              <a:rPr lang="en-US" dirty="0"/>
+              <a:t>Exploration and data cleanup – </a:t>
+            </a:r>
+            <a:r>
+              <a:rPr lang="en-US" b="1" dirty="0"/>
+              <a:t>with extra bonus stats!!!!</a:t>
+            </a:r>
+          </a:p>
+          <a:p>
+            <a:pPr lvl="1"/>
+            <a:r>
+              <a:rPr lang="en-US" dirty="0"/>
+              <a:t>Using pipelines and column transformers to make the data prep easier. </a:t>
+            </a:r>
+          </a:p>
+          <a:p>
+            <a:r>
+              <a:rPr lang="en-US" dirty="0"/>
+              <a:t>Next week – using different models for classification/regression:</a:t>
+            </a:r>
+          </a:p>
+          <a:p>
+            <a:pPr lvl="1"/>
+            <a:r>
+              <a:rPr lang="en-US" dirty="0"/>
+              <a:t>Other models work differently, have different strengths, and give different results. </a:t>
+            </a:r>
+          </a:p>
+          <a:p>
+            <a:pPr lvl="1"/>
+            <a:r>
+              <a:rPr lang="en-US" dirty="0"/>
+              <a:t>Most of the code stays exactly the same (exploration, most prep and pipelines, results). </a:t>
+            </a:r>
+          </a:p>
+          <a:p>
+            <a:pPr lvl="1"/>
+            <a:r>
+              <a:rPr lang="en-US" dirty="0"/>
+              <a:t>HP tuning and making our models better will become more important – we want to pick the best. </a:t>
+            </a:r>
+          </a:p>
+          <a:p>
+            <a:r>
+              <a:rPr lang="en-US" dirty="0"/>
+              <a:t>We’ve covered the basics of making (reg/</a:t>
+            </a:r>
+            <a:r>
+              <a:rPr lang="en-US" dirty="0" err="1"/>
+              <a:t>clas</a:t>
+            </a:r>
+            <a:r>
+              <a:rPr lang="en-US" dirty="0"/>
+              <a:t>) predictive models – you can solve </a:t>
+            </a:r>
+            <a:r>
+              <a:rPr lang="en-US" b="1" i="1" dirty="0"/>
+              <a:t>most</a:t>
+            </a:r>
+            <a:r>
+              <a:rPr lang="en-US" dirty="0"/>
+              <a:t> problems!!!</a:t>
+            </a:r>
+          </a:p>
+          <a:p>
+            <a:r>
+              <a:rPr lang="en-US" dirty="0"/>
+              <a:t>Book (</a:t>
+            </a:r>
+            <a:r>
+              <a:rPr lang="en-US" dirty="0" err="1"/>
+              <a:t>ItMLwP</a:t>
+            </a:r>
+            <a:r>
+              <a:rPr lang="en-US" dirty="0"/>
+              <a:t>) – done chapters 1,2,4,5,6 (except diff models) </a:t>
+            </a:r>
           </a:p>
         </p:txBody>
       </p:sp>
     </p:spTree>
     <p:extLst>
       <p:ext uri="{BB962C8B-B14F-4D97-AF65-F5344CB8AC3E}">
-        <p14:creationId xmlns:p14="http://schemas.microsoft.com/office/powerpoint/2010/main" val="4034163651"/>
+        <p14:creationId xmlns:p14="http://schemas.microsoft.com/office/powerpoint/2010/main" val="319213473"/>
       </p:ext>
     </p:extLst>
   </p:cSld>
@@ -3718,7 +4489,7 @@
           <p:cNvPr id="2" name="Title 1">
             <a:extLst>
               <a:ext uri="{FF2B5EF4-FFF2-40B4-BE49-F238E27FC236}">
-                <a16:creationId xmlns:a16="http://schemas.microsoft.com/office/drawing/2014/main" id="{5890B87F-9DCD-3CA8-CEE5-63A20554D620}"/>
+                <a16:creationId xmlns:a16="http://schemas.microsoft.com/office/drawing/2014/main" id="{D98049F1-0A3C-996F-CF9A-4F21DFA9C434}"/>
               </a:ext>
             </a:extLst>
           </p:cNvPr>
@@ -3736,7 +4507,7 @@
           <a:p>
             <a:r>
               <a:rPr lang="en-US" dirty="0"/>
-              <a:t>Process</a:t>
+              <a:t>Some things that may not be useful…</a:t>
             </a:r>
           </a:p>
         </p:txBody>
@@ -3746,7 +4517,7 @@
           <p:cNvPr id="3" name="Content Placeholder 2">
             <a:extLst>
               <a:ext uri="{FF2B5EF4-FFF2-40B4-BE49-F238E27FC236}">
-                <a16:creationId xmlns:a16="http://schemas.microsoft.com/office/drawing/2014/main" id="{D059408A-5663-6562-1668-0145AD12857B}"/>
+                <a16:creationId xmlns:a16="http://schemas.microsoft.com/office/drawing/2014/main" id="{58E3E28F-3D4A-B7C7-2491-1B8C2C318DB2}"/>
               </a:ext>
             </a:extLst>
           </p:cNvPr>
@@ -3759,8 +4530,8 @@
         </p:nvSpPr>
         <p:spPr>
           <a:xfrm>
-            <a:off x="1451579" y="1949570"/>
-            <a:ext cx="9603275" cy="4103911"/>
+            <a:off x="1451579" y="1941444"/>
+            <a:ext cx="9603275" cy="3995530"/>
           </a:xfrm>
         </p:spPr>
         <p:txBody>
@@ -3769,566 +4540,67 @@
           <a:p>
             <a:r>
               <a:rPr lang="en-US" dirty="0"/>
-              <a:t>During data exploration, we note if anything looks like it may need to be changed. </a:t>
+              <a:t>Some patterns indicate that variables may not be that helpful:</a:t>
             </a:r>
           </a:p>
           <a:p>
             <a:pPr lvl="1"/>
             <a:r>
               <a:rPr lang="en-US" dirty="0"/>
-              <a:t>If something is clear, we can just do it right off the top. </a:t>
+              <a:t>Little to no correlation with the target. </a:t>
             </a:r>
           </a:p>
           <a:p>
             <a:pPr lvl="1"/>
             <a:r>
               <a:rPr lang="en-US" dirty="0"/>
-              <a:t>If something is more of a maybe, then we can hang on to the ideas. </a:t>
-            </a:r>
-          </a:p>
-          <a:p>
-            <a:r>
-              <a:rPr lang="en-US" dirty="0"/>
-              <a:t>Create a model as you would normally and check the performance. </a:t>
+              <a:t>Little variance (i.e. almost everything has the same value). </a:t>
             </a:r>
           </a:p>
           <a:p>
             <a:pPr lvl="1"/>
             <a:r>
               <a:rPr lang="en-US" dirty="0"/>
-              <a:t>In particular, check if there is wide variance on the cross-validation results from the grid. </a:t>
-            </a:r>
-          </a:p>
-          <a:p>
-            <a:r>
-              <a:rPr lang="en-US" dirty="0"/>
-              <a:t>Create a copy of the data, make the changes you want to try, and model again. </a:t>
+              <a:t>Seeming randomness with no correlation to anything. (I.e. ‘sum of phone number digits’ as a feature – the value has no connection with anything meaningful). </a:t>
             </a:r>
           </a:p>
           <a:p>
             <a:pPr lvl="1"/>
             <a:r>
               <a:rPr lang="en-US" dirty="0"/>
-              <a:t>If the results are the same or better, then your data changes are definitely good.*</a:t>
+              <a:t>Huge number of classes with very small numbers in each/most.</a:t>
             </a:r>
           </a:p>
           <a:p>
             <a:pPr lvl="1"/>
             <a:r>
               <a:rPr lang="en-US" dirty="0"/>
-              <a:t>If the results are a bit worse, then its still debatable. Make some tweaks, then make a judgment depending on the real scenario. </a:t>
-            </a:r>
-          </a:p>
-        </p:txBody>
-      </p:sp>
-    </p:spTree>
-    <p:extLst>
-      <p:ext uri="{BB962C8B-B14F-4D97-AF65-F5344CB8AC3E}">
-        <p14:creationId xmlns:p14="http://schemas.microsoft.com/office/powerpoint/2010/main" val="1269819477"/>
-      </p:ext>
-    </p:extLst>
-  </p:cSld>
-  <p:clrMapOvr>
-    <a:masterClrMapping/>
-  </p:clrMapOvr>
-</p:sld>
-</file>
-
-<file path=ppt/slides/slide11.xml><?xml version="1.0" encoding="utf-8"?>
-<p:sld xmlns:a="http://schemas.openxmlformats.org/drawingml/2006/main" xmlns:r="http://schemas.openxmlformats.org/officeDocument/2006/relationships" xmlns:p="http://schemas.openxmlformats.org/presentationml/2006/main">
-  <p:cSld>
-    <p:spTree>
-      <p:nvGrpSpPr>
-        <p:cNvPr id="1" name=""/>
-        <p:cNvGrpSpPr/>
-        <p:nvPr/>
-      </p:nvGrpSpPr>
-      <p:grpSpPr>
-        <a:xfrm>
-          <a:off x="0" y="0"/>
-          <a:ext cx="0" cy="0"/>
-          <a:chOff x="0" y="0"/>
-          <a:chExt cx="0" cy="0"/>
-        </a:xfrm>
-      </p:grpSpPr>
-      <p:sp>
-        <p:nvSpPr>
-          <p:cNvPr id="2" name="Title 1">
+              <a:t>Fully or mostly redundant features. I.e. ‘Province’=‘Alberta’ and ‘</a:t>
+            </a:r>
+            <a:r>
+              <a:rPr lang="en-US" dirty="0" err="1"/>
+              <a:t>Province_short</a:t>
+            </a:r>
+            <a:r>
+              <a:rPr lang="en-US" dirty="0"/>
+              <a:t>’=‘AB’.*</a:t>
+            </a:r>
+          </a:p>
+          <a:p>
+            <a:pPr lvl="2"/>
+            <a:r>
+              <a:rPr lang="en-US" dirty="0"/>
+              <a:t>Having multiple features that all have the same information is called multicollinearity. </a:t>
+            </a:r>
+          </a:p>
+        </p:txBody>
+      </p:sp>
+      <p:pic>
+        <p:nvPicPr>
+          <p:cNvPr id="4098" name="Picture 2" descr="Scatterplot &amp; Correlation | Overview, Graphs &amp; Examples - Lesson | Study.com">
             <a:extLst>
               <a:ext uri="{FF2B5EF4-FFF2-40B4-BE49-F238E27FC236}">
-                <a16:creationId xmlns:a16="http://schemas.microsoft.com/office/drawing/2014/main" id="{7A7AF28C-6BCF-1C9F-16DC-4B3E47839B2E}"/>
-              </a:ext>
-            </a:extLst>
-          </p:cNvPr>
-          <p:cNvSpPr>
-            <a:spLocks noGrp="1"/>
-          </p:cNvSpPr>
-          <p:nvPr>
-            <p:ph type="title"/>
-          </p:nvPr>
-        </p:nvSpPr>
-        <p:spPr/>
-        <p:txBody>
-          <a:bodyPr/>
-          <a:lstStyle/>
-          <a:p>
-            <a:r>
-              <a:rPr lang="en-US" dirty="0"/>
-              <a:t>Goals</a:t>
-            </a:r>
-          </a:p>
-        </p:txBody>
-      </p:sp>
-      <p:sp>
-        <p:nvSpPr>
-          <p:cNvPr id="3" name="Content Placeholder 2">
-            <a:extLst>
-              <a:ext uri="{FF2B5EF4-FFF2-40B4-BE49-F238E27FC236}">
-                <a16:creationId xmlns:a16="http://schemas.microsoft.com/office/drawing/2014/main" id="{8D84030F-8D6D-9674-AE56-9A6EF2BB0A47}"/>
-              </a:ext>
-            </a:extLst>
-          </p:cNvPr>
-          <p:cNvSpPr>
-            <a:spLocks noGrp="1"/>
-          </p:cNvSpPr>
-          <p:nvPr>
-            <p:ph idx="1"/>
-          </p:nvPr>
-        </p:nvSpPr>
-        <p:spPr>
-          <a:xfrm>
-            <a:off x="1451579" y="1967948"/>
-            <a:ext cx="9603275" cy="4005469"/>
-          </a:xfrm>
-        </p:spPr>
-        <p:txBody>
-          <a:bodyPr/>
-          <a:lstStyle/>
-          <a:p>
-            <a:r>
-              <a:rPr lang="en-US" dirty="0"/>
-              <a:t>Removing features from a model will usually not result in a climb in raw accuracy. </a:t>
-            </a:r>
-          </a:p>
-          <a:p>
-            <a:pPr lvl="1"/>
-            <a:r>
-              <a:rPr lang="en-US" dirty="0"/>
-              <a:t>The worse the feature was, and the worse the model was, the more likely an increase is. </a:t>
-            </a:r>
-          </a:p>
-          <a:p>
-            <a:pPr lvl="1"/>
-            <a:r>
-              <a:rPr lang="en-US" dirty="0"/>
-              <a:t>We may get less variability – we will get a model that is more stable. </a:t>
-            </a:r>
-          </a:p>
-          <a:p>
-            <a:r>
-              <a:rPr lang="en-US" dirty="0"/>
-              <a:t>A smaller model is usually a better model. </a:t>
-            </a:r>
-          </a:p>
-          <a:p>
-            <a:pPr lvl="1"/>
-            <a:r>
-              <a:rPr lang="en-US" dirty="0"/>
-              <a:t>Easier to explain and understand, faster to make and use, cheaper to gather/store data for. </a:t>
-            </a:r>
-          </a:p>
-          <a:p>
-            <a:pPr lvl="1"/>
-            <a:r>
-              <a:rPr lang="en-US" dirty="0"/>
-              <a:t>If we can get similar performance with a smaller model, that’s usually better. </a:t>
-            </a:r>
-          </a:p>
-          <a:p>
-            <a:r>
-              <a:rPr lang="en-US" dirty="0"/>
-              <a:t>We need to use judgement to evaluate a reasonable balance. </a:t>
-            </a:r>
-          </a:p>
-        </p:txBody>
-      </p:sp>
-    </p:spTree>
-    <p:extLst>
-      <p:ext uri="{BB962C8B-B14F-4D97-AF65-F5344CB8AC3E}">
-        <p14:creationId xmlns:p14="http://schemas.microsoft.com/office/powerpoint/2010/main" val="2031310435"/>
-      </p:ext>
-    </p:extLst>
-  </p:cSld>
-  <p:clrMapOvr>
-    <a:masterClrMapping/>
-  </p:clrMapOvr>
-</p:sld>
-</file>
-
-<file path=ppt/slides/slide2.xml><?xml version="1.0" encoding="utf-8"?>
-<p:sld xmlns:a="http://schemas.openxmlformats.org/drawingml/2006/main" xmlns:r="http://schemas.openxmlformats.org/officeDocument/2006/relationships" xmlns:p="http://schemas.openxmlformats.org/presentationml/2006/main">
-  <p:cSld>
-    <p:spTree>
-      <p:nvGrpSpPr>
-        <p:cNvPr id="1" name=""/>
-        <p:cNvGrpSpPr/>
-        <p:nvPr/>
-      </p:nvGrpSpPr>
-      <p:grpSpPr>
-        <a:xfrm>
-          <a:off x="0" y="0"/>
-          <a:ext cx="0" cy="0"/>
-          <a:chOff x="0" y="0"/>
-          <a:chExt cx="0" cy="0"/>
-        </a:xfrm>
-      </p:grpSpPr>
-      <p:sp>
-        <p:nvSpPr>
-          <p:cNvPr id="2" name="Title 1">
-            <a:extLst>
-              <a:ext uri="{FF2B5EF4-FFF2-40B4-BE49-F238E27FC236}">
-                <a16:creationId xmlns:a16="http://schemas.microsoft.com/office/drawing/2014/main" id="{E62FE83D-8844-3562-8B17-8BB4CEE027C9}"/>
-              </a:ext>
-            </a:extLst>
-          </p:cNvPr>
-          <p:cNvSpPr>
-            <a:spLocks noGrp="1"/>
-          </p:cNvSpPr>
-          <p:nvPr>
-            <p:ph type="title"/>
-          </p:nvPr>
-        </p:nvSpPr>
-        <p:spPr/>
-        <p:txBody>
-          <a:bodyPr/>
-          <a:lstStyle/>
-          <a:p>
-            <a:r>
-              <a:rPr lang="en-US" dirty="0"/>
-              <a:t>Data Exploration</a:t>
-            </a:r>
-          </a:p>
-        </p:txBody>
-      </p:sp>
-      <p:sp>
-        <p:nvSpPr>
-          <p:cNvPr id="3" name="Content Placeholder 2">
-            <a:extLst>
-              <a:ext uri="{FF2B5EF4-FFF2-40B4-BE49-F238E27FC236}">
-                <a16:creationId xmlns:a16="http://schemas.microsoft.com/office/drawing/2014/main" id="{56C0D916-FF74-5AF6-B326-676D6DD1F26F}"/>
-              </a:ext>
-            </a:extLst>
-          </p:cNvPr>
-          <p:cNvSpPr>
-            <a:spLocks noGrp="1"/>
-          </p:cNvSpPr>
-          <p:nvPr>
-            <p:ph idx="1"/>
-          </p:nvPr>
-        </p:nvSpPr>
-        <p:spPr/>
-        <p:txBody>
-          <a:bodyPr/>
-          <a:lstStyle/>
-          <a:p>
-            <a:r>
-              <a:rPr lang="en-US" dirty="0"/>
-              <a:t>We always do at least some exploration of data prior to making models. </a:t>
-            </a:r>
-          </a:p>
-          <a:p>
-            <a:pPr lvl="1"/>
-            <a:r>
-              <a:rPr lang="en-US" dirty="0"/>
-              <a:t>Numeric exploration via info, describe, </a:t>
-            </a:r>
-            <a:r>
-              <a:rPr lang="en-US" dirty="0" err="1"/>
-              <a:t>etc</a:t>
-            </a:r>
-            <a:r>
-              <a:rPr lang="en-US" dirty="0"/>
-              <a:t>…</a:t>
-            </a:r>
-          </a:p>
-          <a:p>
-            <a:pPr lvl="1"/>
-            <a:r>
-              <a:rPr lang="en-US" dirty="0"/>
-              <a:t>Visual exploration via </a:t>
-            </a:r>
-            <a:r>
-              <a:rPr lang="en-US" dirty="0" err="1"/>
-              <a:t>pairplots</a:t>
-            </a:r>
-            <a:r>
-              <a:rPr lang="en-US" dirty="0"/>
-              <a:t>, </a:t>
-            </a:r>
-            <a:r>
-              <a:rPr lang="en-US" dirty="0" err="1"/>
-              <a:t>countplots</a:t>
-            </a:r>
-            <a:r>
-              <a:rPr lang="en-US" dirty="0"/>
-              <a:t>, boxplots, etc...</a:t>
-            </a:r>
-          </a:p>
-          <a:p>
-            <a:pPr lvl="1"/>
-            <a:endParaRPr lang="en-US" dirty="0"/>
-          </a:p>
-        </p:txBody>
-      </p:sp>
-    </p:spTree>
-    <p:extLst>
-      <p:ext uri="{BB962C8B-B14F-4D97-AF65-F5344CB8AC3E}">
-        <p14:creationId xmlns:p14="http://schemas.microsoft.com/office/powerpoint/2010/main" val="2761624728"/>
-      </p:ext>
-    </p:extLst>
-  </p:cSld>
-  <p:clrMapOvr>
-    <a:masterClrMapping/>
-  </p:clrMapOvr>
-</p:sld>
-</file>
-
-<file path=ppt/slides/slide3.xml><?xml version="1.0" encoding="utf-8"?>
-<p:sld xmlns:a="http://schemas.openxmlformats.org/drawingml/2006/main" xmlns:r="http://schemas.openxmlformats.org/officeDocument/2006/relationships" xmlns:p="http://schemas.openxmlformats.org/presentationml/2006/main">
-  <p:cSld>
-    <p:spTree>
-      <p:nvGrpSpPr>
-        <p:cNvPr id="1" name=""/>
-        <p:cNvGrpSpPr/>
-        <p:nvPr/>
-      </p:nvGrpSpPr>
-      <p:grpSpPr>
-        <a:xfrm>
-          <a:off x="0" y="0"/>
-          <a:ext cx="0" cy="0"/>
-          <a:chOff x="0" y="0"/>
-          <a:chExt cx="0" cy="0"/>
-        </a:xfrm>
-      </p:grpSpPr>
-      <p:sp>
-        <p:nvSpPr>
-          <p:cNvPr id="2" name="Title 1">
-            <a:extLst>
-              <a:ext uri="{FF2B5EF4-FFF2-40B4-BE49-F238E27FC236}">
-                <a16:creationId xmlns:a16="http://schemas.microsoft.com/office/drawing/2014/main" id="{6FB7459E-1FB4-BFEE-8BD1-3CB12A311158}"/>
-              </a:ext>
-            </a:extLst>
-          </p:cNvPr>
-          <p:cNvSpPr>
-            <a:spLocks noGrp="1"/>
-          </p:cNvSpPr>
-          <p:nvPr>
-            <p:ph type="title"/>
-          </p:nvPr>
-        </p:nvSpPr>
-        <p:spPr/>
-        <p:txBody>
-          <a:bodyPr/>
-          <a:lstStyle/>
-          <a:p>
-            <a:r>
-              <a:rPr lang="en-US" dirty="0"/>
-              <a:t>Preparing Data With Stats</a:t>
-            </a:r>
-          </a:p>
-        </p:txBody>
-      </p:sp>
-      <p:sp>
-        <p:nvSpPr>
-          <p:cNvPr id="3" name="Content Placeholder 2">
-            <a:extLst>
-              <a:ext uri="{FF2B5EF4-FFF2-40B4-BE49-F238E27FC236}">
-                <a16:creationId xmlns:a16="http://schemas.microsoft.com/office/drawing/2014/main" id="{0EB358F1-8B59-B470-B8D4-C2D28D3EE971}"/>
-              </a:ext>
-            </a:extLst>
-          </p:cNvPr>
-          <p:cNvSpPr>
-            <a:spLocks noGrp="1"/>
-          </p:cNvSpPr>
-          <p:nvPr>
-            <p:ph idx="1"/>
-          </p:nvPr>
-        </p:nvSpPr>
-        <p:spPr/>
-        <p:txBody>
-          <a:bodyPr/>
-          <a:lstStyle/>
-          <a:p>
-            <a:r>
-              <a:rPr lang="en-US" dirty="0"/>
-              <a:t>We can use what we see in our data to help us think of changes we can make to prep it for modelling. </a:t>
-            </a:r>
-          </a:p>
-          <a:p>
-            <a:r>
-              <a:rPr lang="en-US" dirty="0"/>
-              <a:t>We can use our knowledge of what may have predictive value to make some judgments. </a:t>
-            </a:r>
-          </a:p>
-          <a:p>
-            <a:r>
-              <a:rPr lang="en-US" dirty="0"/>
-              <a:t>None of these things are definitive improvements, we need to check. </a:t>
-            </a:r>
-          </a:p>
-          <a:p>
-            <a:pPr lvl="1"/>
-            <a:r>
-              <a:rPr lang="en-US" dirty="0"/>
-              <a:t>There is random variation, especially with small data. </a:t>
-            </a:r>
-          </a:p>
-          <a:p>
-            <a:pPr lvl="1"/>
-            <a:r>
-              <a:rPr lang="en-US" dirty="0"/>
-              <a:t>Other model types of hyperparameter combos may perform differently. </a:t>
-            </a:r>
-          </a:p>
-          <a:p>
-            <a:pPr lvl="1"/>
-            <a:endParaRPr lang="en-US" dirty="0"/>
-          </a:p>
-        </p:txBody>
-      </p:sp>
-    </p:spTree>
-    <p:extLst>
-      <p:ext uri="{BB962C8B-B14F-4D97-AF65-F5344CB8AC3E}">
-        <p14:creationId xmlns:p14="http://schemas.microsoft.com/office/powerpoint/2010/main" val="3734327390"/>
-      </p:ext>
-    </p:extLst>
-  </p:cSld>
-  <p:clrMapOvr>
-    <a:masterClrMapping/>
-  </p:clrMapOvr>
-</p:sld>
-</file>
-
-<file path=ppt/slides/slide4.xml><?xml version="1.0" encoding="utf-8"?>
-<p:sld xmlns:a="http://schemas.openxmlformats.org/drawingml/2006/main" xmlns:r="http://schemas.openxmlformats.org/officeDocument/2006/relationships" xmlns:p="http://schemas.openxmlformats.org/presentationml/2006/main">
-  <p:cSld>
-    <p:spTree>
-      <p:nvGrpSpPr>
-        <p:cNvPr id="1" name=""/>
-        <p:cNvGrpSpPr/>
-        <p:nvPr/>
-      </p:nvGrpSpPr>
-      <p:grpSpPr>
-        <a:xfrm>
-          <a:off x="0" y="0"/>
-          <a:ext cx="0" cy="0"/>
-          <a:chOff x="0" y="0"/>
-          <a:chExt cx="0" cy="0"/>
-        </a:xfrm>
-      </p:grpSpPr>
-      <p:sp>
-        <p:nvSpPr>
-          <p:cNvPr id="2" name="Title 1">
-            <a:extLst>
-              <a:ext uri="{FF2B5EF4-FFF2-40B4-BE49-F238E27FC236}">
-                <a16:creationId xmlns:a16="http://schemas.microsoft.com/office/drawing/2014/main" id="{EFC99641-DACB-9D63-51E4-5613B687F7D3}"/>
-              </a:ext>
-            </a:extLst>
-          </p:cNvPr>
-          <p:cNvSpPr>
-            <a:spLocks noGrp="1"/>
-          </p:cNvSpPr>
-          <p:nvPr>
-            <p:ph type="title"/>
-          </p:nvPr>
-        </p:nvSpPr>
-        <p:spPr/>
-        <p:txBody>
-          <a:bodyPr/>
-          <a:lstStyle/>
-          <a:p>
-            <a:r>
-              <a:rPr lang="en-US" dirty="0"/>
-              <a:t>Predictive Value</a:t>
-            </a:r>
-          </a:p>
-        </p:txBody>
-      </p:sp>
-      <p:sp>
-        <p:nvSpPr>
-          <p:cNvPr id="3" name="Content Placeholder 2">
-            <a:extLst>
-              <a:ext uri="{FF2B5EF4-FFF2-40B4-BE49-F238E27FC236}">
-                <a16:creationId xmlns:a16="http://schemas.microsoft.com/office/drawing/2014/main" id="{E0073F9B-B2B6-5207-252D-4D7EE93AC50E}"/>
-              </a:ext>
-            </a:extLst>
-          </p:cNvPr>
-          <p:cNvSpPr>
-            <a:spLocks noGrp="1"/>
-          </p:cNvSpPr>
-          <p:nvPr>
-            <p:ph idx="1"/>
-          </p:nvPr>
-        </p:nvSpPr>
-        <p:spPr>
-          <a:xfrm>
-            <a:off x="1451579" y="1853754"/>
-            <a:ext cx="9603275" cy="2636303"/>
-          </a:xfrm>
-        </p:spPr>
-        <p:txBody>
-          <a:bodyPr/>
-          <a:lstStyle/>
-          <a:p>
-            <a:r>
-              <a:rPr lang="en-US" dirty="0"/>
-              <a:t>We want to have features that have predictive value. </a:t>
-            </a:r>
-          </a:p>
-          <a:p>
-            <a:pPr lvl="1"/>
-            <a:r>
-              <a:rPr lang="en-US" dirty="0"/>
-              <a:t>I.e. knowing the feature helps us predict the target. </a:t>
-            </a:r>
-          </a:p>
-          <a:p>
-            <a:pPr lvl="1"/>
-            <a:r>
-              <a:rPr lang="en-US" dirty="0"/>
-              <a:t>This is most simply seen in correlation – categorical have chi2 which is ~equivalent. </a:t>
-            </a:r>
-          </a:p>
-          <a:p>
-            <a:r>
-              <a:rPr lang="en-US" dirty="0"/>
-              <a:t>Features that have some ‘correlation’ with the target are good, those that don’t aren’t.*</a:t>
-            </a:r>
-          </a:p>
-          <a:p>
-            <a:pPr lvl="1"/>
-            <a:r>
-              <a:rPr lang="en-US" dirty="0"/>
-              <a:t>Think – “if I know what this feature value is, does that tell me about the target?”</a:t>
-            </a:r>
-          </a:p>
-          <a:p>
-            <a:r>
-              <a:rPr lang="en-US" dirty="0"/>
-              <a:t>We can see this correlation in our exploration, to a degree. </a:t>
-            </a:r>
-          </a:p>
-          <a:p>
-            <a:endParaRPr lang="en-US" dirty="0"/>
-          </a:p>
-        </p:txBody>
-      </p:sp>
-      <p:pic>
-        <p:nvPicPr>
-          <p:cNvPr id="1026" name="Picture 2" descr="What is a Correlation Coefficient? The r Value in Statistics Explained">
-            <a:extLst>
-              <a:ext uri="{FF2B5EF4-FFF2-40B4-BE49-F238E27FC236}">
-                <a16:creationId xmlns:a16="http://schemas.microsoft.com/office/drawing/2014/main" id="{05F4889E-2418-1473-0CB2-A5A4C780AEEA}"/>
+                <a16:creationId xmlns:a16="http://schemas.microsoft.com/office/drawing/2014/main" id="{747A06E6-423F-D8AE-4E73-FF660BE58FA5}"/>
               </a:ext>
             </a:extLst>
           </p:cNvPr>
@@ -4352,8 +4624,53 @@
         </p:blipFill>
         <p:spPr bwMode="auto">
           <a:xfrm>
-            <a:off x="2701301" y="4490057"/>
-            <a:ext cx="7103829" cy="2367943"/>
+            <a:off x="9454100" y="5101180"/>
+            <a:ext cx="2737899" cy="1756819"/>
+          </a:xfrm>
+          <a:prstGeom prst="rect">
+            <a:avLst/>
+          </a:prstGeom>
+          <a:noFill/>
+          <a:extLst>
+            <a:ext uri="{909E8E84-426E-40DD-AFC4-6F175D3DCCD1}">
+              <a14:hiddenFill xmlns:a14="http://schemas.microsoft.com/office/drawing/2010/main">
+                <a:solidFill>
+                  <a:srgbClr val="FFFFFF"/>
+                </a:solidFill>
+              </a14:hiddenFill>
+            </a:ext>
+          </a:extLst>
+        </p:spPr>
+      </p:pic>
+      <p:pic>
+        <p:nvPicPr>
+          <p:cNvPr id="4100" name="Picture 4" descr="Deeplearning with Tabular Data: Visualization, Data Processing, Categorical  Embeddings | by sisil mehta | Towards Data Science">
+            <a:extLst>
+              <a:ext uri="{FF2B5EF4-FFF2-40B4-BE49-F238E27FC236}">
+                <a16:creationId xmlns:a16="http://schemas.microsoft.com/office/drawing/2014/main" id="{30868840-D92F-3B62-90B7-AA9C608D231F}"/>
+              </a:ext>
+            </a:extLst>
+          </p:cNvPr>
+          <p:cNvPicPr>
+            <a:picLocks noChangeAspect="1" noChangeArrowheads="1"/>
+          </p:cNvPicPr>
+          <p:nvPr/>
+        </p:nvPicPr>
+        <p:blipFill rotWithShape="1">
+          <a:blip r:embed="rId3">
+            <a:extLst>
+              <a:ext uri="{28A0092B-C50C-407E-A947-70E740481C1C}">
+                <a14:useLocalDpi xmlns:a14="http://schemas.microsoft.com/office/drawing/2010/main" val="0"/>
+              </a:ext>
+            </a:extLst>
+          </a:blip>
+          <a:srcRect l="40761" t="52110" r="44892"/>
+          <a:stretch/>
+        </p:blipFill>
+        <p:spPr bwMode="auto">
+          <a:xfrm>
+            <a:off x="0" y="3555205"/>
+            <a:ext cx="1900362" cy="3302795"/>
           </a:xfrm>
           <a:prstGeom prst="rect">
             <a:avLst/>
@@ -4373,423 +4690,6 @@
     </p:spTree>
     <p:extLst>
       <p:ext uri="{BB962C8B-B14F-4D97-AF65-F5344CB8AC3E}">
-        <p14:creationId xmlns:p14="http://schemas.microsoft.com/office/powerpoint/2010/main" val="796216772"/>
-      </p:ext>
-    </p:extLst>
-  </p:cSld>
-  <p:clrMapOvr>
-    <a:masterClrMapping/>
-  </p:clrMapOvr>
-</p:sld>
-</file>
-
-<file path=ppt/slides/slide5.xml><?xml version="1.0" encoding="utf-8"?>
-<p:sld xmlns:a="http://schemas.openxmlformats.org/drawingml/2006/main" xmlns:r="http://schemas.openxmlformats.org/officeDocument/2006/relationships" xmlns:p="http://schemas.openxmlformats.org/presentationml/2006/main">
-  <p:cSld>
-    <p:spTree>
-      <p:nvGrpSpPr>
-        <p:cNvPr id="1" name=""/>
-        <p:cNvGrpSpPr/>
-        <p:nvPr/>
-      </p:nvGrpSpPr>
-      <p:grpSpPr>
-        <a:xfrm>
-          <a:off x="0" y="0"/>
-          <a:ext cx="0" cy="0"/>
-          <a:chOff x="0" y="0"/>
-          <a:chExt cx="0" cy="0"/>
-        </a:xfrm>
-      </p:grpSpPr>
-      <p:sp>
-        <p:nvSpPr>
-          <p:cNvPr id="2" name="Title 1">
-            <a:extLst>
-              <a:ext uri="{FF2B5EF4-FFF2-40B4-BE49-F238E27FC236}">
-                <a16:creationId xmlns:a16="http://schemas.microsoft.com/office/drawing/2014/main" id="{42344F9A-BDD0-5847-79C8-15A670736EC2}"/>
-              </a:ext>
-            </a:extLst>
-          </p:cNvPr>
-          <p:cNvSpPr>
-            <a:spLocks noGrp="1"/>
-          </p:cNvSpPr>
-          <p:nvPr>
-            <p:ph type="title"/>
-          </p:nvPr>
-        </p:nvSpPr>
-        <p:spPr>
-          <a:xfrm>
-            <a:off x="1451578" y="867037"/>
-            <a:ext cx="9603275" cy="1049235"/>
-          </a:xfrm>
-        </p:spPr>
-        <p:txBody>
-          <a:bodyPr/>
-          <a:lstStyle/>
-          <a:p>
-            <a:r>
-              <a:rPr lang="en-US" dirty="0"/>
-              <a:t>But…</a:t>
-            </a:r>
-          </a:p>
-        </p:txBody>
-      </p:sp>
-      <p:sp>
-        <p:nvSpPr>
-          <p:cNvPr id="3" name="Content Placeholder 2">
-            <a:extLst>
-              <a:ext uri="{FF2B5EF4-FFF2-40B4-BE49-F238E27FC236}">
-                <a16:creationId xmlns:a16="http://schemas.microsoft.com/office/drawing/2014/main" id="{2D82B407-EF18-FDC0-F896-897788C4A70F}"/>
-              </a:ext>
-            </a:extLst>
-          </p:cNvPr>
-          <p:cNvSpPr>
-            <a:spLocks noGrp="1"/>
-          </p:cNvSpPr>
-          <p:nvPr>
-            <p:ph idx="1"/>
-          </p:nvPr>
-        </p:nvSpPr>
-        <p:spPr>
-          <a:xfrm>
-            <a:off x="1451579" y="1916272"/>
-            <a:ext cx="9603275" cy="4148098"/>
-          </a:xfrm>
-        </p:spPr>
-        <p:txBody>
-          <a:bodyPr/>
-          <a:lstStyle/>
-          <a:p>
-            <a:r>
-              <a:rPr lang="en-US" dirty="0"/>
-              <a:t>Features being correlated with the target is good, but a simplification. </a:t>
-            </a:r>
-          </a:p>
-          <a:p>
-            <a:r>
-              <a:rPr lang="en-US" dirty="0"/>
-              <a:t>The magic of ML is the models can capture more complex, invisible, relationships. </a:t>
-            </a:r>
-          </a:p>
-          <a:p>
-            <a:pPr lvl="1"/>
-            <a:r>
-              <a:rPr lang="en-US" dirty="0"/>
-              <a:t>E.g. a combination of 397 features can be highly correlated with the target. </a:t>
-            </a:r>
-          </a:p>
-          <a:p>
-            <a:r>
-              <a:rPr lang="en-US" dirty="0"/>
-              <a:t>Our inspection in 1-3 dimensions can help, but isn’t everything. </a:t>
-            </a:r>
-          </a:p>
-          <a:p>
-            <a:pPr lvl="1"/>
-            <a:r>
-              <a:rPr lang="en-US" dirty="0"/>
-              <a:t>We won’t find a deterministic set of actions to take that will give the best model. </a:t>
-            </a:r>
-          </a:p>
-          <a:p>
-            <a:pPr lvl="1"/>
-            <a:r>
-              <a:rPr lang="en-US" dirty="0"/>
-              <a:t>Our brains’ “r-squared” in this scenario can be pretty low.</a:t>
-            </a:r>
-          </a:p>
-          <a:p>
-            <a:pPr lvl="1"/>
-            <a:r>
-              <a:rPr lang="en-US" dirty="0"/>
-              <a:t>We can get rid of things that are useless, and take attempts at improvements, but we need to test and check the results to know if changes are actually good.  </a:t>
-            </a:r>
-          </a:p>
-          <a:p>
-            <a:r>
-              <a:rPr lang="en-US" dirty="0"/>
-              <a:t>We can do a pass here to help, but we aren’t calculating the answer. </a:t>
-            </a:r>
-          </a:p>
-        </p:txBody>
-      </p:sp>
-    </p:spTree>
-    <p:extLst>
-      <p:ext uri="{BB962C8B-B14F-4D97-AF65-F5344CB8AC3E}">
-        <p14:creationId xmlns:p14="http://schemas.microsoft.com/office/powerpoint/2010/main" val="4049128149"/>
-      </p:ext>
-    </p:extLst>
-  </p:cSld>
-  <p:clrMapOvr>
-    <a:masterClrMapping/>
-  </p:clrMapOvr>
-</p:sld>
-</file>
-
-<file path=ppt/slides/slide6.xml><?xml version="1.0" encoding="utf-8"?>
-<p:sld xmlns:a="http://schemas.openxmlformats.org/drawingml/2006/main" xmlns:r="http://schemas.openxmlformats.org/officeDocument/2006/relationships" xmlns:p="http://schemas.openxmlformats.org/presentationml/2006/main">
-  <p:cSld>
-    <p:spTree>
-      <p:nvGrpSpPr>
-        <p:cNvPr id="1" name=""/>
-        <p:cNvGrpSpPr/>
-        <p:nvPr/>
-      </p:nvGrpSpPr>
-      <p:grpSpPr>
-        <a:xfrm>
-          <a:off x="0" y="0"/>
-          <a:ext cx="0" cy="0"/>
-          <a:chOff x="0" y="0"/>
-          <a:chExt cx="0" cy="0"/>
-        </a:xfrm>
-      </p:grpSpPr>
-      <p:sp>
-        <p:nvSpPr>
-          <p:cNvPr id="2" name="Title 1">
-            <a:extLst>
-              <a:ext uri="{FF2B5EF4-FFF2-40B4-BE49-F238E27FC236}">
-                <a16:creationId xmlns:a16="http://schemas.microsoft.com/office/drawing/2014/main" id="{86B89E55-5EF9-334E-2151-0826FA9FA2EB}"/>
-              </a:ext>
-            </a:extLst>
-          </p:cNvPr>
-          <p:cNvSpPr>
-            <a:spLocks noGrp="1"/>
-          </p:cNvSpPr>
-          <p:nvPr>
-            <p:ph type="title"/>
-          </p:nvPr>
-        </p:nvSpPr>
-        <p:spPr/>
-        <p:txBody>
-          <a:bodyPr/>
-          <a:lstStyle/>
-          <a:p>
-            <a:r>
-              <a:rPr lang="en-US" dirty="0"/>
-              <a:t>Nothing is Real</a:t>
-            </a:r>
-          </a:p>
-        </p:txBody>
-      </p:sp>
-      <p:sp>
-        <p:nvSpPr>
-          <p:cNvPr id="3" name="Content Placeholder 2">
-            <a:extLst>
-              <a:ext uri="{FF2B5EF4-FFF2-40B4-BE49-F238E27FC236}">
-                <a16:creationId xmlns:a16="http://schemas.microsoft.com/office/drawing/2014/main" id="{2371F27D-DCA8-A096-DF13-A40D6AEB5C67}"/>
-              </a:ext>
-            </a:extLst>
-          </p:cNvPr>
-          <p:cNvSpPr>
-            <a:spLocks noGrp="1"/>
-          </p:cNvSpPr>
-          <p:nvPr>
-            <p:ph idx="1"/>
-          </p:nvPr>
-        </p:nvSpPr>
-        <p:spPr>
-          <a:xfrm>
-            <a:off x="1451579" y="1853754"/>
-            <a:ext cx="9603275" cy="4122976"/>
-          </a:xfrm>
-        </p:spPr>
-        <p:txBody>
-          <a:bodyPr/>
-          <a:lstStyle/>
-          <a:p>
-            <a:r>
-              <a:rPr lang="en-US" dirty="0"/>
-              <a:t>When we are trying things like this, it is weird and often not intuitive. </a:t>
-            </a:r>
-          </a:p>
-          <a:p>
-            <a:r>
-              <a:rPr lang="en-US" dirty="0"/>
-              <a:t>The goal is to create a dataset that represents some real-world thing, in a way that allows a ML model to predict the target accurately. </a:t>
-            </a:r>
-          </a:p>
-          <a:p>
-            <a:pPr lvl="1"/>
-            <a:r>
-              <a:rPr lang="en-US" dirty="0"/>
-              <a:t>This is not the same as doing manipulations of our original data. </a:t>
-            </a:r>
-          </a:p>
-          <a:p>
-            <a:pPr lvl="1"/>
-            <a:r>
-              <a:rPr lang="en-US" dirty="0"/>
-              <a:t>The representation is not a defined, real thing, we are creating it from our data. </a:t>
-            </a:r>
-          </a:p>
-          <a:p>
-            <a:pPr lvl="1"/>
-            <a:r>
-              <a:rPr lang="en-US" dirty="0"/>
-              <a:t>Our dataset isn’t reality, it is one snapshot of some metrics, from reality. </a:t>
-            </a:r>
-          </a:p>
-          <a:p>
-            <a:r>
-              <a:rPr lang="en-US" dirty="0"/>
-              <a:t>Changing the data to make it “more legible” to the model, is ok. Like phonetic spelling. </a:t>
-            </a:r>
-          </a:p>
-          <a:p>
-            <a:r>
-              <a:rPr lang="en-US" dirty="0"/>
-              <a:t>Simple things here are required, the more elaborate things are more of an art. </a:t>
-            </a:r>
-          </a:p>
-          <a:p>
-            <a:pPr lvl="1"/>
-            <a:endParaRPr lang="en-US" dirty="0"/>
-          </a:p>
-        </p:txBody>
-      </p:sp>
-    </p:spTree>
-    <p:extLst>
-      <p:ext uri="{BB962C8B-B14F-4D97-AF65-F5344CB8AC3E}">
-        <p14:creationId xmlns:p14="http://schemas.microsoft.com/office/powerpoint/2010/main" val="2511495206"/>
-      </p:ext>
-    </p:extLst>
-  </p:cSld>
-  <p:clrMapOvr>
-    <a:masterClrMapping/>
-  </p:clrMapOvr>
-</p:sld>
-</file>
-
-<file path=ppt/slides/slide7.xml><?xml version="1.0" encoding="utf-8"?>
-<p:sld xmlns:a="http://schemas.openxmlformats.org/drawingml/2006/main" xmlns:r="http://schemas.openxmlformats.org/officeDocument/2006/relationships" xmlns:p="http://schemas.openxmlformats.org/presentationml/2006/main">
-  <p:cSld>
-    <p:spTree>
-      <p:nvGrpSpPr>
-        <p:cNvPr id="1" name=""/>
-        <p:cNvGrpSpPr/>
-        <p:nvPr/>
-      </p:nvGrpSpPr>
-      <p:grpSpPr>
-        <a:xfrm>
-          <a:off x="0" y="0"/>
-          <a:ext cx="0" cy="0"/>
-          <a:chOff x="0" y="0"/>
-          <a:chExt cx="0" cy="0"/>
-        </a:xfrm>
-      </p:grpSpPr>
-      <p:sp>
-        <p:nvSpPr>
-          <p:cNvPr id="2" name="Title 1">
-            <a:extLst>
-              <a:ext uri="{FF2B5EF4-FFF2-40B4-BE49-F238E27FC236}">
-                <a16:creationId xmlns:a16="http://schemas.microsoft.com/office/drawing/2014/main" id="{D98049F1-0A3C-996F-CF9A-4F21DFA9C434}"/>
-              </a:ext>
-            </a:extLst>
-          </p:cNvPr>
-          <p:cNvSpPr>
-            <a:spLocks noGrp="1"/>
-          </p:cNvSpPr>
-          <p:nvPr>
-            <p:ph type="title"/>
-          </p:nvPr>
-        </p:nvSpPr>
-        <p:spPr/>
-        <p:txBody>
-          <a:bodyPr/>
-          <a:lstStyle/>
-          <a:p>
-            <a:r>
-              <a:rPr lang="en-US" dirty="0"/>
-              <a:t>Some things that may not be useful…</a:t>
-            </a:r>
-          </a:p>
-        </p:txBody>
-      </p:sp>
-      <p:sp>
-        <p:nvSpPr>
-          <p:cNvPr id="3" name="Content Placeholder 2">
-            <a:extLst>
-              <a:ext uri="{FF2B5EF4-FFF2-40B4-BE49-F238E27FC236}">
-                <a16:creationId xmlns:a16="http://schemas.microsoft.com/office/drawing/2014/main" id="{58E3E28F-3D4A-B7C7-2491-1B8C2C318DB2}"/>
-              </a:ext>
-            </a:extLst>
-          </p:cNvPr>
-          <p:cNvSpPr>
-            <a:spLocks noGrp="1"/>
-          </p:cNvSpPr>
-          <p:nvPr>
-            <p:ph idx="1"/>
-          </p:nvPr>
-        </p:nvSpPr>
-        <p:spPr>
-          <a:xfrm>
-            <a:off x="1451579" y="1941444"/>
-            <a:ext cx="9603275" cy="3995530"/>
-          </a:xfrm>
-        </p:spPr>
-        <p:txBody>
-          <a:bodyPr/>
-          <a:lstStyle/>
-          <a:p>
-            <a:r>
-              <a:rPr lang="en-US" dirty="0"/>
-              <a:t>Some patterns indicate that variables may not be that helpful:</a:t>
-            </a:r>
-          </a:p>
-          <a:p>
-            <a:pPr lvl="1"/>
-            <a:r>
-              <a:rPr lang="en-US" dirty="0"/>
-              <a:t>Little to no correlation with the target. </a:t>
-            </a:r>
-          </a:p>
-          <a:p>
-            <a:pPr lvl="1"/>
-            <a:r>
-              <a:rPr lang="en-US" dirty="0"/>
-              <a:t>Little variance (i.e. almost everything has the same value). </a:t>
-            </a:r>
-          </a:p>
-          <a:p>
-            <a:pPr lvl="1"/>
-            <a:r>
-              <a:rPr lang="en-US" dirty="0"/>
-              <a:t>Seeming randomness with no correlation to anything. (I.e. ‘sum of phone number digits’ as a feature – the value has no connection with anything meaningful). </a:t>
-            </a:r>
-          </a:p>
-          <a:p>
-            <a:pPr lvl="1"/>
-            <a:r>
-              <a:rPr lang="en-US" dirty="0"/>
-              <a:t>Huge number of classes with very small numbers in each/most.</a:t>
-            </a:r>
-          </a:p>
-          <a:p>
-            <a:pPr lvl="1"/>
-            <a:r>
-              <a:rPr lang="en-US" dirty="0"/>
-              <a:t>Fully or mostly redundant features. I.e. ‘Province’=‘Alberta’ and ‘</a:t>
-            </a:r>
-            <a:r>
-              <a:rPr lang="en-US" dirty="0" err="1"/>
-              <a:t>Province_short</a:t>
-            </a:r>
-            <a:r>
-              <a:rPr lang="en-US" dirty="0"/>
-              <a:t>’=‘AB’.*</a:t>
-            </a:r>
-          </a:p>
-          <a:p>
-            <a:pPr lvl="2"/>
-            <a:r>
-              <a:rPr lang="en-US" dirty="0"/>
-              <a:t>Having multiple features that all have the same information is called multicollinearity. </a:t>
-            </a:r>
-          </a:p>
-        </p:txBody>
-      </p:sp>
-    </p:spTree>
-    <p:extLst>
-      <p:ext uri="{BB962C8B-B14F-4D97-AF65-F5344CB8AC3E}">
         <p14:creationId xmlns:p14="http://schemas.microsoft.com/office/powerpoint/2010/main" val="1875795947"/>
       </p:ext>
     </p:extLst>
@@ -4800,7 +4700,7 @@
 </p:sld>
 </file>
 
-<file path=ppt/slides/slide8.xml><?xml version="1.0" encoding="utf-8"?>
+<file path=ppt/slides/slide11.xml><?xml version="1.0" encoding="utf-8"?>
 <p:sld xmlns:a="http://schemas.openxmlformats.org/drawingml/2006/main" xmlns:r="http://schemas.openxmlformats.org/officeDocument/2006/relationships" xmlns:p="http://schemas.openxmlformats.org/presentationml/2006/main">
   <p:cSld>
     <p:spTree>
@@ -4952,7 +4852,7 @@
 </p:sld>
 </file>
 
-<file path=ppt/slides/slide9.xml><?xml version="1.0" encoding="utf-8"?>
+<file path=ppt/slides/slide12.xml><?xml version="1.0" encoding="utf-8"?>
 <p:sld xmlns:a="http://schemas.openxmlformats.org/drawingml/2006/main" xmlns:r="http://schemas.openxmlformats.org/officeDocument/2006/relationships" xmlns:p="http://schemas.openxmlformats.org/presentationml/2006/main">
   <p:cSld>
     <p:spTree>
@@ -5015,8 +4915,8 @@
         </p:nvSpPr>
         <p:spPr>
           <a:xfrm>
-            <a:off x="1451579" y="1938130"/>
-            <a:ext cx="9603275" cy="3975653"/>
+            <a:off x="1451579" y="1853754"/>
+            <a:ext cx="9603275" cy="4060029"/>
           </a:xfrm>
         </p:spPr>
         <p:txBody>
@@ -5111,10 +5011,2726 @@
           </a:extLst>
         </p:spPr>
       </p:pic>
+      <p:pic>
+        <p:nvPicPr>
+          <p:cNvPr id="4" name="Picture 3">
+            <a:extLst>
+              <a:ext uri="{FF2B5EF4-FFF2-40B4-BE49-F238E27FC236}">
+                <a16:creationId xmlns:a16="http://schemas.microsoft.com/office/drawing/2014/main" id="{FF086D29-34CA-DBBF-1321-3530D2A5E293}"/>
+              </a:ext>
+            </a:extLst>
+          </p:cNvPr>
+          <p:cNvPicPr>
+            <a:picLocks noChangeAspect="1"/>
+          </p:cNvPicPr>
+          <p:nvPr/>
+        </p:nvPicPr>
+        <p:blipFill>
+          <a:blip r:embed="rId3"/>
+          <a:stretch>
+            <a:fillRect/>
+          </a:stretch>
+        </p:blipFill>
+        <p:spPr>
+          <a:xfrm>
+            <a:off x="0" y="4584699"/>
+            <a:ext cx="1270000" cy="2273300"/>
+          </a:xfrm>
+          <a:prstGeom prst="rect">
+            <a:avLst/>
+          </a:prstGeom>
+        </p:spPr>
+      </p:pic>
+      <p:pic>
+        <p:nvPicPr>
+          <p:cNvPr id="2052" name="Picture 4" descr="Use of logarithmic transformation and back-transformation.">
+            <a:extLst>
+              <a:ext uri="{FF2B5EF4-FFF2-40B4-BE49-F238E27FC236}">
+                <a16:creationId xmlns:a16="http://schemas.microsoft.com/office/drawing/2014/main" id="{27E23727-39CA-EA86-57F0-CD940890CC38}"/>
+              </a:ext>
+            </a:extLst>
+          </p:cNvPr>
+          <p:cNvPicPr>
+            <a:picLocks noChangeAspect="1" noChangeArrowheads="1"/>
+          </p:cNvPicPr>
+          <p:nvPr/>
+        </p:nvPicPr>
+        <p:blipFill>
+          <a:blip r:embed="rId4">
+            <a:extLst>
+              <a:ext uri="{28A0092B-C50C-407E-A947-70E740481C1C}">
+                <a14:useLocalDpi xmlns:a14="http://schemas.microsoft.com/office/drawing/2010/main" val="0"/>
+              </a:ext>
+            </a:extLst>
+          </a:blip>
+          <a:srcRect/>
+          <a:stretch>
+            <a:fillRect/>
+          </a:stretch>
+        </p:blipFill>
+        <p:spPr bwMode="auto">
+          <a:xfrm>
+            <a:off x="3419060" y="5191441"/>
+            <a:ext cx="3999740" cy="1666558"/>
+          </a:xfrm>
+          <a:prstGeom prst="rect">
+            <a:avLst/>
+          </a:prstGeom>
+          <a:noFill/>
+          <a:extLst>
+            <a:ext uri="{909E8E84-426E-40DD-AFC4-6F175D3DCCD1}">
+              <a14:hiddenFill xmlns:a14="http://schemas.microsoft.com/office/drawing/2010/main">
+                <a:solidFill>
+                  <a:srgbClr val="FFFFFF"/>
+                </a:solidFill>
+              </a14:hiddenFill>
+            </a:ext>
+          </a:extLst>
+        </p:spPr>
+      </p:pic>
     </p:spTree>
     <p:extLst>
       <p:ext uri="{BB962C8B-B14F-4D97-AF65-F5344CB8AC3E}">
         <p14:creationId xmlns:p14="http://schemas.microsoft.com/office/powerpoint/2010/main" val="2575253689"/>
+      </p:ext>
+    </p:extLst>
+  </p:cSld>
+  <p:clrMapOvr>
+    <a:masterClrMapping/>
+  </p:clrMapOvr>
+</p:sld>
+</file>
+
+<file path=ppt/slides/slide13.xml><?xml version="1.0" encoding="utf-8"?>
+<p:sld xmlns:a="http://schemas.openxmlformats.org/drawingml/2006/main" xmlns:r="http://schemas.openxmlformats.org/officeDocument/2006/relationships" xmlns:p="http://schemas.openxmlformats.org/presentationml/2006/main">
+  <p:cSld>
+    <p:spTree>
+      <p:nvGrpSpPr>
+        <p:cNvPr id="1" name=""/>
+        <p:cNvGrpSpPr/>
+        <p:nvPr/>
+      </p:nvGrpSpPr>
+      <p:grpSpPr>
+        <a:xfrm>
+          <a:off x="0" y="0"/>
+          <a:ext cx="0" cy="0"/>
+          <a:chOff x="0" y="0"/>
+          <a:chExt cx="0" cy="0"/>
+        </a:xfrm>
+      </p:grpSpPr>
+      <p:sp>
+        <p:nvSpPr>
+          <p:cNvPr id="2" name="Title 1">
+            <a:extLst>
+              <a:ext uri="{FF2B5EF4-FFF2-40B4-BE49-F238E27FC236}">
+                <a16:creationId xmlns:a16="http://schemas.microsoft.com/office/drawing/2014/main" id="{5890B87F-9DCD-3CA8-CEE5-63A20554D620}"/>
+              </a:ext>
+            </a:extLst>
+          </p:cNvPr>
+          <p:cNvSpPr>
+            <a:spLocks noGrp="1"/>
+          </p:cNvSpPr>
+          <p:nvPr>
+            <p:ph type="title"/>
+          </p:nvPr>
+        </p:nvSpPr>
+        <p:spPr/>
+        <p:txBody>
+          <a:bodyPr/>
+          <a:lstStyle/>
+          <a:p>
+            <a:r>
+              <a:rPr lang="en-US" dirty="0"/>
+              <a:t>Process</a:t>
+            </a:r>
+          </a:p>
+        </p:txBody>
+      </p:sp>
+      <p:sp>
+        <p:nvSpPr>
+          <p:cNvPr id="3" name="Content Placeholder 2">
+            <a:extLst>
+              <a:ext uri="{FF2B5EF4-FFF2-40B4-BE49-F238E27FC236}">
+                <a16:creationId xmlns:a16="http://schemas.microsoft.com/office/drawing/2014/main" id="{D059408A-5663-6562-1668-0145AD12857B}"/>
+              </a:ext>
+            </a:extLst>
+          </p:cNvPr>
+          <p:cNvSpPr>
+            <a:spLocks noGrp="1"/>
+          </p:cNvSpPr>
+          <p:nvPr>
+            <p:ph idx="1"/>
+          </p:nvPr>
+        </p:nvSpPr>
+        <p:spPr>
+          <a:xfrm>
+            <a:off x="1451579" y="1949570"/>
+            <a:ext cx="9603275" cy="4103911"/>
+          </a:xfrm>
+        </p:spPr>
+        <p:txBody>
+          <a:bodyPr/>
+          <a:lstStyle/>
+          <a:p>
+            <a:r>
+              <a:rPr lang="en-US" dirty="0"/>
+              <a:t>During data exploration, we note if anything looks like it may need to be changed. </a:t>
+            </a:r>
+          </a:p>
+          <a:p>
+            <a:pPr lvl="1"/>
+            <a:r>
+              <a:rPr lang="en-US" dirty="0"/>
+              <a:t>If something is clear, we can just do it right off the top. </a:t>
+            </a:r>
+          </a:p>
+          <a:p>
+            <a:pPr lvl="1"/>
+            <a:r>
+              <a:rPr lang="en-US" dirty="0"/>
+              <a:t>If something is more of a maybe, then we can hang on to the ideas. </a:t>
+            </a:r>
+          </a:p>
+          <a:p>
+            <a:r>
+              <a:rPr lang="en-US" dirty="0"/>
+              <a:t>Create a model as you would normally and check the performance. </a:t>
+            </a:r>
+          </a:p>
+          <a:p>
+            <a:pPr lvl="1"/>
+            <a:r>
+              <a:rPr lang="en-US" dirty="0"/>
+              <a:t>In particular, check if there is wide variance on the cross-validation results from the grid. </a:t>
+            </a:r>
+          </a:p>
+          <a:p>
+            <a:r>
+              <a:rPr lang="en-US" dirty="0"/>
+              <a:t>Create a copy of the data, make the changes you want to try, and model again. </a:t>
+            </a:r>
+          </a:p>
+          <a:p>
+            <a:pPr lvl="1"/>
+            <a:r>
+              <a:rPr lang="en-US" dirty="0"/>
+              <a:t>If the results are the same or better, then your data changes are definitely good.*</a:t>
+            </a:r>
+          </a:p>
+          <a:p>
+            <a:pPr lvl="1"/>
+            <a:r>
+              <a:rPr lang="en-US" dirty="0"/>
+              <a:t>If the results are a bit worse, then its still debatable. Make some tweaks, then make a judgment depending on the real scenario. </a:t>
+            </a:r>
+          </a:p>
+        </p:txBody>
+      </p:sp>
+    </p:spTree>
+    <p:extLst>
+      <p:ext uri="{BB962C8B-B14F-4D97-AF65-F5344CB8AC3E}">
+        <p14:creationId xmlns:p14="http://schemas.microsoft.com/office/powerpoint/2010/main" val="1269819477"/>
+      </p:ext>
+    </p:extLst>
+  </p:cSld>
+  <p:clrMapOvr>
+    <a:masterClrMapping/>
+  </p:clrMapOvr>
+</p:sld>
+</file>
+
+<file path=ppt/slides/slide14.xml><?xml version="1.0" encoding="utf-8"?>
+<p:sld xmlns:a="http://schemas.openxmlformats.org/drawingml/2006/main" xmlns:r="http://schemas.openxmlformats.org/officeDocument/2006/relationships" xmlns:p="http://schemas.openxmlformats.org/presentationml/2006/main">
+  <p:cSld>
+    <p:spTree>
+      <p:nvGrpSpPr>
+        <p:cNvPr id="1" name=""/>
+        <p:cNvGrpSpPr/>
+        <p:nvPr/>
+      </p:nvGrpSpPr>
+      <p:grpSpPr>
+        <a:xfrm>
+          <a:off x="0" y="0"/>
+          <a:ext cx="0" cy="0"/>
+          <a:chOff x="0" y="0"/>
+          <a:chExt cx="0" cy="0"/>
+        </a:xfrm>
+      </p:grpSpPr>
+      <p:sp>
+        <p:nvSpPr>
+          <p:cNvPr id="2" name="Title 1">
+            <a:extLst>
+              <a:ext uri="{FF2B5EF4-FFF2-40B4-BE49-F238E27FC236}">
+                <a16:creationId xmlns:a16="http://schemas.microsoft.com/office/drawing/2014/main" id="{7A7AF28C-6BCF-1C9F-16DC-4B3E47839B2E}"/>
+              </a:ext>
+            </a:extLst>
+          </p:cNvPr>
+          <p:cNvSpPr>
+            <a:spLocks noGrp="1"/>
+          </p:cNvSpPr>
+          <p:nvPr>
+            <p:ph type="title"/>
+          </p:nvPr>
+        </p:nvSpPr>
+        <p:spPr/>
+        <p:txBody>
+          <a:bodyPr/>
+          <a:lstStyle/>
+          <a:p>
+            <a:r>
+              <a:rPr lang="en-US" dirty="0"/>
+              <a:t>Goals</a:t>
+            </a:r>
+          </a:p>
+        </p:txBody>
+      </p:sp>
+      <p:sp>
+        <p:nvSpPr>
+          <p:cNvPr id="3" name="Content Placeholder 2">
+            <a:extLst>
+              <a:ext uri="{FF2B5EF4-FFF2-40B4-BE49-F238E27FC236}">
+                <a16:creationId xmlns:a16="http://schemas.microsoft.com/office/drawing/2014/main" id="{8D84030F-8D6D-9674-AE56-9A6EF2BB0A47}"/>
+              </a:ext>
+            </a:extLst>
+          </p:cNvPr>
+          <p:cNvSpPr>
+            <a:spLocks noGrp="1"/>
+          </p:cNvSpPr>
+          <p:nvPr>
+            <p:ph idx="1"/>
+          </p:nvPr>
+        </p:nvSpPr>
+        <p:spPr>
+          <a:xfrm>
+            <a:off x="1451579" y="1967948"/>
+            <a:ext cx="9603275" cy="4005469"/>
+          </a:xfrm>
+        </p:spPr>
+        <p:txBody>
+          <a:bodyPr/>
+          <a:lstStyle/>
+          <a:p>
+            <a:r>
+              <a:rPr lang="en-US" dirty="0"/>
+              <a:t>Removing features from a model will usually not result in a climb in raw accuracy. </a:t>
+            </a:r>
+          </a:p>
+          <a:p>
+            <a:pPr lvl="1"/>
+            <a:r>
+              <a:rPr lang="en-US" dirty="0"/>
+              <a:t>The worse the feature was, and the worse the model was, the more likely an increase is. </a:t>
+            </a:r>
+          </a:p>
+          <a:p>
+            <a:pPr lvl="1"/>
+            <a:r>
+              <a:rPr lang="en-US" dirty="0"/>
+              <a:t>We may get less variability – we will get a model that is more stable. </a:t>
+            </a:r>
+          </a:p>
+          <a:p>
+            <a:r>
+              <a:rPr lang="en-US" dirty="0"/>
+              <a:t>A smaller model is usually a better model. </a:t>
+            </a:r>
+          </a:p>
+          <a:p>
+            <a:pPr lvl="1"/>
+            <a:r>
+              <a:rPr lang="en-US" dirty="0"/>
+              <a:t>Easier to explain and understand, faster to make and use, cheaper to gather/store data for. </a:t>
+            </a:r>
+          </a:p>
+          <a:p>
+            <a:pPr lvl="1"/>
+            <a:r>
+              <a:rPr lang="en-US" dirty="0"/>
+              <a:t>If we can get similar performance with a smaller model, that’s usually better. </a:t>
+            </a:r>
+          </a:p>
+          <a:p>
+            <a:r>
+              <a:rPr lang="en-US" dirty="0"/>
+              <a:t>We need to use judgement to evaluate a reasonable balance. </a:t>
+            </a:r>
+          </a:p>
+        </p:txBody>
+      </p:sp>
+    </p:spTree>
+    <p:extLst>
+      <p:ext uri="{BB962C8B-B14F-4D97-AF65-F5344CB8AC3E}">
+        <p14:creationId xmlns:p14="http://schemas.microsoft.com/office/powerpoint/2010/main" val="2031310435"/>
+      </p:ext>
+    </p:extLst>
+  </p:cSld>
+  <p:clrMapOvr>
+    <a:masterClrMapping/>
+  </p:clrMapOvr>
+</p:sld>
+</file>
+
+<file path=ppt/slides/slide2.xml><?xml version="1.0" encoding="utf-8"?>
+<p:sld xmlns:a="http://schemas.openxmlformats.org/drawingml/2006/main" xmlns:r="http://schemas.openxmlformats.org/officeDocument/2006/relationships" xmlns:p="http://schemas.openxmlformats.org/presentationml/2006/main">
+  <p:cSld>
+    <p:spTree>
+      <p:nvGrpSpPr>
+        <p:cNvPr id="1" name=""/>
+        <p:cNvGrpSpPr/>
+        <p:nvPr/>
+      </p:nvGrpSpPr>
+      <p:grpSpPr>
+        <a:xfrm>
+          <a:off x="0" y="0"/>
+          <a:ext cx="0" cy="0"/>
+          <a:chOff x="0" y="0"/>
+          <a:chExt cx="0" cy="0"/>
+        </a:xfrm>
+      </p:grpSpPr>
+      <p:sp>
+        <p:nvSpPr>
+          <p:cNvPr id="2" name="Title 1">
+            <a:extLst>
+              <a:ext uri="{FF2B5EF4-FFF2-40B4-BE49-F238E27FC236}">
+                <a16:creationId xmlns:a16="http://schemas.microsoft.com/office/drawing/2014/main" id="{B32493CE-3912-8CF3-CFF9-89E7EF6D5914}"/>
+              </a:ext>
+            </a:extLst>
+          </p:cNvPr>
+          <p:cNvSpPr>
+            <a:spLocks noGrp="1"/>
+          </p:cNvSpPr>
+          <p:nvPr>
+            <p:ph type="title"/>
+          </p:nvPr>
+        </p:nvSpPr>
+        <p:spPr/>
+        <p:txBody>
+          <a:bodyPr/>
+          <a:lstStyle/>
+          <a:p>
+            <a:endParaRPr lang="en-US"/>
+          </a:p>
+        </p:txBody>
+      </p:sp>
+      <p:sp>
+        <p:nvSpPr>
+          <p:cNvPr id="3" name="Content Placeholder 2">
+            <a:extLst>
+              <a:ext uri="{FF2B5EF4-FFF2-40B4-BE49-F238E27FC236}">
+                <a16:creationId xmlns:a16="http://schemas.microsoft.com/office/drawing/2014/main" id="{EFD24353-ECE7-225C-F92D-EE32A449954E}"/>
+              </a:ext>
+            </a:extLst>
+          </p:cNvPr>
+          <p:cNvSpPr>
+            <a:spLocks noGrp="1"/>
+          </p:cNvSpPr>
+          <p:nvPr>
+            <p:ph idx="1"/>
+          </p:nvPr>
+        </p:nvSpPr>
+        <p:spPr/>
+        <p:txBody>
+          <a:bodyPr/>
+          <a:lstStyle/>
+          <a:p>
+            <a:endParaRPr lang="en-US"/>
+          </a:p>
+        </p:txBody>
+      </p:sp>
+      <p:pic>
+        <p:nvPicPr>
+          <p:cNvPr id="5" name="Picture 4">
+            <a:extLst>
+              <a:ext uri="{FF2B5EF4-FFF2-40B4-BE49-F238E27FC236}">
+                <a16:creationId xmlns:a16="http://schemas.microsoft.com/office/drawing/2014/main" id="{C885A34A-BD20-1879-A130-22B9DD82758D}"/>
+              </a:ext>
+            </a:extLst>
+          </p:cNvPr>
+          <p:cNvPicPr>
+            <a:picLocks noChangeAspect="1"/>
+          </p:cNvPicPr>
+          <p:nvPr/>
+        </p:nvPicPr>
+        <p:blipFill>
+          <a:blip r:embed="rId2"/>
+          <a:stretch>
+            <a:fillRect/>
+          </a:stretch>
+        </p:blipFill>
+        <p:spPr>
+          <a:xfrm>
+            <a:off x="0" y="-1"/>
+            <a:ext cx="3908010" cy="3347499"/>
+          </a:xfrm>
+          <a:prstGeom prst="rect">
+            <a:avLst/>
+          </a:prstGeom>
+        </p:spPr>
+      </p:pic>
+      <p:pic>
+        <p:nvPicPr>
+          <p:cNvPr id="6" name="Picture 5">
+            <a:extLst>
+              <a:ext uri="{FF2B5EF4-FFF2-40B4-BE49-F238E27FC236}">
+                <a16:creationId xmlns:a16="http://schemas.microsoft.com/office/drawing/2014/main" id="{0811FA86-C0A6-86BD-F0CE-2A0BA1E6AD52}"/>
+              </a:ext>
+            </a:extLst>
+          </p:cNvPr>
+          <p:cNvPicPr>
+            <a:picLocks noChangeAspect="1"/>
+          </p:cNvPicPr>
+          <p:nvPr/>
+        </p:nvPicPr>
+        <p:blipFill>
+          <a:blip r:embed="rId3"/>
+          <a:stretch>
+            <a:fillRect/>
+          </a:stretch>
+        </p:blipFill>
+        <p:spPr>
+          <a:xfrm>
+            <a:off x="3918549" y="-1"/>
+            <a:ext cx="3997022" cy="5812403"/>
+          </a:xfrm>
+          <a:prstGeom prst="rect">
+            <a:avLst/>
+          </a:prstGeom>
+        </p:spPr>
+      </p:pic>
+      <p:pic>
+        <p:nvPicPr>
+          <p:cNvPr id="7" name="Picture 6">
+            <a:extLst>
+              <a:ext uri="{FF2B5EF4-FFF2-40B4-BE49-F238E27FC236}">
+                <a16:creationId xmlns:a16="http://schemas.microsoft.com/office/drawing/2014/main" id="{D63DAE30-1225-AA11-0F28-05E7FD2F21DB}"/>
+              </a:ext>
+            </a:extLst>
+          </p:cNvPr>
+          <p:cNvPicPr>
+            <a:picLocks noChangeAspect="1"/>
+          </p:cNvPicPr>
+          <p:nvPr/>
+        </p:nvPicPr>
+        <p:blipFill>
+          <a:blip r:embed="rId4"/>
+          <a:stretch>
+            <a:fillRect/>
+          </a:stretch>
+        </p:blipFill>
+        <p:spPr>
+          <a:xfrm>
+            <a:off x="7926173" y="0"/>
+            <a:ext cx="4265827" cy="5812402"/>
+          </a:xfrm>
+          <a:prstGeom prst="rect">
+            <a:avLst/>
+          </a:prstGeom>
+        </p:spPr>
+      </p:pic>
+      <mc:AlternateContent xmlns:mc="http://schemas.openxmlformats.org/markup-compatibility/2006">
+        <mc:Choice xmlns:p14="http://schemas.microsoft.com/office/powerpoint/2010/main" Requires="p14">
+          <p:contentPart p14:bwMode="auto" r:id="rId5">
+            <p14:nvContentPartPr>
+              <p14:cNvPr id="8" name="Ink 7">
+                <a:extLst>
+                  <a:ext uri="{FF2B5EF4-FFF2-40B4-BE49-F238E27FC236}">
+                    <a16:creationId xmlns:a16="http://schemas.microsoft.com/office/drawing/2014/main" id="{3053EDC5-B942-DBC7-6E59-D5AAA695AF70}"/>
+                  </a:ext>
+                </a:extLst>
+              </p14:cNvPr>
+              <p14:cNvContentPartPr/>
+              <p14:nvPr/>
+            </p14:nvContentPartPr>
+            <p14:xfrm>
+              <a:off x="5248581" y="1005840"/>
+              <a:ext cx="137160" cy="6840"/>
+            </p14:xfrm>
+          </p:contentPart>
+        </mc:Choice>
+        <mc:Fallback>
+          <p:pic>
+            <p:nvPicPr>
+              <p:cNvPr id="8" name="Ink 7">
+                <a:extLst>
+                  <a:ext uri="{FF2B5EF4-FFF2-40B4-BE49-F238E27FC236}">
+                    <a16:creationId xmlns:a16="http://schemas.microsoft.com/office/drawing/2014/main" id="{3053EDC5-B942-DBC7-6E59-D5AAA695AF70}"/>
+                  </a:ext>
+                </a:extLst>
+              </p:cNvPr>
+              <p:cNvPicPr/>
+              <p:nvPr/>
+            </p:nvPicPr>
+            <p:blipFill>
+              <a:blip r:embed="rId6"/>
+              <a:stretch>
+                <a:fillRect/>
+              </a:stretch>
+            </p:blipFill>
+            <p:spPr>
+              <a:xfrm>
+                <a:off x="5230581" y="987840"/>
+                <a:ext cx="172800" cy="42480"/>
+              </a:xfrm>
+              <a:prstGeom prst="rect">
+                <a:avLst/>
+              </a:prstGeom>
+            </p:spPr>
+          </p:pic>
+        </mc:Fallback>
+      </mc:AlternateContent>
+      <mc:AlternateContent xmlns:mc="http://schemas.openxmlformats.org/markup-compatibility/2006">
+        <mc:Choice xmlns:p14="http://schemas.microsoft.com/office/powerpoint/2010/main" Requires="p14">
+          <p:contentPart p14:bwMode="auto" r:id="rId7">
+            <p14:nvContentPartPr>
+              <p14:cNvPr id="9" name="Ink 8">
+                <a:extLst>
+                  <a:ext uri="{FF2B5EF4-FFF2-40B4-BE49-F238E27FC236}">
+                    <a16:creationId xmlns:a16="http://schemas.microsoft.com/office/drawing/2014/main" id="{9DBC8637-AEFA-CC78-370E-B2B551F5845D}"/>
+                  </a:ext>
+                </a:extLst>
+              </p14:cNvPr>
+              <p14:cNvContentPartPr/>
+              <p14:nvPr/>
+            </p14:nvContentPartPr>
+            <p14:xfrm>
+              <a:off x="5352621" y="1270080"/>
+              <a:ext cx="78480" cy="13320"/>
+            </p14:xfrm>
+          </p:contentPart>
+        </mc:Choice>
+        <mc:Fallback>
+          <p:pic>
+            <p:nvPicPr>
+              <p:cNvPr id="9" name="Ink 8">
+                <a:extLst>
+                  <a:ext uri="{FF2B5EF4-FFF2-40B4-BE49-F238E27FC236}">
+                    <a16:creationId xmlns:a16="http://schemas.microsoft.com/office/drawing/2014/main" id="{9DBC8637-AEFA-CC78-370E-B2B551F5845D}"/>
+                  </a:ext>
+                </a:extLst>
+              </p:cNvPr>
+              <p:cNvPicPr/>
+              <p:nvPr/>
+            </p:nvPicPr>
+            <p:blipFill>
+              <a:blip r:embed="rId8"/>
+              <a:stretch>
+                <a:fillRect/>
+              </a:stretch>
+            </p:blipFill>
+            <p:spPr>
+              <a:xfrm>
+                <a:off x="5334621" y="1252080"/>
+                <a:ext cx="114120" cy="48960"/>
+              </a:xfrm>
+              <a:prstGeom prst="rect">
+                <a:avLst/>
+              </a:prstGeom>
+            </p:spPr>
+          </p:pic>
+        </mc:Fallback>
+      </mc:AlternateContent>
+      <mc:AlternateContent xmlns:mc="http://schemas.openxmlformats.org/markup-compatibility/2006">
+        <mc:Choice xmlns:p14="http://schemas.microsoft.com/office/powerpoint/2010/main" Requires="p14">
+          <p:contentPart p14:bwMode="auto" r:id="rId9">
+            <p14:nvContentPartPr>
+              <p14:cNvPr id="12" name="Ink 11">
+                <a:extLst>
+                  <a:ext uri="{FF2B5EF4-FFF2-40B4-BE49-F238E27FC236}">
+                    <a16:creationId xmlns:a16="http://schemas.microsoft.com/office/drawing/2014/main" id="{A4F83E91-83C0-43A3-0054-08700DFD05C7}"/>
+                  </a:ext>
+                </a:extLst>
+              </p14:cNvPr>
+              <p14:cNvContentPartPr/>
+              <p14:nvPr/>
+            </p14:nvContentPartPr>
+            <p14:xfrm>
+              <a:off x="5973621" y="1663560"/>
+              <a:ext cx="95040" cy="19800"/>
+            </p14:xfrm>
+          </p:contentPart>
+        </mc:Choice>
+        <mc:Fallback>
+          <p:pic>
+            <p:nvPicPr>
+              <p:cNvPr id="12" name="Ink 11">
+                <a:extLst>
+                  <a:ext uri="{FF2B5EF4-FFF2-40B4-BE49-F238E27FC236}">
+                    <a16:creationId xmlns:a16="http://schemas.microsoft.com/office/drawing/2014/main" id="{A4F83E91-83C0-43A3-0054-08700DFD05C7}"/>
+                  </a:ext>
+                </a:extLst>
+              </p:cNvPr>
+              <p:cNvPicPr/>
+              <p:nvPr/>
+            </p:nvPicPr>
+            <p:blipFill>
+              <a:blip r:embed="rId10"/>
+              <a:stretch>
+                <a:fillRect/>
+              </a:stretch>
+            </p:blipFill>
+            <p:spPr>
+              <a:xfrm>
+                <a:off x="5955621" y="1645560"/>
+                <a:ext cx="130680" cy="55440"/>
+              </a:xfrm>
+              <a:prstGeom prst="rect">
+                <a:avLst/>
+              </a:prstGeom>
+            </p:spPr>
+          </p:pic>
+        </mc:Fallback>
+      </mc:AlternateContent>
+      <mc:AlternateContent xmlns:mc="http://schemas.openxmlformats.org/markup-compatibility/2006">
+        <mc:Choice xmlns:p14="http://schemas.microsoft.com/office/powerpoint/2010/main" Requires="p14">
+          <p:contentPart p14:bwMode="auto" r:id="rId11">
+            <p14:nvContentPartPr>
+              <p14:cNvPr id="13" name="Ink 12">
+                <a:extLst>
+                  <a:ext uri="{FF2B5EF4-FFF2-40B4-BE49-F238E27FC236}">
+                    <a16:creationId xmlns:a16="http://schemas.microsoft.com/office/drawing/2014/main" id="{FBEE77B0-E05A-ABD1-9881-D240C240D57D}"/>
+                  </a:ext>
+                </a:extLst>
+              </p14:cNvPr>
+              <p14:cNvContentPartPr/>
+              <p14:nvPr/>
+            </p14:nvContentPartPr>
+            <p14:xfrm>
+              <a:off x="5835741" y="1802520"/>
+              <a:ext cx="114480" cy="3600"/>
+            </p14:xfrm>
+          </p:contentPart>
+        </mc:Choice>
+        <mc:Fallback>
+          <p:pic>
+            <p:nvPicPr>
+              <p:cNvPr id="13" name="Ink 12">
+                <a:extLst>
+                  <a:ext uri="{FF2B5EF4-FFF2-40B4-BE49-F238E27FC236}">
+                    <a16:creationId xmlns:a16="http://schemas.microsoft.com/office/drawing/2014/main" id="{FBEE77B0-E05A-ABD1-9881-D240C240D57D}"/>
+                  </a:ext>
+                </a:extLst>
+              </p:cNvPr>
+              <p:cNvPicPr/>
+              <p:nvPr/>
+            </p:nvPicPr>
+            <p:blipFill>
+              <a:blip r:embed="rId12"/>
+              <a:stretch>
+                <a:fillRect/>
+              </a:stretch>
+            </p:blipFill>
+            <p:spPr>
+              <a:xfrm>
+                <a:off x="5818101" y="1784520"/>
+                <a:ext cx="150120" cy="39240"/>
+              </a:xfrm>
+              <a:prstGeom prst="rect">
+                <a:avLst/>
+              </a:prstGeom>
+            </p:spPr>
+          </p:pic>
+        </mc:Fallback>
+      </mc:AlternateContent>
+      <mc:AlternateContent xmlns:mc="http://schemas.openxmlformats.org/markup-compatibility/2006">
+        <mc:Choice xmlns:p14="http://schemas.microsoft.com/office/powerpoint/2010/main" Requires="p14">
+          <p:contentPart p14:bwMode="auto" r:id="rId13">
+            <p14:nvContentPartPr>
+              <p14:cNvPr id="14" name="Ink 13">
+                <a:extLst>
+                  <a:ext uri="{FF2B5EF4-FFF2-40B4-BE49-F238E27FC236}">
+                    <a16:creationId xmlns:a16="http://schemas.microsoft.com/office/drawing/2014/main" id="{162B4FA8-2FE9-B5F6-35CB-B5DC77AE9E7E}"/>
+                  </a:ext>
+                </a:extLst>
+              </p14:cNvPr>
+              <p14:cNvContentPartPr/>
+              <p14:nvPr/>
+            </p14:nvContentPartPr>
+            <p14:xfrm>
+              <a:off x="573981" y="1447560"/>
+              <a:ext cx="75240" cy="23040"/>
+            </p14:xfrm>
+          </p:contentPart>
+        </mc:Choice>
+        <mc:Fallback>
+          <p:pic>
+            <p:nvPicPr>
+              <p:cNvPr id="14" name="Ink 13">
+                <a:extLst>
+                  <a:ext uri="{FF2B5EF4-FFF2-40B4-BE49-F238E27FC236}">
+                    <a16:creationId xmlns:a16="http://schemas.microsoft.com/office/drawing/2014/main" id="{162B4FA8-2FE9-B5F6-35CB-B5DC77AE9E7E}"/>
+                  </a:ext>
+                </a:extLst>
+              </p:cNvPr>
+              <p:cNvPicPr/>
+              <p:nvPr/>
+            </p:nvPicPr>
+            <p:blipFill>
+              <a:blip r:embed="rId14"/>
+              <a:stretch>
+                <a:fillRect/>
+              </a:stretch>
+            </p:blipFill>
+            <p:spPr>
+              <a:xfrm>
+                <a:off x="555981" y="1429560"/>
+                <a:ext cx="110880" cy="58680"/>
+              </a:xfrm>
+              <a:prstGeom prst="rect">
+                <a:avLst/>
+              </a:prstGeom>
+            </p:spPr>
+          </p:pic>
+        </mc:Fallback>
+      </mc:AlternateContent>
+      <mc:AlternateContent xmlns:mc="http://schemas.openxmlformats.org/markup-compatibility/2006">
+        <mc:Choice xmlns:p14="http://schemas.microsoft.com/office/powerpoint/2010/main" Requires="p14">
+          <p:contentPart p14:bwMode="auto" r:id="rId15">
+            <p14:nvContentPartPr>
+              <p14:cNvPr id="15" name="Ink 14">
+                <a:extLst>
+                  <a:ext uri="{FF2B5EF4-FFF2-40B4-BE49-F238E27FC236}">
+                    <a16:creationId xmlns:a16="http://schemas.microsoft.com/office/drawing/2014/main" id="{BFF6C58C-C742-014A-AC56-CB7E6A1A82CB}"/>
+                  </a:ext>
+                </a:extLst>
+              </p14:cNvPr>
+              <p14:cNvContentPartPr/>
+              <p14:nvPr/>
+            </p14:nvContentPartPr>
+            <p14:xfrm>
+              <a:off x="720861" y="1837440"/>
+              <a:ext cx="39600" cy="16560"/>
+            </p14:xfrm>
+          </p:contentPart>
+        </mc:Choice>
+        <mc:Fallback>
+          <p:pic>
+            <p:nvPicPr>
+              <p:cNvPr id="15" name="Ink 14">
+                <a:extLst>
+                  <a:ext uri="{FF2B5EF4-FFF2-40B4-BE49-F238E27FC236}">
+                    <a16:creationId xmlns:a16="http://schemas.microsoft.com/office/drawing/2014/main" id="{BFF6C58C-C742-014A-AC56-CB7E6A1A82CB}"/>
+                  </a:ext>
+                </a:extLst>
+              </p:cNvPr>
+              <p:cNvPicPr/>
+              <p:nvPr/>
+            </p:nvPicPr>
+            <p:blipFill>
+              <a:blip r:embed="rId16"/>
+              <a:stretch>
+                <a:fillRect/>
+              </a:stretch>
+            </p:blipFill>
+            <p:spPr>
+              <a:xfrm>
+                <a:off x="703221" y="1819800"/>
+                <a:ext cx="75240" cy="52200"/>
+              </a:xfrm>
+              <a:prstGeom prst="rect">
+                <a:avLst/>
+              </a:prstGeom>
+            </p:spPr>
+          </p:pic>
+        </mc:Fallback>
+      </mc:AlternateContent>
+      <mc:AlternateContent xmlns:mc="http://schemas.openxmlformats.org/markup-compatibility/2006">
+        <mc:Choice xmlns:p14="http://schemas.microsoft.com/office/powerpoint/2010/main" Requires="p14">
+          <p:contentPart p14:bwMode="auto" r:id="rId17">
+            <p14:nvContentPartPr>
+              <p14:cNvPr id="19" name="Ink 18">
+                <a:extLst>
+                  <a:ext uri="{FF2B5EF4-FFF2-40B4-BE49-F238E27FC236}">
+                    <a16:creationId xmlns:a16="http://schemas.microsoft.com/office/drawing/2014/main" id="{76743D8F-7464-3AC3-BDF0-63B29237EC50}"/>
+                  </a:ext>
+                </a:extLst>
+              </p14:cNvPr>
+              <p14:cNvContentPartPr/>
+              <p14:nvPr/>
+            </p14:nvContentPartPr>
+            <p14:xfrm>
+              <a:off x="9567501" y="493200"/>
+              <a:ext cx="124200" cy="10080"/>
+            </p14:xfrm>
+          </p:contentPart>
+        </mc:Choice>
+        <mc:Fallback>
+          <p:pic>
+            <p:nvPicPr>
+              <p:cNvPr id="19" name="Ink 18">
+                <a:extLst>
+                  <a:ext uri="{FF2B5EF4-FFF2-40B4-BE49-F238E27FC236}">
+                    <a16:creationId xmlns:a16="http://schemas.microsoft.com/office/drawing/2014/main" id="{76743D8F-7464-3AC3-BDF0-63B29237EC50}"/>
+                  </a:ext>
+                </a:extLst>
+              </p:cNvPr>
+              <p:cNvPicPr/>
+              <p:nvPr/>
+            </p:nvPicPr>
+            <p:blipFill>
+              <a:blip r:embed="rId18"/>
+              <a:stretch>
+                <a:fillRect/>
+              </a:stretch>
+            </p:blipFill>
+            <p:spPr>
+              <a:xfrm>
+                <a:off x="9549501" y="475560"/>
+                <a:ext cx="159840" cy="45720"/>
+              </a:xfrm>
+              <a:prstGeom prst="rect">
+                <a:avLst/>
+              </a:prstGeom>
+            </p:spPr>
+          </p:pic>
+        </mc:Fallback>
+      </mc:AlternateContent>
+      <p:grpSp>
+        <p:nvGrpSpPr>
+          <p:cNvPr id="30" name="Group 29">
+            <a:extLst>
+              <a:ext uri="{FF2B5EF4-FFF2-40B4-BE49-F238E27FC236}">
+                <a16:creationId xmlns:a16="http://schemas.microsoft.com/office/drawing/2014/main" id="{9E7BCBA6-13F1-8BFA-983C-80EF0DA7192D}"/>
+              </a:ext>
+            </a:extLst>
+          </p:cNvPr>
+          <p:cNvGrpSpPr/>
+          <p:nvPr/>
+        </p:nvGrpSpPr>
+        <p:grpSpPr>
+          <a:xfrm>
+            <a:off x="4077501" y="2680200"/>
+            <a:ext cx="3786840" cy="2505960"/>
+            <a:chOff x="4077501" y="2680200"/>
+            <a:chExt cx="3786840" cy="2505960"/>
+          </a:xfrm>
+        </p:grpSpPr>
+        <mc:AlternateContent xmlns:mc="http://schemas.openxmlformats.org/markup-compatibility/2006">
+          <mc:Choice xmlns:p14="http://schemas.microsoft.com/office/powerpoint/2010/main" Requires="p14">
+            <p:contentPart p14:bwMode="auto" r:id="rId19">
+              <p14:nvContentPartPr>
+                <p14:cNvPr id="16" name="Ink 15">
+                  <a:extLst>
+                    <a:ext uri="{FF2B5EF4-FFF2-40B4-BE49-F238E27FC236}">
+                      <a16:creationId xmlns:a16="http://schemas.microsoft.com/office/drawing/2014/main" id="{46FD910F-A964-FB53-E296-2BD177272BAE}"/>
+                    </a:ext>
+                  </a:extLst>
+                </p14:cNvPr>
+                <p14:cNvContentPartPr/>
+                <p14:nvPr/>
+              </p14:nvContentPartPr>
+              <p14:xfrm>
+                <a:off x="4077501" y="2680200"/>
+                <a:ext cx="3786840" cy="2502360"/>
+              </p14:xfrm>
+            </p:contentPart>
+          </mc:Choice>
+          <mc:Fallback>
+            <p:pic>
+              <p:nvPicPr>
+                <p:cNvPr id="16" name="Ink 15">
+                  <a:extLst>
+                    <a:ext uri="{FF2B5EF4-FFF2-40B4-BE49-F238E27FC236}">
+                      <a16:creationId xmlns:a16="http://schemas.microsoft.com/office/drawing/2014/main" id="{46FD910F-A964-FB53-E296-2BD177272BAE}"/>
+                    </a:ext>
+                  </a:extLst>
+                </p:cNvPr>
+                <p:cNvPicPr/>
+                <p:nvPr/>
+              </p:nvPicPr>
+              <p:blipFill>
+                <a:blip r:embed="rId20"/>
+                <a:stretch>
+                  <a:fillRect/>
+                </a:stretch>
+              </p:blipFill>
+              <p:spPr>
+                <a:xfrm>
+                  <a:off x="4059501" y="2662560"/>
+                  <a:ext cx="3822480" cy="2538000"/>
+                </a:xfrm>
+                <a:prstGeom prst="rect">
+                  <a:avLst/>
+                </a:prstGeom>
+              </p:spPr>
+            </p:pic>
+          </mc:Fallback>
+        </mc:AlternateContent>
+        <mc:AlternateContent xmlns:mc="http://schemas.openxmlformats.org/markup-compatibility/2006">
+          <mc:Choice xmlns:p14="http://schemas.microsoft.com/office/powerpoint/2010/main" Requires="p14">
+            <p:contentPart p14:bwMode="auto" r:id="rId21">
+              <p14:nvContentPartPr>
+                <p14:cNvPr id="17" name="Ink 16">
+                  <a:extLst>
+                    <a:ext uri="{FF2B5EF4-FFF2-40B4-BE49-F238E27FC236}">
+                      <a16:creationId xmlns:a16="http://schemas.microsoft.com/office/drawing/2014/main" id="{74F14F82-5F6A-A230-B3C8-B4AE8F01FDD8}"/>
+                    </a:ext>
+                  </a:extLst>
+                </p14:cNvPr>
+                <p14:cNvContentPartPr/>
+                <p14:nvPr/>
+              </p14:nvContentPartPr>
+              <p14:xfrm>
+                <a:off x="4267221" y="2712240"/>
+                <a:ext cx="3519000" cy="2473920"/>
+              </p14:xfrm>
+            </p:contentPart>
+          </mc:Choice>
+          <mc:Fallback>
+            <p:pic>
+              <p:nvPicPr>
+                <p:cNvPr id="17" name="Ink 16">
+                  <a:extLst>
+                    <a:ext uri="{FF2B5EF4-FFF2-40B4-BE49-F238E27FC236}">
+                      <a16:creationId xmlns:a16="http://schemas.microsoft.com/office/drawing/2014/main" id="{74F14F82-5F6A-A230-B3C8-B4AE8F01FDD8}"/>
+                    </a:ext>
+                  </a:extLst>
+                </p:cNvPr>
+                <p:cNvPicPr/>
+                <p:nvPr/>
+              </p:nvPicPr>
+              <p:blipFill>
+                <a:blip r:embed="rId22"/>
+                <a:stretch>
+                  <a:fillRect/>
+                </a:stretch>
+              </p:blipFill>
+              <p:spPr>
+                <a:xfrm>
+                  <a:off x="4249221" y="2694240"/>
+                  <a:ext cx="3554640" cy="2509560"/>
+                </a:xfrm>
+                <a:prstGeom prst="rect">
+                  <a:avLst/>
+                </a:prstGeom>
+              </p:spPr>
+            </p:pic>
+          </mc:Fallback>
+        </mc:AlternateContent>
+        <mc:AlternateContent xmlns:mc="http://schemas.openxmlformats.org/markup-compatibility/2006">
+          <mc:Choice xmlns:p14="http://schemas.microsoft.com/office/powerpoint/2010/main" Requires="p14">
+            <p:contentPart p14:bwMode="auto" r:id="rId23">
+              <p14:nvContentPartPr>
+                <p14:cNvPr id="21" name="Ink 20">
+                  <a:extLst>
+                    <a:ext uri="{FF2B5EF4-FFF2-40B4-BE49-F238E27FC236}">
+                      <a16:creationId xmlns:a16="http://schemas.microsoft.com/office/drawing/2014/main" id="{ACA5CD21-DB8E-CA97-13C7-2AB1C437C6A0}"/>
+                    </a:ext>
+                  </a:extLst>
+                </p14:cNvPr>
+                <p14:cNvContentPartPr/>
+                <p14:nvPr/>
+              </p14:nvContentPartPr>
+              <p14:xfrm>
+                <a:off x="5985141" y="2878920"/>
+                <a:ext cx="64800" cy="210240"/>
+              </p14:xfrm>
+            </p:contentPart>
+          </mc:Choice>
+          <mc:Fallback>
+            <p:pic>
+              <p:nvPicPr>
+                <p:cNvPr id="21" name="Ink 20">
+                  <a:extLst>
+                    <a:ext uri="{FF2B5EF4-FFF2-40B4-BE49-F238E27FC236}">
+                      <a16:creationId xmlns:a16="http://schemas.microsoft.com/office/drawing/2014/main" id="{ACA5CD21-DB8E-CA97-13C7-2AB1C437C6A0}"/>
+                    </a:ext>
+                  </a:extLst>
+                </p:cNvPr>
+                <p:cNvPicPr/>
+                <p:nvPr/>
+              </p:nvPicPr>
+              <p:blipFill>
+                <a:blip r:embed="rId24"/>
+                <a:stretch>
+                  <a:fillRect/>
+                </a:stretch>
+              </p:blipFill>
+              <p:spPr>
+                <a:xfrm>
+                  <a:off x="5967141" y="2861280"/>
+                  <a:ext cx="100440" cy="245880"/>
+                </a:xfrm>
+                <a:prstGeom prst="rect">
+                  <a:avLst/>
+                </a:prstGeom>
+              </p:spPr>
+            </p:pic>
+          </mc:Fallback>
+        </mc:AlternateContent>
+        <mc:AlternateContent xmlns:mc="http://schemas.openxmlformats.org/markup-compatibility/2006">
+          <mc:Choice xmlns:p14="http://schemas.microsoft.com/office/powerpoint/2010/main" Requires="p14">
+            <p:contentPart p14:bwMode="auto" r:id="rId25">
+              <p14:nvContentPartPr>
+                <p14:cNvPr id="22" name="Ink 21">
+                  <a:extLst>
+                    <a:ext uri="{FF2B5EF4-FFF2-40B4-BE49-F238E27FC236}">
+                      <a16:creationId xmlns:a16="http://schemas.microsoft.com/office/drawing/2014/main" id="{60495046-D863-DE00-90D0-4357A92D83A7}"/>
+                    </a:ext>
+                  </a:extLst>
+                </p14:cNvPr>
+                <p14:cNvContentPartPr/>
+                <p14:nvPr/>
+              </p14:nvContentPartPr>
+              <p14:xfrm>
+                <a:off x="6072981" y="2857320"/>
+                <a:ext cx="228600" cy="42480"/>
+              </p14:xfrm>
+            </p:contentPart>
+          </mc:Choice>
+          <mc:Fallback>
+            <p:pic>
+              <p:nvPicPr>
+                <p:cNvPr id="22" name="Ink 21">
+                  <a:extLst>
+                    <a:ext uri="{FF2B5EF4-FFF2-40B4-BE49-F238E27FC236}">
+                      <a16:creationId xmlns:a16="http://schemas.microsoft.com/office/drawing/2014/main" id="{60495046-D863-DE00-90D0-4357A92D83A7}"/>
+                    </a:ext>
+                  </a:extLst>
+                </p:cNvPr>
+                <p:cNvPicPr/>
+                <p:nvPr/>
+              </p:nvPicPr>
+              <p:blipFill>
+                <a:blip r:embed="rId26"/>
+                <a:stretch>
+                  <a:fillRect/>
+                </a:stretch>
+              </p:blipFill>
+              <p:spPr>
+                <a:xfrm>
+                  <a:off x="6055341" y="2839680"/>
+                  <a:ext cx="264240" cy="78120"/>
+                </a:xfrm>
+                <a:prstGeom prst="rect">
+                  <a:avLst/>
+                </a:prstGeom>
+              </p:spPr>
+            </p:pic>
+          </mc:Fallback>
+        </mc:AlternateContent>
+        <mc:AlternateContent xmlns:mc="http://schemas.openxmlformats.org/markup-compatibility/2006">
+          <mc:Choice xmlns:p14="http://schemas.microsoft.com/office/powerpoint/2010/main" Requires="p14">
+            <p:contentPart p14:bwMode="auto" r:id="rId27">
+              <p14:nvContentPartPr>
+                <p14:cNvPr id="24" name="Ink 23">
+                  <a:extLst>
+                    <a:ext uri="{FF2B5EF4-FFF2-40B4-BE49-F238E27FC236}">
+                      <a16:creationId xmlns:a16="http://schemas.microsoft.com/office/drawing/2014/main" id="{B58AA2C0-DC21-7664-7E86-F1EC6BDB036F}"/>
+                    </a:ext>
+                  </a:extLst>
+                </p14:cNvPr>
+                <p14:cNvContentPartPr/>
+                <p14:nvPr/>
+              </p14:nvContentPartPr>
+              <p14:xfrm>
+                <a:off x="6062181" y="2989440"/>
+                <a:ext cx="124200" cy="32760"/>
+              </p14:xfrm>
+            </p:contentPart>
+          </mc:Choice>
+          <mc:Fallback>
+            <p:pic>
+              <p:nvPicPr>
+                <p:cNvPr id="24" name="Ink 23">
+                  <a:extLst>
+                    <a:ext uri="{FF2B5EF4-FFF2-40B4-BE49-F238E27FC236}">
+                      <a16:creationId xmlns:a16="http://schemas.microsoft.com/office/drawing/2014/main" id="{B58AA2C0-DC21-7664-7E86-F1EC6BDB036F}"/>
+                    </a:ext>
+                  </a:extLst>
+                </p:cNvPr>
+                <p:cNvPicPr/>
+                <p:nvPr/>
+              </p:nvPicPr>
+              <p:blipFill>
+                <a:blip r:embed="rId28"/>
+                <a:stretch>
+                  <a:fillRect/>
+                </a:stretch>
+              </p:blipFill>
+              <p:spPr>
+                <a:xfrm>
+                  <a:off x="6044541" y="2971800"/>
+                  <a:ext cx="159840" cy="68400"/>
+                </a:xfrm>
+                <a:prstGeom prst="rect">
+                  <a:avLst/>
+                </a:prstGeom>
+              </p:spPr>
+            </p:pic>
+          </mc:Fallback>
+        </mc:AlternateContent>
+        <mc:AlternateContent xmlns:mc="http://schemas.openxmlformats.org/markup-compatibility/2006">
+          <mc:Choice xmlns:p14="http://schemas.microsoft.com/office/powerpoint/2010/main" Requires="p14">
+            <p:contentPart p14:bwMode="auto" r:id="rId29">
+              <p14:nvContentPartPr>
+                <p14:cNvPr id="25" name="Ink 24">
+                  <a:extLst>
+                    <a:ext uri="{FF2B5EF4-FFF2-40B4-BE49-F238E27FC236}">
+                      <a16:creationId xmlns:a16="http://schemas.microsoft.com/office/drawing/2014/main" id="{174C201F-90AC-A46C-FB23-D7FA87CDC405}"/>
+                    </a:ext>
+                  </a:extLst>
+                </p14:cNvPr>
+                <p14:cNvContentPartPr/>
+                <p14:nvPr/>
+              </p14:nvContentPartPr>
+              <p14:xfrm>
+                <a:off x="5966781" y="3086280"/>
+                <a:ext cx="120960" cy="6840"/>
+              </p14:xfrm>
+            </p:contentPart>
+          </mc:Choice>
+          <mc:Fallback>
+            <p:pic>
+              <p:nvPicPr>
+                <p:cNvPr id="25" name="Ink 24">
+                  <a:extLst>
+                    <a:ext uri="{FF2B5EF4-FFF2-40B4-BE49-F238E27FC236}">
+                      <a16:creationId xmlns:a16="http://schemas.microsoft.com/office/drawing/2014/main" id="{174C201F-90AC-A46C-FB23-D7FA87CDC405}"/>
+                    </a:ext>
+                  </a:extLst>
+                </p:cNvPr>
+                <p:cNvPicPr/>
+                <p:nvPr/>
+              </p:nvPicPr>
+              <p:blipFill>
+                <a:blip r:embed="rId30"/>
+                <a:stretch>
+                  <a:fillRect/>
+                </a:stretch>
+              </p:blipFill>
+              <p:spPr>
+                <a:xfrm>
+                  <a:off x="5948781" y="3068640"/>
+                  <a:ext cx="156600" cy="42480"/>
+                </a:xfrm>
+                <a:prstGeom prst="rect">
+                  <a:avLst/>
+                </a:prstGeom>
+              </p:spPr>
+            </p:pic>
+          </mc:Fallback>
+        </mc:AlternateContent>
+        <mc:AlternateContent xmlns:mc="http://schemas.openxmlformats.org/markup-compatibility/2006">
+          <mc:Choice xmlns:p14="http://schemas.microsoft.com/office/powerpoint/2010/main" Requires="p14">
+            <p:contentPart p14:bwMode="auto" r:id="rId31">
+              <p14:nvContentPartPr>
+                <p14:cNvPr id="26" name="Ink 25">
+                  <a:extLst>
+                    <a:ext uri="{FF2B5EF4-FFF2-40B4-BE49-F238E27FC236}">
+                      <a16:creationId xmlns:a16="http://schemas.microsoft.com/office/drawing/2014/main" id="{F573AF75-C519-B47C-4624-186686D63207}"/>
+                    </a:ext>
+                  </a:extLst>
+                </p14:cNvPr>
+                <p14:cNvContentPartPr/>
+                <p14:nvPr/>
+              </p14:nvContentPartPr>
+              <p14:xfrm>
+                <a:off x="6332541" y="2871000"/>
+                <a:ext cx="55440" cy="197280"/>
+              </p14:xfrm>
+            </p:contentPart>
+          </mc:Choice>
+          <mc:Fallback>
+            <p:pic>
+              <p:nvPicPr>
+                <p:cNvPr id="26" name="Ink 25">
+                  <a:extLst>
+                    <a:ext uri="{FF2B5EF4-FFF2-40B4-BE49-F238E27FC236}">
+                      <a16:creationId xmlns:a16="http://schemas.microsoft.com/office/drawing/2014/main" id="{F573AF75-C519-B47C-4624-186686D63207}"/>
+                    </a:ext>
+                  </a:extLst>
+                </p:cNvPr>
+                <p:cNvPicPr/>
+                <p:nvPr/>
+              </p:nvPicPr>
+              <p:blipFill>
+                <a:blip r:embed="rId32"/>
+                <a:stretch>
+                  <a:fillRect/>
+                </a:stretch>
+              </p:blipFill>
+              <p:spPr>
+                <a:xfrm>
+                  <a:off x="6314541" y="2853360"/>
+                  <a:ext cx="91080" cy="232920"/>
+                </a:xfrm>
+                <a:prstGeom prst="rect">
+                  <a:avLst/>
+                </a:prstGeom>
+              </p:spPr>
+            </p:pic>
+          </mc:Fallback>
+        </mc:AlternateContent>
+        <mc:AlternateContent xmlns:mc="http://schemas.openxmlformats.org/markup-compatibility/2006">
+          <mc:Choice xmlns:p14="http://schemas.microsoft.com/office/powerpoint/2010/main" Requires="p14">
+            <p:contentPart p14:bwMode="auto" r:id="rId33">
+              <p14:nvContentPartPr>
+                <p14:cNvPr id="27" name="Ink 26">
+                  <a:extLst>
+                    <a:ext uri="{FF2B5EF4-FFF2-40B4-BE49-F238E27FC236}">
+                      <a16:creationId xmlns:a16="http://schemas.microsoft.com/office/drawing/2014/main" id="{B85B54A8-08DA-88C0-8F21-BFAEF8D15338}"/>
+                    </a:ext>
+                  </a:extLst>
+                </p14:cNvPr>
+                <p14:cNvContentPartPr/>
+                <p14:nvPr/>
+              </p14:nvContentPartPr>
+              <p14:xfrm>
+                <a:off x="6381501" y="2869200"/>
+                <a:ext cx="199440" cy="234720"/>
+              </p14:xfrm>
+            </p:contentPart>
+          </mc:Choice>
+          <mc:Fallback>
+            <p:pic>
+              <p:nvPicPr>
+                <p:cNvPr id="27" name="Ink 26">
+                  <a:extLst>
+                    <a:ext uri="{FF2B5EF4-FFF2-40B4-BE49-F238E27FC236}">
+                      <a16:creationId xmlns:a16="http://schemas.microsoft.com/office/drawing/2014/main" id="{B85B54A8-08DA-88C0-8F21-BFAEF8D15338}"/>
+                    </a:ext>
+                  </a:extLst>
+                </p:cNvPr>
+                <p:cNvPicPr/>
+                <p:nvPr/>
+              </p:nvPicPr>
+              <p:blipFill>
+                <a:blip r:embed="rId34"/>
+                <a:stretch>
+                  <a:fillRect/>
+                </a:stretch>
+              </p:blipFill>
+              <p:spPr>
+                <a:xfrm>
+                  <a:off x="6363861" y="2851560"/>
+                  <a:ext cx="235080" cy="270360"/>
+                </a:xfrm>
+                <a:prstGeom prst="rect">
+                  <a:avLst/>
+                </a:prstGeom>
+              </p:spPr>
+            </p:pic>
+          </mc:Fallback>
+        </mc:AlternateContent>
+        <mc:AlternateContent xmlns:mc="http://schemas.openxmlformats.org/markup-compatibility/2006">
+          <mc:Choice xmlns:p14="http://schemas.microsoft.com/office/powerpoint/2010/main" Requires="p14">
+            <p:contentPart p14:bwMode="auto" r:id="rId35">
+              <p14:nvContentPartPr>
+                <p14:cNvPr id="28" name="Ink 27">
+                  <a:extLst>
+                    <a:ext uri="{FF2B5EF4-FFF2-40B4-BE49-F238E27FC236}">
+                      <a16:creationId xmlns:a16="http://schemas.microsoft.com/office/drawing/2014/main" id="{920332E8-B6E3-251A-D6E7-7B26D49943AD}"/>
+                    </a:ext>
+                  </a:extLst>
+                </p14:cNvPr>
+                <p14:cNvContentPartPr/>
+                <p14:nvPr/>
+              </p14:nvContentPartPr>
+              <p14:xfrm>
+                <a:off x="6659061" y="2850840"/>
+                <a:ext cx="28080" cy="258840"/>
+              </p14:xfrm>
+            </p:contentPart>
+          </mc:Choice>
+          <mc:Fallback>
+            <p:pic>
+              <p:nvPicPr>
+                <p:cNvPr id="28" name="Ink 27">
+                  <a:extLst>
+                    <a:ext uri="{FF2B5EF4-FFF2-40B4-BE49-F238E27FC236}">
+                      <a16:creationId xmlns:a16="http://schemas.microsoft.com/office/drawing/2014/main" id="{920332E8-B6E3-251A-D6E7-7B26D49943AD}"/>
+                    </a:ext>
+                  </a:extLst>
+                </p:cNvPr>
+                <p:cNvPicPr/>
+                <p:nvPr/>
+              </p:nvPicPr>
+              <p:blipFill>
+                <a:blip r:embed="rId36"/>
+                <a:stretch>
+                  <a:fillRect/>
+                </a:stretch>
+              </p:blipFill>
+              <p:spPr>
+                <a:xfrm>
+                  <a:off x="6641421" y="2832840"/>
+                  <a:ext cx="63720" cy="294480"/>
+                </a:xfrm>
+                <a:prstGeom prst="rect">
+                  <a:avLst/>
+                </a:prstGeom>
+              </p:spPr>
+            </p:pic>
+          </mc:Fallback>
+        </mc:AlternateContent>
+        <mc:AlternateContent xmlns:mc="http://schemas.openxmlformats.org/markup-compatibility/2006">
+          <mc:Choice xmlns:p14="http://schemas.microsoft.com/office/powerpoint/2010/main" Requires="p14">
+            <p:contentPart p14:bwMode="auto" r:id="rId37">
+              <p14:nvContentPartPr>
+                <p14:cNvPr id="29" name="Ink 28">
+                  <a:extLst>
+                    <a:ext uri="{FF2B5EF4-FFF2-40B4-BE49-F238E27FC236}">
+                      <a16:creationId xmlns:a16="http://schemas.microsoft.com/office/drawing/2014/main" id="{8839D030-C333-E567-4A82-0DD1CEAA9A5D}"/>
+                    </a:ext>
+                  </a:extLst>
+                </p14:cNvPr>
+                <p14:cNvContentPartPr/>
+                <p14:nvPr/>
+              </p14:nvContentPartPr>
+              <p14:xfrm>
+                <a:off x="6688581" y="2805840"/>
+                <a:ext cx="140760" cy="303840"/>
+              </p14:xfrm>
+            </p:contentPart>
+          </mc:Choice>
+          <mc:Fallback>
+            <p:pic>
+              <p:nvPicPr>
+                <p:cNvPr id="29" name="Ink 28">
+                  <a:extLst>
+                    <a:ext uri="{FF2B5EF4-FFF2-40B4-BE49-F238E27FC236}">
+                      <a16:creationId xmlns:a16="http://schemas.microsoft.com/office/drawing/2014/main" id="{8839D030-C333-E567-4A82-0DD1CEAA9A5D}"/>
+                    </a:ext>
+                  </a:extLst>
+                </p:cNvPr>
+                <p:cNvPicPr/>
+                <p:nvPr/>
+              </p:nvPicPr>
+              <p:blipFill>
+                <a:blip r:embed="rId38"/>
+                <a:stretch>
+                  <a:fillRect/>
+                </a:stretch>
+              </p:blipFill>
+              <p:spPr>
+                <a:xfrm>
+                  <a:off x="6670581" y="2788200"/>
+                  <a:ext cx="176400" cy="339480"/>
+                </a:xfrm>
+                <a:prstGeom prst="rect">
+                  <a:avLst/>
+                </a:prstGeom>
+              </p:spPr>
+            </p:pic>
+          </mc:Fallback>
+        </mc:AlternateContent>
+      </p:grpSp>
+      <mc:AlternateContent xmlns:mc="http://schemas.openxmlformats.org/markup-compatibility/2006">
+        <mc:Choice xmlns:p14="http://schemas.microsoft.com/office/powerpoint/2010/main" Requires="p14">
+          <p:contentPart p14:bwMode="auto" r:id="rId39">
+            <p14:nvContentPartPr>
+              <p14:cNvPr id="32" name="Ink 31">
+                <a:extLst>
+                  <a:ext uri="{FF2B5EF4-FFF2-40B4-BE49-F238E27FC236}">
+                    <a16:creationId xmlns:a16="http://schemas.microsoft.com/office/drawing/2014/main" id="{DD4625E6-30B8-E468-58CE-233848D1F142}"/>
+                  </a:ext>
+                </a:extLst>
+              </p14:cNvPr>
+              <p14:cNvContentPartPr/>
+              <p14:nvPr/>
+            </p14:nvContentPartPr>
+            <p14:xfrm>
+              <a:off x="6260541" y="472680"/>
+              <a:ext cx="46080" cy="16560"/>
+            </p14:xfrm>
+          </p:contentPart>
+        </mc:Choice>
+        <mc:Fallback>
+          <p:pic>
+            <p:nvPicPr>
+              <p:cNvPr id="32" name="Ink 31">
+                <a:extLst>
+                  <a:ext uri="{FF2B5EF4-FFF2-40B4-BE49-F238E27FC236}">
+                    <a16:creationId xmlns:a16="http://schemas.microsoft.com/office/drawing/2014/main" id="{DD4625E6-30B8-E468-58CE-233848D1F142}"/>
+                  </a:ext>
+                </a:extLst>
+              </p:cNvPr>
+              <p:cNvPicPr/>
+              <p:nvPr/>
+            </p:nvPicPr>
+            <p:blipFill>
+              <a:blip r:embed="rId40"/>
+              <a:stretch>
+                <a:fillRect/>
+              </a:stretch>
+            </p:blipFill>
+            <p:spPr>
+              <a:xfrm>
+                <a:off x="6242901" y="454680"/>
+                <a:ext cx="81720" cy="52200"/>
+              </a:xfrm>
+              <a:prstGeom prst="rect">
+                <a:avLst/>
+              </a:prstGeom>
+            </p:spPr>
+          </p:pic>
+        </mc:Fallback>
+      </mc:AlternateContent>
+      <mc:AlternateContent xmlns:mc="http://schemas.openxmlformats.org/markup-compatibility/2006">
+        <mc:Choice xmlns:p14="http://schemas.microsoft.com/office/powerpoint/2010/main" Requires="p14">
+          <p:contentPart p14:bwMode="auto" r:id="rId41">
+            <p14:nvContentPartPr>
+              <p14:cNvPr id="33" name="Ink 32">
+                <a:extLst>
+                  <a:ext uri="{FF2B5EF4-FFF2-40B4-BE49-F238E27FC236}">
+                    <a16:creationId xmlns:a16="http://schemas.microsoft.com/office/drawing/2014/main" id="{E2439046-333D-85D1-3389-C6A78FD58B5D}"/>
+                  </a:ext>
+                </a:extLst>
+              </p14:cNvPr>
+              <p14:cNvContentPartPr/>
+              <p14:nvPr/>
+            </p14:nvContentPartPr>
+            <p14:xfrm>
+              <a:off x="6381141" y="630720"/>
+              <a:ext cx="36360" cy="10080"/>
+            </p14:xfrm>
+          </p:contentPart>
+        </mc:Choice>
+        <mc:Fallback>
+          <p:pic>
+            <p:nvPicPr>
+              <p:cNvPr id="33" name="Ink 32">
+                <a:extLst>
+                  <a:ext uri="{FF2B5EF4-FFF2-40B4-BE49-F238E27FC236}">
+                    <a16:creationId xmlns:a16="http://schemas.microsoft.com/office/drawing/2014/main" id="{E2439046-333D-85D1-3389-C6A78FD58B5D}"/>
+                  </a:ext>
+                </a:extLst>
+              </p:cNvPr>
+              <p:cNvPicPr/>
+              <p:nvPr/>
+            </p:nvPicPr>
+            <p:blipFill>
+              <a:blip r:embed="rId42"/>
+              <a:stretch>
+                <a:fillRect/>
+              </a:stretch>
+            </p:blipFill>
+            <p:spPr>
+              <a:xfrm>
+                <a:off x="6363501" y="613080"/>
+                <a:ext cx="72000" cy="45720"/>
+              </a:xfrm>
+              <a:prstGeom prst="rect">
+                <a:avLst/>
+              </a:prstGeom>
+            </p:spPr>
+          </p:pic>
+        </mc:Fallback>
+      </mc:AlternateContent>
+      <mc:AlternateContent xmlns:mc="http://schemas.openxmlformats.org/markup-compatibility/2006">
+        <mc:Choice xmlns:p14="http://schemas.microsoft.com/office/powerpoint/2010/main" Requires="p14">
+          <p:contentPart p14:bwMode="auto" r:id="rId43">
+            <p14:nvContentPartPr>
+              <p14:cNvPr id="34" name="Ink 33">
+                <a:extLst>
+                  <a:ext uri="{FF2B5EF4-FFF2-40B4-BE49-F238E27FC236}">
+                    <a16:creationId xmlns:a16="http://schemas.microsoft.com/office/drawing/2014/main" id="{142074AE-F239-5D14-D417-123AC108901E}"/>
+                  </a:ext>
+                </a:extLst>
+              </p14:cNvPr>
+              <p14:cNvContentPartPr/>
+              <p14:nvPr/>
+            </p14:nvContentPartPr>
+            <p14:xfrm>
+              <a:off x="10889061" y="2356920"/>
+              <a:ext cx="23040" cy="360"/>
+            </p14:xfrm>
+          </p:contentPart>
+        </mc:Choice>
+        <mc:Fallback>
+          <p:pic>
+            <p:nvPicPr>
+              <p:cNvPr id="34" name="Ink 33">
+                <a:extLst>
+                  <a:ext uri="{FF2B5EF4-FFF2-40B4-BE49-F238E27FC236}">
+                    <a16:creationId xmlns:a16="http://schemas.microsoft.com/office/drawing/2014/main" id="{142074AE-F239-5D14-D417-123AC108901E}"/>
+                  </a:ext>
+                </a:extLst>
+              </p:cNvPr>
+              <p:cNvPicPr/>
+              <p:nvPr/>
+            </p:nvPicPr>
+            <p:blipFill>
+              <a:blip r:embed="rId44"/>
+              <a:stretch>
+                <a:fillRect/>
+              </a:stretch>
+            </p:blipFill>
+            <p:spPr>
+              <a:xfrm>
+                <a:off x="10871421" y="2339280"/>
+                <a:ext cx="58680" cy="36000"/>
+              </a:xfrm>
+              <a:prstGeom prst="rect">
+                <a:avLst/>
+              </a:prstGeom>
+            </p:spPr>
+          </p:pic>
+        </mc:Fallback>
+      </mc:AlternateContent>
+      <mc:AlternateContent xmlns:mc="http://schemas.openxmlformats.org/markup-compatibility/2006">
+        <mc:Choice xmlns:p14="http://schemas.microsoft.com/office/powerpoint/2010/main" Requires="p14">
+          <p:contentPart p14:bwMode="auto" r:id="rId45">
+            <p14:nvContentPartPr>
+              <p14:cNvPr id="35" name="Ink 34">
+                <a:extLst>
+                  <a:ext uri="{FF2B5EF4-FFF2-40B4-BE49-F238E27FC236}">
+                    <a16:creationId xmlns:a16="http://schemas.microsoft.com/office/drawing/2014/main" id="{68491754-633B-B057-C7B1-49988869E634}"/>
+                  </a:ext>
+                </a:extLst>
+              </p14:cNvPr>
+              <p14:cNvContentPartPr/>
+              <p14:nvPr/>
+            </p14:nvContentPartPr>
+            <p14:xfrm>
+              <a:off x="11329341" y="2766960"/>
+              <a:ext cx="39600" cy="16560"/>
+            </p14:xfrm>
+          </p:contentPart>
+        </mc:Choice>
+        <mc:Fallback>
+          <p:pic>
+            <p:nvPicPr>
+              <p:cNvPr id="35" name="Ink 34">
+                <a:extLst>
+                  <a:ext uri="{FF2B5EF4-FFF2-40B4-BE49-F238E27FC236}">
+                    <a16:creationId xmlns:a16="http://schemas.microsoft.com/office/drawing/2014/main" id="{68491754-633B-B057-C7B1-49988869E634}"/>
+                  </a:ext>
+                </a:extLst>
+              </p:cNvPr>
+              <p:cNvPicPr/>
+              <p:nvPr/>
+            </p:nvPicPr>
+            <p:blipFill>
+              <a:blip r:embed="rId46"/>
+              <a:stretch>
+                <a:fillRect/>
+              </a:stretch>
+            </p:blipFill>
+            <p:spPr>
+              <a:xfrm>
+                <a:off x="11311341" y="2748960"/>
+                <a:ext cx="75240" cy="52200"/>
+              </a:xfrm>
+              <a:prstGeom prst="rect">
+                <a:avLst/>
+              </a:prstGeom>
+            </p:spPr>
+          </p:pic>
+        </mc:Fallback>
+      </mc:AlternateContent>
+      <mc:AlternateContent xmlns:mc="http://schemas.openxmlformats.org/markup-compatibility/2006">
+        <mc:Choice xmlns:p14="http://schemas.microsoft.com/office/powerpoint/2010/main" Requires="p14">
+          <p:contentPart p14:bwMode="auto" r:id="rId47">
+            <p14:nvContentPartPr>
+              <p14:cNvPr id="36" name="Ink 35">
+                <a:extLst>
+                  <a:ext uri="{FF2B5EF4-FFF2-40B4-BE49-F238E27FC236}">
+                    <a16:creationId xmlns:a16="http://schemas.microsoft.com/office/drawing/2014/main" id="{E58C6D71-5BA9-1668-38CB-4459F873CC29}"/>
+                  </a:ext>
+                </a:extLst>
+              </p14:cNvPr>
+              <p14:cNvContentPartPr/>
+              <p14:nvPr/>
+            </p14:nvContentPartPr>
+            <p14:xfrm>
+              <a:off x="5001856" y="1400723"/>
+              <a:ext cx="65520" cy="19440"/>
+            </p14:xfrm>
+          </p:contentPart>
+        </mc:Choice>
+        <mc:Fallback>
+          <p:pic>
+            <p:nvPicPr>
+              <p:cNvPr id="36" name="Ink 35">
+                <a:extLst>
+                  <a:ext uri="{FF2B5EF4-FFF2-40B4-BE49-F238E27FC236}">
+                    <a16:creationId xmlns:a16="http://schemas.microsoft.com/office/drawing/2014/main" id="{E58C6D71-5BA9-1668-38CB-4459F873CC29}"/>
+                  </a:ext>
+                </a:extLst>
+              </p:cNvPr>
+              <p:cNvPicPr/>
+              <p:nvPr/>
+            </p:nvPicPr>
+            <p:blipFill>
+              <a:blip r:embed="rId48"/>
+              <a:stretch>
+                <a:fillRect/>
+              </a:stretch>
+            </p:blipFill>
+            <p:spPr>
+              <a:xfrm>
+                <a:off x="4984216" y="1383083"/>
+                <a:ext cx="101160" cy="55080"/>
+              </a:xfrm>
+              <a:prstGeom prst="rect">
+                <a:avLst/>
+              </a:prstGeom>
+            </p:spPr>
+          </p:pic>
+        </mc:Fallback>
+      </mc:AlternateContent>
+      <mc:AlternateContent xmlns:mc="http://schemas.openxmlformats.org/markup-compatibility/2006">
+        <mc:Choice xmlns:p14="http://schemas.microsoft.com/office/powerpoint/2010/main" Requires="p14">
+          <p:contentPart p14:bwMode="auto" r:id="rId49">
+            <p14:nvContentPartPr>
+              <p14:cNvPr id="37" name="Ink 36">
+                <a:extLst>
+                  <a:ext uri="{FF2B5EF4-FFF2-40B4-BE49-F238E27FC236}">
+                    <a16:creationId xmlns:a16="http://schemas.microsoft.com/office/drawing/2014/main" id="{1D0FA411-C1BE-6E4B-16E6-8275A293860A}"/>
+                  </a:ext>
+                </a:extLst>
+              </p14:cNvPr>
+              <p14:cNvContentPartPr/>
+              <p14:nvPr/>
+            </p14:nvContentPartPr>
+            <p14:xfrm>
+              <a:off x="5619976" y="1524563"/>
+              <a:ext cx="76320" cy="3240"/>
+            </p14:xfrm>
+          </p:contentPart>
+        </mc:Choice>
+        <mc:Fallback>
+          <p:pic>
+            <p:nvPicPr>
+              <p:cNvPr id="37" name="Ink 36">
+                <a:extLst>
+                  <a:ext uri="{FF2B5EF4-FFF2-40B4-BE49-F238E27FC236}">
+                    <a16:creationId xmlns:a16="http://schemas.microsoft.com/office/drawing/2014/main" id="{1D0FA411-C1BE-6E4B-16E6-8275A293860A}"/>
+                  </a:ext>
+                </a:extLst>
+              </p:cNvPr>
+              <p:cNvPicPr/>
+              <p:nvPr/>
+            </p:nvPicPr>
+            <p:blipFill>
+              <a:blip r:embed="rId50"/>
+              <a:stretch>
+                <a:fillRect/>
+              </a:stretch>
+            </p:blipFill>
+            <p:spPr>
+              <a:xfrm>
+                <a:off x="5601976" y="1506563"/>
+                <a:ext cx="111960" cy="38880"/>
+              </a:xfrm>
+              <a:prstGeom prst="rect">
+                <a:avLst/>
+              </a:prstGeom>
+            </p:spPr>
+          </p:pic>
+        </mc:Fallback>
+      </mc:AlternateContent>
+      <mc:AlternateContent xmlns:mc="http://schemas.openxmlformats.org/markup-compatibility/2006">
+        <mc:Choice xmlns:p14="http://schemas.microsoft.com/office/powerpoint/2010/main" Requires="p14">
+          <p:contentPart p14:bwMode="auto" r:id="rId51">
+            <p14:nvContentPartPr>
+              <p14:cNvPr id="38" name="Ink 37">
+                <a:extLst>
+                  <a:ext uri="{FF2B5EF4-FFF2-40B4-BE49-F238E27FC236}">
+                    <a16:creationId xmlns:a16="http://schemas.microsoft.com/office/drawing/2014/main" id="{8AAF9578-0653-513A-DD5F-890AC16C6CCE}"/>
+                  </a:ext>
+                </a:extLst>
+              </p14:cNvPr>
+              <p14:cNvContentPartPr/>
+              <p14:nvPr/>
+            </p14:nvContentPartPr>
+            <p14:xfrm>
+              <a:off x="9568456" y="778283"/>
+              <a:ext cx="122760" cy="5760"/>
+            </p14:xfrm>
+          </p:contentPart>
+        </mc:Choice>
+        <mc:Fallback>
+          <p:pic>
+            <p:nvPicPr>
+              <p:cNvPr id="38" name="Ink 37">
+                <a:extLst>
+                  <a:ext uri="{FF2B5EF4-FFF2-40B4-BE49-F238E27FC236}">
+                    <a16:creationId xmlns:a16="http://schemas.microsoft.com/office/drawing/2014/main" id="{8AAF9578-0653-513A-DD5F-890AC16C6CCE}"/>
+                  </a:ext>
+                </a:extLst>
+              </p:cNvPr>
+              <p:cNvPicPr/>
+              <p:nvPr/>
+            </p:nvPicPr>
+            <p:blipFill>
+              <a:blip r:embed="rId52"/>
+              <a:stretch>
+                <a:fillRect/>
+              </a:stretch>
+            </p:blipFill>
+            <p:spPr>
+              <a:xfrm>
+                <a:off x="9550816" y="760643"/>
+                <a:ext cx="158400" cy="41400"/>
+              </a:xfrm>
+              <a:prstGeom prst="rect">
+                <a:avLst/>
+              </a:prstGeom>
+            </p:spPr>
+          </p:pic>
+        </mc:Fallback>
+      </mc:AlternateContent>
+    </p:spTree>
+    <p:extLst>
+      <p:ext uri="{BB962C8B-B14F-4D97-AF65-F5344CB8AC3E}">
+        <p14:creationId xmlns:p14="http://schemas.microsoft.com/office/powerpoint/2010/main" val="403365694"/>
+      </p:ext>
+    </p:extLst>
+  </p:cSld>
+  <p:clrMapOvr>
+    <a:masterClrMapping/>
+  </p:clrMapOvr>
+</p:sld>
+</file>
+
+<file path=ppt/slides/slide3.xml><?xml version="1.0" encoding="utf-8"?>
+<p:sld xmlns:a="http://schemas.openxmlformats.org/drawingml/2006/main" xmlns:r="http://schemas.openxmlformats.org/officeDocument/2006/relationships" xmlns:p="http://schemas.openxmlformats.org/presentationml/2006/main">
+  <p:cSld>
+    <p:spTree>
+      <p:nvGrpSpPr>
+        <p:cNvPr id="1" name=""/>
+        <p:cNvGrpSpPr/>
+        <p:nvPr/>
+      </p:nvGrpSpPr>
+      <p:grpSpPr>
+        <a:xfrm>
+          <a:off x="0" y="0"/>
+          <a:ext cx="0" cy="0"/>
+          <a:chOff x="0" y="0"/>
+          <a:chExt cx="0" cy="0"/>
+        </a:xfrm>
+      </p:grpSpPr>
+      <p:sp>
+        <p:nvSpPr>
+          <p:cNvPr id="2" name="Title 1">
+            <a:extLst>
+              <a:ext uri="{FF2B5EF4-FFF2-40B4-BE49-F238E27FC236}">
+                <a16:creationId xmlns:a16="http://schemas.microsoft.com/office/drawing/2014/main" id="{1CD41C88-E9D1-8839-E900-1DA00E46AB56}"/>
+              </a:ext>
+            </a:extLst>
+          </p:cNvPr>
+          <p:cNvSpPr>
+            <a:spLocks noGrp="1"/>
+          </p:cNvSpPr>
+          <p:nvPr>
+            <p:ph type="ctrTitle"/>
+          </p:nvPr>
+        </p:nvSpPr>
+        <p:spPr/>
+        <p:txBody>
+          <a:bodyPr/>
+          <a:lstStyle/>
+          <a:p>
+            <a:r>
+              <a:rPr lang="en-US" dirty="0"/>
+              <a:t>Regression Review – With bonus Stats</a:t>
+            </a:r>
+          </a:p>
+        </p:txBody>
+      </p:sp>
+      <p:sp>
+        <p:nvSpPr>
+          <p:cNvPr id="3" name="Subtitle 2">
+            <a:extLst>
+              <a:ext uri="{FF2B5EF4-FFF2-40B4-BE49-F238E27FC236}">
+                <a16:creationId xmlns:a16="http://schemas.microsoft.com/office/drawing/2014/main" id="{E2346E16-3617-F706-D3E4-77EC3CBD9A8B}"/>
+              </a:ext>
+            </a:extLst>
+          </p:cNvPr>
+          <p:cNvSpPr>
+            <a:spLocks noGrp="1"/>
+          </p:cNvSpPr>
+          <p:nvPr>
+            <p:ph type="subTitle" idx="1"/>
+          </p:nvPr>
+        </p:nvSpPr>
+        <p:spPr/>
+        <p:txBody>
+          <a:bodyPr/>
+          <a:lstStyle/>
+          <a:p>
+            <a:endParaRPr lang="en-US"/>
+          </a:p>
+        </p:txBody>
+      </p:sp>
+    </p:spTree>
+    <p:extLst>
+      <p:ext uri="{BB962C8B-B14F-4D97-AF65-F5344CB8AC3E}">
+        <p14:creationId xmlns:p14="http://schemas.microsoft.com/office/powerpoint/2010/main" val="4034163651"/>
+      </p:ext>
+    </p:extLst>
+  </p:cSld>
+  <p:clrMapOvr>
+    <a:masterClrMapping/>
+  </p:clrMapOvr>
+</p:sld>
+</file>
+
+<file path=ppt/slides/slide4.xml><?xml version="1.0" encoding="utf-8"?>
+<p:sld xmlns:a="http://schemas.openxmlformats.org/drawingml/2006/main" xmlns:r="http://schemas.openxmlformats.org/officeDocument/2006/relationships" xmlns:p="http://schemas.openxmlformats.org/presentationml/2006/main">
+  <p:cSld>
+    <p:spTree>
+      <p:nvGrpSpPr>
+        <p:cNvPr id="1" name=""/>
+        <p:cNvGrpSpPr/>
+        <p:nvPr/>
+      </p:nvGrpSpPr>
+      <p:grpSpPr>
+        <a:xfrm>
+          <a:off x="0" y="0"/>
+          <a:ext cx="0" cy="0"/>
+          <a:chOff x="0" y="0"/>
+          <a:chExt cx="0" cy="0"/>
+        </a:xfrm>
+      </p:grpSpPr>
+      <p:sp>
+        <p:nvSpPr>
+          <p:cNvPr id="2" name="Title 1">
+            <a:extLst>
+              <a:ext uri="{FF2B5EF4-FFF2-40B4-BE49-F238E27FC236}">
+                <a16:creationId xmlns:a16="http://schemas.microsoft.com/office/drawing/2014/main" id="{E62FE83D-8844-3562-8B17-8BB4CEE027C9}"/>
+              </a:ext>
+            </a:extLst>
+          </p:cNvPr>
+          <p:cNvSpPr>
+            <a:spLocks noGrp="1"/>
+          </p:cNvSpPr>
+          <p:nvPr>
+            <p:ph type="title"/>
+          </p:nvPr>
+        </p:nvSpPr>
+        <p:spPr/>
+        <p:txBody>
+          <a:bodyPr/>
+          <a:lstStyle/>
+          <a:p>
+            <a:r>
+              <a:rPr lang="en-US" dirty="0"/>
+              <a:t>Data Exploration</a:t>
+            </a:r>
+          </a:p>
+        </p:txBody>
+      </p:sp>
+      <p:sp>
+        <p:nvSpPr>
+          <p:cNvPr id="3" name="Content Placeholder 2">
+            <a:extLst>
+              <a:ext uri="{FF2B5EF4-FFF2-40B4-BE49-F238E27FC236}">
+                <a16:creationId xmlns:a16="http://schemas.microsoft.com/office/drawing/2014/main" id="{56C0D916-FF74-5AF6-B326-676D6DD1F26F}"/>
+              </a:ext>
+            </a:extLst>
+          </p:cNvPr>
+          <p:cNvSpPr>
+            <a:spLocks noGrp="1"/>
+          </p:cNvSpPr>
+          <p:nvPr>
+            <p:ph idx="1"/>
+          </p:nvPr>
+        </p:nvSpPr>
+        <p:spPr/>
+        <p:txBody>
+          <a:bodyPr/>
+          <a:lstStyle/>
+          <a:p>
+            <a:r>
+              <a:rPr lang="en-US" dirty="0"/>
+              <a:t>We always do at least some exploration of data prior to making models. </a:t>
+            </a:r>
+          </a:p>
+          <a:p>
+            <a:pPr lvl="1"/>
+            <a:r>
+              <a:rPr lang="en-US" dirty="0"/>
+              <a:t>Numeric exploration via info, describe, </a:t>
+            </a:r>
+            <a:r>
+              <a:rPr lang="en-US" dirty="0" err="1"/>
+              <a:t>etc</a:t>
+            </a:r>
+            <a:r>
+              <a:rPr lang="en-US" dirty="0"/>
+              <a:t>…</a:t>
+            </a:r>
+          </a:p>
+          <a:p>
+            <a:pPr lvl="1"/>
+            <a:r>
+              <a:rPr lang="en-US" dirty="0"/>
+              <a:t>Visual exploration via </a:t>
+            </a:r>
+            <a:r>
+              <a:rPr lang="en-US" dirty="0" err="1"/>
+              <a:t>pairplots</a:t>
+            </a:r>
+            <a:r>
+              <a:rPr lang="en-US" dirty="0"/>
+              <a:t>, </a:t>
+            </a:r>
+            <a:r>
+              <a:rPr lang="en-US" dirty="0" err="1"/>
+              <a:t>countplots</a:t>
+            </a:r>
+            <a:r>
+              <a:rPr lang="en-US" dirty="0"/>
+              <a:t>, boxplots, etc...</a:t>
+            </a:r>
+          </a:p>
+          <a:p>
+            <a:pPr lvl="1"/>
+            <a:endParaRPr lang="en-US" dirty="0"/>
+          </a:p>
+        </p:txBody>
+      </p:sp>
+    </p:spTree>
+    <p:extLst>
+      <p:ext uri="{BB962C8B-B14F-4D97-AF65-F5344CB8AC3E}">
+        <p14:creationId xmlns:p14="http://schemas.microsoft.com/office/powerpoint/2010/main" val="2761624728"/>
+      </p:ext>
+    </p:extLst>
+  </p:cSld>
+  <p:clrMapOvr>
+    <a:masterClrMapping/>
+  </p:clrMapOvr>
+</p:sld>
+</file>
+
+<file path=ppt/slides/slide5.xml><?xml version="1.0" encoding="utf-8"?>
+<p:sld xmlns:a="http://schemas.openxmlformats.org/drawingml/2006/main" xmlns:r="http://schemas.openxmlformats.org/officeDocument/2006/relationships" xmlns:p="http://schemas.openxmlformats.org/presentationml/2006/main">
+  <p:cSld>
+    <p:spTree>
+      <p:nvGrpSpPr>
+        <p:cNvPr id="1" name=""/>
+        <p:cNvGrpSpPr/>
+        <p:nvPr/>
+      </p:nvGrpSpPr>
+      <p:grpSpPr>
+        <a:xfrm>
+          <a:off x="0" y="0"/>
+          <a:ext cx="0" cy="0"/>
+          <a:chOff x="0" y="0"/>
+          <a:chExt cx="0" cy="0"/>
+        </a:xfrm>
+      </p:grpSpPr>
+      <p:sp>
+        <p:nvSpPr>
+          <p:cNvPr id="2" name="Title 1">
+            <a:extLst>
+              <a:ext uri="{FF2B5EF4-FFF2-40B4-BE49-F238E27FC236}">
+                <a16:creationId xmlns:a16="http://schemas.microsoft.com/office/drawing/2014/main" id="{6FB7459E-1FB4-BFEE-8BD1-3CB12A311158}"/>
+              </a:ext>
+            </a:extLst>
+          </p:cNvPr>
+          <p:cNvSpPr>
+            <a:spLocks noGrp="1"/>
+          </p:cNvSpPr>
+          <p:nvPr>
+            <p:ph type="title"/>
+          </p:nvPr>
+        </p:nvSpPr>
+        <p:spPr/>
+        <p:txBody>
+          <a:bodyPr/>
+          <a:lstStyle/>
+          <a:p>
+            <a:r>
+              <a:rPr lang="en-US" dirty="0"/>
+              <a:t>Preparing Data With Stats</a:t>
+            </a:r>
+          </a:p>
+        </p:txBody>
+      </p:sp>
+      <p:sp>
+        <p:nvSpPr>
+          <p:cNvPr id="3" name="Content Placeholder 2">
+            <a:extLst>
+              <a:ext uri="{FF2B5EF4-FFF2-40B4-BE49-F238E27FC236}">
+                <a16:creationId xmlns:a16="http://schemas.microsoft.com/office/drawing/2014/main" id="{0EB358F1-8B59-B470-B8D4-C2D28D3EE971}"/>
+              </a:ext>
+            </a:extLst>
+          </p:cNvPr>
+          <p:cNvSpPr>
+            <a:spLocks noGrp="1"/>
+          </p:cNvSpPr>
+          <p:nvPr>
+            <p:ph idx="1"/>
+          </p:nvPr>
+        </p:nvSpPr>
+        <p:spPr/>
+        <p:txBody>
+          <a:bodyPr/>
+          <a:lstStyle/>
+          <a:p>
+            <a:r>
+              <a:rPr lang="en-US" dirty="0"/>
+              <a:t>We can use what we see in our data to help us think of changes we can make to prep it for modelling. </a:t>
+            </a:r>
+          </a:p>
+          <a:p>
+            <a:r>
+              <a:rPr lang="en-US" dirty="0"/>
+              <a:t>We can use our knowledge of what may have predictive value to make some judgments. </a:t>
+            </a:r>
+          </a:p>
+          <a:p>
+            <a:r>
+              <a:rPr lang="en-US" dirty="0"/>
+              <a:t>None of these things are definitive improvements, we need to check. </a:t>
+            </a:r>
+          </a:p>
+          <a:p>
+            <a:pPr lvl="1"/>
+            <a:r>
+              <a:rPr lang="en-US" dirty="0"/>
+              <a:t>There is random variation, especially with small data. </a:t>
+            </a:r>
+          </a:p>
+          <a:p>
+            <a:pPr lvl="1"/>
+            <a:r>
+              <a:rPr lang="en-US" dirty="0"/>
+              <a:t>Other model types of hyperparameter combos may perform differently. </a:t>
+            </a:r>
+          </a:p>
+          <a:p>
+            <a:pPr lvl="1"/>
+            <a:endParaRPr lang="en-US" dirty="0"/>
+          </a:p>
+        </p:txBody>
+      </p:sp>
+    </p:spTree>
+    <p:extLst>
+      <p:ext uri="{BB962C8B-B14F-4D97-AF65-F5344CB8AC3E}">
+        <p14:creationId xmlns:p14="http://schemas.microsoft.com/office/powerpoint/2010/main" val="3734327390"/>
+      </p:ext>
+    </p:extLst>
+  </p:cSld>
+  <p:clrMapOvr>
+    <a:masterClrMapping/>
+  </p:clrMapOvr>
+</p:sld>
+</file>
+
+<file path=ppt/slides/slide6.xml><?xml version="1.0" encoding="utf-8"?>
+<p:sld xmlns:a="http://schemas.openxmlformats.org/drawingml/2006/main" xmlns:r="http://schemas.openxmlformats.org/officeDocument/2006/relationships" xmlns:p="http://schemas.openxmlformats.org/presentationml/2006/main">
+  <p:cSld>
+    <p:spTree>
+      <p:nvGrpSpPr>
+        <p:cNvPr id="1" name=""/>
+        <p:cNvGrpSpPr/>
+        <p:nvPr/>
+      </p:nvGrpSpPr>
+      <p:grpSpPr>
+        <a:xfrm>
+          <a:off x="0" y="0"/>
+          <a:ext cx="0" cy="0"/>
+          <a:chOff x="0" y="0"/>
+          <a:chExt cx="0" cy="0"/>
+        </a:xfrm>
+      </p:grpSpPr>
+      <p:sp>
+        <p:nvSpPr>
+          <p:cNvPr id="2" name="Title 1">
+            <a:extLst>
+              <a:ext uri="{FF2B5EF4-FFF2-40B4-BE49-F238E27FC236}">
+                <a16:creationId xmlns:a16="http://schemas.microsoft.com/office/drawing/2014/main" id="{EFC99641-DACB-9D63-51E4-5613B687F7D3}"/>
+              </a:ext>
+            </a:extLst>
+          </p:cNvPr>
+          <p:cNvSpPr>
+            <a:spLocks noGrp="1"/>
+          </p:cNvSpPr>
+          <p:nvPr>
+            <p:ph type="title"/>
+          </p:nvPr>
+        </p:nvSpPr>
+        <p:spPr/>
+        <p:txBody>
+          <a:bodyPr/>
+          <a:lstStyle/>
+          <a:p>
+            <a:r>
+              <a:rPr lang="en-US" dirty="0"/>
+              <a:t>Predictive Value</a:t>
+            </a:r>
+          </a:p>
+        </p:txBody>
+      </p:sp>
+      <p:sp>
+        <p:nvSpPr>
+          <p:cNvPr id="3" name="Content Placeholder 2">
+            <a:extLst>
+              <a:ext uri="{FF2B5EF4-FFF2-40B4-BE49-F238E27FC236}">
+                <a16:creationId xmlns:a16="http://schemas.microsoft.com/office/drawing/2014/main" id="{E0073F9B-B2B6-5207-252D-4D7EE93AC50E}"/>
+              </a:ext>
+            </a:extLst>
+          </p:cNvPr>
+          <p:cNvSpPr>
+            <a:spLocks noGrp="1"/>
+          </p:cNvSpPr>
+          <p:nvPr>
+            <p:ph idx="1"/>
+          </p:nvPr>
+        </p:nvSpPr>
+        <p:spPr>
+          <a:xfrm>
+            <a:off x="1451579" y="1853754"/>
+            <a:ext cx="9603275" cy="2636303"/>
+          </a:xfrm>
+        </p:spPr>
+        <p:txBody>
+          <a:bodyPr/>
+          <a:lstStyle/>
+          <a:p>
+            <a:r>
+              <a:rPr lang="en-US" dirty="0"/>
+              <a:t>We want to have features that have predictive value. </a:t>
+            </a:r>
+          </a:p>
+          <a:p>
+            <a:pPr lvl="1"/>
+            <a:r>
+              <a:rPr lang="en-US" dirty="0"/>
+              <a:t>I.e. knowing the feature helps us predict the target. </a:t>
+            </a:r>
+          </a:p>
+          <a:p>
+            <a:pPr lvl="1"/>
+            <a:r>
+              <a:rPr lang="en-US" dirty="0"/>
+              <a:t>This is most simply seen in correlation – categorical have chi2 which is ~equivalent. </a:t>
+            </a:r>
+          </a:p>
+          <a:p>
+            <a:r>
+              <a:rPr lang="en-US" dirty="0"/>
+              <a:t>Features that have some ‘correlation’ with the target are good, those that don’t aren’t.*</a:t>
+            </a:r>
+          </a:p>
+          <a:p>
+            <a:pPr lvl="1"/>
+            <a:r>
+              <a:rPr lang="en-US" dirty="0"/>
+              <a:t>Think – “if I know what this feature value is, does that tell me about the target?”</a:t>
+            </a:r>
+          </a:p>
+          <a:p>
+            <a:r>
+              <a:rPr lang="en-US" dirty="0"/>
+              <a:t>We can see this correlation in our exploration, to a degree. </a:t>
+            </a:r>
+          </a:p>
+          <a:p>
+            <a:endParaRPr lang="en-US" dirty="0"/>
+          </a:p>
+        </p:txBody>
+      </p:sp>
+      <p:pic>
+        <p:nvPicPr>
+          <p:cNvPr id="1026" name="Picture 2" descr="What is a Correlation Coefficient? The r Value in Statistics Explained">
+            <a:extLst>
+              <a:ext uri="{FF2B5EF4-FFF2-40B4-BE49-F238E27FC236}">
+                <a16:creationId xmlns:a16="http://schemas.microsoft.com/office/drawing/2014/main" id="{05F4889E-2418-1473-0CB2-A5A4C780AEEA}"/>
+              </a:ext>
+            </a:extLst>
+          </p:cNvPr>
+          <p:cNvPicPr>
+            <a:picLocks noChangeAspect="1" noChangeArrowheads="1"/>
+          </p:cNvPicPr>
+          <p:nvPr/>
+        </p:nvPicPr>
+        <p:blipFill>
+          <a:blip r:embed="rId2">
+            <a:extLst>
+              <a:ext uri="{28A0092B-C50C-407E-A947-70E740481C1C}">
+                <a14:useLocalDpi xmlns:a14="http://schemas.microsoft.com/office/drawing/2010/main" val="0"/>
+              </a:ext>
+            </a:extLst>
+          </a:blip>
+          <a:srcRect/>
+          <a:stretch>
+            <a:fillRect/>
+          </a:stretch>
+        </p:blipFill>
+        <p:spPr bwMode="auto">
+          <a:xfrm>
+            <a:off x="2701301" y="4490057"/>
+            <a:ext cx="7103829" cy="2367943"/>
+          </a:xfrm>
+          <a:prstGeom prst="rect">
+            <a:avLst/>
+          </a:prstGeom>
+          <a:noFill/>
+          <a:extLst>
+            <a:ext uri="{909E8E84-426E-40DD-AFC4-6F175D3DCCD1}">
+              <a14:hiddenFill xmlns:a14="http://schemas.microsoft.com/office/drawing/2010/main">
+                <a:solidFill>
+                  <a:srgbClr val="FFFFFF"/>
+                </a:solidFill>
+              </a14:hiddenFill>
+            </a:ext>
+          </a:extLst>
+        </p:spPr>
+      </p:pic>
+    </p:spTree>
+    <p:extLst>
+      <p:ext uri="{BB962C8B-B14F-4D97-AF65-F5344CB8AC3E}">
+        <p14:creationId xmlns:p14="http://schemas.microsoft.com/office/powerpoint/2010/main" val="796216772"/>
+      </p:ext>
+    </p:extLst>
+  </p:cSld>
+  <p:clrMapOvr>
+    <a:masterClrMapping/>
+  </p:clrMapOvr>
+</p:sld>
+</file>
+
+<file path=ppt/slides/slide7.xml><?xml version="1.0" encoding="utf-8"?>
+<p:sld xmlns:a="http://schemas.openxmlformats.org/drawingml/2006/main" xmlns:r="http://schemas.openxmlformats.org/officeDocument/2006/relationships" xmlns:p="http://schemas.openxmlformats.org/presentationml/2006/main">
+  <p:cSld>
+    <p:spTree>
+      <p:nvGrpSpPr>
+        <p:cNvPr id="1" name=""/>
+        <p:cNvGrpSpPr/>
+        <p:nvPr/>
+      </p:nvGrpSpPr>
+      <p:grpSpPr>
+        <a:xfrm>
+          <a:off x="0" y="0"/>
+          <a:ext cx="0" cy="0"/>
+          <a:chOff x="0" y="0"/>
+          <a:chExt cx="0" cy="0"/>
+        </a:xfrm>
+      </p:grpSpPr>
+      <p:sp>
+        <p:nvSpPr>
+          <p:cNvPr id="2" name="Title 1">
+            <a:extLst>
+              <a:ext uri="{FF2B5EF4-FFF2-40B4-BE49-F238E27FC236}">
+                <a16:creationId xmlns:a16="http://schemas.microsoft.com/office/drawing/2014/main" id="{42344F9A-BDD0-5847-79C8-15A670736EC2}"/>
+              </a:ext>
+            </a:extLst>
+          </p:cNvPr>
+          <p:cNvSpPr>
+            <a:spLocks noGrp="1"/>
+          </p:cNvSpPr>
+          <p:nvPr>
+            <p:ph type="title"/>
+          </p:nvPr>
+        </p:nvSpPr>
+        <p:spPr>
+          <a:xfrm>
+            <a:off x="1451578" y="867037"/>
+            <a:ext cx="9603275" cy="1049235"/>
+          </a:xfrm>
+        </p:spPr>
+        <p:txBody>
+          <a:bodyPr/>
+          <a:lstStyle/>
+          <a:p>
+            <a:r>
+              <a:rPr lang="en-US" dirty="0"/>
+              <a:t>But…</a:t>
+            </a:r>
+          </a:p>
+        </p:txBody>
+      </p:sp>
+      <p:sp>
+        <p:nvSpPr>
+          <p:cNvPr id="3" name="Content Placeholder 2">
+            <a:extLst>
+              <a:ext uri="{FF2B5EF4-FFF2-40B4-BE49-F238E27FC236}">
+                <a16:creationId xmlns:a16="http://schemas.microsoft.com/office/drawing/2014/main" id="{2D82B407-EF18-FDC0-F896-897788C4A70F}"/>
+              </a:ext>
+            </a:extLst>
+          </p:cNvPr>
+          <p:cNvSpPr>
+            <a:spLocks noGrp="1"/>
+          </p:cNvSpPr>
+          <p:nvPr>
+            <p:ph idx="1"/>
+          </p:nvPr>
+        </p:nvSpPr>
+        <p:spPr>
+          <a:xfrm>
+            <a:off x="1451579" y="1916272"/>
+            <a:ext cx="9603275" cy="4148098"/>
+          </a:xfrm>
+        </p:spPr>
+        <p:txBody>
+          <a:bodyPr/>
+          <a:lstStyle/>
+          <a:p>
+            <a:r>
+              <a:rPr lang="en-US" dirty="0"/>
+              <a:t>Features being correlated with the target is good, but a simplification. </a:t>
+            </a:r>
+          </a:p>
+          <a:p>
+            <a:r>
+              <a:rPr lang="en-US" dirty="0"/>
+              <a:t>The magic of ML is the models can capture more complex, invisible, relationships. </a:t>
+            </a:r>
+          </a:p>
+          <a:p>
+            <a:pPr lvl="1"/>
+            <a:r>
+              <a:rPr lang="en-US" dirty="0"/>
+              <a:t>E.g. a combination of 397 features can be highly correlated with the target. </a:t>
+            </a:r>
+          </a:p>
+          <a:p>
+            <a:r>
+              <a:rPr lang="en-US" dirty="0"/>
+              <a:t>Our inspection in 1-3 dimensions can help, but isn’t everything. </a:t>
+            </a:r>
+          </a:p>
+          <a:p>
+            <a:pPr lvl="1"/>
+            <a:r>
+              <a:rPr lang="en-US" dirty="0"/>
+              <a:t>We won’t find a deterministic set of actions to take that will give the best model. </a:t>
+            </a:r>
+          </a:p>
+          <a:p>
+            <a:pPr lvl="1"/>
+            <a:r>
+              <a:rPr lang="en-US" dirty="0"/>
+              <a:t>Our brains’ “r-squared” in this scenario can be pretty low.</a:t>
+            </a:r>
+          </a:p>
+          <a:p>
+            <a:pPr lvl="1"/>
+            <a:r>
+              <a:rPr lang="en-US" dirty="0"/>
+              <a:t>We can get rid of things that are useless, and take attempts at improvements, but we need to test and check the results to know if changes are actually good.  </a:t>
+            </a:r>
+          </a:p>
+          <a:p>
+            <a:r>
+              <a:rPr lang="en-US" dirty="0"/>
+              <a:t>We can do a pass here to help, but we aren’t calculating the answer. </a:t>
+            </a:r>
+          </a:p>
+        </p:txBody>
+      </p:sp>
+    </p:spTree>
+    <p:extLst>
+      <p:ext uri="{BB962C8B-B14F-4D97-AF65-F5344CB8AC3E}">
+        <p14:creationId xmlns:p14="http://schemas.microsoft.com/office/powerpoint/2010/main" val="4049128149"/>
+      </p:ext>
+    </p:extLst>
+  </p:cSld>
+  <p:clrMapOvr>
+    <a:masterClrMapping/>
+  </p:clrMapOvr>
+</p:sld>
+</file>
+
+<file path=ppt/slides/slide8.xml><?xml version="1.0" encoding="utf-8"?>
+<p:sld xmlns:a="http://schemas.openxmlformats.org/drawingml/2006/main" xmlns:r="http://schemas.openxmlformats.org/officeDocument/2006/relationships" xmlns:p="http://schemas.openxmlformats.org/presentationml/2006/main">
+  <p:cSld>
+    <p:spTree>
+      <p:nvGrpSpPr>
+        <p:cNvPr id="1" name=""/>
+        <p:cNvGrpSpPr/>
+        <p:nvPr/>
+      </p:nvGrpSpPr>
+      <p:grpSpPr>
+        <a:xfrm>
+          <a:off x="0" y="0"/>
+          <a:ext cx="0" cy="0"/>
+          <a:chOff x="0" y="0"/>
+          <a:chExt cx="0" cy="0"/>
+        </a:xfrm>
+      </p:grpSpPr>
+      <p:sp>
+        <p:nvSpPr>
+          <p:cNvPr id="2" name="Title 1">
+            <a:extLst>
+              <a:ext uri="{FF2B5EF4-FFF2-40B4-BE49-F238E27FC236}">
+                <a16:creationId xmlns:a16="http://schemas.microsoft.com/office/drawing/2014/main" id="{86B89E55-5EF9-334E-2151-0826FA9FA2EB}"/>
+              </a:ext>
+            </a:extLst>
+          </p:cNvPr>
+          <p:cNvSpPr>
+            <a:spLocks noGrp="1"/>
+          </p:cNvSpPr>
+          <p:nvPr>
+            <p:ph type="title"/>
+          </p:nvPr>
+        </p:nvSpPr>
+        <p:spPr/>
+        <p:txBody>
+          <a:bodyPr/>
+          <a:lstStyle/>
+          <a:p>
+            <a:r>
+              <a:rPr lang="en-US" dirty="0"/>
+              <a:t>Nothing is Real</a:t>
+            </a:r>
+          </a:p>
+        </p:txBody>
+      </p:sp>
+      <p:sp>
+        <p:nvSpPr>
+          <p:cNvPr id="3" name="Content Placeholder 2">
+            <a:extLst>
+              <a:ext uri="{FF2B5EF4-FFF2-40B4-BE49-F238E27FC236}">
+                <a16:creationId xmlns:a16="http://schemas.microsoft.com/office/drawing/2014/main" id="{2371F27D-DCA8-A096-DF13-A40D6AEB5C67}"/>
+              </a:ext>
+            </a:extLst>
+          </p:cNvPr>
+          <p:cNvSpPr>
+            <a:spLocks noGrp="1"/>
+          </p:cNvSpPr>
+          <p:nvPr>
+            <p:ph idx="1"/>
+          </p:nvPr>
+        </p:nvSpPr>
+        <p:spPr>
+          <a:xfrm>
+            <a:off x="1451579" y="1853754"/>
+            <a:ext cx="9603275" cy="4122976"/>
+          </a:xfrm>
+        </p:spPr>
+        <p:txBody>
+          <a:bodyPr/>
+          <a:lstStyle/>
+          <a:p>
+            <a:r>
+              <a:rPr lang="en-US" dirty="0"/>
+              <a:t>When we are trying things like this, it is weird and often not intuitive. </a:t>
+            </a:r>
+          </a:p>
+          <a:p>
+            <a:r>
+              <a:rPr lang="en-US" dirty="0"/>
+              <a:t>The goal is to create a dataset that represents some real-world thing, in a way that allows a ML model to predict the target accurately. </a:t>
+            </a:r>
+          </a:p>
+          <a:p>
+            <a:pPr lvl="1"/>
+            <a:r>
+              <a:rPr lang="en-US" dirty="0"/>
+              <a:t>This is not the same as doing manipulations of our original data. </a:t>
+            </a:r>
+          </a:p>
+          <a:p>
+            <a:pPr lvl="1"/>
+            <a:r>
+              <a:rPr lang="en-US" dirty="0"/>
+              <a:t>The representation is not a defined, real thing, we are creating it from our data. </a:t>
+            </a:r>
+          </a:p>
+          <a:p>
+            <a:pPr lvl="1"/>
+            <a:r>
+              <a:rPr lang="en-US" dirty="0"/>
+              <a:t>Our dataset isn’t reality, it is one snapshot of some metrics, from reality. </a:t>
+            </a:r>
+          </a:p>
+          <a:p>
+            <a:r>
+              <a:rPr lang="en-US" dirty="0"/>
+              <a:t>Changing the data to make it “more legible” to the model, is ok. Like phonetic spelling. </a:t>
+            </a:r>
+          </a:p>
+          <a:p>
+            <a:r>
+              <a:rPr lang="en-US" dirty="0"/>
+              <a:t>Simple things here are required, the more elaborate things are more of an art. </a:t>
+            </a:r>
+          </a:p>
+          <a:p>
+            <a:pPr lvl="1"/>
+            <a:endParaRPr lang="en-US" dirty="0"/>
+          </a:p>
+        </p:txBody>
+      </p:sp>
+    </p:spTree>
+    <p:extLst>
+      <p:ext uri="{BB962C8B-B14F-4D97-AF65-F5344CB8AC3E}">
+        <p14:creationId xmlns:p14="http://schemas.microsoft.com/office/powerpoint/2010/main" val="2511495206"/>
+      </p:ext>
+    </p:extLst>
+  </p:cSld>
+  <p:clrMapOvr>
+    <a:masterClrMapping/>
+  </p:clrMapOvr>
+</p:sld>
+</file>
+
+<file path=ppt/slides/slide9.xml><?xml version="1.0" encoding="utf-8"?>
+<p:sld xmlns:a="http://schemas.openxmlformats.org/drawingml/2006/main" xmlns:r="http://schemas.openxmlformats.org/officeDocument/2006/relationships" xmlns:p="http://schemas.openxmlformats.org/presentationml/2006/main">
+  <p:cSld>
+    <p:spTree>
+      <p:nvGrpSpPr>
+        <p:cNvPr id="1" name=""/>
+        <p:cNvGrpSpPr/>
+        <p:nvPr/>
+      </p:nvGrpSpPr>
+      <p:grpSpPr>
+        <a:xfrm>
+          <a:off x="0" y="0"/>
+          <a:ext cx="0" cy="0"/>
+          <a:chOff x="0" y="0"/>
+          <a:chExt cx="0" cy="0"/>
+        </a:xfrm>
+      </p:grpSpPr>
+      <p:sp>
+        <p:nvSpPr>
+          <p:cNvPr id="2" name="Title 1">
+            <a:extLst>
+              <a:ext uri="{FF2B5EF4-FFF2-40B4-BE49-F238E27FC236}">
+                <a16:creationId xmlns:a16="http://schemas.microsoft.com/office/drawing/2014/main" id="{92D52C19-3C90-285E-0B38-8E8996040184}"/>
+              </a:ext>
+            </a:extLst>
+          </p:cNvPr>
+          <p:cNvSpPr>
+            <a:spLocks noGrp="1"/>
+          </p:cNvSpPr>
+          <p:nvPr>
+            <p:ph type="title"/>
+          </p:nvPr>
+        </p:nvSpPr>
+        <p:spPr/>
+        <p:txBody>
+          <a:bodyPr/>
+          <a:lstStyle/>
+          <a:p>
+            <a:r>
+              <a:rPr lang="en-US" dirty="0"/>
+              <a:t>Hooked on data</a:t>
+            </a:r>
+          </a:p>
+        </p:txBody>
+      </p:sp>
+      <p:sp>
+        <p:nvSpPr>
+          <p:cNvPr id="3" name="Content Placeholder 2">
+            <a:extLst>
+              <a:ext uri="{FF2B5EF4-FFF2-40B4-BE49-F238E27FC236}">
+                <a16:creationId xmlns:a16="http://schemas.microsoft.com/office/drawing/2014/main" id="{C3B3B033-EA28-97AE-133C-02460EA7906B}"/>
+              </a:ext>
+            </a:extLst>
+          </p:cNvPr>
+          <p:cNvSpPr>
+            <a:spLocks noGrp="1"/>
+          </p:cNvSpPr>
+          <p:nvPr>
+            <p:ph idx="1"/>
+          </p:nvPr>
+        </p:nvSpPr>
+        <p:spPr>
+          <a:xfrm>
+            <a:off x="1451579" y="2015732"/>
+            <a:ext cx="9603275" cy="4037749"/>
+          </a:xfrm>
+        </p:spPr>
+        <p:txBody>
+          <a:bodyPr/>
+          <a:lstStyle/>
+          <a:p>
+            <a:r>
+              <a:rPr lang="en-US" dirty="0"/>
+              <a:t>When kids learn how to read, they may be ‘trained’ on phonetical data. </a:t>
+            </a:r>
+          </a:p>
+          <a:p>
+            <a:pPr lvl="1"/>
+            <a:r>
+              <a:rPr lang="en-US" dirty="0"/>
+              <a:t>This alternate representation of actual language allows the model (a kid) to learn better. </a:t>
+            </a:r>
+          </a:p>
+          <a:p>
+            <a:pPr lvl="1"/>
+            <a:r>
+              <a:rPr lang="en-US" dirty="0"/>
+              <a:t>The real text is transformed into the </a:t>
+            </a:r>
+            <a:r>
+              <a:rPr lang="en-US" dirty="0" err="1"/>
+              <a:t>pheonetical</a:t>
+            </a:r>
+            <a:r>
+              <a:rPr lang="en-US" dirty="0"/>
+              <a:t> representations.</a:t>
+            </a:r>
+          </a:p>
+          <a:p>
+            <a:r>
+              <a:rPr lang="en-US" dirty="0"/>
+              <a:t>Our models are similar – we want to be able to predict accurately. </a:t>
+            </a:r>
+          </a:p>
+          <a:p>
+            <a:pPr lvl="1"/>
+            <a:r>
+              <a:rPr lang="en-US" dirty="0"/>
+              <a:t>If some alternate version of the data we have allows them to learn better, that’s good. </a:t>
+            </a:r>
+          </a:p>
+          <a:p>
+            <a:pPr lvl="1"/>
+            <a:r>
+              <a:rPr lang="en-US" dirty="0"/>
+              <a:t>We can do whatever we need to (encode, scale, transform) as long as it helps the model. </a:t>
+            </a:r>
+          </a:p>
+        </p:txBody>
+      </p:sp>
+      <p:pic>
+        <p:nvPicPr>
+          <p:cNvPr id="5122" name="Picture 2" descr="Word Division Dots and Syllable Hyphens | Merriam-Webster">
+            <a:extLst>
+              <a:ext uri="{FF2B5EF4-FFF2-40B4-BE49-F238E27FC236}">
+                <a16:creationId xmlns:a16="http://schemas.microsoft.com/office/drawing/2014/main" id="{737D87ED-3124-CEE8-B126-287BC9C7EA58}"/>
+              </a:ext>
+            </a:extLst>
+          </p:cNvPr>
+          <p:cNvPicPr>
+            <a:picLocks noChangeAspect="1" noChangeArrowheads="1"/>
+          </p:cNvPicPr>
+          <p:nvPr/>
+        </p:nvPicPr>
+        <p:blipFill rotWithShape="1">
+          <a:blip r:embed="rId2">
+            <a:extLst>
+              <a:ext uri="{28A0092B-C50C-407E-A947-70E740481C1C}">
+                <a14:useLocalDpi xmlns:a14="http://schemas.microsoft.com/office/drawing/2010/main" val="0"/>
+              </a:ext>
+            </a:extLst>
+          </a:blip>
+          <a:srcRect t="3768" b="6460"/>
+          <a:stretch/>
+        </p:blipFill>
+        <p:spPr bwMode="auto">
+          <a:xfrm>
+            <a:off x="4005316" y="4703196"/>
+            <a:ext cx="4495800" cy="2154804"/>
+          </a:xfrm>
+          <a:prstGeom prst="rect">
+            <a:avLst/>
+          </a:prstGeom>
+          <a:noFill/>
+          <a:extLst>
+            <a:ext uri="{909E8E84-426E-40DD-AFC4-6F175D3DCCD1}">
+              <a14:hiddenFill xmlns:a14="http://schemas.microsoft.com/office/drawing/2010/main">
+                <a:solidFill>
+                  <a:srgbClr val="FFFFFF"/>
+                </a:solidFill>
+              </a14:hiddenFill>
+            </a:ext>
+          </a:extLst>
+        </p:spPr>
+      </p:pic>
+    </p:spTree>
+    <p:extLst>
+      <p:ext uri="{BB962C8B-B14F-4D97-AF65-F5344CB8AC3E}">
+        <p14:creationId xmlns:p14="http://schemas.microsoft.com/office/powerpoint/2010/main" val="1263938940"/>
       </p:ext>
     </p:extLst>
   </p:cSld>
